--- a/making/forSVG.pptx
+++ b/making/forSVG.pptx
@@ -14,6 +14,9 @@
     <p:sldId id="263" r:id="rId8"/>
     <p:sldId id="264" r:id="rId9"/>
     <p:sldId id="265" r:id="rId10"/>
+    <p:sldId id="266" r:id="rId11"/>
+    <p:sldId id="267" r:id="rId12"/>
+    <p:sldId id="268" r:id="rId13"/>
   </p:sldIdLst>
   <p:sldSz cx="6858000" cy="9906000" type="A4"/>
   <p:notesSz cx="6858000" cy="9144000"/>
@@ -251,7 +254,7 @@
           <a:p>
             <a:fld id="{AF681403-1432-4C62-98CD-8CEF49101E6B}" type="datetimeFigureOut">
               <a:rPr kumimoji="1" lang="ja-JP" altLang="en-US" smtClean="0"/>
-              <a:t>2023/1/21</a:t>
+              <a:t>2023/1/24</a:t>
             </a:fld>
             <a:endParaRPr kumimoji="1" lang="ja-JP" altLang="en-US"/>
           </a:p>
@@ -453,7 +456,7 @@
           <a:p>
             <a:fld id="{AF681403-1432-4C62-98CD-8CEF49101E6B}" type="datetimeFigureOut">
               <a:rPr kumimoji="1" lang="ja-JP" altLang="en-US" smtClean="0"/>
-              <a:t>2023/1/21</a:t>
+              <a:t>2023/1/24</a:t>
             </a:fld>
             <a:endParaRPr kumimoji="1" lang="ja-JP" altLang="en-US"/>
           </a:p>
@@ -665,7 +668,7 @@
           <a:p>
             <a:fld id="{AF681403-1432-4C62-98CD-8CEF49101E6B}" type="datetimeFigureOut">
               <a:rPr kumimoji="1" lang="ja-JP" altLang="en-US" smtClean="0"/>
-              <a:t>2023/1/21</a:t>
+              <a:t>2023/1/24</a:t>
             </a:fld>
             <a:endParaRPr kumimoji="1" lang="ja-JP" altLang="en-US"/>
           </a:p>
@@ -867,7 +870,7 @@
           <a:p>
             <a:fld id="{AF681403-1432-4C62-98CD-8CEF49101E6B}" type="datetimeFigureOut">
               <a:rPr kumimoji="1" lang="ja-JP" altLang="en-US" smtClean="0"/>
-              <a:t>2023/1/21</a:t>
+              <a:t>2023/1/24</a:t>
             </a:fld>
             <a:endParaRPr kumimoji="1" lang="ja-JP" altLang="en-US"/>
           </a:p>
@@ -1111,7 +1114,7 @@
           <a:p>
             <a:fld id="{AF681403-1432-4C62-98CD-8CEF49101E6B}" type="datetimeFigureOut">
               <a:rPr kumimoji="1" lang="ja-JP" altLang="en-US" smtClean="0"/>
-              <a:t>2023/1/21</a:t>
+              <a:t>2023/1/24</a:t>
             </a:fld>
             <a:endParaRPr kumimoji="1" lang="ja-JP" altLang="en-US"/>
           </a:p>
@@ -1407,7 +1410,7 @@
           <a:p>
             <a:fld id="{AF681403-1432-4C62-98CD-8CEF49101E6B}" type="datetimeFigureOut">
               <a:rPr kumimoji="1" lang="ja-JP" altLang="en-US" smtClean="0"/>
-              <a:t>2023/1/21</a:t>
+              <a:t>2023/1/24</a:t>
             </a:fld>
             <a:endParaRPr kumimoji="1" lang="ja-JP" altLang="en-US"/>
           </a:p>
@@ -1838,7 +1841,7 @@
           <a:p>
             <a:fld id="{AF681403-1432-4C62-98CD-8CEF49101E6B}" type="datetimeFigureOut">
               <a:rPr kumimoji="1" lang="ja-JP" altLang="en-US" smtClean="0"/>
-              <a:t>2023/1/21</a:t>
+              <a:t>2023/1/24</a:t>
             </a:fld>
             <a:endParaRPr kumimoji="1" lang="ja-JP" altLang="en-US"/>
           </a:p>
@@ -1956,7 +1959,7 @@
           <a:p>
             <a:fld id="{AF681403-1432-4C62-98CD-8CEF49101E6B}" type="datetimeFigureOut">
               <a:rPr kumimoji="1" lang="ja-JP" altLang="en-US" smtClean="0"/>
-              <a:t>2023/1/21</a:t>
+              <a:t>2023/1/24</a:t>
             </a:fld>
             <a:endParaRPr kumimoji="1" lang="ja-JP" altLang="en-US"/>
           </a:p>
@@ -2051,7 +2054,7 @@
           <a:p>
             <a:fld id="{AF681403-1432-4C62-98CD-8CEF49101E6B}" type="datetimeFigureOut">
               <a:rPr kumimoji="1" lang="ja-JP" altLang="en-US" smtClean="0"/>
-              <a:t>2023/1/21</a:t>
+              <a:t>2023/1/24</a:t>
             </a:fld>
             <a:endParaRPr kumimoji="1" lang="ja-JP" altLang="en-US"/>
           </a:p>
@@ -2360,7 +2363,7 @@
           <a:p>
             <a:fld id="{AF681403-1432-4C62-98CD-8CEF49101E6B}" type="datetimeFigureOut">
               <a:rPr kumimoji="1" lang="ja-JP" altLang="en-US" smtClean="0"/>
-              <a:t>2023/1/21</a:t>
+              <a:t>2023/1/24</a:t>
             </a:fld>
             <a:endParaRPr kumimoji="1" lang="ja-JP" altLang="en-US"/>
           </a:p>
@@ -2617,7 +2620,7 @@
           <a:p>
             <a:fld id="{AF681403-1432-4C62-98CD-8CEF49101E6B}" type="datetimeFigureOut">
               <a:rPr kumimoji="1" lang="ja-JP" altLang="en-US" smtClean="0"/>
-              <a:t>2023/1/21</a:t>
+              <a:t>2023/1/24</a:t>
             </a:fld>
             <a:endParaRPr kumimoji="1" lang="ja-JP" altLang="en-US"/>
           </a:p>
@@ -2862,7 +2865,7 @@
           <a:p>
             <a:fld id="{AF681403-1432-4C62-98CD-8CEF49101E6B}" type="datetimeFigureOut">
               <a:rPr kumimoji="1" lang="ja-JP" altLang="en-US" smtClean="0"/>
-              <a:t>2023/1/21</a:t>
+              <a:t>2023/1/24</a:t>
             </a:fld>
             <a:endParaRPr kumimoji="1" lang="ja-JP" altLang="en-US"/>
           </a:p>
@@ -8225,6 +8228,3702 @@
     <p:extLst>
       <p:ext uri="{BB962C8B-B14F-4D97-AF65-F5344CB8AC3E}">
         <p14:creationId xmlns:p14="http://schemas.microsoft.com/office/powerpoint/2010/main" val="903532887"/>
+      </p:ext>
+    </p:extLst>
+  </p:cSld>
+  <p:clrMapOvr>
+    <a:masterClrMapping/>
+  </p:clrMapOvr>
+</p:sld>
+</file>
+
+<file path=ppt/slides/slide10.xml><?xml version="1.0" encoding="utf-8"?>
+<p:sld xmlns:a="http://schemas.openxmlformats.org/drawingml/2006/main" xmlns:r="http://schemas.openxmlformats.org/officeDocument/2006/relationships" xmlns:p="http://schemas.openxmlformats.org/presentationml/2006/main">
+  <p:cSld>
+    <p:spTree>
+      <p:nvGrpSpPr>
+        <p:cNvPr id="1" name=""/>
+        <p:cNvGrpSpPr/>
+        <p:nvPr/>
+      </p:nvGrpSpPr>
+      <p:grpSpPr>
+        <a:xfrm>
+          <a:off x="0" y="0"/>
+          <a:ext cx="0" cy="0"/>
+          <a:chOff x="0" y="0"/>
+          <a:chExt cx="0" cy="0"/>
+        </a:xfrm>
+      </p:grpSpPr>
+      <p:graphicFrame>
+        <p:nvGraphicFramePr>
+          <p:cNvPr id="4" name="表 3">
+            <a:extLst>
+              <a:ext uri="{FF2B5EF4-FFF2-40B4-BE49-F238E27FC236}">
+                <a16:creationId xmlns:a16="http://schemas.microsoft.com/office/drawing/2014/main" id="{C64B0384-4C76-9A58-7746-0ADCEFD859FE}"/>
+              </a:ext>
+            </a:extLst>
+          </p:cNvPr>
+          <p:cNvGraphicFramePr>
+            <a:graphicFrameLocks noGrp="1"/>
+          </p:cNvGraphicFramePr>
+          <p:nvPr>
+            <p:extLst>
+              <p:ext uri="{D42A27DB-BD31-4B8C-83A1-F6EECF244321}">
+                <p14:modId xmlns:p14="http://schemas.microsoft.com/office/powerpoint/2010/main" val="1951392152"/>
+              </p:ext>
+            </p:extLst>
+          </p:nvPr>
+        </p:nvGraphicFramePr>
+        <p:xfrm>
+          <a:off x="471487" y="1995487"/>
+          <a:ext cx="5915025" cy="5915025"/>
+        </p:xfrm>
+        <a:graphic>
+          <a:graphicData uri="http://schemas.openxmlformats.org/drawingml/2006/table">
+            <a:tbl>
+              <a:tblPr/>
+              <a:tblGrid>
+                <a:gridCol w="1183005">
+                  <a:extLst>
+                    <a:ext uri="{9D8B030D-6E8A-4147-A177-3AD203B41FA5}">
+                      <a16:colId xmlns:a16="http://schemas.microsoft.com/office/drawing/2014/main" val="3673597614"/>
+                    </a:ext>
+                  </a:extLst>
+                </a:gridCol>
+                <a:gridCol w="1183005">
+                  <a:extLst>
+                    <a:ext uri="{9D8B030D-6E8A-4147-A177-3AD203B41FA5}">
+                      <a16:colId xmlns:a16="http://schemas.microsoft.com/office/drawing/2014/main" val="2386924039"/>
+                    </a:ext>
+                  </a:extLst>
+                </a:gridCol>
+                <a:gridCol w="1183005">
+                  <a:extLst>
+                    <a:ext uri="{9D8B030D-6E8A-4147-A177-3AD203B41FA5}">
+                      <a16:colId xmlns:a16="http://schemas.microsoft.com/office/drawing/2014/main" val="3010183714"/>
+                    </a:ext>
+                  </a:extLst>
+                </a:gridCol>
+                <a:gridCol w="1183005">
+                  <a:extLst>
+                    <a:ext uri="{9D8B030D-6E8A-4147-A177-3AD203B41FA5}">
+                      <a16:colId xmlns:a16="http://schemas.microsoft.com/office/drawing/2014/main" val="4192947364"/>
+                    </a:ext>
+                  </a:extLst>
+                </a:gridCol>
+                <a:gridCol w="1183005">
+                  <a:extLst>
+                    <a:ext uri="{9D8B030D-6E8A-4147-A177-3AD203B41FA5}">
+                      <a16:colId xmlns:a16="http://schemas.microsoft.com/office/drawing/2014/main" val="960309095"/>
+                    </a:ext>
+                  </a:extLst>
+                </a:gridCol>
+              </a:tblGrid>
+              <a:tr h="1183005">
+                <a:tc>
+                  <a:txBody>
+                    <a:bodyPr/>
+                    <a:lstStyle/>
+                    <a:p>
+                      <a:pPr algn="l" fontAlgn="ctr"/>
+                      <a:endParaRPr lang="ja-JP" altLang="en-US" sz="700" b="0" i="0" u="none" strike="noStrike">
+                        <a:solidFill>
+                          <a:srgbClr val="000000"/>
+                        </a:solidFill>
+                        <a:effectLst/>
+                        <a:latin typeface="游ゴシック" panose="020B0400000000000000" pitchFamily="50" charset="-128"/>
+                        <a:ea typeface="游ゴシック" panose="020B0400000000000000" pitchFamily="50" charset="-128"/>
+                      </a:endParaRPr>
+                    </a:p>
+                  </a:txBody>
+                  <a:tcPr marL="5915" marR="5915" marT="5915" marB="0" anchor="ctr">
+                    <a:lnL>
+                      <a:noFill/>
+                    </a:lnL>
+                    <a:lnR>
+                      <a:noFill/>
+                    </a:lnR>
+                    <a:lnT>
+                      <a:noFill/>
+                    </a:lnT>
+                    <a:lnB>
+                      <a:noFill/>
+                    </a:lnB>
+                  </a:tcPr>
+                </a:tc>
+                <a:tc>
+                  <a:txBody>
+                    <a:bodyPr/>
+                    <a:lstStyle/>
+                    <a:p>
+                      <a:pPr algn="l" fontAlgn="ctr"/>
+                      <a:endParaRPr lang="ja-JP" altLang="en-US" sz="700" b="0" i="0" u="none" strike="noStrike">
+                        <a:solidFill>
+                          <a:srgbClr val="000000"/>
+                        </a:solidFill>
+                        <a:effectLst/>
+                        <a:latin typeface="游ゴシック" panose="020B0400000000000000" pitchFamily="50" charset="-128"/>
+                        <a:ea typeface="游ゴシック" panose="020B0400000000000000" pitchFamily="50" charset="-128"/>
+                      </a:endParaRPr>
+                    </a:p>
+                  </a:txBody>
+                  <a:tcPr marL="5915" marR="5915" marT="5915" marB="0" anchor="ctr">
+                    <a:lnL>
+                      <a:noFill/>
+                    </a:lnL>
+                    <a:lnR>
+                      <a:noFill/>
+                    </a:lnR>
+                    <a:lnT>
+                      <a:noFill/>
+                    </a:lnT>
+                    <a:lnB w="19050" cap="flat" cmpd="sng" algn="ctr">
+                      <a:solidFill>
+                        <a:srgbClr val="00C49A"/>
+                      </a:solidFill>
+                      <a:prstDash val="solid"/>
+                      <a:round/>
+                      <a:headEnd type="none" w="med" len="med"/>
+                      <a:tailEnd type="none" w="med" len="med"/>
+                    </a:lnB>
+                  </a:tcPr>
+                </a:tc>
+                <a:tc>
+                  <a:txBody>
+                    <a:bodyPr/>
+                    <a:lstStyle/>
+                    <a:p>
+                      <a:pPr algn="l" fontAlgn="ctr"/>
+                      <a:r>
+                        <a:rPr lang="ja-JP" altLang="en-US" sz="700" b="0" i="0" u="none" strike="noStrike" dirty="0">
+                          <a:solidFill>
+                            <a:srgbClr val="000000"/>
+                          </a:solidFill>
+                          <a:effectLst/>
+                          <a:latin typeface="游ゴシック" panose="020B0400000000000000" pitchFamily="50" charset="-128"/>
+                          <a:ea typeface="游ゴシック" panose="020B0400000000000000" pitchFamily="50" charset="-128"/>
+                        </a:rPr>
+                        <a:t>　</a:t>
+                      </a:r>
+                    </a:p>
+                  </a:txBody>
+                  <a:tcPr marL="5915" marR="5915" marT="5915" marB="0" anchor="ctr">
+                    <a:lnL>
+                      <a:noFill/>
+                    </a:lnL>
+                    <a:lnR>
+                      <a:noFill/>
+                    </a:lnR>
+                    <a:lnT>
+                      <a:noFill/>
+                    </a:lnT>
+                    <a:lnB w="19050" cap="flat" cmpd="sng" algn="ctr">
+                      <a:solidFill>
+                        <a:srgbClr val="ED7D31"/>
+                      </a:solidFill>
+                      <a:prstDash val="solid"/>
+                      <a:round/>
+                      <a:headEnd type="none" w="med" len="med"/>
+                      <a:tailEnd type="none" w="med" len="med"/>
+                    </a:lnB>
+                  </a:tcPr>
+                </a:tc>
+                <a:tc>
+                  <a:txBody>
+                    <a:bodyPr/>
+                    <a:lstStyle/>
+                    <a:p>
+                      <a:pPr algn="l" fontAlgn="ctr"/>
+                      <a:endParaRPr lang="ja-JP" altLang="en-US" sz="700" b="0" i="0" u="none" strike="noStrike" dirty="0">
+                        <a:solidFill>
+                          <a:srgbClr val="000000"/>
+                        </a:solidFill>
+                        <a:effectLst/>
+                        <a:latin typeface="游ゴシック" panose="020B0400000000000000" pitchFamily="50" charset="-128"/>
+                        <a:ea typeface="游ゴシック" panose="020B0400000000000000" pitchFamily="50" charset="-128"/>
+                      </a:endParaRPr>
+                    </a:p>
+                  </a:txBody>
+                  <a:tcPr marL="5915" marR="5915" marT="5915" marB="0" anchor="ctr">
+                    <a:lnL>
+                      <a:noFill/>
+                    </a:lnL>
+                    <a:lnR>
+                      <a:noFill/>
+                    </a:lnR>
+                    <a:lnT>
+                      <a:noFill/>
+                    </a:lnT>
+                    <a:lnB w="19050" cap="flat" cmpd="sng" algn="ctr">
+                      <a:solidFill>
+                        <a:srgbClr val="00C49A"/>
+                      </a:solidFill>
+                      <a:prstDash val="solid"/>
+                      <a:round/>
+                      <a:headEnd type="none" w="med" len="med"/>
+                      <a:tailEnd type="none" w="med" len="med"/>
+                    </a:lnB>
+                  </a:tcPr>
+                </a:tc>
+                <a:tc>
+                  <a:txBody>
+                    <a:bodyPr/>
+                    <a:lstStyle/>
+                    <a:p>
+                      <a:pPr algn="l" fontAlgn="ctr"/>
+                      <a:endParaRPr lang="ja-JP" altLang="en-US" sz="700" b="0" i="0" u="none" strike="noStrike">
+                        <a:solidFill>
+                          <a:srgbClr val="000000"/>
+                        </a:solidFill>
+                        <a:effectLst/>
+                        <a:latin typeface="游ゴシック" panose="020B0400000000000000" pitchFamily="50" charset="-128"/>
+                        <a:ea typeface="游ゴシック" panose="020B0400000000000000" pitchFamily="50" charset="-128"/>
+                      </a:endParaRPr>
+                    </a:p>
+                  </a:txBody>
+                  <a:tcPr marL="5915" marR="5915" marT="5915" marB="0" anchor="ctr">
+                    <a:lnL>
+                      <a:noFill/>
+                    </a:lnL>
+                    <a:lnR>
+                      <a:noFill/>
+                    </a:lnR>
+                    <a:lnT>
+                      <a:noFill/>
+                    </a:lnT>
+                    <a:lnB>
+                      <a:noFill/>
+                    </a:lnB>
+                  </a:tcPr>
+                </a:tc>
+                <a:extLst>
+                  <a:ext uri="{0D108BD9-81ED-4DB2-BD59-A6C34878D82A}">
+                    <a16:rowId xmlns:a16="http://schemas.microsoft.com/office/drawing/2014/main" val="2903203860"/>
+                  </a:ext>
+                </a:extLst>
+              </a:tr>
+              <a:tr h="1183005">
+                <a:tc>
+                  <a:txBody>
+                    <a:bodyPr/>
+                    <a:lstStyle/>
+                    <a:p>
+                      <a:pPr algn="l" fontAlgn="ctr"/>
+                      <a:endParaRPr lang="ja-JP" altLang="en-US" sz="700" b="0" i="0" u="none" strike="noStrike">
+                        <a:solidFill>
+                          <a:srgbClr val="000000"/>
+                        </a:solidFill>
+                        <a:effectLst/>
+                        <a:latin typeface="游ゴシック" panose="020B0400000000000000" pitchFamily="50" charset="-128"/>
+                        <a:ea typeface="游ゴシック" panose="020B0400000000000000" pitchFamily="50" charset="-128"/>
+                      </a:endParaRPr>
+                    </a:p>
+                  </a:txBody>
+                  <a:tcPr marL="5915" marR="5915" marT="5915" marB="0" anchor="ctr">
+                    <a:lnL>
+                      <a:noFill/>
+                    </a:lnL>
+                    <a:lnR w="19050" cap="flat" cmpd="sng" algn="ctr">
+                      <a:solidFill>
+                        <a:srgbClr val="00C49A"/>
+                      </a:solidFill>
+                      <a:prstDash val="solid"/>
+                      <a:round/>
+                      <a:headEnd type="none" w="med" len="med"/>
+                      <a:tailEnd type="none" w="med" len="med"/>
+                    </a:lnR>
+                    <a:lnT>
+                      <a:noFill/>
+                    </a:lnT>
+                    <a:lnB>
+                      <a:noFill/>
+                    </a:lnB>
+                  </a:tcPr>
+                </a:tc>
+                <a:tc>
+                  <a:txBody>
+                    <a:bodyPr/>
+                    <a:lstStyle/>
+                    <a:p>
+                      <a:pPr algn="ctr" fontAlgn="ctr"/>
+                      <a:r>
+                        <a:rPr lang="en-US" altLang="ja-JP" sz="4500" b="0" i="0" u="none" strike="noStrike">
+                          <a:solidFill>
+                            <a:srgbClr val="000000"/>
+                          </a:solidFill>
+                          <a:effectLst/>
+                          <a:latin typeface="游ゴシック" panose="020B0400000000000000" pitchFamily="50" charset="-128"/>
+                          <a:ea typeface="游ゴシック" panose="020B0400000000000000" pitchFamily="50" charset="-128"/>
+                        </a:rPr>
+                        <a:t>2</a:t>
+                      </a:r>
+                    </a:p>
+                  </a:txBody>
+                  <a:tcPr marL="5915" marR="5915" marT="5915" marB="0" anchor="ctr">
+                    <a:lnL w="19050" cap="flat" cmpd="sng" algn="ctr">
+                      <a:solidFill>
+                        <a:srgbClr val="00C49A"/>
+                      </a:solidFill>
+                      <a:prstDash val="solid"/>
+                      <a:round/>
+                      <a:headEnd type="none" w="med" len="med"/>
+                      <a:tailEnd type="none" w="med" len="med"/>
+                    </a:lnL>
+                    <a:lnR w="19050" cap="flat" cmpd="sng" algn="ctr">
+                      <a:solidFill>
+                        <a:srgbClr val="ED7D31"/>
+                      </a:solidFill>
+                      <a:prstDash val="solid"/>
+                      <a:round/>
+                      <a:headEnd type="none" w="med" len="med"/>
+                      <a:tailEnd type="none" w="med" len="med"/>
+                    </a:lnR>
+                    <a:lnT w="19050" cap="flat" cmpd="sng" algn="ctr">
+                      <a:solidFill>
+                        <a:srgbClr val="00C49A"/>
+                      </a:solidFill>
+                      <a:prstDash val="solid"/>
+                      <a:round/>
+                      <a:headEnd type="none" w="med" len="med"/>
+                      <a:tailEnd type="none" w="med" len="med"/>
+                    </a:lnT>
+                    <a:lnB w="19050" cap="flat" cmpd="sng" algn="ctr">
+                      <a:solidFill>
+                        <a:srgbClr val="ED7D31"/>
+                      </a:solidFill>
+                      <a:prstDash val="solid"/>
+                      <a:round/>
+                      <a:headEnd type="none" w="med" len="med"/>
+                      <a:tailEnd type="none" w="med" len="med"/>
+                    </a:lnB>
+                  </a:tcPr>
+                </a:tc>
+                <a:tc>
+                  <a:txBody>
+                    <a:bodyPr/>
+                    <a:lstStyle/>
+                    <a:p>
+                      <a:pPr algn="ctr" fontAlgn="ctr"/>
+                      <a:r>
+                        <a:rPr lang="en-US" altLang="ja-JP" sz="4500" b="0" i="0" u="none" strike="noStrike">
+                          <a:solidFill>
+                            <a:srgbClr val="000000"/>
+                          </a:solidFill>
+                          <a:effectLst/>
+                          <a:latin typeface="游ゴシック" panose="020B0400000000000000" pitchFamily="50" charset="-128"/>
+                          <a:ea typeface="游ゴシック" panose="020B0400000000000000" pitchFamily="50" charset="-128"/>
+                        </a:rPr>
+                        <a:t>3</a:t>
+                      </a:r>
+                    </a:p>
+                  </a:txBody>
+                  <a:tcPr marL="5915" marR="5915" marT="5915" marB="0" anchor="ctr">
+                    <a:lnL w="19050" cap="flat" cmpd="sng" algn="ctr">
+                      <a:solidFill>
+                        <a:srgbClr val="ED7D31"/>
+                      </a:solidFill>
+                      <a:prstDash val="solid"/>
+                      <a:round/>
+                      <a:headEnd type="none" w="med" len="med"/>
+                      <a:tailEnd type="none" w="med" len="med"/>
+                    </a:lnL>
+                    <a:lnR w="19050" cap="flat" cmpd="sng" algn="ctr">
+                      <a:solidFill>
+                        <a:srgbClr val="ED7D31"/>
+                      </a:solidFill>
+                      <a:prstDash val="solid"/>
+                      <a:round/>
+                      <a:headEnd type="none" w="med" len="med"/>
+                      <a:tailEnd type="none" w="med" len="med"/>
+                    </a:lnR>
+                    <a:lnT w="19050" cap="flat" cmpd="sng" algn="ctr">
+                      <a:solidFill>
+                        <a:srgbClr val="ED7D31"/>
+                      </a:solidFill>
+                      <a:prstDash val="solid"/>
+                      <a:round/>
+                      <a:headEnd type="none" w="med" len="med"/>
+                      <a:tailEnd type="none" w="med" len="med"/>
+                    </a:lnT>
+                    <a:lnB w="6350" cap="flat" cmpd="sng" algn="ctr">
+                      <a:solidFill>
+                        <a:srgbClr val="000000"/>
+                      </a:solidFill>
+                      <a:prstDash val="dot"/>
+                      <a:round/>
+                      <a:headEnd type="none" w="med" len="med"/>
+                      <a:tailEnd type="none" w="med" len="med"/>
+                    </a:lnB>
+                  </a:tcPr>
+                </a:tc>
+                <a:tc>
+                  <a:txBody>
+                    <a:bodyPr/>
+                    <a:lstStyle/>
+                    <a:p>
+                      <a:pPr algn="ctr" fontAlgn="ctr"/>
+                      <a:r>
+                        <a:rPr lang="en-US" altLang="ja-JP" sz="4500" b="0" i="0" u="none" strike="noStrike">
+                          <a:solidFill>
+                            <a:srgbClr val="000000"/>
+                          </a:solidFill>
+                          <a:effectLst/>
+                          <a:latin typeface="游ゴシック" panose="020B0400000000000000" pitchFamily="50" charset="-128"/>
+                          <a:ea typeface="游ゴシック" panose="020B0400000000000000" pitchFamily="50" charset="-128"/>
+                        </a:rPr>
+                        <a:t>2</a:t>
+                      </a:r>
+                    </a:p>
+                  </a:txBody>
+                  <a:tcPr marL="5915" marR="5915" marT="5915" marB="0" anchor="ctr">
+                    <a:lnL w="19050" cap="flat" cmpd="sng" algn="ctr">
+                      <a:solidFill>
+                        <a:srgbClr val="ED7D31"/>
+                      </a:solidFill>
+                      <a:prstDash val="solid"/>
+                      <a:round/>
+                      <a:headEnd type="none" w="med" len="med"/>
+                      <a:tailEnd type="none" w="med" len="med"/>
+                    </a:lnL>
+                    <a:lnR w="19050" cap="flat" cmpd="sng" algn="ctr">
+                      <a:solidFill>
+                        <a:srgbClr val="00C49A"/>
+                      </a:solidFill>
+                      <a:prstDash val="solid"/>
+                      <a:round/>
+                      <a:headEnd type="none" w="med" len="med"/>
+                      <a:tailEnd type="none" w="med" len="med"/>
+                    </a:lnR>
+                    <a:lnT w="19050" cap="flat" cmpd="sng" algn="ctr">
+                      <a:solidFill>
+                        <a:srgbClr val="00C49A"/>
+                      </a:solidFill>
+                      <a:prstDash val="solid"/>
+                      <a:round/>
+                      <a:headEnd type="none" w="med" len="med"/>
+                      <a:tailEnd type="none" w="med" len="med"/>
+                    </a:lnT>
+                    <a:lnB w="19050" cap="flat" cmpd="sng" algn="ctr">
+                      <a:solidFill>
+                        <a:srgbClr val="ED7D31"/>
+                      </a:solidFill>
+                      <a:prstDash val="solid"/>
+                      <a:round/>
+                      <a:headEnd type="none" w="med" len="med"/>
+                      <a:tailEnd type="none" w="med" len="med"/>
+                    </a:lnB>
+                  </a:tcPr>
+                </a:tc>
+                <a:tc>
+                  <a:txBody>
+                    <a:bodyPr/>
+                    <a:lstStyle/>
+                    <a:p>
+                      <a:pPr algn="l" fontAlgn="ctr"/>
+                      <a:endParaRPr lang="ja-JP" altLang="en-US" sz="700" b="0" i="0" u="none" strike="noStrike">
+                        <a:solidFill>
+                          <a:srgbClr val="000000"/>
+                        </a:solidFill>
+                        <a:effectLst/>
+                        <a:latin typeface="游ゴシック" panose="020B0400000000000000" pitchFamily="50" charset="-128"/>
+                        <a:ea typeface="游ゴシック" panose="020B0400000000000000" pitchFamily="50" charset="-128"/>
+                      </a:endParaRPr>
+                    </a:p>
+                  </a:txBody>
+                  <a:tcPr marL="5915" marR="5915" marT="5915" marB="0" anchor="ctr">
+                    <a:lnL w="19050" cap="flat" cmpd="sng" algn="ctr">
+                      <a:solidFill>
+                        <a:srgbClr val="00C49A"/>
+                      </a:solidFill>
+                      <a:prstDash val="solid"/>
+                      <a:round/>
+                      <a:headEnd type="none" w="med" len="med"/>
+                      <a:tailEnd type="none" w="med" len="med"/>
+                    </a:lnL>
+                    <a:lnR>
+                      <a:noFill/>
+                    </a:lnR>
+                    <a:lnT>
+                      <a:noFill/>
+                    </a:lnT>
+                    <a:lnB>
+                      <a:noFill/>
+                    </a:lnB>
+                  </a:tcPr>
+                </a:tc>
+                <a:extLst>
+                  <a:ext uri="{0D108BD9-81ED-4DB2-BD59-A6C34878D82A}">
+                    <a16:rowId xmlns:a16="http://schemas.microsoft.com/office/drawing/2014/main" val="2261250049"/>
+                  </a:ext>
+                </a:extLst>
+              </a:tr>
+              <a:tr h="1183005">
+                <a:tc>
+                  <a:txBody>
+                    <a:bodyPr/>
+                    <a:lstStyle/>
+                    <a:p>
+                      <a:pPr algn="l" fontAlgn="ctr"/>
+                      <a:r>
+                        <a:rPr lang="ja-JP" altLang="en-US" sz="700" b="0" i="0" u="none" strike="noStrike">
+                          <a:solidFill>
+                            <a:srgbClr val="000000"/>
+                          </a:solidFill>
+                          <a:effectLst/>
+                          <a:latin typeface="游ゴシック" panose="020B0400000000000000" pitchFamily="50" charset="-128"/>
+                          <a:ea typeface="游ゴシック" panose="020B0400000000000000" pitchFamily="50" charset="-128"/>
+                        </a:rPr>
+                        <a:t>　</a:t>
+                      </a:r>
+                    </a:p>
+                  </a:txBody>
+                  <a:tcPr marL="5915" marR="5915" marT="5915" marB="0" anchor="ctr">
+                    <a:lnL>
+                      <a:noFill/>
+                    </a:lnL>
+                    <a:lnR w="19050" cap="flat" cmpd="sng" algn="ctr">
+                      <a:solidFill>
+                        <a:srgbClr val="ED7D31"/>
+                      </a:solidFill>
+                      <a:prstDash val="solid"/>
+                      <a:round/>
+                      <a:headEnd type="none" w="med" len="med"/>
+                      <a:tailEnd type="none" w="med" len="med"/>
+                    </a:lnR>
+                    <a:lnT>
+                      <a:noFill/>
+                    </a:lnT>
+                    <a:lnB>
+                      <a:noFill/>
+                    </a:lnB>
+                  </a:tcPr>
+                </a:tc>
+                <a:tc>
+                  <a:txBody>
+                    <a:bodyPr/>
+                    <a:lstStyle/>
+                    <a:p>
+                      <a:pPr algn="ctr" fontAlgn="ctr"/>
+                      <a:r>
+                        <a:rPr lang="en-US" altLang="ja-JP" sz="4500" b="0" i="0" u="none" strike="noStrike">
+                          <a:solidFill>
+                            <a:srgbClr val="000000"/>
+                          </a:solidFill>
+                          <a:effectLst/>
+                          <a:latin typeface="游ゴシック" panose="020B0400000000000000" pitchFamily="50" charset="-128"/>
+                          <a:ea typeface="游ゴシック" panose="020B0400000000000000" pitchFamily="50" charset="-128"/>
+                        </a:rPr>
+                        <a:t>2</a:t>
+                      </a:r>
+                    </a:p>
+                  </a:txBody>
+                  <a:tcPr marL="5915" marR="5915" marT="5915" marB="0" anchor="ctr">
+                    <a:lnL w="19050" cap="flat" cmpd="sng" algn="ctr">
+                      <a:solidFill>
+                        <a:srgbClr val="ED7D31"/>
+                      </a:solidFill>
+                      <a:prstDash val="solid"/>
+                      <a:round/>
+                      <a:headEnd type="none" w="med" len="med"/>
+                      <a:tailEnd type="none" w="med" len="med"/>
+                    </a:lnL>
+                    <a:lnR w="6350" cap="flat" cmpd="sng" algn="ctr">
+                      <a:solidFill>
+                        <a:srgbClr val="000000"/>
+                      </a:solidFill>
+                      <a:prstDash val="dot"/>
+                      <a:round/>
+                      <a:headEnd type="none" w="med" len="med"/>
+                      <a:tailEnd type="none" w="med" len="med"/>
+                    </a:lnR>
+                    <a:lnT w="19050" cap="flat" cmpd="sng" algn="ctr">
+                      <a:solidFill>
+                        <a:srgbClr val="ED7D31"/>
+                      </a:solidFill>
+                      <a:prstDash val="solid"/>
+                      <a:round/>
+                      <a:headEnd type="none" w="med" len="med"/>
+                      <a:tailEnd type="none" w="med" len="med"/>
+                    </a:lnT>
+                    <a:lnB w="6350" cap="flat" cmpd="sng" algn="ctr">
+                      <a:solidFill>
+                        <a:srgbClr val="000000"/>
+                      </a:solidFill>
+                      <a:prstDash val="dot"/>
+                      <a:round/>
+                      <a:headEnd type="none" w="med" len="med"/>
+                      <a:tailEnd type="none" w="med" len="med"/>
+                    </a:lnB>
+                  </a:tcPr>
+                </a:tc>
+                <a:tc>
+                  <a:txBody>
+                    <a:bodyPr/>
+                    <a:lstStyle/>
+                    <a:p>
+                      <a:pPr algn="ctr" fontAlgn="ctr"/>
+                      <a:r>
+                        <a:rPr lang="en-US" altLang="ja-JP" sz="4500" b="0" i="0" u="none" strike="noStrike">
+                          <a:solidFill>
+                            <a:srgbClr val="000000"/>
+                          </a:solidFill>
+                          <a:effectLst/>
+                          <a:latin typeface="游ゴシック" panose="020B0400000000000000" pitchFamily="50" charset="-128"/>
+                          <a:ea typeface="游ゴシック" panose="020B0400000000000000" pitchFamily="50" charset="-128"/>
+                        </a:rPr>
+                        <a:t>1</a:t>
+                      </a:r>
+                    </a:p>
+                  </a:txBody>
+                  <a:tcPr marL="5915" marR="5915" marT="5915" marB="0" anchor="ctr">
+                    <a:lnL w="6350" cap="flat" cmpd="sng" algn="ctr">
+                      <a:solidFill>
+                        <a:srgbClr val="000000"/>
+                      </a:solidFill>
+                      <a:prstDash val="dot"/>
+                      <a:round/>
+                      <a:headEnd type="none" w="med" len="med"/>
+                      <a:tailEnd type="none" w="med" len="med"/>
+                    </a:lnL>
+                    <a:lnR w="6350" cap="flat" cmpd="sng" algn="ctr">
+                      <a:solidFill>
+                        <a:srgbClr val="000000"/>
+                      </a:solidFill>
+                      <a:prstDash val="dot"/>
+                      <a:round/>
+                      <a:headEnd type="none" w="med" len="med"/>
+                      <a:tailEnd type="none" w="med" len="med"/>
+                    </a:lnR>
+                    <a:lnT w="6350" cap="flat" cmpd="sng" algn="ctr">
+                      <a:solidFill>
+                        <a:srgbClr val="000000"/>
+                      </a:solidFill>
+                      <a:prstDash val="dot"/>
+                      <a:round/>
+                      <a:headEnd type="none" w="med" len="med"/>
+                      <a:tailEnd type="none" w="med" len="med"/>
+                    </a:lnT>
+                    <a:lnB w="19050" cap="flat" cmpd="sng" algn="ctr">
+                      <a:solidFill>
+                        <a:srgbClr val="ED7D31"/>
+                      </a:solidFill>
+                      <a:prstDash val="solid"/>
+                      <a:round/>
+                      <a:headEnd type="none" w="med" len="med"/>
+                      <a:tailEnd type="none" w="med" len="med"/>
+                    </a:lnB>
+                  </a:tcPr>
+                </a:tc>
+                <a:tc>
+                  <a:txBody>
+                    <a:bodyPr/>
+                    <a:lstStyle/>
+                    <a:p>
+                      <a:pPr algn="ctr" fontAlgn="ctr"/>
+                      <a:r>
+                        <a:rPr lang="en-US" altLang="ja-JP" sz="4500" b="0" i="0" u="none" strike="noStrike">
+                          <a:solidFill>
+                            <a:srgbClr val="000000"/>
+                          </a:solidFill>
+                          <a:effectLst/>
+                          <a:latin typeface="游ゴシック" panose="020B0400000000000000" pitchFamily="50" charset="-128"/>
+                          <a:ea typeface="游ゴシック" panose="020B0400000000000000" pitchFamily="50" charset="-128"/>
+                        </a:rPr>
+                        <a:t>3</a:t>
+                      </a:r>
+                    </a:p>
+                  </a:txBody>
+                  <a:tcPr marL="5915" marR="5915" marT="5915" marB="0" anchor="ctr">
+                    <a:lnL w="6350" cap="flat" cmpd="sng" algn="ctr">
+                      <a:solidFill>
+                        <a:srgbClr val="000000"/>
+                      </a:solidFill>
+                      <a:prstDash val="dot"/>
+                      <a:round/>
+                      <a:headEnd type="none" w="med" len="med"/>
+                      <a:tailEnd type="none" w="med" len="med"/>
+                    </a:lnL>
+                    <a:lnR w="19050" cap="flat" cmpd="sng" algn="ctr">
+                      <a:solidFill>
+                        <a:srgbClr val="ED7D31"/>
+                      </a:solidFill>
+                      <a:prstDash val="solid"/>
+                      <a:round/>
+                      <a:headEnd type="none" w="med" len="med"/>
+                      <a:tailEnd type="none" w="med" len="med"/>
+                    </a:lnR>
+                    <a:lnT w="19050" cap="flat" cmpd="sng" algn="ctr">
+                      <a:solidFill>
+                        <a:srgbClr val="ED7D31"/>
+                      </a:solidFill>
+                      <a:prstDash val="solid"/>
+                      <a:round/>
+                      <a:headEnd type="none" w="med" len="med"/>
+                      <a:tailEnd type="none" w="med" len="med"/>
+                    </a:lnT>
+                    <a:lnB w="19050" cap="flat" cmpd="sng" algn="ctr">
+                      <a:solidFill>
+                        <a:srgbClr val="ED7D31"/>
+                      </a:solidFill>
+                      <a:prstDash val="solid"/>
+                      <a:round/>
+                      <a:headEnd type="none" w="med" len="med"/>
+                      <a:tailEnd type="none" w="med" len="med"/>
+                    </a:lnB>
+                  </a:tcPr>
+                </a:tc>
+                <a:tc>
+                  <a:txBody>
+                    <a:bodyPr/>
+                    <a:lstStyle/>
+                    <a:p>
+                      <a:pPr algn="l" fontAlgn="ctr"/>
+                      <a:endParaRPr lang="ja-JP" altLang="en-US" sz="700" b="0" i="0" u="none" strike="noStrike">
+                        <a:solidFill>
+                          <a:srgbClr val="000000"/>
+                        </a:solidFill>
+                        <a:effectLst/>
+                        <a:latin typeface="游ゴシック" panose="020B0400000000000000" pitchFamily="50" charset="-128"/>
+                        <a:ea typeface="游ゴシック" panose="020B0400000000000000" pitchFamily="50" charset="-128"/>
+                      </a:endParaRPr>
+                    </a:p>
+                  </a:txBody>
+                  <a:tcPr marL="5915" marR="5915" marT="5915" marB="0" anchor="ctr">
+                    <a:lnL w="19050" cap="flat" cmpd="sng" algn="ctr">
+                      <a:solidFill>
+                        <a:srgbClr val="ED7D31"/>
+                      </a:solidFill>
+                      <a:prstDash val="solid"/>
+                      <a:round/>
+                      <a:headEnd type="none" w="med" len="med"/>
+                      <a:tailEnd type="none" w="med" len="med"/>
+                    </a:lnL>
+                    <a:lnR>
+                      <a:noFill/>
+                    </a:lnR>
+                    <a:lnT>
+                      <a:noFill/>
+                    </a:lnT>
+                    <a:lnB>
+                      <a:noFill/>
+                    </a:lnB>
+                  </a:tcPr>
+                </a:tc>
+                <a:extLst>
+                  <a:ext uri="{0D108BD9-81ED-4DB2-BD59-A6C34878D82A}">
+                    <a16:rowId xmlns:a16="http://schemas.microsoft.com/office/drawing/2014/main" val="2166799900"/>
+                  </a:ext>
+                </a:extLst>
+              </a:tr>
+              <a:tr h="1183005">
+                <a:tc>
+                  <a:txBody>
+                    <a:bodyPr/>
+                    <a:lstStyle/>
+                    <a:p>
+                      <a:pPr algn="l" fontAlgn="ctr"/>
+                      <a:r>
+                        <a:rPr lang="ja-JP" altLang="en-US" sz="700" b="0" i="0" u="none" strike="noStrike">
+                          <a:solidFill>
+                            <a:srgbClr val="000000"/>
+                          </a:solidFill>
+                          <a:effectLst/>
+                          <a:latin typeface="游ゴシック" panose="020B0400000000000000" pitchFamily="50" charset="-128"/>
+                          <a:ea typeface="游ゴシック" panose="020B0400000000000000" pitchFamily="50" charset="-128"/>
+                        </a:rPr>
+                        <a:t>　</a:t>
+                      </a:r>
+                    </a:p>
+                  </a:txBody>
+                  <a:tcPr marL="5915" marR="5915" marT="5915" marB="0" anchor="ctr">
+                    <a:lnL>
+                      <a:noFill/>
+                    </a:lnL>
+                    <a:lnR w="19050" cap="flat" cmpd="sng" algn="ctr">
+                      <a:solidFill>
+                        <a:srgbClr val="ED7D31"/>
+                      </a:solidFill>
+                      <a:prstDash val="solid"/>
+                      <a:round/>
+                      <a:headEnd type="none" w="med" len="med"/>
+                      <a:tailEnd type="none" w="med" len="med"/>
+                    </a:lnR>
+                    <a:lnT>
+                      <a:noFill/>
+                    </a:lnT>
+                    <a:lnB>
+                      <a:noFill/>
+                    </a:lnB>
+                  </a:tcPr>
+                </a:tc>
+                <a:tc>
+                  <a:txBody>
+                    <a:bodyPr/>
+                    <a:lstStyle/>
+                    <a:p>
+                      <a:pPr algn="ctr" fontAlgn="ctr"/>
+                      <a:r>
+                        <a:rPr lang="en-US" altLang="ja-JP" sz="4500" b="0" i="0" u="none" strike="noStrike">
+                          <a:solidFill>
+                            <a:srgbClr val="000000"/>
+                          </a:solidFill>
+                          <a:effectLst/>
+                          <a:latin typeface="游ゴシック" panose="020B0400000000000000" pitchFamily="50" charset="-128"/>
+                          <a:ea typeface="游ゴシック" panose="020B0400000000000000" pitchFamily="50" charset="-128"/>
+                        </a:rPr>
+                        <a:t>3</a:t>
+                      </a:r>
+                    </a:p>
+                  </a:txBody>
+                  <a:tcPr marL="5915" marR="5915" marT="5915" marB="0" anchor="ctr">
+                    <a:lnL w="19050" cap="flat" cmpd="sng" algn="ctr">
+                      <a:solidFill>
+                        <a:srgbClr val="ED7D31"/>
+                      </a:solidFill>
+                      <a:prstDash val="solid"/>
+                      <a:round/>
+                      <a:headEnd type="none" w="med" len="med"/>
+                      <a:tailEnd type="none" w="med" len="med"/>
+                    </a:lnL>
+                    <a:lnR w="19050" cap="flat" cmpd="sng" algn="ctr">
+                      <a:solidFill>
+                        <a:srgbClr val="ED7D31"/>
+                      </a:solidFill>
+                      <a:prstDash val="solid"/>
+                      <a:round/>
+                      <a:headEnd type="none" w="med" len="med"/>
+                      <a:tailEnd type="none" w="med" len="med"/>
+                    </a:lnR>
+                    <a:lnT w="6350" cap="flat" cmpd="sng" algn="ctr">
+                      <a:solidFill>
+                        <a:srgbClr val="000000"/>
+                      </a:solidFill>
+                      <a:prstDash val="dot"/>
+                      <a:round/>
+                      <a:headEnd type="none" w="med" len="med"/>
+                      <a:tailEnd type="none" w="med" len="med"/>
+                    </a:lnT>
+                    <a:lnB w="19050" cap="flat" cmpd="sng" algn="ctr">
+                      <a:solidFill>
+                        <a:srgbClr val="ED7D31"/>
+                      </a:solidFill>
+                      <a:prstDash val="solid"/>
+                      <a:round/>
+                      <a:headEnd type="none" w="med" len="med"/>
+                      <a:tailEnd type="none" w="med" len="med"/>
+                    </a:lnB>
+                  </a:tcPr>
+                </a:tc>
+                <a:tc>
+                  <a:txBody>
+                    <a:bodyPr/>
+                    <a:lstStyle/>
+                    <a:p>
+                      <a:pPr algn="ctr" fontAlgn="ctr"/>
+                      <a:r>
+                        <a:rPr lang="en-US" altLang="ja-JP" sz="4500" b="0" i="0" u="none" strike="noStrike">
+                          <a:solidFill>
+                            <a:srgbClr val="000000"/>
+                          </a:solidFill>
+                          <a:effectLst/>
+                          <a:latin typeface="游ゴシック" panose="020B0400000000000000" pitchFamily="50" charset="-128"/>
+                          <a:ea typeface="游ゴシック" panose="020B0400000000000000" pitchFamily="50" charset="-128"/>
+                        </a:rPr>
+                        <a:t>2</a:t>
+                      </a:r>
+                    </a:p>
+                  </a:txBody>
+                  <a:tcPr marL="5915" marR="5915" marT="5915" marB="0" anchor="ctr">
+                    <a:lnL w="19050" cap="flat" cmpd="sng" algn="ctr">
+                      <a:solidFill>
+                        <a:srgbClr val="ED7D31"/>
+                      </a:solidFill>
+                      <a:prstDash val="solid"/>
+                      <a:round/>
+                      <a:headEnd type="none" w="med" len="med"/>
+                      <a:tailEnd type="none" w="med" len="med"/>
+                    </a:lnL>
+                    <a:lnR w="6350" cap="flat" cmpd="sng" algn="ctr">
+                      <a:solidFill>
+                        <a:srgbClr val="000000"/>
+                      </a:solidFill>
+                      <a:prstDash val="dot"/>
+                      <a:round/>
+                      <a:headEnd type="none" w="med" len="med"/>
+                      <a:tailEnd type="none" w="med" len="med"/>
+                    </a:lnR>
+                    <a:lnT w="19050" cap="flat" cmpd="sng" algn="ctr">
+                      <a:solidFill>
+                        <a:srgbClr val="ED7D31"/>
+                      </a:solidFill>
+                      <a:prstDash val="solid"/>
+                      <a:round/>
+                      <a:headEnd type="none" w="med" len="med"/>
+                      <a:tailEnd type="none" w="med" len="med"/>
+                    </a:lnT>
+                    <a:lnB w="19050" cap="flat" cmpd="sng" algn="ctr">
+                      <a:solidFill>
+                        <a:srgbClr val="00C49A"/>
+                      </a:solidFill>
+                      <a:prstDash val="solid"/>
+                      <a:round/>
+                      <a:headEnd type="none" w="med" len="med"/>
+                      <a:tailEnd type="none" w="med" len="med"/>
+                    </a:lnB>
+                  </a:tcPr>
+                </a:tc>
+                <a:tc>
+                  <a:txBody>
+                    <a:bodyPr/>
+                    <a:lstStyle/>
+                    <a:p>
+                      <a:pPr algn="ctr" fontAlgn="ctr"/>
+                      <a:r>
+                        <a:rPr lang="en-US" altLang="ja-JP" sz="4500" b="0" i="0" u="none" strike="noStrike">
+                          <a:solidFill>
+                            <a:srgbClr val="000000"/>
+                          </a:solidFill>
+                          <a:effectLst/>
+                          <a:latin typeface="游ゴシック" panose="020B0400000000000000" pitchFamily="50" charset="-128"/>
+                          <a:ea typeface="游ゴシック" panose="020B0400000000000000" pitchFamily="50" charset="-128"/>
+                        </a:rPr>
+                        <a:t>1</a:t>
+                      </a:r>
+                    </a:p>
+                  </a:txBody>
+                  <a:tcPr marL="5915" marR="5915" marT="5915" marB="0" anchor="ctr">
+                    <a:lnL w="6350" cap="flat" cmpd="sng" algn="ctr">
+                      <a:solidFill>
+                        <a:srgbClr val="000000"/>
+                      </a:solidFill>
+                      <a:prstDash val="dot"/>
+                      <a:round/>
+                      <a:headEnd type="none" w="med" len="med"/>
+                      <a:tailEnd type="none" w="med" len="med"/>
+                    </a:lnL>
+                    <a:lnR w="19050" cap="flat" cmpd="sng" algn="ctr">
+                      <a:solidFill>
+                        <a:srgbClr val="00C49A"/>
+                      </a:solidFill>
+                      <a:prstDash val="solid"/>
+                      <a:round/>
+                      <a:headEnd type="none" w="med" len="med"/>
+                      <a:tailEnd type="none" w="med" len="med"/>
+                    </a:lnR>
+                    <a:lnT w="19050" cap="flat" cmpd="sng" algn="ctr">
+                      <a:solidFill>
+                        <a:srgbClr val="ED7D31"/>
+                      </a:solidFill>
+                      <a:prstDash val="solid"/>
+                      <a:round/>
+                      <a:headEnd type="none" w="med" len="med"/>
+                      <a:tailEnd type="none" w="med" len="med"/>
+                    </a:lnT>
+                    <a:lnB w="19050" cap="flat" cmpd="sng" algn="ctr">
+                      <a:solidFill>
+                        <a:srgbClr val="00C49A"/>
+                      </a:solidFill>
+                      <a:prstDash val="solid"/>
+                      <a:round/>
+                      <a:headEnd type="none" w="med" len="med"/>
+                      <a:tailEnd type="none" w="med" len="med"/>
+                    </a:lnB>
+                  </a:tcPr>
+                </a:tc>
+                <a:tc>
+                  <a:txBody>
+                    <a:bodyPr/>
+                    <a:lstStyle/>
+                    <a:p>
+                      <a:pPr algn="l" fontAlgn="ctr"/>
+                      <a:endParaRPr lang="ja-JP" altLang="en-US" sz="700" b="0" i="0" u="none" strike="noStrike">
+                        <a:solidFill>
+                          <a:srgbClr val="000000"/>
+                        </a:solidFill>
+                        <a:effectLst/>
+                        <a:latin typeface="游ゴシック" panose="020B0400000000000000" pitchFamily="50" charset="-128"/>
+                        <a:ea typeface="游ゴシック" panose="020B0400000000000000" pitchFamily="50" charset="-128"/>
+                      </a:endParaRPr>
+                    </a:p>
+                  </a:txBody>
+                  <a:tcPr marL="5915" marR="5915" marT="5915" marB="0" anchor="ctr">
+                    <a:lnL w="19050" cap="flat" cmpd="sng" algn="ctr">
+                      <a:solidFill>
+                        <a:srgbClr val="00C49A"/>
+                      </a:solidFill>
+                      <a:prstDash val="solid"/>
+                      <a:round/>
+                      <a:headEnd type="none" w="med" len="med"/>
+                      <a:tailEnd type="none" w="med" len="med"/>
+                    </a:lnL>
+                    <a:lnR>
+                      <a:noFill/>
+                    </a:lnR>
+                    <a:lnT>
+                      <a:noFill/>
+                    </a:lnT>
+                    <a:lnB>
+                      <a:noFill/>
+                    </a:lnB>
+                  </a:tcPr>
+                </a:tc>
+                <a:extLst>
+                  <a:ext uri="{0D108BD9-81ED-4DB2-BD59-A6C34878D82A}">
+                    <a16:rowId xmlns:a16="http://schemas.microsoft.com/office/drawing/2014/main" val="2612268830"/>
+                  </a:ext>
+                </a:extLst>
+              </a:tr>
+              <a:tr h="1183005">
+                <a:tc>
+                  <a:txBody>
+                    <a:bodyPr/>
+                    <a:lstStyle/>
+                    <a:p>
+                      <a:pPr algn="l" fontAlgn="ctr"/>
+                      <a:endParaRPr lang="ja-JP" altLang="en-US" sz="700" b="0" i="0" u="none" strike="noStrike">
+                        <a:solidFill>
+                          <a:srgbClr val="000000"/>
+                        </a:solidFill>
+                        <a:effectLst/>
+                        <a:latin typeface="游ゴシック" panose="020B0400000000000000" pitchFamily="50" charset="-128"/>
+                        <a:ea typeface="游ゴシック" panose="020B0400000000000000" pitchFamily="50" charset="-128"/>
+                      </a:endParaRPr>
+                    </a:p>
+                  </a:txBody>
+                  <a:tcPr marL="5915" marR="5915" marT="5915" marB="0" anchor="ctr">
+                    <a:lnL>
+                      <a:noFill/>
+                    </a:lnL>
+                    <a:lnR>
+                      <a:noFill/>
+                    </a:lnR>
+                    <a:lnT>
+                      <a:noFill/>
+                    </a:lnT>
+                    <a:lnB>
+                      <a:noFill/>
+                    </a:lnB>
+                  </a:tcPr>
+                </a:tc>
+                <a:tc>
+                  <a:txBody>
+                    <a:bodyPr/>
+                    <a:lstStyle/>
+                    <a:p>
+                      <a:pPr algn="l" fontAlgn="ctr"/>
+                      <a:endParaRPr lang="ja-JP" altLang="en-US" sz="700" b="0" i="0" u="none" strike="noStrike">
+                        <a:solidFill>
+                          <a:srgbClr val="000000"/>
+                        </a:solidFill>
+                        <a:effectLst/>
+                        <a:latin typeface="游ゴシック" panose="020B0400000000000000" pitchFamily="50" charset="-128"/>
+                        <a:ea typeface="游ゴシック" panose="020B0400000000000000" pitchFamily="50" charset="-128"/>
+                      </a:endParaRPr>
+                    </a:p>
+                  </a:txBody>
+                  <a:tcPr marL="5915" marR="5915" marT="5915" marB="0" anchor="ctr">
+                    <a:lnL>
+                      <a:noFill/>
+                    </a:lnL>
+                    <a:lnR>
+                      <a:noFill/>
+                    </a:lnR>
+                    <a:lnT w="19050" cap="flat" cmpd="sng" algn="ctr">
+                      <a:solidFill>
+                        <a:srgbClr val="ED7D31"/>
+                      </a:solidFill>
+                      <a:prstDash val="solid"/>
+                      <a:round/>
+                      <a:headEnd type="none" w="med" len="med"/>
+                      <a:tailEnd type="none" w="med" len="med"/>
+                    </a:lnT>
+                    <a:lnB>
+                      <a:noFill/>
+                    </a:lnB>
+                  </a:tcPr>
+                </a:tc>
+                <a:tc>
+                  <a:txBody>
+                    <a:bodyPr/>
+                    <a:lstStyle/>
+                    <a:p>
+                      <a:pPr algn="l" fontAlgn="ctr"/>
+                      <a:endParaRPr lang="ja-JP" altLang="en-US" sz="700" b="0" i="0" u="none" strike="noStrike">
+                        <a:solidFill>
+                          <a:srgbClr val="000000"/>
+                        </a:solidFill>
+                        <a:effectLst/>
+                        <a:latin typeface="游ゴシック" panose="020B0400000000000000" pitchFamily="50" charset="-128"/>
+                        <a:ea typeface="游ゴシック" panose="020B0400000000000000" pitchFamily="50" charset="-128"/>
+                      </a:endParaRPr>
+                    </a:p>
+                  </a:txBody>
+                  <a:tcPr marL="5915" marR="5915" marT="5915" marB="0" anchor="ctr">
+                    <a:lnL>
+                      <a:noFill/>
+                    </a:lnL>
+                    <a:lnR>
+                      <a:noFill/>
+                    </a:lnR>
+                    <a:lnT w="19050" cap="flat" cmpd="sng" algn="ctr">
+                      <a:solidFill>
+                        <a:srgbClr val="00C49A"/>
+                      </a:solidFill>
+                      <a:prstDash val="solid"/>
+                      <a:round/>
+                      <a:headEnd type="none" w="med" len="med"/>
+                      <a:tailEnd type="none" w="med" len="med"/>
+                    </a:lnT>
+                    <a:lnB>
+                      <a:noFill/>
+                    </a:lnB>
+                  </a:tcPr>
+                </a:tc>
+                <a:tc>
+                  <a:txBody>
+                    <a:bodyPr/>
+                    <a:lstStyle/>
+                    <a:p>
+                      <a:pPr algn="l" fontAlgn="ctr"/>
+                      <a:endParaRPr lang="ja-JP" altLang="en-US" sz="700" b="0" i="0" u="none" strike="noStrike">
+                        <a:solidFill>
+                          <a:srgbClr val="000000"/>
+                        </a:solidFill>
+                        <a:effectLst/>
+                        <a:latin typeface="游ゴシック" panose="020B0400000000000000" pitchFamily="50" charset="-128"/>
+                        <a:ea typeface="游ゴシック" panose="020B0400000000000000" pitchFamily="50" charset="-128"/>
+                      </a:endParaRPr>
+                    </a:p>
+                  </a:txBody>
+                  <a:tcPr marL="5915" marR="5915" marT="5915" marB="0" anchor="ctr">
+                    <a:lnL>
+                      <a:noFill/>
+                    </a:lnL>
+                    <a:lnR>
+                      <a:noFill/>
+                    </a:lnR>
+                    <a:lnT w="19050" cap="flat" cmpd="sng" algn="ctr">
+                      <a:solidFill>
+                        <a:srgbClr val="00C49A"/>
+                      </a:solidFill>
+                      <a:prstDash val="solid"/>
+                      <a:round/>
+                      <a:headEnd type="none" w="med" len="med"/>
+                      <a:tailEnd type="none" w="med" len="med"/>
+                    </a:lnT>
+                    <a:lnB>
+                      <a:noFill/>
+                    </a:lnB>
+                  </a:tcPr>
+                </a:tc>
+                <a:tc>
+                  <a:txBody>
+                    <a:bodyPr/>
+                    <a:lstStyle/>
+                    <a:p>
+                      <a:pPr algn="l" fontAlgn="ctr"/>
+                      <a:endParaRPr lang="ja-JP" altLang="en-US" sz="700" b="0" i="0" u="none" strike="noStrike" dirty="0">
+                        <a:solidFill>
+                          <a:srgbClr val="000000"/>
+                        </a:solidFill>
+                        <a:effectLst/>
+                        <a:latin typeface="游ゴシック" panose="020B0400000000000000" pitchFamily="50" charset="-128"/>
+                        <a:ea typeface="游ゴシック" panose="020B0400000000000000" pitchFamily="50" charset="-128"/>
+                      </a:endParaRPr>
+                    </a:p>
+                  </a:txBody>
+                  <a:tcPr marL="5915" marR="5915" marT="5915" marB="0" anchor="ctr">
+                    <a:lnL>
+                      <a:noFill/>
+                    </a:lnL>
+                    <a:lnR>
+                      <a:noFill/>
+                    </a:lnR>
+                    <a:lnT>
+                      <a:noFill/>
+                    </a:lnT>
+                    <a:lnB>
+                      <a:noFill/>
+                    </a:lnB>
+                  </a:tcPr>
+                </a:tc>
+                <a:extLst>
+                  <a:ext uri="{0D108BD9-81ED-4DB2-BD59-A6C34878D82A}">
+                    <a16:rowId xmlns:a16="http://schemas.microsoft.com/office/drawing/2014/main" val="3989091113"/>
+                  </a:ext>
+                </a:extLst>
+              </a:tr>
+            </a:tbl>
+          </a:graphicData>
+        </a:graphic>
+      </p:graphicFrame>
+    </p:spTree>
+    <p:extLst>
+      <p:ext uri="{BB962C8B-B14F-4D97-AF65-F5344CB8AC3E}">
+        <p14:creationId xmlns:p14="http://schemas.microsoft.com/office/powerpoint/2010/main" val="2925453060"/>
+      </p:ext>
+    </p:extLst>
+  </p:cSld>
+  <p:clrMapOvr>
+    <a:masterClrMapping/>
+  </p:clrMapOvr>
+</p:sld>
+</file>
+
+<file path=ppt/slides/slide11.xml><?xml version="1.0" encoding="utf-8"?>
+<p:sld xmlns:a="http://schemas.openxmlformats.org/drawingml/2006/main" xmlns:r="http://schemas.openxmlformats.org/officeDocument/2006/relationships" xmlns:p="http://schemas.openxmlformats.org/presentationml/2006/main">
+  <p:cSld>
+    <p:spTree>
+      <p:nvGrpSpPr>
+        <p:cNvPr id="1" name=""/>
+        <p:cNvGrpSpPr/>
+        <p:nvPr/>
+      </p:nvGrpSpPr>
+      <p:grpSpPr>
+        <a:xfrm>
+          <a:off x="0" y="0"/>
+          <a:ext cx="0" cy="0"/>
+          <a:chOff x="0" y="0"/>
+          <a:chExt cx="0" cy="0"/>
+        </a:xfrm>
+      </p:grpSpPr>
+      <p:graphicFrame>
+        <p:nvGraphicFramePr>
+          <p:cNvPr id="2" name="表 1">
+            <a:extLst>
+              <a:ext uri="{FF2B5EF4-FFF2-40B4-BE49-F238E27FC236}">
+                <a16:creationId xmlns:a16="http://schemas.microsoft.com/office/drawing/2014/main" id="{5CE6CC57-CE80-60F3-9C55-4F55C992C890}"/>
+              </a:ext>
+            </a:extLst>
+          </p:cNvPr>
+          <p:cNvGraphicFramePr>
+            <a:graphicFrameLocks noGrp="1"/>
+          </p:cNvGraphicFramePr>
+          <p:nvPr>
+            <p:extLst>
+              <p:ext uri="{D42A27DB-BD31-4B8C-83A1-F6EECF244321}">
+                <p14:modId xmlns:p14="http://schemas.microsoft.com/office/powerpoint/2010/main" val="649622734"/>
+              </p:ext>
+            </p:extLst>
+          </p:nvPr>
+        </p:nvGraphicFramePr>
+        <p:xfrm>
+          <a:off x="471487" y="1995487"/>
+          <a:ext cx="5915025" cy="5915025"/>
+        </p:xfrm>
+        <a:graphic>
+          <a:graphicData uri="http://schemas.openxmlformats.org/drawingml/2006/table">
+            <a:tbl>
+              <a:tblPr/>
+              <a:tblGrid>
+                <a:gridCol w="1183005">
+                  <a:extLst>
+                    <a:ext uri="{9D8B030D-6E8A-4147-A177-3AD203B41FA5}">
+                      <a16:colId xmlns:a16="http://schemas.microsoft.com/office/drawing/2014/main" val="153404535"/>
+                    </a:ext>
+                  </a:extLst>
+                </a:gridCol>
+                <a:gridCol w="1183005">
+                  <a:extLst>
+                    <a:ext uri="{9D8B030D-6E8A-4147-A177-3AD203B41FA5}">
+                      <a16:colId xmlns:a16="http://schemas.microsoft.com/office/drawing/2014/main" val="1135535665"/>
+                    </a:ext>
+                  </a:extLst>
+                </a:gridCol>
+                <a:gridCol w="1183005">
+                  <a:extLst>
+                    <a:ext uri="{9D8B030D-6E8A-4147-A177-3AD203B41FA5}">
+                      <a16:colId xmlns:a16="http://schemas.microsoft.com/office/drawing/2014/main" val="156717161"/>
+                    </a:ext>
+                  </a:extLst>
+                </a:gridCol>
+                <a:gridCol w="1183005">
+                  <a:extLst>
+                    <a:ext uri="{9D8B030D-6E8A-4147-A177-3AD203B41FA5}">
+                      <a16:colId xmlns:a16="http://schemas.microsoft.com/office/drawing/2014/main" val="3492834775"/>
+                    </a:ext>
+                  </a:extLst>
+                </a:gridCol>
+                <a:gridCol w="1183005">
+                  <a:extLst>
+                    <a:ext uri="{9D8B030D-6E8A-4147-A177-3AD203B41FA5}">
+                      <a16:colId xmlns:a16="http://schemas.microsoft.com/office/drawing/2014/main" val="3475819989"/>
+                    </a:ext>
+                  </a:extLst>
+                </a:gridCol>
+              </a:tblGrid>
+              <a:tr h="1183005">
+                <a:tc>
+                  <a:txBody>
+                    <a:bodyPr/>
+                    <a:lstStyle/>
+                    <a:p>
+                      <a:pPr algn="l" fontAlgn="ctr"/>
+                      <a:endParaRPr lang="ja-JP" altLang="en-US" sz="700" b="0" i="0" u="none" strike="noStrike">
+                        <a:solidFill>
+                          <a:srgbClr val="000000"/>
+                        </a:solidFill>
+                        <a:effectLst/>
+                        <a:latin typeface="游ゴシック" panose="020B0400000000000000" pitchFamily="50" charset="-128"/>
+                        <a:ea typeface="游ゴシック" panose="020B0400000000000000" pitchFamily="50" charset="-128"/>
+                      </a:endParaRPr>
+                    </a:p>
+                  </a:txBody>
+                  <a:tcPr marL="5915" marR="5915" marT="5915" marB="0" anchor="ctr">
+                    <a:lnL>
+                      <a:noFill/>
+                    </a:lnL>
+                    <a:lnR>
+                      <a:noFill/>
+                    </a:lnR>
+                    <a:lnT>
+                      <a:noFill/>
+                    </a:lnT>
+                    <a:lnB>
+                      <a:noFill/>
+                    </a:lnB>
+                  </a:tcPr>
+                </a:tc>
+                <a:tc>
+                  <a:txBody>
+                    <a:bodyPr/>
+                    <a:lstStyle/>
+                    <a:p>
+                      <a:pPr algn="l" fontAlgn="ctr"/>
+                      <a:endParaRPr lang="ja-JP" altLang="en-US" sz="700" b="0" i="0" u="none" strike="noStrike">
+                        <a:solidFill>
+                          <a:srgbClr val="000000"/>
+                        </a:solidFill>
+                        <a:effectLst/>
+                        <a:latin typeface="游ゴシック" panose="020B0400000000000000" pitchFamily="50" charset="-128"/>
+                        <a:ea typeface="游ゴシック" panose="020B0400000000000000" pitchFamily="50" charset="-128"/>
+                      </a:endParaRPr>
+                    </a:p>
+                  </a:txBody>
+                  <a:tcPr marL="5915" marR="5915" marT="5915" marB="0" anchor="ctr">
+                    <a:lnL>
+                      <a:noFill/>
+                    </a:lnL>
+                    <a:lnR>
+                      <a:noFill/>
+                    </a:lnR>
+                    <a:lnT>
+                      <a:noFill/>
+                    </a:lnT>
+                    <a:lnB w="19050" cap="flat" cmpd="sng" algn="ctr">
+                      <a:solidFill>
+                        <a:srgbClr val="00C49A"/>
+                      </a:solidFill>
+                      <a:prstDash val="solid"/>
+                      <a:round/>
+                      <a:headEnd type="none" w="med" len="med"/>
+                      <a:tailEnd type="none" w="med" len="med"/>
+                    </a:lnB>
+                  </a:tcPr>
+                </a:tc>
+                <a:tc>
+                  <a:txBody>
+                    <a:bodyPr/>
+                    <a:lstStyle/>
+                    <a:p>
+                      <a:pPr algn="l" fontAlgn="ctr"/>
+                      <a:endParaRPr lang="ja-JP" altLang="en-US" sz="700" b="0" i="0" u="none" strike="noStrike">
+                        <a:solidFill>
+                          <a:srgbClr val="000000"/>
+                        </a:solidFill>
+                        <a:effectLst/>
+                        <a:latin typeface="游ゴシック" panose="020B0400000000000000" pitchFamily="50" charset="-128"/>
+                        <a:ea typeface="游ゴシック" panose="020B0400000000000000" pitchFamily="50" charset="-128"/>
+                      </a:endParaRPr>
+                    </a:p>
+                  </a:txBody>
+                  <a:tcPr marL="5915" marR="5915" marT="5915" marB="0" anchor="ctr">
+                    <a:lnL>
+                      <a:noFill/>
+                    </a:lnL>
+                    <a:lnR>
+                      <a:noFill/>
+                    </a:lnR>
+                    <a:lnT>
+                      <a:noFill/>
+                    </a:lnT>
+                    <a:lnB w="19050" cap="flat" cmpd="sng" algn="ctr">
+                      <a:solidFill>
+                        <a:srgbClr val="00C49A"/>
+                      </a:solidFill>
+                      <a:prstDash val="solid"/>
+                      <a:round/>
+                      <a:headEnd type="none" w="med" len="med"/>
+                      <a:tailEnd type="none" w="med" len="med"/>
+                    </a:lnB>
+                  </a:tcPr>
+                </a:tc>
+                <a:tc>
+                  <a:txBody>
+                    <a:bodyPr/>
+                    <a:lstStyle/>
+                    <a:p>
+                      <a:pPr algn="l" fontAlgn="ctr"/>
+                      <a:endParaRPr lang="ja-JP" altLang="en-US" sz="700" b="0" i="0" u="none" strike="noStrike">
+                        <a:solidFill>
+                          <a:srgbClr val="000000"/>
+                        </a:solidFill>
+                        <a:effectLst/>
+                        <a:latin typeface="游ゴシック" panose="020B0400000000000000" pitchFamily="50" charset="-128"/>
+                        <a:ea typeface="游ゴシック" panose="020B0400000000000000" pitchFamily="50" charset="-128"/>
+                      </a:endParaRPr>
+                    </a:p>
+                  </a:txBody>
+                  <a:tcPr marL="5915" marR="5915" marT="5915" marB="0" anchor="ctr">
+                    <a:lnL>
+                      <a:noFill/>
+                    </a:lnL>
+                    <a:lnR>
+                      <a:noFill/>
+                    </a:lnR>
+                    <a:lnT>
+                      <a:noFill/>
+                    </a:lnT>
+                    <a:lnB w="19050" cap="flat" cmpd="sng" algn="ctr">
+                      <a:solidFill>
+                        <a:srgbClr val="00C49A"/>
+                      </a:solidFill>
+                      <a:prstDash val="solid"/>
+                      <a:round/>
+                      <a:headEnd type="none" w="med" len="med"/>
+                      <a:tailEnd type="none" w="med" len="med"/>
+                    </a:lnB>
+                  </a:tcPr>
+                </a:tc>
+                <a:tc>
+                  <a:txBody>
+                    <a:bodyPr/>
+                    <a:lstStyle/>
+                    <a:p>
+                      <a:pPr algn="l" fontAlgn="ctr"/>
+                      <a:endParaRPr lang="ja-JP" altLang="en-US" sz="700" b="0" i="0" u="none" strike="noStrike">
+                        <a:solidFill>
+                          <a:srgbClr val="000000"/>
+                        </a:solidFill>
+                        <a:effectLst/>
+                        <a:latin typeface="游ゴシック" panose="020B0400000000000000" pitchFamily="50" charset="-128"/>
+                        <a:ea typeface="游ゴシック" panose="020B0400000000000000" pitchFamily="50" charset="-128"/>
+                      </a:endParaRPr>
+                    </a:p>
+                  </a:txBody>
+                  <a:tcPr marL="5915" marR="5915" marT="5915" marB="0" anchor="ctr">
+                    <a:lnL>
+                      <a:noFill/>
+                    </a:lnL>
+                    <a:lnR>
+                      <a:noFill/>
+                    </a:lnR>
+                    <a:lnT>
+                      <a:noFill/>
+                    </a:lnT>
+                    <a:lnB>
+                      <a:noFill/>
+                    </a:lnB>
+                  </a:tcPr>
+                </a:tc>
+                <a:extLst>
+                  <a:ext uri="{0D108BD9-81ED-4DB2-BD59-A6C34878D82A}">
+                    <a16:rowId xmlns:a16="http://schemas.microsoft.com/office/drawing/2014/main" val="781856678"/>
+                  </a:ext>
+                </a:extLst>
+              </a:tr>
+              <a:tr h="1183005">
+                <a:tc>
+                  <a:txBody>
+                    <a:bodyPr/>
+                    <a:lstStyle/>
+                    <a:p>
+                      <a:pPr algn="l" fontAlgn="ctr"/>
+                      <a:endParaRPr lang="ja-JP" altLang="en-US" sz="700" b="0" i="0" u="none" strike="noStrike">
+                        <a:solidFill>
+                          <a:srgbClr val="000000"/>
+                        </a:solidFill>
+                        <a:effectLst/>
+                        <a:latin typeface="游ゴシック" panose="020B0400000000000000" pitchFamily="50" charset="-128"/>
+                        <a:ea typeface="游ゴシック" panose="020B0400000000000000" pitchFamily="50" charset="-128"/>
+                      </a:endParaRPr>
+                    </a:p>
+                  </a:txBody>
+                  <a:tcPr marL="5915" marR="5915" marT="5915" marB="0" anchor="ctr">
+                    <a:lnL>
+                      <a:noFill/>
+                    </a:lnL>
+                    <a:lnR w="19050" cap="flat" cmpd="sng" algn="ctr">
+                      <a:solidFill>
+                        <a:srgbClr val="00C49A"/>
+                      </a:solidFill>
+                      <a:prstDash val="solid"/>
+                      <a:round/>
+                      <a:headEnd type="none" w="med" len="med"/>
+                      <a:tailEnd type="none" w="med" len="med"/>
+                    </a:lnR>
+                    <a:lnT>
+                      <a:noFill/>
+                    </a:lnT>
+                    <a:lnB>
+                      <a:noFill/>
+                    </a:lnB>
+                  </a:tcPr>
+                </a:tc>
+                <a:tc>
+                  <a:txBody>
+                    <a:bodyPr/>
+                    <a:lstStyle/>
+                    <a:p>
+                      <a:pPr algn="ctr" fontAlgn="ctr"/>
+                      <a:r>
+                        <a:rPr lang="en-US" altLang="ja-JP" sz="4500" b="0" i="0" u="none" strike="noStrike" dirty="0">
+                          <a:solidFill>
+                            <a:srgbClr val="000000"/>
+                          </a:solidFill>
+                          <a:effectLst/>
+                          <a:latin typeface="游ゴシック" panose="020B0400000000000000" pitchFamily="50" charset="-128"/>
+                          <a:ea typeface="游ゴシック" panose="020B0400000000000000" pitchFamily="50" charset="-128"/>
+                        </a:rPr>
+                        <a:t>2</a:t>
+                      </a:r>
+                    </a:p>
+                  </a:txBody>
+                  <a:tcPr marL="5915" marR="5915" marT="5915" marB="0" anchor="ctr">
+                    <a:lnL w="19050" cap="flat" cmpd="sng" algn="ctr">
+                      <a:solidFill>
+                        <a:srgbClr val="00C49A"/>
+                      </a:solidFill>
+                      <a:prstDash val="solid"/>
+                      <a:round/>
+                      <a:headEnd type="none" w="med" len="med"/>
+                      <a:tailEnd type="none" w="med" len="med"/>
+                    </a:lnL>
+                    <a:lnR w="6350" cap="flat" cmpd="sng" algn="ctr">
+                      <a:solidFill>
+                        <a:srgbClr val="000000"/>
+                      </a:solidFill>
+                      <a:prstDash val="dot"/>
+                      <a:round/>
+                      <a:headEnd type="none" w="med" len="med"/>
+                      <a:tailEnd type="none" w="med" len="med"/>
+                    </a:lnR>
+                    <a:lnT w="19050" cap="flat" cmpd="sng" algn="ctr">
+                      <a:solidFill>
+                        <a:srgbClr val="00C49A"/>
+                      </a:solidFill>
+                      <a:prstDash val="solid"/>
+                      <a:round/>
+                      <a:headEnd type="none" w="med" len="med"/>
+                      <a:tailEnd type="none" w="med" len="med"/>
+                    </a:lnT>
+                    <a:lnB w="6350" cap="flat" cmpd="sng" algn="ctr">
+                      <a:solidFill>
+                        <a:srgbClr val="000000"/>
+                      </a:solidFill>
+                      <a:prstDash val="dot"/>
+                      <a:round/>
+                      <a:headEnd type="none" w="med" len="med"/>
+                      <a:tailEnd type="none" w="med" len="med"/>
+                    </a:lnB>
+                  </a:tcPr>
+                </a:tc>
+                <a:tc>
+                  <a:txBody>
+                    <a:bodyPr/>
+                    <a:lstStyle/>
+                    <a:p>
+                      <a:pPr algn="ctr" fontAlgn="ctr"/>
+                      <a:r>
+                        <a:rPr lang="en-US" altLang="ja-JP" sz="4500" b="0" i="0" u="none" strike="noStrike">
+                          <a:solidFill>
+                            <a:srgbClr val="000000"/>
+                          </a:solidFill>
+                          <a:effectLst/>
+                          <a:latin typeface="游ゴシック" panose="020B0400000000000000" pitchFamily="50" charset="-128"/>
+                          <a:ea typeface="游ゴシック" panose="020B0400000000000000" pitchFamily="50" charset="-128"/>
+                        </a:rPr>
+                        <a:t>3</a:t>
+                      </a:r>
+                    </a:p>
+                  </a:txBody>
+                  <a:tcPr marL="5915" marR="5915" marT="5915" marB="0" anchor="ctr">
+                    <a:lnL w="6350" cap="flat" cmpd="sng" algn="ctr">
+                      <a:solidFill>
+                        <a:srgbClr val="000000"/>
+                      </a:solidFill>
+                      <a:prstDash val="dot"/>
+                      <a:round/>
+                      <a:headEnd type="none" w="med" len="med"/>
+                      <a:tailEnd type="none" w="med" len="med"/>
+                    </a:lnL>
+                    <a:lnR w="6350" cap="flat" cmpd="sng" algn="ctr">
+                      <a:solidFill>
+                        <a:srgbClr val="000000"/>
+                      </a:solidFill>
+                      <a:prstDash val="dot"/>
+                      <a:round/>
+                      <a:headEnd type="none" w="med" len="med"/>
+                      <a:tailEnd type="none" w="med" len="med"/>
+                    </a:lnR>
+                    <a:lnT w="19050" cap="flat" cmpd="sng" algn="ctr">
+                      <a:solidFill>
+                        <a:srgbClr val="00C49A"/>
+                      </a:solidFill>
+                      <a:prstDash val="solid"/>
+                      <a:round/>
+                      <a:headEnd type="none" w="med" len="med"/>
+                      <a:tailEnd type="none" w="med" len="med"/>
+                    </a:lnT>
+                    <a:lnB w="6350" cap="flat" cmpd="sng" algn="ctr">
+                      <a:solidFill>
+                        <a:srgbClr val="000000"/>
+                      </a:solidFill>
+                      <a:prstDash val="dot"/>
+                      <a:round/>
+                      <a:headEnd type="none" w="med" len="med"/>
+                      <a:tailEnd type="none" w="med" len="med"/>
+                    </a:lnB>
+                  </a:tcPr>
+                </a:tc>
+                <a:tc>
+                  <a:txBody>
+                    <a:bodyPr/>
+                    <a:lstStyle/>
+                    <a:p>
+                      <a:pPr algn="ctr" fontAlgn="ctr"/>
+                      <a:r>
+                        <a:rPr lang="en-US" altLang="ja-JP" sz="4500" b="0" i="0" u="none" strike="noStrike">
+                          <a:solidFill>
+                            <a:srgbClr val="000000"/>
+                          </a:solidFill>
+                          <a:effectLst/>
+                          <a:latin typeface="游ゴシック" panose="020B0400000000000000" pitchFamily="50" charset="-128"/>
+                          <a:ea typeface="游ゴシック" panose="020B0400000000000000" pitchFamily="50" charset="-128"/>
+                        </a:rPr>
+                        <a:t>2</a:t>
+                      </a:r>
+                    </a:p>
+                  </a:txBody>
+                  <a:tcPr marL="5915" marR="5915" marT="5915" marB="0" anchor="ctr">
+                    <a:lnL w="6350" cap="flat" cmpd="sng" algn="ctr">
+                      <a:solidFill>
+                        <a:srgbClr val="000000"/>
+                      </a:solidFill>
+                      <a:prstDash val="dot"/>
+                      <a:round/>
+                      <a:headEnd type="none" w="med" len="med"/>
+                      <a:tailEnd type="none" w="med" len="med"/>
+                    </a:lnL>
+                    <a:lnR w="19050" cap="flat" cmpd="sng" algn="ctr">
+                      <a:solidFill>
+                        <a:srgbClr val="00C49A"/>
+                      </a:solidFill>
+                      <a:prstDash val="solid"/>
+                      <a:round/>
+                      <a:headEnd type="none" w="med" len="med"/>
+                      <a:tailEnd type="none" w="med" len="med"/>
+                    </a:lnR>
+                    <a:lnT w="19050" cap="flat" cmpd="sng" algn="ctr">
+                      <a:solidFill>
+                        <a:srgbClr val="00C49A"/>
+                      </a:solidFill>
+                      <a:prstDash val="solid"/>
+                      <a:round/>
+                      <a:headEnd type="none" w="med" len="med"/>
+                      <a:tailEnd type="none" w="med" len="med"/>
+                    </a:lnT>
+                    <a:lnB w="6350" cap="flat" cmpd="sng" algn="ctr">
+                      <a:solidFill>
+                        <a:srgbClr val="000000"/>
+                      </a:solidFill>
+                      <a:prstDash val="dot"/>
+                      <a:round/>
+                      <a:headEnd type="none" w="med" len="med"/>
+                      <a:tailEnd type="none" w="med" len="med"/>
+                    </a:lnB>
+                  </a:tcPr>
+                </a:tc>
+                <a:tc>
+                  <a:txBody>
+                    <a:bodyPr/>
+                    <a:lstStyle/>
+                    <a:p>
+                      <a:pPr algn="l" fontAlgn="ctr"/>
+                      <a:endParaRPr lang="ja-JP" altLang="en-US" sz="700" b="0" i="0" u="none" strike="noStrike">
+                        <a:solidFill>
+                          <a:srgbClr val="000000"/>
+                        </a:solidFill>
+                        <a:effectLst/>
+                        <a:latin typeface="游ゴシック" panose="020B0400000000000000" pitchFamily="50" charset="-128"/>
+                        <a:ea typeface="游ゴシック" panose="020B0400000000000000" pitchFamily="50" charset="-128"/>
+                      </a:endParaRPr>
+                    </a:p>
+                  </a:txBody>
+                  <a:tcPr marL="5915" marR="5915" marT="5915" marB="0" anchor="ctr">
+                    <a:lnL w="19050" cap="flat" cmpd="sng" algn="ctr">
+                      <a:solidFill>
+                        <a:srgbClr val="00C49A"/>
+                      </a:solidFill>
+                      <a:prstDash val="solid"/>
+                      <a:round/>
+                      <a:headEnd type="none" w="med" len="med"/>
+                      <a:tailEnd type="none" w="med" len="med"/>
+                    </a:lnL>
+                    <a:lnR>
+                      <a:noFill/>
+                    </a:lnR>
+                    <a:lnT>
+                      <a:noFill/>
+                    </a:lnT>
+                    <a:lnB>
+                      <a:noFill/>
+                    </a:lnB>
+                  </a:tcPr>
+                </a:tc>
+                <a:extLst>
+                  <a:ext uri="{0D108BD9-81ED-4DB2-BD59-A6C34878D82A}">
+                    <a16:rowId xmlns:a16="http://schemas.microsoft.com/office/drawing/2014/main" val="378324666"/>
+                  </a:ext>
+                </a:extLst>
+              </a:tr>
+              <a:tr h="1183005">
+                <a:tc>
+                  <a:txBody>
+                    <a:bodyPr/>
+                    <a:lstStyle/>
+                    <a:p>
+                      <a:pPr algn="l" fontAlgn="ctr"/>
+                      <a:endParaRPr lang="ja-JP" altLang="en-US" sz="700" b="0" i="0" u="none" strike="noStrike">
+                        <a:solidFill>
+                          <a:srgbClr val="000000"/>
+                        </a:solidFill>
+                        <a:effectLst/>
+                        <a:latin typeface="游ゴシック" panose="020B0400000000000000" pitchFamily="50" charset="-128"/>
+                        <a:ea typeface="游ゴシック" panose="020B0400000000000000" pitchFamily="50" charset="-128"/>
+                      </a:endParaRPr>
+                    </a:p>
+                  </a:txBody>
+                  <a:tcPr marL="5915" marR="5915" marT="5915" marB="0" anchor="ctr">
+                    <a:lnL>
+                      <a:noFill/>
+                    </a:lnL>
+                    <a:lnR w="19050" cap="flat" cmpd="sng" algn="ctr">
+                      <a:solidFill>
+                        <a:srgbClr val="00C49A"/>
+                      </a:solidFill>
+                      <a:prstDash val="solid"/>
+                      <a:round/>
+                      <a:headEnd type="none" w="med" len="med"/>
+                      <a:tailEnd type="none" w="med" len="med"/>
+                    </a:lnR>
+                    <a:lnT>
+                      <a:noFill/>
+                    </a:lnT>
+                    <a:lnB>
+                      <a:noFill/>
+                    </a:lnB>
+                  </a:tcPr>
+                </a:tc>
+                <a:tc>
+                  <a:txBody>
+                    <a:bodyPr/>
+                    <a:lstStyle/>
+                    <a:p>
+                      <a:pPr algn="ctr" fontAlgn="ctr"/>
+                      <a:r>
+                        <a:rPr lang="ja-JP" altLang="en-US" sz="4500" b="0" i="0" u="none" strike="noStrike">
+                          <a:solidFill>
+                            <a:srgbClr val="000000"/>
+                          </a:solidFill>
+                          <a:effectLst/>
+                          <a:latin typeface="游ゴシック" panose="020B0400000000000000" pitchFamily="50" charset="-128"/>
+                          <a:ea typeface="游ゴシック" panose="020B0400000000000000" pitchFamily="50" charset="-128"/>
+                        </a:rPr>
+                        <a:t>　</a:t>
+                      </a:r>
+                    </a:p>
+                  </a:txBody>
+                  <a:tcPr marL="5915" marR="5915" marT="5915" marB="0" anchor="ctr">
+                    <a:lnL w="19050" cap="flat" cmpd="sng" algn="ctr">
+                      <a:solidFill>
+                        <a:srgbClr val="00C49A"/>
+                      </a:solidFill>
+                      <a:prstDash val="solid"/>
+                      <a:round/>
+                      <a:headEnd type="none" w="med" len="med"/>
+                      <a:tailEnd type="none" w="med" len="med"/>
+                    </a:lnL>
+                    <a:lnR w="6350" cap="flat" cmpd="sng" algn="ctr">
+                      <a:solidFill>
+                        <a:srgbClr val="000000"/>
+                      </a:solidFill>
+                      <a:prstDash val="dot"/>
+                      <a:round/>
+                      <a:headEnd type="none" w="med" len="med"/>
+                      <a:tailEnd type="none" w="med" len="med"/>
+                    </a:lnR>
+                    <a:lnT w="6350" cap="flat" cmpd="sng" algn="ctr">
+                      <a:solidFill>
+                        <a:srgbClr val="000000"/>
+                      </a:solidFill>
+                      <a:prstDash val="dot"/>
+                      <a:round/>
+                      <a:headEnd type="none" w="med" len="med"/>
+                      <a:tailEnd type="none" w="med" len="med"/>
+                    </a:lnT>
+                    <a:lnB w="6350" cap="flat" cmpd="sng" algn="ctr">
+                      <a:solidFill>
+                        <a:srgbClr val="000000"/>
+                      </a:solidFill>
+                      <a:prstDash val="dot"/>
+                      <a:round/>
+                      <a:headEnd type="none" w="med" len="med"/>
+                      <a:tailEnd type="none" w="med" len="med"/>
+                    </a:lnB>
+                  </a:tcPr>
+                </a:tc>
+                <a:tc>
+                  <a:txBody>
+                    <a:bodyPr/>
+                    <a:lstStyle/>
+                    <a:p>
+                      <a:pPr algn="ctr" fontAlgn="ctr"/>
+                      <a:r>
+                        <a:rPr lang="en-US" altLang="ja-JP" sz="4500" b="0" i="0" u="none" strike="noStrike">
+                          <a:solidFill>
+                            <a:srgbClr val="000000"/>
+                          </a:solidFill>
+                          <a:effectLst/>
+                          <a:latin typeface="游ゴシック" panose="020B0400000000000000" pitchFamily="50" charset="-128"/>
+                          <a:ea typeface="游ゴシック" panose="020B0400000000000000" pitchFamily="50" charset="-128"/>
+                        </a:rPr>
+                        <a:t>1</a:t>
+                      </a:r>
+                    </a:p>
+                  </a:txBody>
+                  <a:tcPr marL="5915" marR="5915" marT="5915" marB="0" anchor="ctr">
+                    <a:lnL w="6350" cap="flat" cmpd="sng" algn="ctr">
+                      <a:solidFill>
+                        <a:srgbClr val="000000"/>
+                      </a:solidFill>
+                      <a:prstDash val="dot"/>
+                      <a:round/>
+                      <a:headEnd type="none" w="med" len="med"/>
+                      <a:tailEnd type="none" w="med" len="med"/>
+                    </a:lnL>
+                    <a:lnR w="6350" cap="flat" cmpd="sng" algn="ctr">
+                      <a:solidFill>
+                        <a:srgbClr val="000000"/>
+                      </a:solidFill>
+                      <a:prstDash val="dot"/>
+                      <a:round/>
+                      <a:headEnd type="none" w="med" len="med"/>
+                      <a:tailEnd type="none" w="med" len="med"/>
+                    </a:lnR>
+                    <a:lnT w="6350" cap="flat" cmpd="sng" algn="ctr">
+                      <a:solidFill>
+                        <a:srgbClr val="000000"/>
+                      </a:solidFill>
+                      <a:prstDash val="dot"/>
+                      <a:round/>
+                      <a:headEnd type="none" w="med" len="med"/>
+                      <a:tailEnd type="none" w="med" len="med"/>
+                    </a:lnT>
+                    <a:lnB w="6350" cap="flat" cmpd="sng" algn="ctr">
+                      <a:solidFill>
+                        <a:srgbClr val="000000"/>
+                      </a:solidFill>
+                      <a:prstDash val="dot"/>
+                      <a:round/>
+                      <a:headEnd type="none" w="med" len="med"/>
+                      <a:tailEnd type="none" w="med" len="med"/>
+                    </a:lnB>
+                  </a:tcPr>
+                </a:tc>
+                <a:tc>
+                  <a:txBody>
+                    <a:bodyPr/>
+                    <a:lstStyle/>
+                    <a:p>
+                      <a:pPr algn="ctr" fontAlgn="ctr"/>
+                      <a:r>
+                        <a:rPr lang="en-US" altLang="ja-JP" sz="4500" b="0" i="0" u="none" strike="noStrike">
+                          <a:solidFill>
+                            <a:srgbClr val="000000"/>
+                          </a:solidFill>
+                          <a:effectLst/>
+                          <a:latin typeface="游ゴシック" panose="020B0400000000000000" pitchFamily="50" charset="-128"/>
+                          <a:ea typeface="游ゴシック" panose="020B0400000000000000" pitchFamily="50" charset="-128"/>
+                        </a:rPr>
+                        <a:t>3</a:t>
+                      </a:r>
+                    </a:p>
+                  </a:txBody>
+                  <a:tcPr marL="5915" marR="5915" marT="5915" marB="0" anchor="ctr">
+                    <a:lnL w="6350" cap="flat" cmpd="sng" algn="ctr">
+                      <a:solidFill>
+                        <a:srgbClr val="000000"/>
+                      </a:solidFill>
+                      <a:prstDash val="dot"/>
+                      <a:round/>
+                      <a:headEnd type="none" w="med" len="med"/>
+                      <a:tailEnd type="none" w="med" len="med"/>
+                    </a:lnL>
+                    <a:lnR w="19050" cap="flat" cmpd="sng" algn="ctr">
+                      <a:solidFill>
+                        <a:srgbClr val="00C49A"/>
+                      </a:solidFill>
+                      <a:prstDash val="solid"/>
+                      <a:round/>
+                      <a:headEnd type="none" w="med" len="med"/>
+                      <a:tailEnd type="none" w="med" len="med"/>
+                    </a:lnR>
+                    <a:lnT w="6350" cap="flat" cmpd="sng" algn="ctr">
+                      <a:solidFill>
+                        <a:srgbClr val="000000"/>
+                      </a:solidFill>
+                      <a:prstDash val="dot"/>
+                      <a:round/>
+                      <a:headEnd type="none" w="med" len="med"/>
+                      <a:tailEnd type="none" w="med" len="med"/>
+                    </a:lnT>
+                    <a:lnB w="6350" cap="flat" cmpd="sng" algn="ctr">
+                      <a:solidFill>
+                        <a:srgbClr val="000000"/>
+                      </a:solidFill>
+                      <a:prstDash val="dot"/>
+                      <a:round/>
+                      <a:headEnd type="none" w="med" len="med"/>
+                      <a:tailEnd type="none" w="med" len="med"/>
+                    </a:lnB>
+                  </a:tcPr>
+                </a:tc>
+                <a:tc>
+                  <a:txBody>
+                    <a:bodyPr/>
+                    <a:lstStyle/>
+                    <a:p>
+                      <a:pPr algn="l" fontAlgn="ctr"/>
+                      <a:endParaRPr lang="ja-JP" altLang="en-US" sz="700" b="0" i="0" u="none" strike="noStrike">
+                        <a:solidFill>
+                          <a:srgbClr val="000000"/>
+                        </a:solidFill>
+                        <a:effectLst/>
+                        <a:latin typeface="游ゴシック" panose="020B0400000000000000" pitchFamily="50" charset="-128"/>
+                        <a:ea typeface="游ゴシック" panose="020B0400000000000000" pitchFamily="50" charset="-128"/>
+                      </a:endParaRPr>
+                    </a:p>
+                  </a:txBody>
+                  <a:tcPr marL="5915" marR="5915" marT="5915" marB="0" anchor="ctr">
+                    <a:lnL w="19050" cap="flat" cmpd="sng" algn="ctr">
+                      <a:solidFill>
+                        <a:srgbClr val="00C49A"/>
+                      </a:solidFill>
+                      <a:prstDash val="solid"/>
+                      <a:round/>
+                      <a:headEnd type="none" w="med" len="med"/>
+                      <a:tailEnd type="none" w="med" len="med"/>
+                    </a:lnL>
+                    <a:lnR>
+                      <a:noFill/>
+                    </a:lnR>
+                    <a:lnT>
+                      <a:noFill/>
+                    </a:lnT>
+                    <a:lnB>
+                      <a:noFill/>
+                    </a:lnB>
+                  </a:tcPr>
+                </a:tc>
+                <a:extLst>
+                  <a:ext uri="{0D108BD9-81ED-4DB2-BD59-A6C34878D82A}">
+                    <a16:rowId xmlns:a16="http://schemas.microsoft.com/office/drawing/2014/main" val="664322641"/>
+                  </a:ext>
+                </a:extLst>
+              </a:tr>
+              <a:tr h="1183005">
+                <a:tc>
+                  <a:txBody>
+                    <a:bodyPr/>
+                    <a:lstStyle/>
+                    <a:p>
+                      <a:pPr algn="l" fontAlgn="ctr"/>
+                      <a:endParaRPr lang="ja-JP" altLang="en-US" sz="700" b="0" i="0" u="none" strike="noStrike">
+                        <a:solidFill>
+                          <a:srgbClr val="000000"/>
+                        </a:solidFill>
+                        <a:effectLst/>
+                        <a:latin typeface="游ゴシック" panose="020B0400000000000000" pitchFamily="50" charset="-128"/>
+                        <a:ea typeface="游ゴシック" panose="020B0400000000000000" pitchFamily="50" charset="-128"/>
+                      </a:endParaRPr>
+                    </a:p>
+                  </a:txBody>
+                  <a:tcPr marL="5915" marR="5915" marT="5915" marB="0" anchor="ctr">
+                    <a:lnL>
+                      <a:noFill/>
+                    </a:lnL>
+                    <a:lnR w="19050" cap="flat" cmpd="sng" algn="ctr">
+                      <a:solidFill>
+                        <a:srgbClr val="00C49A"/>
+                      </a:solidFill>
+                      <a:prstDash val="solid"/>
+                      <a:round/>
+                      <a:headEnd type="none" w="med" len="med"/>
+                      <a:tailEnd type="none" w="med" len="med"/>
+                    </a:lnR>
+                    <a:lnT>
+                      <a:noFill/>
+                    </a:lnT>
+                    <a:lnB>
+                      <a:noFill/>
+                    </a:lnB>
+                  </a:tcPr>
+                </a:tc>
+                <a:tc>
+                  <a:txBody>
+                    <a:bodyPr/>
+                    <a:lstStyle/>
+                    <a:p>
+                      <a:pPr algn="ctr" fontAlgn="ctr"/>
+                      <a:r>
+                        <a:rPr lang="en-US" altLang="ja-JP" sz="4500" b="0" i="0" u="none" strike="noStrike">
+                          <a:solidFill>
+                            <a:srgbClr val="000000"/>
+                          </a:solidFill>
+                          <a:effectLst/>
+                          <a:latin typeface="游ゴシック" panose="020B0400000000000000" pitchFamily="50" charset="-128"/>
+                          <a:ea typeface="游ゴシック" panose="020B0400000000000000" pitchFamily="50" charset="-128"/>
+                        </a:rPr>
+                        <a:t>3</a:t>
+                      </a:r>
+                    </a:p>
+                  </a:txBody>
+                  <a:tcPr marL="5915" marR="5915" marT="5915" marB="0" anchor="ctr">
+                    <a:lnL w="19050" cap="flat" cmpd="sng" algn="ctr">
+                      <a:solidFill>
+                        <a:srgbClr val="00C49A"/>
+                      </a:solidFill>
+                      <a:prstDash val="solid"/>
+                      <a:round/>
+                      <a:headEnd type="none" w="med" len="med"/>
+                      <a:tailEnd type="none" w="med" len="med"/>
+                    </a:lnL>
+                    <a:lnR w="6350" cap="flat" cmpd="sng" algn="ctr">
+                      <a:solidFill>
+                        <a:srgbClr val="000000"/>
+                      </a:solidFill>
+                      <a:prstDash val="dot"/>
+                      <a:round/>
+                      <a:headEnd type="none" w="med" len="med"/>
+                      <a:tailEnd type="none" w="med" len="med"/>
+                    </a:lnR>
+                    <a:lnT w="6350" cap="flat" cmpd="sng" algn="ctr">
+                      <a:solidFill>
+                        <a:srgbClr val="000000"/>
+                      </a:solidFill>
+                      <a:prstDash val="dot"/>
+                      <a:round/>
+                      <a:headEnd type="none" w="med" len="med"/>
+                      <a:tailEnd type="none" w="med" len="med"/>
+                    </a:lnT>
+                    <a:lnB w="19050" cap="flat" cmpd="sng" algn="ctr">
+                      <a:solidFill>
+                        <a:srgbClr val="00C49A"/>
+                      </a:solidFill>
+                      <a:prstDash val="solid"/>
+                      <a:round/>
+                      <a:headEnd type="none" w="med" len="med"/>
+                      <a:tailEnd type="none" w="med" len="med"/>
+                    </a:lnB>
+                  </a:tcPr>
+                </a:tc>
+                <a:tc>
+                  <a:txBody>
+                    <a:bodyPr/>
+                    <a:lstStyle/>
+                    <a:p>
+                      <a:pPr algn="ctr" fontAlgn="ctr"/>
+                      <a:r>
+                        <a:rPr lang="en-US" altLang="ja-JP" sz="4500" b="0" i="0" u="none" strike="noStrike">
+                          <a:solidFill>
+                            <a:srgbClr val="000000"/>
+                          </a:solidFill>
+                          <a:effectLst/>
+                          <a:latin typeface="游ゴシック" panose="020B0400000000000000" pitchFamily="50" charset="-128"/>
+                          <a:ea typeface="游ゴシック" panose="020B0400000000000000" pitchFamily="50" charset="-128"/>
+                        </a:rPr>
+                        <a:t>2</a:t>
+                      </a:r>
+                    </a:p>
+                  </a:txBody>
+                  <a:tcPr marL="5915" marR="5915" marT="5915" marB="0" anchor="ctr">
+                    <a:lnL w="6350" cap="flat" cmpd="sng" algn="ctr">
+                      <a:solidFill>
+                        <a:srgbClr val="000000"/>
+                      </a:solidFill>
+                      <a:prstDash val="dot"/>
+                      <a:round/>
+                      <a:headEnd type="none" w="med" len="med"/>
+                      <a:tailEnd type="none" w="med" len="med"/>
+                    </a:lnL>
+                    <a:lnR w="6350" cap="flat" cmpd="sng" algn="ctr">
+                      <a:solidFill>
+                        <a:srgbClr val="000000"/>
+                      </a:solidFill>
+                      <a:prstDash val="dot"/>
+                      <a:round/>
+                      <a:headEnd type="none" w="med" len="med"/>
+                      <a:tailEnd type="none" w="med" len="med"/>
+                    </a:lnR>
+                    <a:lnT w="6350" cap="flat" cmpd="sng" algn="ctr">
+                      <a:solidFill>
+                        <a:srgbClr val="000000"/>
+                      </a:solidFill>
+                      <a:prstDash val="dot"/>
+                      <a:round/>
+                      <a:headEnd type="none" w="med" len="med"/>
+                      <a:tailEnd type="none" w="med" len="med"/>
+                    </a:lnT>
+                    <a:lnB w="19050" cap="flat" cmpd="sng" algn="ctr">
+                      <a:solidFill>
+                        <a:srgbClr val="00C49A"/>
+                      </a:solidFill>
+                      <a:prstDash val="solid"/>
+                      <a:round/>
+                      <a:headEnd type="none" w="med" len="med"/>
+                      <a:tailEnd type="none" w="med" len="med"/>
+                    </a:lnB>
+                  </a:tcPr>
+                </a:tc>
+                <a:tc>
+                  <a:txBody>
+                    <a:bodyPr/>
+                    <a:lstStyle/>
+                    <a:p>
+                      <a:pPr algn="ctr" fontAlgn="ctr"/>
+                      <a:r>
+                        <a:rPr lang="en-US" altLang="ja-JP" sz="4500" b="0" i="0" u="none" strike="noStrike">
+                          <a:solidFill>
+                            <a:srgbClr val="000000"/>
+                          </a:solidFill>
+                          <a:effectLst/>
+                          <a:latin typeface="游ゴシック" panose="020B0400000000000000" pitchFamily="50" charset="-128"/>
+                          <a:ea typeface="游ゴシック" panose="020B0400000000000000" pitchFamily="50" charset="-128"/>
+                        </a:rPr>
+                        <a:t>1</a:t>
+                      </a:r>
+                    </a:p>
+                  </a:txBody>
+                  <a:tcPr marL="5915" marR="5915" marT="5915" marB="0" anchor="ctr">
+                    <a:lnL w="6350" cap="flat" cmpd="sng" algn="ctr">
+                      <a:solidFill>
+                        <a:srgbClr val="000000"/>
+                      </a:solidFill>
+                      <a:prstDash val="dot"/>
+                      <a:round/>
+                      <a:headEnd type="none" w="med" len="med"/>
+                      <a:tailEnd type="none" w="med" len="med"/>
+                    </a:lnL>
+                    <a:lnR w="19050" cap="flat" cmpd="sng" algn="ctr">
+                      <a:solidFill>
+                        <a:srgbClr val="00C49A"/>
+                      </a:solidFill>
+                      <a:prstDash val="solid"/>
+                      <a:round/>
+                      <a:headEnd type="none" w="med" len="med"/>
+                      <a:tailEnd type="none" w="med" len="med"/>
+                    </a:lnR>
+                    <a:lnT w="6350" cap="flat" cmpd="sng" algn="ctr">
+                      <a:solidFill>
+                        <a:srgbClr val="000000"/>
+                      </a:solidFill>
+                      <a:prstDash val="dot"/>
+                      <a:round/>
+                      <a:headEnd type="none" w="med" len="med"/>
+                      <a:tailEnd type="none" w="med" len="med"/>
+                    </a:lnT>
+                    <a:lnB w="19050" cap="flat" cmpd="sng" algn="ctr">
+                      <a:solidFill>
+                        <a:srgbClr val="00C49A"/>
+                      </a:solidFill>
+                      <a:prstDash val="solid"/>
+                      <a:round/>
+                      <a:headEnd type="none" w="med" len="med"/>
+                      <a:tailEnd type="none" w="med" len="med"/>
+                    </a:lnB>
+                  </a:tcPr>
+                </a:tc>
+                <a:tc>
+                  <a:txBody>
+                    <a:bodyPr/>
+                    <a:lstStyle/>
+                    <a:p>
+                      <a:pPr algn="l" fontAlgn="ctr"/>
+                      <a:endParaRPr lang="ja-JP" altLang="en-US" sz="700" b="0" i="0" u="none" strike="noStrike">
+                        <a:solidFill>
+                          <a:srgbClr val="000000"/>
+                        </a:solidFill>
+                        <a:effectLst/>
+                        <a:latin typeface="游ゴシック" panose="020B0400000000000000" pitchFamily="50" charset="-128"/>
+                        <a:ea typeface="游ゴシック" panose="020B0400000000000000" pitchFamily="50" charset="-128"/>
+                      </a:endParaRPr>
+                    </a:p>
+                  </a:txBody>
+                  <a:tcPr marL="5915" marR="5915" marT="5915" marB="0" anchor="ctr">
+                    <a:lnL w="19050" cap="flat" cmpd="sng" algn="ctr">
+                      <a:solidFill>
+                        <a:srgbClr val="00C49A"/>
+                      </a:solidFill>
+                      <a:prstDash val="solid"/>
+                      <a:round/>
+                      <a:headEnd type="none" w="med" len="med"/>
+                      <a:tailEnd type="none" w="med" len="med"/>
+                    </a:lnL>
+                    <a:lnR>
+                      <a:noFill/>
+                    </a:lnR>
+                    <a:lnT>
+                      <a:noFill/>
+                    </a:lnT>
+                    <a:lnB>
+                      <a:noFill/>
+                    </a:lnB>
+                  </a:tcPr>
+                </a:tc>
+                <a:extLst>
+                  <a:ext uri="{0D108BD9-81ED-4DB2-BD59-A6C34878D82A}">
+                    <a16:rowId xmlns:a16="http://schemas.microsoft.com/office/drawing/2014/main" val="4017482371"/>
+                  </a:ext>
+                </a:extLst>
+              </a:tr>
+              <a:tr h="1183005">
+                <a:tc>
+                  <a:txBody>
+                    <a:bodyPr/>
+                    <a:lstStyle/>
+                    <a:p>
+                      <a:pPr algn="l" fontAlgn="ctr"/>
+                      <a:endParaRPr lang="ja-JP" altLang="en-US" sz="700" b="0" i="0" u="none" strike="noStrike">
+                        <a:solidFill>
+                          <a:srgbClr val="000000"/>
+                        </a:solidFill>
+                        <a:effectLst/>
+                        <a:latin typeface="游ゴシック" panose="020B0400000000000000" pitchFamily="50" charset="-128"/>
+                        <a:ea typeface="游ゴシック" panose="020B0400000000000000" pitchFamily="50" charset="-128"/>
+                      </a:endParaRPr>
+                    </a:p>
+                  </a:txBody>
+                  <a:tcPr marL="5915" marR="5915" marT="5915" marB="0" anchor="ctr">
+                    <a:lnL>
+                      <a:noFill/>
+                    </a:lnL>
+                    <a:lnR>
+                      <a:noFill/>
+                    </a:lnR>
+                    <a:lnT>
+                      <a:noFill/>
+                    </a:lnT>
+                    <a:lnB>
+                      <a:noFill/>
+                    </a:lnB>
+                  </a:tcPr>
+                </a:tc>
+                <a:tc>
+                  <a:txBody>
+                    <a:bodyPr/>
+                    <a:lstStyle/>
+                    <a:p>
+                      <a:pPr algn="l" fontAlgn="ctr"/>
+                      <a:endParaRPr lang="ja-JP" altLang="en-US" sz="700" b="0" i="0" u="none" strike="noStrike">
+                        <a:solidFill>
+                          <a:srgbClr val="000000"/>
+                        </a:solidFill>
+                        <a:effectLst/>
+                        <a:latin typeface="游ゴシック" panose="020B0400000000000000" pitchFamily="50" charset="-128"/>
+                        <a:ea typeface="游ゴシック" panose="020B0400000000000000" pitchFamily="50" charset="-128"/>
+                      </a:endParaRPr>
+                    </a:p>
+                  </a:txBody>
+                  <a:tcPr marL="5915" marR="5915" marT="5915" marB="0" anchor="ctr">
+                    <a:lnL>
+                      <a:noFill/>
+                    </a:lnL>
+                    <a:lnR>
+                      <a:noFill/>
+                    </a:lnR>
+                    <a:lnT w="19050" cap="flat" cmpd="sng" algn="ctr">
+                      <a:solidFill>
+                        <a:srgbClr val="00C49A"/>
+                      </a:solidFill>
+                      <a:prstDash val="solid"/>
+                      <a:round/>
+                      <a:headEnd type="none" w="med" len="med"/>
+                      <a:tailEnd type="none" w="med" len="med"/>
+                    </a:lnT>
+                    <a:lnB>
+                      <a:noFill/>
+                    </a:lnB>
+                  </a:tcPr>
+                </a:tc>
+                <a:tc>
+                  <a:txBody>
+                    <a:bodyPr/>
+                    <a:lstStyle/>
+                    <a:p>
+                      <a:pPr algn="l" fontAlgn="ctr"/>
+                      <a:endParaRPr lang="ja-JP" altLang="en-US" sz="700" b="0" i="0" u="none" strike="noStrike">
+                        <a:solidFill>
+                          <a:srgbClr val="000000"/>
+                        </a:solidFill>
+                        <a:effectLst/>
+                        <a:latin typeface="游ゴシック" panose="020B0400000000000000" pitchFamily="50" charset="-128"/>
+                        <a:ea typeface="游ゴシック" panose="020B0400000000000000" pitchFamily="50" charset="-128"/>
+                      </a:endParaRPr>
+                    </a:p>
+                  </a:txBody>
+                  <a:tcPr marL="5915" marR="5915" marT="5915" marB="0" anchor="ctr">
+                    <a:lnL>
+                      <a:noFill/>
+                    </a:lnL>
+                    <a:lnR>
+                      <a:noFill/>
+                    </a:lnR>
+                    <a:lnT w="19050" cap="flat" cmpd="sng" algn="ctr">
+                      <a:solidFill>
+                        <a:srgbClr val="00C49A"/>
+                      </a:solidFill>
+                      <a:prstDash val="solid"/>
+                      <a:round/>
+                      <a:headEnd type="none" w="med" len="med"/>
+                      <a:tailEnd type="none" w="med" len="med"/>
+                    </a:lnT>
+                    <a:lnB>
+                      <a:noFill/>
+                    </a:lnB>
+                  </a:tcPr>
+                </a:tc>
+                <a:tc>
+                  <a:txBody>
+                    <a:bodyPr/>
+                    <a:lstStyle/>
+                    <a:p>
+                      <a:pPr algn="l" fontAlgn="ctr"/>
+                      <a:endParaRPr lang="ja-JP" altLang="en-US" sz="700" b="0" i="0" u="none" strike="noStrike">
+                        <a:solidFill>
+                          <a:srgbClr val="000000"/>
+                        </a:solidFill>
+                        <a:effectLst/>
+                        <a:latin typeface="游ゴシック" panose="020B0400000000000000" pitchFamily="50" charset="-128"/>
+                        <a:ea typeface="游ゴシック" panose="020B0400000000000000" pitchFamily="50" charset="-128"/>
+                      </a:endParaRPr>
+                    </a:p>
+                  </a:txBody>
+                  <a:tcPr marL="5915" marR="5915" marT="5915" marB="0" anchor="ctr">
+                    <a:lnL>
+                      <a:noFill/>
+                    </a:lnL>
+                    <a:lnR>
+                      <a:noFill/>
+                    </a:lnR>
+                    <a:lnT w="19050" cap="flat" cmpd="sng" algn="ctr">
+                      <a:solidFill>
+                        <a:srgbClr val="00C49A"/>
+                      </a:solidFill>
+                      <a:prstDash val="solid"/>
+                      <a:round/>
+                      <a:headEnd type="none" w="med" len="med"/>
+                      <a:tailEnd type="none" w="med" len="med"/>
+                    </a:lnT>
+                    <a:lnB>
+                      <a:noFill/>
+                    </a:lnB>
+                  </a:tcPr>
+                </a:tc>
+                <a:tc>
+                  <a:txBody>
+                    <a:bodyPr/>
+                    <a:lstStyle/>
+                    <a:p>
+                      <a:pPr algn="l" fontAlgn="ctr"/>
+                      <a:endParaRPr lang="ja-JP" altLang="en-US" sz="700" b="0" i="0" u="none" strike="noStrike" dirty="0">
+                        <a:solidFill>
+                          <a:srgbClr val="000000"/>
+                        </a:solidFill>
+                        <a:effectLst/>
+                        <a:latin typeface="游ゴシック" panose="020B0400000000000000" pitchFamily="50" charset="-128"/>
+                        <a:ea typeface="游ゴシック" panose="020B0400000000000000" pitchFamily="50" charset="-128"/>
+                      </a:endParaRPr>
+                    </a:p>
+                  </a:txBody>
+                  <a:tcPr marL="5915" marR="5915" marT="5915" marB="0" anchor="ctr">
+                    <a:lnL>
+                      <a:noFill/>
+                    </a:lnL>
+                    <a:lnR>
+                      <a:noFill/>
+                    </a:lnR>
+                    <a:lnT>
+                      <a:noFill/>
+                    </a:lnT>
+                    <a:lnB>
+                      <a:noFill/>
+                    </a:lnB>
+                  </a:tcPr>
+                </a:tc>
+                <a:extLst>
+                  <a:ext uri="{0D108BD9-81ED-4DB2-BD59-A6C34878D82A}">
+                    <a16:rowId xmlns:a16="http://schemas.microsoft.com/office/drawing/2014/main" val="1394460094"/>
+                  </a:ext>
+                </a:extLst>
+              </a:tr>
+            </a:tbl>
+          </a:graphicData>
+        </a:graphic>
+      </p:graphicFrame>
+    </p:spTree>
+    <p:extLst>
+      <p:ext uri="{BB962C8B-B14F-4D97-AF65-F5344CB8AC3E}">
+        <p14:creationId xmlns:p14="http://schemas.microsoft.com/office/powerpoint/2010/main" val="2460940555"/>
+      </p:ext>
+    </p:extLst>
+  </p:cSld>
+  <p:clrMapOvr>
+    <a:masterClrMapping/>
+  </p:clrMapOvr>
+</p:sld>
+</file>
+
+<file path=ppt/slides/slide12.xml><?xml version="1.0" encoding="utf-8"?>
+<p:sld xmlns:a="http://schemas.openxmlformats.org/drawingml/2006/main" xmlns:r="http://schemas.openxmlformats.org/officeDocument/2006/relationships" xmlns:p="http://schemas.openxmlformats.org/presentationml/2006/main">
+  <p:cSld>
+    <p:spTree>
+      <p:nvGrpSpPr>
+        <p:cNvPr id="1" name=""/>
+        <p:cNvGrpSpPr/>
+        <p:nvPr/>
+      </p:nvGrpSpPr>
+      <p:grpSpPr>
+        <a:xfrm>
+          <a:off x="0" y="0"/>
+          <a:ext cx="0" cy="0"/>
+          <a:chOff x="0" y="0"/>
+          <a:chExt cx="0" cy="0"/>
+        </a:xfrm>
+      </p:grpSpPr>
+      <p:graphicFrame>
+        <p:nvGraphicFramePr>
+          <p:cNvPr id="2" name="表 1">
+            <a:extLst>
+              <a:ext uri="{FF2B5EF4-FFF2-40B4-BE49-F238E27FC236}">
+                <a16:creationId xmlns:a16="http://schemas.microsoft.com/office/drawing/2014/main" id="{2AD80BC5-9F53-BED6-B0AC-32FBAFA2B650}"/>
+              </a:ext>
+            </a:extLst>
+          </p:cNvPr>
+          <p:cNvGraphicFramePr>
+            <a:graphicFrameLocks noGrp="1"/>
+          </p:cNvGraphicFramePr>
+          <p:nvPr>
+            <p:extLst>
+              <p:ext uri="{D42A27DB-BD31-4B8C-83A1-F6EECF244321}">
+                <p14:modId xmlns:p14="http://schemas.microsoft.com/office/powerpoint/2010/main" val="1985708324"/>
+              </p:ext>
+            </p:extLst>
+          </p:nvPr>
+        </p:nvGraphicFramePr>
+        <p:xfrm>
+          <a:off x="471487" y="1995487"/>
+          <a:ext cx="5915025" cy="5915025"/>
+        </p:xfrm>
+        <a:graphic>
+          <a:graphicData uri="http://schemas.openxmlformats.org/drawingml/2006/table">
+            <a:tbl>
+              <a:tblPr/>
+              <a:tblGrid>
+                <a:gridCol w="1183005">
+                  <a:extLst>
+                    <a:ext uri="{9D8B030D-6E8A-4147-A177-3AD203B41FA5}">
+                      <a16:colId xmlns:a16="http://schemas.microsoft.com/office/drawing/2014/main" val="435392959"/>
+                    </a:ext>
+                  </a:extLst>
+                </a:gridCol>
+                <a:gridCol w="1183005">
+                  <a:extLst>
+                    <a:ext uri="{9D8B030D-6E8A-4147-A177-3AD203B41FA5}">
+                      <a16:colId xmlns:a16="http://schemas.microsoft.com/office/drawing/2014/main" val="2032089629"/>
+                    </a:ext>
+                  </a:extLst>
+                </a:gridCol>
+                <a:gridCol w="1183005">
+                  <a:extLst>
+                    <a:ext uri="{9D8B030D-6E8A-4147-A177-3AD203B41FA5}">
+                      <a16:colId xmlns:a16="http://schemas.microsoft.com/office/drawing/2014/main" val="2885116145"/>
+                    </a:ext>
+                  </a:extLst>
+                </a:gridCol>
+                <a:gridCol w="1183005">
+                  <a:extLst>
+                    <a:ext uri="{9D8B030D-6E8A-4147-A177-3AD203B41FA5}">
+                      <a16:colId xmlns:a16="http://schemas.microsoft.com/office/drawing/2014/main" val="1626888337"/>
+                    </a:ext>
+                  </a:extLst>
+                </a:gridCol>
+                <a:gridCol w="1183005">
+                  <a:extLst>
+                    <a:ext uri="{9D8B030D-6E8A-4147-A177-3AD203B41FA5}">
+                      <a16:colId xmlns:a16="http://schemas.microsoft.com/office/drawing/2014/main" val="2137524310"/>
+                    </a:ext>
+                  </a:extLst>
+                </a:gridCol>
+              </a:tblGrid>
+              <a:tr h="1183005">
+                <a:tc>
+                  <a:txBody>
+                    <a:bodyPr/>
+                    <a:lstStyle/>
+                    <a:p>
+                      <a:pPr algn="l" fontAlgn="ctr"/>
+                      <a:endParaRPr lang="ja-JP" altLang="en-US" sz="700" b="0" i="0" u="none" strike="noStrike">
+                        <a:solidFill>
+                          <a:srgbClr val="000000"/>
+                        </a:solidFill>
+                        <a:effectLst/>
+                        <a:latin typeface="游ゴシック" panose="020B0400000000000000" pitchFamily="50" charset="-128"/>
+                        <a:ea typeface="游ゴシック" panose="020B0400000000000000" pitchFamily="50" charset="-128"/>
+                      </a:endParaRPr>
+                    </a:p>
+                  </a:txBody>
+                  <a:tcPr marL="5915" marR="5915" marT="5915" marB="0" anchor="ctr">
+                    <a:lnL>
+                      <a:noFill/>
+                    </a:lnL>
+                    <a:lnR>
+                      <a:noFill/>
+                    </a:lnR>
+                    <a:lnT>
+                      <a:noFill/>
+                    </a:lnT>
+                    <a:lnB>
+                      <a:noFill/>
+                    </a:lnB>
+                  </a:tcPr>
+                </a:tc>
+                <a:tc>
+                  <a:txBody>
+                    <a:bodyPr/>
+                    <a:lstStyle/>
+                    <a:p>
+                      <a:pPr algn="l" fontAlgn="ctr"/>
+                      <a:r>
+                        <a:rPr lang="ja-JP" altLang="en-US" sz="700" b="0" i="0" u="none" strike="noStrike">
+                          <a:solidFill>
+                            <a:srgbClr val="000000"/>
+                          </a:solidFill>
+                          <a:effectLst/>
+                          <a:latin typeface="游ゴシック" panose="020B0400000000000000" pitchFamily="50" charset="-128"/>
+                          <a:ea typeface="游ゴシック" panose="020B0400000000000000" pitchFamily="50" charset="-128"/>
+                        </a:rPr>
+                        <a:t>　</a:t>
+                      </a:r>
+                    </a:p>
+                  </a:txBody>
+                  <a:tcPr marL="5915" marR="5915" marT="5915" marB="0" anchor="ctr">
+                    <a:lnL>
+                      <a:noFill/>
+                    </a:lnL>
+                    <a:lnR>
+                      <a:noFill/>
+                    </a:lnR>
+                    <a:lnT>
+                      <a:noFill/>
+                    </a:lnT>
+                    <a:lnB w="19050" cap="flat" cmpd="sng" algn="ctr">
+                      <a:solidFill>
+                        <a:srgbClr val="ED7D31"/>
+                      </a:solidFill>
+                      <a:prstDash val="solid"/>
+                      <a:round/>
+                      <a:headEnd type="none" w="med" len="med"/>
+                      <a:tailEnd type="none" w="med" len="med"/>
+                    </a:lnB>
+                  </a:tcPr>
+                </a:tc>
+                <a:tc>
+                  <a:txBody>
+                    <a:bodyPr/>
+                    <a:lstStyle/>
+                    <a:p>
+                      <a:pPr algn="l" fontAlgn="ctr"/>
+                      <a:r>
+                        <a:rPr lang="ja-JP" altLang="en-US" sz="700" b="0" i="0" u="none" strike="noStrike" dirty="0">
+                          <a:solidFill>
+                            <a:srgbClr val="000000"/>
+                          </a:solidFill>
+                          <a:effectLst/>
+                          <a:latin typeface="游ゴシック" panose="020B0400000000000000" pitchFamily="50" charset="-128"/>
+                          <a:ea typeface="游ゴシック" panose="020B0400000000000000" pitchFamily="50" charset="-128"/>
+                        </a:rPr>
+                        <a:t>　</a:t>
+                      </a:r>
+                    </a:p>
+                  </a:txBody>
+                  <a:tcPr marL="5915" marR="5915" marT="5915" marB="0" anchor="ctr">
+                    <a:lnL>
+                      <a:noFill/>
+                    </a:lnL>
+                    <a:lnR>
+                      <a:noFill/>
+                    </a:lnR>
+                    <a:lnT>
+                      <a:noFill/>
+                    </a:lnT>
+                    <a:lnB w="19050" cap="flat" cmpd="sng" algn="ctr">
+                      <a:solidFill>
+                        <a:srgbClr val="ED7D31"/>
+                      </a:solidFill>
+                      <a:prstDash val="solid"/>
+                      <a:round/>
+                      <a:headEnd type="none" w="med" len="med"/>
+                      <a:tailEnd type="none" w="med" len="med"/>
+                    </a:lnB>
+                  </a:tcPr>
+                </a:tc>
+                <a:tc>
+                  <a:txBody>
+                    <a:bodyPr/>
+                    <a:lstStyle/>
+                    <a:p>
+                      <a:pPr algn="l" fontAlgn="ctr"/>
+                      <a:endParaRPr lang="ja-JP" altLang="en-US" sz="700" b="0" i="0" u="none" strike="noStrike">
+                        <a:solidFill>
+                          <a:srgbClr val="000000"/>
+                        </a:solidFill>
+                        <a:effectLst/>
+                        <a:latin typeface="游ゴシック" panose="020B0400000000000000" pitchFamily="50" charset="-128"/>
+                        <a:ea typeface="游ゴシック" panose="020B0400000000000000" pitchFamily="50" charset="-128"/>
+                      </a:endParaRPr>
+                    </a:p>
+                  </a:txBody>
+                  <a:tcPr marL="5915" marR="5915" marT="5915" marB="0" anchor="ctr">
+                    <a:lnL>
+                      <a:noFill/>
+                    </a:lnL>
+                    <a:lnR>
+                      <a:noFill/>
+                    </a:lnR>
+                    <a:lnT>
+                      <a:noFill/>
+                    </a:lnT>
+                    <a:lnB w="19050" cap="flat" cmpd="sng" algn="ctr">
+                      <a:solidFill>
+                        <a:srgbClr val="00C49A"/>
+                      </a:solidFill>
+                      <a:prstDash val="solid"/>
+                      <a:round/>
+                      <a:headEnd type="none" w="med" len="med"/>
+                      <a:tailEnd type="none" w="med" len="med"/>
+                    </a:lnB>
+                  </a:tcPr>
+                </a:tc>
+                <a:tc>
+                  <a:txBody>
+                    <a:bodyPr/>
+                    <a:lstStyle/>
+                    <a:p>
+                      <a:pPr algn="l" fontAlgn="ctr"/>
+                      <a:endParaRPr lang="ja-JP" altLang="en-US" sz="700" b="0" i="0" u="none" strike="noStrike">
+                        <a:solidFill>
+                          <a:srgbClr val="000000"/>
+                        </a:solidFill>
+                        <a:effectLst/>
+                        <a:latin typeface="游ゴシック" panose="020B0400000000000000" pitchFamily="50" charset="-128"/>
+                        <a:ea typeface="游ゴシック" panose="020B0400000000000000" pitchFamily="50" charset="-128"/>
+                      </a:endParaRPr>
+                    </a:p>
+                  </a:txBody>
+                  <a:tcPr marL="5915" marR="5915" marT="5915" marB="0" anchor="ctr">
+                    <a:lnL>
+                      <a:noFill/>
+                    </a:lnL>
+                    <a:lnR>
+                      <a:noFill/>
+                    </a:lnR>
+                    <a:lnT>
+                      <a:noFill/>
+                    </a:lnT>
+                    <a:lnB>
+                      <a:noFill/>
+                    </a:lnB>
+                  </a:tcPr>
+                </a:tc>
+                <a:extLst>
+                  <a:ext uri="{0D108BD9-81ED-4DB2-BD59-A6C34878D82A}">
+                    <a16:rowId xmlns:a16="http://schemas.microsoft.com/office/drawing/2014/main" val="2143559516"/>
+                  </a:ext>
+                </a:extLst>
+              </a:tr>
+              <a:tr h="1183005">
+                <a:tc>
+                  <a:txBody>
+                    <a:bodyPr/>
+                    <a:lstStyle/>
+                    <a:p>
+                      <a:pPr algn="l" fontAlgn="ctr"/>
+                      <a:r>
+                        <a:rPr lang="ja-JP" altLang="en-US" sz="700" b="0" i="0" u="none" strike="noStrike">
+                          <a:solidFill>
+                            <a:srgbClr val="000000"/>
+                          </a:solidFill>
+                          <a:effectLst/>
+                          <a:latin typeface="游ゴシック" panose="020B0400000000000000" pitchFamily="50" charset="-128"/>
+                          <a:ea typeface="游ゴシック" panose="020B0400000000000000" pitchFamily="50" charset="-128"/>
+                        </a:rPr>
+                        <a:t>　</a:t>
+                      </a:r>
+                    </a:p>
+                  </a:txBody>
+                  <a:tcPr marL="5915" marR="5915" marT="5915" marB="0" anchor="ctr">
+                    <a:lnL>
+                      <a:noFill/>
+                    </a:lnL>
+                    <a:lnR w="19050" cap="flat" cmpd="sng" algn="ctr">
+                      <a:solidFill>
+                        <a:srgbClr val="ED7D31"/>
+                      </a:solidFill>
+                      <a:prstDash val="solid"/>
+                      <a:round/>
+                      <a:headEnd type="none" w="med" len="med"/>
+                      <a:tailEnd type="none" w="med" len="med"/>
+                    </a:lnR>
+                    <a:lnT>
+                      <a:noFill/>
+                    </a:lnT>
+                    <a:lnB>
+                      <a:noFill/>
+                    </a:lnB>
+                  </a:tcPr>
+                </a:tc>
+                <a:tc>
+                  <a:txBody>
+                    <a:bodyPr/>
+                    <a:lstStyle/>
+                    <a:p>
+                      <a:pPr algn="ctr" fontAlgn="ctr"/>
+                      <a:r>
+                        <a:rPr lang="en-US" altLang="ja-JP" sz="4500" b="0" i="0" u="none" strike="noStrike">
+                          <a:solidFill>
+                            <a:srgbClr val="000000"/>
+                          </a:solidFill>
+                          <a:effectLst/>
+                          <a:latin typeface="游ゴシック" panose="020B0400000000000000" pitchFamily="50" charset="-128"/>
+                          <a:ea typeface="游ゴシック" panose="020B0400000000000000" pitchFamily="50" charset="-128"/>
+                        </a:rPr>
+                        <a:t>2</a:t>
+                      </a:r>
+                    </a:p>
+                  </a:txBody>
+                  <a:tcPr marL="5915" marR="5915" marT="5915" marB="0" anchor="ctr">
+                    <a:lnL w="19050" cap="flat" cmpd="sng" algn="ctr">
+                      <a:solidFill>
+                        <a:srgbClr val="ED7D31"/>
+                      </a:solidFill>
+                      <a:prstDash val="solid"/>
+                      <a:round/>
+                      <a:headEnd type="none" w="med" len="med"/>
+                      <a:tailEnd type="none" w="med" len="med"/>
+                    </a:lnL>
+                    <a:lnR w="6350" cap="flat" cmpd="sng" algn="ctr">
+                      <a:solidFill>
+                        <a:srgbClr val="000000"/>
+                      </a:solidFill>
+                      <a:prstDash val="dot"/>
+                      <a:round/>
+                      <a:headEnd type="none" w="med" len="med"/>
+                      <a:tailEnd type="none" w="med" len="med"/>
+                    </a:lnR>
+                    <a:lnT w="19050" cap="flat" cmpd="sng" algn="ctr">
+                      <a:solidFill>
+                        <a:srgbClr val="ED7D31"/>
+                      </a:solidFill>
+                      <a:prstDash val="solid"/>
+                      <a:round/>
+                      <a:headEnd type="none" w="med" len="med"/>
+                      <a:tailEnd type="none" w="med" len="med"/>
+                    </a:lnT>
+                    <a:lnB w="6350" cap="flat" cmpd="sng" algn="ctr">
+                      <a:solidFill>
+                        <a:srgbClr val="000000"/>
+                      </a:solidFill>
+                      <a:prstDash val="dot"/>
+                      <a:round/>
+                      <a:headEnd type="none" w="med" len="med"/>
+                      <a:tailEnd type="none" w="med" len="med"/>
+                    </a:lnB>
+                  </a:tcPr>
+                </a:tc>
+                <a:tc>
+                  <a:txBody>
+                    <a:bodyPr/>
+                    <a:lstStyle/>
+                    <a:p>
+                      <a:pPr algn="ctr" fontAlgn="ctr"/>
+                      <a:r>
+                        <a:rPr lang="en-US" altLang="ja-JP" sz="4500" b="0" i="0" u="none" strike="noStrike">
+                          <a:solidFill>
+                            <a:srgbClr val="000000"/>
+                          </a:solidFill>
+                          <a:effectLst/>
+                          <a:latin typeface="游ゴシック" panose="020B0400000000000000" pitchFamily="50" charset="-128"/>
+                          <a:ea typeface="游ゴシック" panose="020B0400000000000000" pitchFamily="50" charset="-128"/>
+                        </a:rPr>
+                        <a:t>3</a:t>
+                      </a:r>
+                    </a:p>
+                  </a:txBody>
+                  <a:tcPr marL="5915" marR="5915" marT="5915" marB="0" anchor="ctr">
+                    <a:lnL w="6350" cap="flat" cmpd="sng" algn="ctr">
+                      <a:solidFill>
+                        <a:srgbClr val="000000"/>
+                      </a:solidFill>
+                      <a:prstDash val="dot"/>
+                      <a:round/>
+                      <a:headEnd type="none" w="med" len="med"/>
+                      <a:tailEnd type="none" w="med" len="med"/>
+                    </a:lnL>
+                    <a:lnR w="19050" cap="flat" cmpd="sng" algn="ctr">
+                      <a:solidFill>
+                        <a:srgbClr val="ED7D31"/>
+                      </a:solidFill>
+                      <a:prstDash val="solid"/>
+                      <a:round/>
+                      <a:headEnd type="none" w="med" len="med"/>
+                      <a:tailEnd type="none" w="med" len="med"/>
+                    </a:lnR>
+                    <a:lnT w="19050" cap="flat" cmpd="sng" algn="ctr">
+                      <a:solidFill>
+                        <a:srgbClr val="ED7D31"/>
+                      </a:solidFill>
+                      <a:prstDash val="solid"/>
+                      <a:round/>
+                      <a:headEnd type="none" w="med" len="med"/>
+                      <a:tailEnd type="none" w="med" len="med"/>
+                    </a:lnT>
+                    <a:lnB w="6350" cap="flat" cmpd="sng" algn="ctr">
+                      <a:solidFill>
+                        <a:srgbClr val="000000"/>
+                      </a:solidFill>
+                      <a:prstDash val="dot"/>
+                      <a:round/>
+                      <a:headEnd type="none" w="med" len="med"/>
+                      <a:tailEnd type="none" w="med" len="med"/>
+                    </a:lnB>
+                  </a:tcPr>
+                </a:tc>
+                <a:tc>
+                  <a:txBody>
+                    <a:bodyPr/>
+                    <a:lstStyle/>
+                    <a:p>
+                      <a:pPr algn="ctr" fontAlgn="ctr"/>
+                      <a:r>
+                        <a:rPr lang="en-US" altLang="ja-JP" sz="4500" b="0" i="0" u="none" strike="noStrike">
+                          <a:solidFill>
+                            <a:srgbClr val="000000"/>
+                          </a:solidFill>
+                          <a:effectLst/>
+                          <a:latin typeface="游ゴシック" panose="020B0400000000000000" pitchFamily="50" charset="-128"/>
+                          <a:ea typeface="游ゴシック" panose="020B0400000000000000" pitchFamily="50" charset="-128"/>
+                        </a:rPr>
+                        <a:t>2</a:t>
+                      </a:r>
+                    </a:p>
+                  </a:txBody>
+                  <a:tcPr marL="5915" marR="5915" marT="5915" marB="0" anchor="ctr">
+                    <a:lnL w="19050" cap="flat" cmpd="sng" algn="ctr">
+                      <a:solidFill>
+                        <a:srgbClr val="ED7D31"/>
+                      </a:solidFill>
+                      <a:prstDash val="solid"/>
+                      <a:round/>
+                      <a:headEnd type="none" w="med" len="med"/>
+                      <a:tailEnd type="none" w="med" len="med"/>
+                    </a:lnL>
+                    <a:lnR w="19050" cap="flat" cmpd="sng" algn="ctr">
+                      <a:solidFill>
+                        <a:srgbClr val="00C49A"/>
+                      </a:solidFill>
+                      <a:prstDash val="solid"/>
+                      <a:round/>
+                      <a:headEnd type="none" w="med" len="med"/>
+                      <a:tailEnd type="none" w="med" len="med"/>
+                    </a:lnR>
+                    <a:lnT w="19050" cap="flat" cmpd="sng" algn="ctr">
+                      <a:solidFill>
+                        <a:srgbClr val="00C49A"/>
+                      </a:solidFill>
+                      <a:prstDash val="solid"/>
+                      <a:round/>
+                      <a:headEnd type="none" w="med" len="med"/>
+                      <a:tailEnd type="none" w="med" len="med"/>
+                    </a:lnT>
+                    <a:lnB w="19050" cap="flat" cmpd="sng" algn="ctr">
+                      <a:solidFill>
+                        <a:srgbClr val="ED7D31"/>
+                      </a:solidFill>
+                      <a:prstDash val="solid"/>
+                      <a:round/>
+                      <a:headEnd type="none" w="med" len="med"/>
+                      <a:tailEnd type="none" w="med" len="med"/>
+                    </a:lnB>
+                  </a:tcPr>
+                </a:tc>
+                <a:tc>
+                  <a:txBody>
+                    <a:bodyPr/>
+                    <a:lstStyle/>
+                    <a:p>
+                      <a:pPr algn="l" fontAlgn="ctr"/>
+                      <a:endParaRPr lang="ja-JP" altLang="en-US" sz="700" b="0" i="0" u="none" strike="noStrike">
+                        <a:solidFill>
+                          <a:srgbClr val="000000"/>
+                        </a:solidFill>
+                        <a:effectLst/>
+                        <a:latin typeface="游ゴシック" panose="020B0400000000000000" pitchFamily="50" charset="-128"/>
+                        <a:ea typeface="游ゴシック" panose="020B0400000000000000" pitchFamily="50" charset="-128"/>
+                      </a:endParaRPr>
+                    </a:p>
+                  </a:txBody>
+                  <a:tcPr marL="5915" marR="5915" marT="5915" marB="0" anchor="ctr">
+                    <a:lnL w="19050" cap="flat" cmpd="sng" algn="ctr">
+                      <a:solidFill>
+                        <a:srgbClr val="00C49A"/>
+                      </a:solidFill>
+                      <a:prstDash val="solid"/>
+                      <a:round/>
+                      <a:headEnd type="none" w="med" len="med"/>
+                      <a:tailEnd type="none" w="med" len="med"/>
+                    </a:lnL>
+                    <a:lnR>
+                      <a:noFill/>
+                    </a:lnR>
+                    <a:lnT>
+                      <a:noFill/>
+                    </a:lnT>
+                    <a:lnB>
+                      <a:noFill/>
+                    </a:lnB>
+                  </a:tcPr>
+                </a:tc>
+                <a:extLst>
+                  <a:ext uri="{0D108BD9-81ED-4DB2-BD59-A6C34878D82A}">
+                    <a16:rowId xmlns:a16="http://schemas.microsoft.com/office/drawing/2014/main" val="596598410"/>
+                  </a:ext>
+                </a:extLst>
+              </a:tr>
+              <a:tr h="1183005">
+                <a:tc>
+                  <a:txBody>
+                    <a:bodyPr/>
+                    <a:lstStyle/>
+                    <a:p>
+                      <a:pPr algn="l" fontAlgn="ctr"/>
+                      <a:r>
+                        <a:rPr lang="ja-JP" altLang="en-US" sz="700" b="0" i="0" u="none" strike="noStrike">
+                          <a:solidFill>
+                            <a:srgbClr val="000000"/>
+                          </a:solidFill>
+                          <a:effectLst/>
+                          <a:latin typeface="游ゴシック" panose="020B0400000000000000" pitchFamily="50" charset="-128"/>
+                          <a:ea typeface="游ゴシック" panose="020B0400000000000000" pitchFamily="50" charset="-128"/>
+                        </a:rPr>
+                        <a:t>　</a:t>
+                      </a:r>
+                    </a:p>
+                  </a:txBody>
+                  <a:tcPr marL="5915" marR="5915" marT="5915" marB="0" anchor="ctr">
+                    <a:lnL>
+                      <a:noFill/>
+                    </a:lnL>
+                    <a:lnR w="19050" cap="flat" cmpd="sng" algn="ctr">
+                      <a:solidFill>
+                        <a:srgbClr val="ED7D31"/>
+                      </a:solidFill>
+                      <a:prstDash val="solid"/>
+                      <a:round/>
+                      <a:headEnd type="none" w="med" len="med"/>
+                      <a:tailEnd type="none" w="med" len="med"/>
+                    </a:lnR>
+                    <a:lnT>
+                      <a:noFill/>
+                    </a:lnT>
+                    <a:lnB>
+                      <a:noFill/>
+                    </a:lnB>
+                  </a:tcPr>
+                </a:tc>
+                <a:tc>
+                  <a:txBody>
+                    <a:bodyPr/>
+                    <a:lstStyle/>
+                    <a:p>
+                      <a:pPr algn="ctr" fontAlgn="ctr"/>
+                      <a:r>
+                        <a:rPr lang="en-US" altLang="ja-JP" sz="4500" b="0" i="0" u="none" strike="noStrike">
+                          <a:solidFill>
+                            <a:srgbClr val="000000"/>
+                          </a:solidFill>
+                          <a:effectLst/>
+                          <a:latin typeface="游ゴシック" panose="020B0400000000000000" pitchFamily="50" charset="-128"/>
+                          <a:ea typeface="游ゴシック" panose="020B0400000000000000" pitchFamily="50" charset="-128"/>
+                        </a:rPr>
+                        <a:t>1</a:t>
+                      </a:r>
+                    </a:p>
+                  </a:txBody>
+                  <a:tcPr marL="5915" marR="5915" marT="5915" marB="0" anchor="ctr">
+                    <a:lnL w="19050" cap="flat" cmpd="sng" algn="ctr">
+                      <a:solidFill>
+                        <a:srgbClr val="ED7D31"/>
+                      </a:solidFill>
+                      <a:prstDash val="solid"/>
+                      <a:round/>
+                      <a:headEnd type="none" w="med" len="med"/>
+                      <a:tailEnd type="none" w="med" len="med"/>
+                    </a:lnL>
+                    <a:lnR w="6350" cap="flat" cmpd="sng" algn="ctr">
+                      <a:solidFill>
+                        <a:srgbClr val="000000"/>
+                      </a:solidFill>
+                      <a:prstDash val="dot"/>
+                      <a:round/>
+                      <a:headEnd type="none" w="med" len="med"/>
+                      <a:tailEnd type="none" w="med" len="med"/>
+                    </a:lnR>
+                    <a:lnT w="6350" cap="flat" cmpd="sng" algn="ctr">
+                      <a:solidFill>
+                        <a:srgbClr val="000000"/>
+                      </a:solidFill>
+                      <a:prstDash val="dot"/>
+                      <a:round/>
+                      <a:headEnd type="none" w="med" len="med"/>
+                      <a:tailEnd type="none" w="med" len="med"/>
+                    </a:lnT>
+                    <a:lnB w="6350" cap="flat" cmpd="sng" algn="ctr">
+                      <a:solidFill>
+                        <a:srgbClr val="000000"/>
+                      </a:solidFill>
+                      <a:prstDash val="dot"/>
+                      <a:round/>
+                      <a:headEnd type="none" w="med" len="med"/>
+                      <a:tailEnd type="none" w="med" len="med"/>
+                    </a:lnB>
+                  </a:tcPr>
+                </a:tc>
+                <a:tc>
+                  <a:txBody>
+                    <a:bodyPr/>
+                    <a:lstStyle/>
+                    <a:p>
+                      <a:pPr algn="ctr" fontAlgn="ctr"/>
+                      <a:r>
+                        <a:rPr lang="en-US" altLang="ja-JP" sz="4500" b="0" i="0" u="none" strike="noStrike">
+                          <a:solidFill>
+                            <a:srgbClr val="000000"/>
+                          </a:solidFill>
+                          <a:effectLst/>
+                          <a:latin typeface="游ゴシック" panose="020B0400000000000000" pitchFamily="50" charset="-128"/>
+                          <a:ea typeface="游ゴシック" panose="020B0400000000000000" pitchFamily="50" charset="-128"/>
+                        </a:rPr>
+                        <a:t>1</a:t>
+                      </a:r>
+                    </a:p>
+                  </a:txBody>
+                  <a:tcPr marL="5915" marR="5915" marT="5915" marB="0" anchor="ctr">
+                    <a:lnL w="6350" cap="flat" cmpd="sng" algn="ctr">
+                      <a:solidFill>
+                        <a:srgbClr val="000000"/>
+                      </a:solidFill>
+                      <a:prstDash val="dot"/>
+                      <a:round/>
+                      <a:headEnd type="none" w="med" len="med"/>
+                      <a:tailEnd type="none" w="med" len="med"/>
+                    </a:lnL>
+                    <a:lnR w="6350" cap="flat" cmpd="sng" algn="ctr">
+                      <a:solidFill>
+                        <a:srgbClr val="000000"/>
+                      </a:solidFill>
+                      <a:prstDash val="dot"/>
+                      <a:round/>
+                      <a:headEnd type="none" w="med" len="med"/>
+                      <a:tailEnd type="none" w="med" len="med"/>
+                    </a:lnR>
+                    <a:lnT w="6350" cap="flat" cmpd="sng" algn="ctr">
+                      <a:solidFill>
+                        <a:srgbClr val="000000"/>
+                      </a:solidFill>
+                      <a:prstDash val="dot"/>
+                      <a:round/>
+                      <a:headEnd type="none" w="med" len="med"/>
+                      <a:tailEnd type="none" w="med" len="med"/>
+                    </a:lnT>
+                    <a:lnB w="19050" cap="flat" cmpd="sng" algn="ctr">
+                      <a:solidFill>
+                        <a:srgbClr val="ED7D31"/>
+                      </a:solidFill>
+                      <a:prstDash val="solid"/>
+                      <a:round/>
+                      <a:headEnd type="none" w="med" len="med"/>
+                      <a:tailEnd type="none" w="med" len="med"/>
+                    </a:lnB>
+                  </a:tcPr>
+                </a:tc>
+                <a:tc>
+                  <a:txBody>
+                    <a:bodyPr/>
+                    <a:lstStyle/>
+                    <a:p>
+                      <a:pPr algn="ctr" fontAlgn="ctr"/>
+                      <a:r>
+                        <a:rPr lang="en-US" altLang="ja-JP" sz="4500" b="0" i="0" u="none" strike="noStrike">
+                          <a:solidFill>
+                            <a:srgbClr val="000000"/>
+                          </a:solidFill>
+                          <a:effectLst/>
+                          <a:latin typeface="游ゴシック" panose="020B0400000000000000" pitchFamily="50" charset="-128"/>
+                          <a:ea typeface="游ゴシック" panose="020B0400000000000000" pitchFamily="50" charset="-128"/>
+                        </a:rPr>
+                        <a:t>3</a:t>
+                      </a:r>
+                    </a:p>
+                  </a:txBody>
+                  <a:tcPr marL="5915" marR="5915" marT="5915" marB="0" anchor="ctr">
+                    <a:lnL w="6350" cap="flat" cmpd="sng" algn="ctr">
+                      <a:solidFill>
+                        <a:srgbClr val="000000"/>
+                      </a:solidFill>
+                      <a:prstDash val="dot"/>
+                      <a:round/>
+                      <a:headEnd type="none" w="med" len="med"/>
+                      <a:tailEnd type="none" w="med" len="med"/>
+                    </a:lnL>
+                    <a:lnR w="19050" cap="flat" cmpd="sng" algn="ctr">
+                      <a:solidFill>
+                        <a:srgbClr val="ED7D31"/>
+                      </a:solidFill>
+                      <a:prstDash val="solid"/>
+                      <a:round/>
+                      <a:headEnd type="none" w="med" len="med"/>
+                      <a:tailEnd type="none" w="med" len="med"/>
+                    </a:lnR>
+                    <a:lnT w="19050" cap="flat" cmpd="sng" algn="ctr">
+                      <a:solidFill>
+                        <a:srgbClr val="ED7D31"/>
+                      </a:solidFill>
+                      <a:prstDash val="solid"/>
+                      <a:round/>
+                      <a:headEnd type="none" w="med" len="med"/>
+                      <a:tailEnd type="none" w="med" len="med"/>
+                    </a:lnT>
+                    <a:lnB w="19050" cap="flat" cmpd="sng" algn="ctr">
+                      <a:solidFill>
+                        <a:srgbClr val="ED7D31"/>
+                      </a:solidFill>
+                      <a:prstDash val="solid"/>
+                      <a:round/>
+                      <a:headEnd type="none" w="med" len="med"/>
+                      <a:tailEnd type="none" w="med" len="med"/>
+                    </a:lnB>
+                  </a:tcPr>
+                </a:tc>
+                <a:tc>
+                  <a:txBody>
+                    <a:bodyPr/>
+                    <a:lstStyle/>
+                    <a:p>
+                      <a:pPr algn="l" fontAlgn="ctr"/>
+                      <a:endParaRPr lang="ja-JP" altLang="en-US" sz="700" b="0" i="0" u="none" strike="noStrike">
+                        <a:solidFill>
+                          <a:srgbClr val="000000"/>
+                        </a:solidFill>
+                        <a:effectLst/>
+                        <a:latin typeface="游ゴシック" panose="020B0400000000000000" pitchFamily="50" charset="-128"/>
+                        <a:ea typeface="游ゴシック" panose="020B0400000000000000" pitchFamily="50" charset="-128"/>
+                      </a:endParaRPr>
+                    </a:p>
+                  </a:txBody>
+                  <a:tcPr marL="5915" marR="5915" marT="5915" marB="0" anchor="ctr">
+                    <a:lnL w="19050" cap="flat" cmpd="sng" algn="ctr">
+                      <a:solidFill>
+                        <a:srgbClr val="ED7D31"/>
+                      </a:solidFill>
+                      <a:prstDash val="solid"/>
+                      <a:round/>
+                      <a:headEnd type="none" w="med" len="med"/>
+                      <a:tailEnd type="none" w="med" len="med"/>
+                    </a:lnL>
+                    <a:lnR>
+                      <a:noFill/>
+                    </a:lnR>
+                    <a:lnT>
+                      <a:noFill/>
+                    </a:lnT>
+                    <a:lnB>
+                      <a:noFill/>
+                    </a:lnB>
+                  </a:tcPr>
+                </a:tc>
+                <a:extLst>
+                  <a:ext uri="{0D108BD9-81ED-4DB2-BD59-A6C34878D82A}">
+                    <a16:rowId xmlns:a16="http://schemas.microsoft.com/office/drawing/2014/main" val="2120167585"/>
+                  </a:ext>
+                </a:extLst>
+              </a:tr>
+              <a:tr h="1183005">
+                <a:tc>
+                  <a:txBody>
+                    <a:bodyPr/>
+                    <a:lstStyle/>
+                    <a:p>
+                      <a:pPr algn="l" fontAlgn="ctr"/>
+                      <a:r>
+                        <a:rPr lang="ja-JP" altLang="en-US" sz="700" b="0" i="0" u="none" strike="noStrike">
+                          <a:solidFill>
+                            <a:srgbClr val="000000"/>
+                          </a:solidFill>
+                          <a:effectLst/>
+                          <a:latin typeface="游ゴシック" panose="020B0400000000000000" pitchFamily="50" charset="-128"/>
+                          <a:ea typeface="游ゴシック" panose="020B0400000000000000" pitchFamily="50" charset="-128"/>
+                        </a:rPr>
+                        <a:t>　</a:t>
+                      </a:r>
+                    </a:p>
+                  </a:txBody>
+                  <a:tcPr marL="5915" marR="5915" marT="5915" marB="0" anchor="ctr">
+                    <a:lnL>
+                      <a:noFill/>
+                    </a:lnL>
+                    <a:lnR w="19050" cap="flat" cmpd="sng" algn="ctr">
+                      <a:solidFill>
+                        <a:srgbClr val="ED7D31"/>
+                      </a:solidFill>
+                      <a:prstDash val="solid"/>
+                      <a:round/>
+                      <a:headEnd type="none" w="med" len="med"/>
+                      <a:tailEnd type="none" w="med" len="med"/>
+                    </a:lnR>
+                    <a:lnT>
+                      <a:noFill/>
+                    </a:lnT>
+                    <a:lnB>
+                      <a:noFill/>
+                    </a:lnB>
+                  </a:tcPr>
+                </a:tc>
+                <a:tc>
+                  <a:txBody>
+                    <a:bodyPr/>
+                    <a:lstStyle/>
+                    <a:p>
+                      <a:pPr algn="ctr" fontAlgn="ctr"/>
+                      <a:r>
+                        <a:rPr lang="en-US" altLang="ja-JP" sz="4500" b="0" i="0" u="none" strike="noStrike">
+                          <a:solidFill>
+                            <a:srgbClr val="000000"/>
+                          </a:solidFill>
+                          <a:effectLst/>
+                          <a:latin typeface="游ゴシック" panose="020B0400000000000000" pitchFamily="50" charset="-128"/>
+                          <a:ea typeface="游ゴシック" panose="020B0400000000000000" pitchFamily="50" charset="-128"/>
+                        </a:rPr>
+                        <a:t>3</a:t>
+                      </a:r>
+                    </a:p>
+                  </a:txBody>
+                  <a:tcPr marL="5915" marR="5915" marT="5915" marB="0" anchor="ctr">
+                    <a:lnL w="19050" cap="flat" cmpd="sng" algn="ctr">
+                      <a:solidFill>
+                        <a:srgbClr val="ED7D31"/>
+                      </a:solidFill>
+                      <a:prstDash val="solid"/>
+                      <a:round/>
+                      <a:headEnd type="none" w="med" len="med"/>
+                      <a:tailEnd type="none" w="med" len="med"/>
+                    </a:lnL>
+                    <a:lnR w="19050" cap="flat" cmpd="sng" algn="ctr">
+                      <a:solidFill>
+                        <a:srgbClr val="ED7D31"/>
+                      </a:solidFill>
+                      <a:prstDash val="solid"/>
+                      <a:round/>
+                      <a:headEnd type="none" w="med" len="med"/>
+                      <a:tailEnd type="none" w="med" len="med"/>
+                    </a:lnR>
+                    <a:lnT w="6350" cap="flat" cmpd="sng" algn="ctr">
+                      <a:solidFill>
+                        <a:srgbClr val="000000"/>
+                      </a:solidFill>
+                      <a:prstDash val="dot"/>
+                      <a:round/>
+                      <a:headEnd type="none" w="med" len="med"/>
+                      <a:tailEnd type="none" w="med" len="med"/>
+                    </a:lnT>
+                    <a:lnB w="19050" cap="flat" cmpd="sng" algn="ctr">
+                      <a:solidFill>
+                        <a:srgbClr val="ED7D31"/>
+                      </a:solidFill>
+                      <a:prstDash val="solid"/>
+                      <a:round/>
+                      <a:headEnd type="none" w="med" len="med"/>
+                      <a:tailEnd type="none" w="med" len="med"/>
+                    </a:lnB>
+                  </a:tcPr>
+                </a:tc>
+                <a:tc>
+                  <a:txBody>
+                    <a:bodyPr/>
+                    <a:lstStyle/>
+                    <a:p>
+                      <a:pPr algn="ctr" fontAlgn="ctr"/>
+                      <a:r>
+                        <a:rPr lang="en-US" altLang="ja-JP" sz="4500" b="0" i="0" u="none" strike="noStrike">
+                          <a:solidFill>
+                            <a:srgbClr val="000000"/>
+                          </a:solidFill>
+                          <a:effectLst/>
+                          <a:latin typeface="游ゴシック" panose="020B0400000000000000" pitchFamily="50" charset="-128"/>
+                          <a:ea typeface="游ゴシック" panose="020B0400000000000000" pitchFamily="50" charset="-128"/>
+                        </a:rPr>
+                        <a:t>2</a:t>
+                      </a:r>
+                    </a:p>
+                  </a:txBody>
+                  <a:tcPr marL="5915" marR="5915" marT="5915" marB="0" anchor="ctr">
+                    <a:lnL w="19050" cap="flat" cmpd="sng" algn="ctr">
+                      <a:solidFill>
+                        <a:srgbClr val="ED7D31"/>
+                      </a:solidFill>
+                      <a:prstDash val="solid"/>
+                      <a:round/>
+                      <a:headEnd type="none" w="med" len="med"/>
+                      <a:tailEnd type="none" w="med" len="med"/>
+                    </a:lnL>
+                    <a:lnR w="6350" cap="flat" cmpd="sng" algn="ctr">
+                      <a:solidFill>
+                        <a:srgbClr val="000000"/>
+                      </a:solidFill>
+                      <a:prstDash val="dot"/>
+                      <a:round/>
+                      <a:headEnd type="none" w="med" len="med"/>
+                      <a:tailEnd type="none" w="med" len="med"/>
+                    </a:lnR>
+                    <a:lnT w="19050" cap="flat" cmpd="sng" algn="ctr">
+                      <a:solidFill>
+                        <a:srgbClr val="ED7D31"/>
+                      </a:solidFill>
+                      <a:prstDash val="solid"/>
+                      <a:round/>
+                      <a:headEnd type="none" w="med" len="med"/>
+                      <a:tailEnd type="none" w="med" len="med"/>
+                    </a:lnT>
+                    <a:lnB w="19050" cap="flat" cmpd="sng" algn="ctr">
+                      <a:solidFill>
+                        <a:srgbClr val="00C49A"/>
+                      </a:solidFill>
+                      <a:prstDash val="solid"/>
+                      <a:round/>
+                      <a:headEnd type="none" w="med" len="med"/>
+                      <a:tailEnd type="none" w="med" len="med"/>
+                    </a:lnB>
+                  </a:tcPr>
+                </a:tc>
+                <a:tc>
+                  <a:txBody>
+                    <a:bodyPr/>
+                    <a:lstStyle/>
+                    <a:p>
+                      <a:pPr algn="ctr" fontAlgn="ctr"/>
+                      <a:r>
+                        <a:rPr lang="en-US" altLang="ja-JP" sz="4500" b="0" i="0" u="none" strike="noStrike">
+                          <a:solidFill>
+                            <a:srgbClr val="000000"/>
+                          </a:solidFill>
+                          <a:effectLst/>
+                          <a:latin typeface="游ゴシック" panose="020B0400000000000000" pitchFamily="50" charset="-128"/>
+                          <a:ea typeface="游ゴシック" panose="020B0400000000000000" pitchFamily="50" charset="-128"/>
+                        </a:rPr>
+                        <a:t>1</a:t>
+                      </a:r>
+                    </a:p>
+                  </a:txBody>
+                  <a:tcPr marL="5915" marR="5915" marT="5915" marB="0" anchor="ctr">
+                    <a:lnL w="6350" cap="flat" cmpd="sng" algn="ctr">
+                      <a:solidFill>
+                        <a:srgbClr val="000000"/>
+                      </a:solidFill>
+                      <a:prstDash val="dot"/>
+                      <a:round/>
+                      <a:headEnd type="none" w="med" len="med"/>
+                      <a:tailEnd type="none" w="med" len="med"/>
+                    </a:lnL>
+                    <a:lnR w="19050" cap="flat" cmpd="sng" algn="ctr">
+                      <a:solidFill>
+                        <a:srgbClr val="00C49A"/>
+                      </a:solidFill>
+                      <a:prstDash val="solid"/>
+                      <a:round/>
+                      <a:headEnd type="none" w="med" len="med"/>
+                      <a:tailEnd type="none" w="med" len="med"/>
+                    </a:lnR>
+                    <a:lnT w="19050" cap="flat" cmpd="sng" algn="ctr">
+                      <a:solidFill>
+                        <a:srgbClr val="ED7D31"/>
+                      </a:solidFill>
+                      <a:prstDash val="solid"/>
+                      <a:round/>
+                      <a:headEnd type="none" w="med" len="med"/>
+                      <a:tailEnd type="none" w="med" len="med"/>
+                    </a:lnT>
+                    <a:lnB w="19050" cap="flat" cmpd="sng" algn="ctr">
+                      <a:solidFill>
+                        <a:srgbClr val="00C49A"/>
+                      </a:solidFill>
+                      <a:prstDash val="solid"/>
+                      <a:round/>
+                      <a:headEnd type="none" w="med" len="med"/>
+                      <a:tailEnd type="none" w="med" len="med"/>
+                    </a:lnB>
+                  </a:tcPr>
+                </a:tc>
+                <a:tc>
+                  <a:txBody>
+                    <a:bodyPr/>
+                    <a:lstStyle/>
+                    <a:p>
+                      <a:pPr algn="l" fontAlgn="ctr"/>
+                      <a:endParaRPr lang="ja-JP" altLang="en-US" sz="700" b="0" i="0" u="none" strike="noStrike">
+                        <a:solidFill>
+                          <a:srgbClr val="000000"/>
+                        </a:solidFill>
+                        <a:effectLst/>
+                        <a:latin typeface="游ゴシック" panose="020B0400000000000000" pitchFamily="50" charset="-128"/>
+                        <a:ea typeface="游ゴシック" panose="020B0400000000000000" pitchFamily="50" charset="-128"/>
+                      </a:endParaRPr>
+                    </a:p>
+                  </a:txBody>
+                  <a:tcPr marL="5915" marR="5915" marT="5915" marB="0" anchor="ctr">
+                    <a:lnL w="19050" cap="flat" cmpd="sng" algn="ctr">
+                      <a:solidFill>
+                        <a:srgbClr val="00C49A"/>
+                      </a:solidFill>
+                      <a:prstDash val="solid"/>
+                      <a:round/>
+                      <a:headEnd type="none" w="med" len="med"/>
+                      <a:tailEnd type="none" w="med" len="med"/>
+                    </a:lnL>
+                    <a:lnR>
+                      <a:noFill/>
+                    </a:lnR>
+                    <a:lnT>
+                      <a:noFill/>
+                    </a:lnT>
+                    <a:lnB>
+                      <a:noFill/>
+                    </a:lnB>
+                  </a:tcPr>
+                </a:tc>
+                <a:extLst>
+                  <a:ext uri="{0D108BD9-81ED-4DB2-BD59-A6C34878D82A}">
+                    <a16:rowId xmlns:a16="http://schemas.microsoft.com/office/drawing/2014/main" val="2050793199"/>
+                  </a:ext>
+                </a:extLst>
+              </a:tr>
+              <a:tr h="1183005">
+                <a:tc>
+                  <a:txBody>
+                    <a:bodyPr/>
+                    <a:lstStyle/>
+                    <a:p>
+                      <a:pPr algn="l" fontAlgn="ctr"/>
+                      <a:endParaRPr lang="ja-JP" altLang="en-US" sz="700" b="0" i="0" u="none" strike="noStrike">
+                        <a:solidFill>
+                          <a:srgbClr val="000000"/>
+                        </a:solidFill>
+                        <a:effectLst/>
+                        <a:latin typeface="游ゴシック" panose="020B0400000000000000" pitchFamily="50" charset="-128"/>
+                        <a:ea typeface="游ゴシック" panose="020B0400000000000000" pitchFamily="50" charset="-128"/>
+                      </a:endParaRPr>
+                    </a:p>
+                  </a:txBody>
+                  <a:tcPr marL="5915" marR="5915" marT="5915" marB="0" anchor="ctr">
+                    <a:lnL>
+                      <a:noFill/>
+                    </a:lnL>
+                    <a:lnR>
+                      <a:noFill/>
+                    </a:lnR>
+                    <a:lnT>
+                      <a:noFill/>
+                    </a:lnT>
+                    <a:lnB>
+                      <a:noFill/>
+                    </a:lnB>
+                  </a:tcPr>
+                </a:tc>
+                <a:tc>
+                  <a:txBody>
+                    <a:bodyPr/>
+                    <a:lstStyle/>
+                    <a:p>
+                      <a:pPr algn="l" fontAlgn="ctr"/>
+                      <a:endParaRPr lang="ja-JP" altLang="en-US" sz="700" b="0" i="0" u="none" strike="noStrike">
+                        <a:solidFill>
+                          <a:srgbClr val="000000"/>
+                        </a:solidFill>
+                        <a:effectLst/>
+                        <a:latin typeface="游ゴシック" panose="020B0400000000000000" pitchFamily="50" charset="-128"/>
+                        <a:ea typeface="游ゴシック" panose="020B0400000000000000" pitchFamily="50" charset="-128"/>
+                      </a:endParaRPr>
+                    </a:p>
+                  </a:txBody>
+                  <a:tcPr marL="5915" marR="5915" marT="5915" marB="0" anchor="ctr">
+                    <a:lnL>
+                      <a:noFill/>
+                    </a:lnL>
+                    <a:lnR>
+                      <a:noFill/>
+                    </a:lnR>
+                    <a:lnT w="19050" cap="flat" cmpd="sng" algn="ctr">
+                      <a:solidFill>
+                        <a:srgbClr val="ED7D31"/>
+                      </a:solidFill>
+                      <a:prstDash val="solid"/>
+                      <a:round/>
+                      <a:headEnd type="none" w="med" len="med"/>
+                      <a:tailEnd type="none" w="med" len="med"/>
+                    </a:lnT>
+                    <a:lnB>
+                      <a:noFill/>
+                    </a:lnB>
+                  </a:tcPr>
+                </a:tc>
+                <a:tc>
+                  <a:txBody>
+                    <a:bodyPr/>
+                    <a:lstStyle/>
+                    <a:p>
+                      <a:pPr algn="l" fontAlgn="ctr"/>
+                      <a:endParaRPr lang="ja-JP" altLang="en-US" sz="700" b="0" i="0" u="none" strike="noStrike">
+                        <a:solidFill>
+                          <a:srgbClr val="000000"/>
+                        </a:solidFill>
+                        <a:effectLst/>
+                        <a:latin typeface="游ゴシック" panose="020B0400000000000000" pitchFamily="50" charset="-128"/>
+                        <a:ea typeface="游ゴシック" panose="020B0400000000000000" pitchFamily="50" charset="-128"/>
+                      </a:endParaRPr>
+                    </a:p>
+                  </a:txBody>
+                  <a:tcPr marL="5915" marR="5915" marT="5915" marB="0" anchor="ctr">
+                    <a:lnL>
+                      <a:noFill/>
+                    </a:lnL>
+                    <a:lnR>
+                      <a:noFill/>
+                    </a:lnR>
+                    <a:lnT w="19050" cap="flat" cmpd="sng" algn="ctr">
+                      <a:solidFill>
+                        <a:srgbClr val="00C49A"/>
+                      </a:solidFill>
+                      <a:prstDash val="solid"/>
+                      <a:round/>
+                      <a:headEnd type="none" w="med" len="med"/>
+                      <a:tailEnd type="none" w="med" len="med"/>
+                    </a:lnT>
+                    <a:lnB>
+                      <a:noFill/>
+                    </a:lnB>
+                  </a:tcPr>
+                </a:tc>
+                <a:tc>
+                  <a:txBody>
+                    <a:bodyPr/>
+                    <a:lstStyle/>
+                    <a:p>
+                      <a:pPr algn="l" fontAlgn="ctr"/>
+                      <a:endParaRPr lang="ja-JP" altLang="en-US" sz="700" b="0" i="0" u="none" strike="noStrike">
+                        <a:solidFill>
+                          <a:srgbClr val="000000"/>
+                        </a:solidFill>
+                        <a:effectLst/>
+                        <a:latin typeface="游ゴシック" panose="020B0400000000000000" pitchFamily="50" charset="-128"/>
+                        <a:ea typeface="游ゴシック" panose="020B0400000000000000" pitchFamily="50" charset="-128"/>
+                      </a:endParaRPr>
+                    </a:p>
+                  </a:txBody>
+                  <a:tcPr marL="5915" marR="5915" marT="5915" marB="0" anchor="ctr">
+                    <a:lnL>
+                      <a:noFill/>
+                    </a:lnL>
+                    <a:lnR>
+                      <a:noFill/>
+                    </a:lnR>
+                    <a:lnT w="19050" cap="flat" cmpd="sng" algn="ctr">
+                      <a:solidFill>
+                        <a:srgbClr val="00C49A"/>
+                      </a:solidFill>
+                      <a:prstDash val="solid"/>
+                      <a:round/>
+                      <a:headEnd type="none" w="med" len="med"/>
+                      <a:tailEnd type="none" w="med" len="med"/>
+                    </a:lnT>
+                    <a:lnB>
+                      <a:noFill/>
+                    </a:lnB>
+                  </a:tcPr>
+                </a:tc>
+                <a:tc>
+                  <a:txBody>
+                    <a:bodyPr/>
+                    <a:lstStyle/>
+                    <a:p>
+                      <a:pPr algn="l" fontAlgn="ctr"/>
+                      <a:endParaRPr lang="ja-JP" altLang="en-US" sz="700" b="0" i="0" u="none" strike="noStrike" dirty="0">
+                        <a:solidFill>
+                          <a:srgbClr val="000000"/>
+                        </a:solidFill>
+                        <a:effectLst/>
+                        <a:latin typeface="游ゴシック" panose="020B0400000000000000" pitchFamily="50" charset="-128"/>
+                        <a:ea typeface="游ゴシック" panose="020B0400000000000000" pitchFamily="50" charset="-128"/>
+                      </a:endParaRPr>
+                    </a:p>
+                  </a:txBody>
+                  <a:tcPr marL="5915" marR="5915" marT="5915" marB="0" anchor="ctr">
+                    <a:lnL>
+                      <a:noFill/>
+                    </a:lnL>
+                    <a:lnR>
+                      <a:noFill/>
+                    </a:lnR>
+                    <a:lnT>
+                      <a:noFill/>
+                    </a:lnT>
+                    <a:lnB>
+                      <a:noFill/>
+                    </a:lnB>
+                  </a:tcPr>
+                </a:tc>
+                <a:extLst>
+                  <a:ext uri="{0D108BD9-81ED-4DB2-BD59-A6C34878D82A}">
+                    <a16:rowId xmlns:a16="http://schemas.microsoft.com/office/drawing/2014/main" val="352703236"/>
+                  </a:ext>
+                </a:extLst>
+              </a:tr>
+            </a:tbl>
+          </a:graphicData>
+        </a:graphic>
+      </p:graphicFrame>
+    </p:spTree>
+    <p:extLst>
+      <p:ext uri="{BB962C8B-B14F-4D97-AF65-F5344CB8AC3E}">
+        <p14:creationId xmlns:p14="http://schemas.microsoft.com/office/powerpoint/2010/main" val="666925613"/>
       </p:ext>
     </p:extLst>
   </p:cSld>
@@ -19399,8 +23098,8 @@
           </a:fontRef>
         </p:style>
       </p:cxnSp>
-      <mc:AlternateContent xmlns:mc="http://schemas.openxmlformats.org/markup-compatibility/2006">
-        <mc:Choice xmlns:a14="http://schemas.microsoft.com/office/drawing/2010/main" Requires="a14">
+      <mc:AlternateContent xmlns:mc="http://schemas.openxmlformats.org/markup-compatibility/2006" xmlns:a14="http://schemas.microsoft.com/office/drawing/2010/main">
+        <mc:Choice Requires="a14">
           <p:sp>
             <p:nvSpPr>
               <p:cNvPr id="9" name="テキスト ボックス 8">
@@ -19460,7 +23159,7 @@
             </p:txBody>
           </p:sp>
         </mc:Choice>
-        <mc:Fallback>
+        <mc:Fallback xmlns="">
           <p:sp>
             <p:nvSpPr>
               <p:cNvPr id="9" name="テキスト ボックス 8">
@@ -19649,8 +23348,8 @@
           </a:fontRef>
         </p:style>
       </p:cxnSp>
-      <mc:AlternateContent xmlns:mc="http://schemas.openxmlformats.org/markup-compatibility/2006">
-        <mc:Choice xmlns:a14="http://schemas.microsoft.com/office/drawing/2010/main" Requires="a14">
+      <mc:AlternateContent xmlns:mc="http://schemas.openxmlformats.org/markup-compatibility/2006" xmlns:a14="http://schemas.microsoft.com/office/drawing/2010/main">
+        <mc:Choice Requires="a14">
           <p:sp>
             <p:nvSpPr>
               <p:cNvPr id="21" name="テキスト ボックス 20">
@@ -19710,7 +23409,7 @@
             </p:txBody>
           </p:sp>
         </mc:Choice>
-        <mc:Fallback>
+        <mc:Fallback xmlns="">
           <p:sp>
             <p:nvSpPr>
               <p:cNvPr id="21" name="テキスト ボックス 20">
@@ -19861,8 +23560,8 @@
           </a:fontRef>
         </p:style>
       </p:cxnSp>
-      <mc:AlternateContent xmlns:mc="http://schemas.openxmlformats.org/markup-compatibility/2006">
-        <mc:Choice xmlns:a14="http://schemas.microsoft.com/office/drawing/2010/main" Requires="a14">
+      <mc:AlternateContent xmlns:mc="http://schemas.openxmlformats.org/markup-compatibility/2006" xmlns:a14="http://schemas.microsoft.com/office/drawing/2010/main">
+        <mc:Choice Requires="a14">
           <p:sp>
             <p:nvSpPr>
               <p:cNvPr id="24" name="テキスト ボックス 23">
@@ -19922,7 +23621,7 @@
             </p:txBody>
           </p:sp>
         </mc:Choice>
-        <mc:Fallback>
+        <mc:Fallback xmlns="">
           <p:sp>
             <p:nvSpPr>
               <p:cNvPr id="24" name="テキスト ボックス 23">
@@ -19972,8 +23671,8 @@
           </p:sp>
         </mc:Fallback>
       </mc:AlternateContent>
-      <mc:AlternateContent xmlns:mc="http://schemas.openxmlformats.org/markup-compatibility/2006">
-        <mc:Choice xmlns:a14="http://schemas.microsoft.com/office/drawing/2010/main" Requires="a14">
+      <mc:AlternateContent xmlns:mc="http://schemas.openxmlformats.org/markup-compatibility/2006" xmlns:a14="http://schemas.microsoft.com/office/drawing/2010/main">
+        <mc:Choice Requires="a14">
           <p:sp>
             <p:nvSpPr>
               <p:cNvPr id="2" name="テキスト ボックス 1">
@@ -20023,7 +23722,7 @@
             </p:txBody>
           </p:sp>
         </mc:Choice>
-        <mc:Fallback>
+        <mc:Fallback xmlns="">
           <p:sp>
             <p:nvSpPr>
               <p:cNvPr id="2" name="テキスト ボックス 1">
@@ -20068,8 +23767,8 @@
           </p:sp>
         </mc:Fallback>
       </mc:AlternateContent>
-      <mc:AlternateContent xmlns:mc="http://schemas.openxmlformats.org/markup-compatibility/2006">
-        <mc:Choice xmlns:a14="http://schemas.microsoft.com/office/drawing/2010/main" Requires="a14">
+      <mc:AlternateContent xmlns:mc="http://schemas.openxmlformats.org/markup-compatibility/2006" xmlns:a14="http://schemas.microsoft.com/office/drawing/2010/main">
+        <mc:Choice Requires="a14">
           <p:sp>
             <p:nvSpPr>
               <p:cNvPr id="4" name="テキスト ボックス 3">
@@ -20119,7 +23818,7 @@
             </p:txBody>
           </p:sp>
         </mc:Choice>
-        <mc:Fallback>
+        <mc:Fallback xmlns="">
           <p:sp>
             <p:nvSpPr>
               <p:cNvPr id="4" name="テキスト ボックス 3">
@@ -20164,8 +23863,8 @@
           </p:sp>
         </mc:Fallback>
       </mc:AlternateContent>
-      <mc:AlternateContent xmlns:mc="http://schemas.openxmlformats.org/markup-compatibility/2006">
-        <mc:Choice xmlns:a14="http://schemas.microsoft.com/office/drawing/2010/main" Requires="a14">
+      <mc:AlternateContent xmlns:mc="http://schemas.openxmlformats.org/markup-compatibility/2006" xmlns:a14="http://schemas.microsoft.com/office/drawing/2010/main">
+        <mc:Choice Requires="a14">
           <p:sp>
             <p:nvSpPr>
               <p:cNvPr id="6" name="テキスト ボックス 5">
@@ -20215,7 +23914,7 @@
             </p:txBody>
           </p:sp>
         </mc:Choice>
-        <mc:Fallback>
+        <mc:Fallback xmlns="">
           <p:sp>
             <p:nvSpPr>
               <p:cNvPr id="6" name="テキスト ボックス 5">
@@ -20260,8 +23959,8 @@
           </p:sp>
         </mc:Fallback>
       </mc:AlternateContent>
-      <mc:AlternateContent xmlns:mc="http://schemas.openxmlformats.org/markup-compatibility/2006">
-        <mc:Choice xmlns:a14="http://schemas.microsoft.com/office/drawing/2010/main" Requires="a14">
+      <mc:AlternateContent xmlns:mc="http://schemas.openxmlformats.org/markup-compatibility/2006" xmlns:a14="http://schemas.microsoft.com/office/drawing/2010/main">
+        <mc:Choice Requires="a14">
           <p:sp>
             <p:nvSpPr>
               <p:cNvPr id="8" name="テキスト ボックス 7">
@@ -20311,7 +24010,7 @@
             </p:txBody>
           </p:sp>
         </mc:Choice>
-        <mc:Fallback>
+        <mc:Fallback xmlns="">
           <p:sp>
             <p:nvSpPr>
               <p:cNvPr id="8" name="テキスト ボックス 7">
@@ -20356,8 +24055,8 @@
           </p:sp>
         </mc:Fallback>
       </mc:AlternateContent>
-      <mc:AlternateContent xmlns:mc="http://schemas.openxmlformats.org/markup-compatibility/2006">
-        <mc:Choice xmlns:a14="http://schemas.microsoft.com/office/drawing/2010/main" Requires="a14">
+      <mc:AlternateContent xmlns:mc="http://schemas.openxmlformats.org/markup-compatibility/2006" xmlns:a14="http://schemas.microsoft.com/office/drawing/2010/main">
+        <mc:Choice Requires="a14">
           <p:sp>
             <p:nvSpPr>
               <p:cNvPr id="10" name="テキスト ボックス 9">
@@ -20407,7 +24106,7 @@
             </p:txBody>
           </p:sp>
         </mc:Choice>
-        <mc:Fallback>
+        <mc:Fallback xmlns="">
           <p:sp>
             <p:nvSpPr>
               <p:cNvPr id="10" name="テキスト ボックス 9">
@@ -20452,8 +24151,8 @@
           </p:sp>
         </mc:Fallback>
       </mc:AlternateContent>
-      <mc:AlternateContent xmlns:mc="http://schemas.openxmlformats.org/markup-compatibility/2006">
-        <mc:Choice xmlns:a14="http://schemas.microsoft.com/office/drawing/2010/main" Requires="a14">
+      <mc:AlternateContent xmlns:mc="http://schemas.openxmlformats.org/markup-compatibility/2006" xmlns:a14="http://schemas.microsoft.com/office/drawing/2010/main">
+        <mc:Choice Requires="a14">
           <p:sp>
             <p:nvSpPr>
               <p:cNvPr id="11" name="テキスト ボックス 10">
@@ -20503,7 +24202,7 @@
             </p:txBody>
           </p:sp>
         </mc:Choice>
-        <mc:Fallback>
+        <mc:Fallback xmlns="">
           <p:sp>
             <p:nvSpPr>
               <p:cNvPr id="11" name="テキスト ボックス 10">
@@ -20548,8 +24247,8 @@
           </p:sp>
         </mc:Fallback>
       </mc:AlternateContent>
-      <mc:AlternateContent xmlns:mc="http://schemas.openxmlformats.org/markup-compatibility/2006">
-        <mc:Choice xmlns:a14="http://schemas.microsoft.com/office/drawing/2010/main" Requires="a14">
+      <mc:AlternateContent xmlns:mc="http://schemas.openxmlformats.org/markup-compatibility/2006" xmlns:a14="http://schemas.microsoft.com/office/drawing/2010/main">
+        <mc:Choice Requires="a14">
           <p:sp>
             <p:nvSpPr>
               <p:cNvPr id="12" name="テキスト ボックス 11">
@@ -20599,7 +24298,7 @@
             </p:txBody>
           </p:sp>
         </mc:Choice>
-        <mc:Fallback>
+        <mc:Fallback xmlns="">
           <p:sp>
             <p:nvSpPr>
               <p:cNvPr id="12" name="テキスト ボックス 11">
@@ -20644,8 +24343,8 @@
           </p:sp>
         </mc:Fallback>
       </mc:AlternateContent>
-      <mc:AlternateContent xmlns:mc="http://schemas.openxmlformats.org/markup-compatibility/2006">
-        <mc:Choice xmlns:a14="http://schemas.microsoft.com/office/drawing/2010/main" Requires="a14">
+      <mc:AlternateContent xmlns:mc="http://schemas.openxmlformats.org/markup-compatibility/2006" xmlns:a14="http://schemas.microsoft.com/office/drawing/2010/main">
+        <mc:Choice Requires="a14">
           <p:sp>
             <p:nvSpPr>
               <p:cNvPr id="14" name="テキスト ボックス 13">
@@ -20695,7 +24394,7 @@
             </p:txBody>
           </p:sp>
         </mc:Choice>
-        <mc:Fallback>
+        <mc:Fallback xmlns="">
           <p:sp>
             <p:nvSpPr>
               <p:cNvPr id="14" name="テキスト ボックス 13">
@@ -20740,8 +24439,8 @@
           </p:sp>
         </mc:Fallback>
       </mc:AlternateContent>
-      <mc:AlternateContent xmlns:mc="http://schemas.openxmlformats.org/markup-compatibility/2006">
-        <mc:Choice xmlns:a14="http://schemas.microsoft.com/office/drawing/2010/main" Requires="a14">
+      <mc:AlternateContent xmlns:mc="http://schemas.openxmlformats.org/markup-compatibility/2006" xmlns:a14="http://schemas.microsoft.com/office/drawing/2010/main">
+        <mc:Choice Requires="a14">
           <p:sp>
             <p:nvSpPr>
               <p:cNvPr id="16" name="テキスト ボックス 15">
@@ -20791,7 +24490,7 @@
             </p:txBody>
           </p:sp>
         </mc:Choice>
-        <mc:Fallback>
+        <mc:Fallback xmlns="">
           <p:sp>
             <p:nvSpPr>
               <p:cNvPr id="16" name="テキスト ボックス 15">
@@ -20836,8 +24535,8 @@
           </p:sp>
         </mc:Fallback>
       </mc:AlternateContent>
-      <mc:AlternateContent xmlns:mc="http://schemas.openxmlformats.org/markup-compatibility/2006">
-        <mc:Choice xmlns:a14="http://schemas.microsoft.com/office/drawing/2010/main" Requires="a14">
+      <mc:AlternateContent xmlns:mc="http://schemas.openxmlformats.org/markup-compatibility/2006" xmlns:a14="http://schemas.microsoft.com/office/drawing/2010/main">
+        <mc:Choice Requires="a14">
           <p:sp>
             <p:nvSpPr>
               <p:cNvPr id="19" name="テキスト ボックス 18">
@@ -20887,7 +24586,7 @@
             </p:txBody>
           </p:sp>
         </mc:Choice>
-        <mc:Fallback>
+        <mc:Fallback xmlns="">
           <p:sp>
             <p:nvSpPr>
               <p:cNvPr id="19" name="テキスト ボックス 18">
@@ -20932,8 +24631,8 @@
           </p:sp>
         </mc:Fallback>
       </mc:AlternateContent>
-      <mc:AlternateContent xmlns:mc="http://schemas.openxmlformats.org/markup-compatibility/2006">
-        <mc:Choice xmlns:a14="http://schemas.microsoft.com/office/drawing/2010/main" Requires="a14">
+      <mc:AlternateContent xmlns:mc="http://schemas.openxmlformats.org/markup-compatibility/2006" xmlns:a14="http://schemas.microsoft.com/office/drawing/2010/main">
+        <mc:Choice Requires="a14">
           <p:sp>
             <p:nvSpPr>
               <p:cNvPr id="25" name="テキスト ボックス 24">
@@ -20983,7 +24682,7 @@
             </p:txBody>
           </p:sp>
         </mc:Choice>
-        <mc:Fallback>
+        <mc:Fallback xmlns="">
           <p:sp>
             <p:nvSpPr>
               <p:cNvPr id="25" name="テキスト ボックス 24">
@@ -21028,8 +24727,8 @@
           </p:sp>
         </mc:Fallback>
       </mc:AlternateContent>
-      <mc:AlternateContent xmlns:mc="http://schemas.openxmlformats.org/markup-compatibility/2006">
-        <mc:Choice xmlns:a14="http://schemas.microsoft.com/office/drawing/2010/main" Requires="a14">
+      <mc:AlternateContent xmlns:mc="http://schemas.openxmlformats.org/markup-compatibility/2006" xmlns:a14="http://schemas.microsoft.com/office/drawing/2010/main">
+        <mc:Choice Requires="a14">
           <p:sp>
             <p:nvSpPr>
               <p:cNvPr id="26" name="テキスト ボックス 25">
@@ -21079,7 +24778,7 @@
             </p:txBody>
           </p:sp>
         </mc:Choice>
-        <mc:Fallback>
+        <mc:Fallback xmlns="">
           <p:sp>
             <p:nvSpPr>
               <p:cNvPr id="26" name="テキスト ボックス 25">
@@ -21124,8 +24823,8 @@
           </p:sp>
         </mc:Fallback>
       </mc:AlternateContent>
-      <mc:AlternateContent xmlns:mc="http://schemas.openxmlformats.org/markup-compatibility/2006">
-        <mc:Choice xmlns:a14="http://schemas.microsoft.com/office/drawing/2010/main" Requires="a14">
+      <mc:AlternateContent xmlns:mc="http://schemas.openxmlformats.org/markup-compatibility/2006" xmlns:a14="http://schemas.microsoft.com/office/drawing/2010/main">
+        <mc:Choice Requires="a14">
           <p:sp>
             <p:nvSpPr>
               <p:cNvPr id="27" name="テキスト ボックス 26">
@@ -21175,7 +24874,7 @@
             </p:txBody>
           </p:sp>
         </mc:Choice>
-        <mc:Fallback>
+        <mc:Fallback xmlns="">
           <p:sp>
             <p:nvSpPr>
               <p:cNvPr id="27" name="テキスト ボックス 26">
@@ -21220,8 +24919,8 @@
           </p:sp>
         </mc:Fallback>
       </mc:AlternateContent>
-      <mc:AlternateContent xmlns:mc="http://schemas.openxmlformats.org/markup-compatibility/2006">
-        <mc:Choice xmlns:a14="http://schemas.microsoft.com/office/drawing/2010/main" Requires="a14">
+      <mc:AlternateContent xmlns:mc="http://schemas.openxmlformats.org/markup-compatibility/2006" xmlns:a14="http://schemas.microsoft.com/office/drawing/2010/main">
+        <mc:Choice Requires="a14">
           <p:sp>
             <p:nvSpPr>
               <p:cNvPr id="28" name="テキスト ボックス 27">
@@ -21271,7 +24970,7 @@
             </p:txBody>
           </p:sp>
         </mc:Choice>
-        <mc:Fallback>
+        <mc:Fallback xmlns="">
           <p:sp>
             <p:nvSpPr>
               <p:cNvPr id="28" name="テキスト ボックス 27">
@@ -21316,8 +25015,8 @@
           </p:sp>
         </mc:Fallback>
       </mc:AlternateContent>
-      <mc:AlternateContent xmlns:mc="http://schemas.openxmlformats.org/markup-compatibility/2006">
-        <mc:Choice xmlns:a14="http://schemas.microsoft.com/office/drawing/2010/main" Requires="a14">
+      <mc:AlternateContent xmlns:mc="http://schemas.openxmlformats.org/markup-compatibility/2006" xmlns:a14="http://schemas.microsoft.com/office/drawing/2010/main">
+        <mc:Choice Requires="a14">
           <p:sp>
             <p:nvSpPr>
               <p:cNvPr id="29" name="テキスト ボックス 28">
@@ -21367,7 +25066,7 @@
             </p:txBody>
           </p:sp>
         </mc:Choice>
-        <mc:Fallback>
+        <mc:Fallback xmlns="">
           <p:sp>
             <p:nvSpPr>
               <p:cNvPr id="29" name="テキスト ボックス 28">
@@ -21412,8 +25111,8 @@
           </p:sp>
         </mc:Fallback>
       </mc:AlternateContent>
-      <mc:AlternateContent xmlns:mc="http://schemas.openxmlformats.org/markup-compatibility/2006">
-        <mc:Choice xmlns:a14="http://schemas.microsoft.com/office/drawing/2010/main" Requires="a14">
+      <mc:AlternateContent xmlns:mc="http://schemas.openxmlformats.org/markup-compatibility/2006" xmlns:a14="http://schemas.microsoft.com/office/drawing/2010/main">
+        <mc:Choice Requires="a14">
           <p:sp>
             <p:nvSpPr>
               <p:cNvPr id="30" name="テキスト ボックス 29">
@@ -21473,7 +25172,7 @@
             </p:txBody>
           </p:sp>
         </mc:Choice>
-        <mc:Fallback>
+        <mc:Fallback xmlns="">
           <p:sp>
             <p:nvSpPr>
               <p:cNvPr id="30" name="テキスト ボックス 29">
@@ -21523,8 +25222,8 @@
           </p:sp>
         </mc:Fallback>
       </mc:AlternateContent>
-      <mc:AlternateContent xmlns:mc="http://schemas.openxmlformats.org/markup-compatibility/2006">
-        <mc:Choice xmlns:a14="http://schemas.microsoft.com/office/drawing/2010/main" Requires="a14">
+      <mc:AlternateContent xmlns:mc="http://schemas.openxmlformats.org/markup-compatibility/2006" xmlns:a14="http://schemas.microsoft.com/office/drawing/2010/main">
+        <mc:Choice Requires="a14">
           <p:sp>
             <p:nvSpPr>
               <p:cNvPr id="3" name="テキスト ボックス 2">
@@ -21590,7 +25289,7 @@
             </p:txBody>
           </p:sp>
         </mc:Choice>
-        <mc:Fallback>
+        <mc:Fallback xmlns="">
           <p:sp>
             <p:nvSpPr>
               <p:cNvPr id="3" name="テキスト ボックス 2">
@@ -21638,8 +25337,8 @@
           </p:sp>
         </mc:Fallback>
       </mc:AlternateContent>
-      <mc:AlternateContent xmlns:mc="http://schemas.openxmlformats.org/markup-compatibility/2006">
-        <mc:Choice xmlns:a14="http://schemas.microsoft.com/office/drawing/2010/main" Requires="a14">
+      <mc:AlternateContent xmlns:mc="http://schemas.openxmlformats.org/markup-compatibility/2006" xmlns:a14="http://schemas.microsoft.com/office/drawing/2010/main">
+        <mc:Choice Requires="a14">
           <p:sp>
             <p:nvSpPr>
               <p:cNvPr id="15" name="テキスト ボックス 14">
@@ -21689,7 +25388,7 @@
             </p:txBody>
           </p:sp>
         </mc:Choice>
-        <mc:Fallback>
+        <mc:Fallback xmlns="">
           <p:sp>
             <p:nvSpPr>
               <p:cNvPr id="15" name="テキスト ボックス 14">
@@ -21734,8 +25433,8 @@
           </p:sp>
         </mc:Fallback>
       </mc:AlternateContent>
-      <mc:AlternateContent xmlns:mc="http://schemas.openxmlformats.org/markup-compatibility/2006">
-        <mc:Choice xmlns:a14="http://schemas.microsoft.com/office/drawing/2010/main" Requires="a14">
+      <mc:AlternateContent xmlns:mc="http://schemas.openxmlformats.org/markup-compatibility/2006" xmlns:a14="http://schemas.microsoft.com/office/drawing/2010/main">
+        <mc:Choice Requires="a14">
           <p:sp>
             <p:nvSpPr>
               <p:cNvPr id="31" name="テキスト ボックス 30">
@@ -21785,7 +25484,7 @@
             </p:txBody>
           </p:sp>
         </mc:Choice>
-        <mc:Fallback>
+        <mc:Fallback xmlns="">
           <p:sp>
             <p:nvSpPr>
               <p:cNvPr id="31" name="テキスト ボックス 30">
@@ -21830,8 +25529,8 @@
           </p:sp>
         </mc:Fallback>
       </mc:AlternateContent>
-      <mc:AlternateContent xmlns:mc="http://schemas.openxmlformats.org/markup-compatibility/2006">
-        <mc:Choice xmlns:a14="http://schemas.microsoft.com/office/drawing/2010/main" Requires="a14">
+      <mc:AlternateContent xmlns:mc="http://schemas.openxmlformats.org/markup-compatibility/2006" xmlns:a14="http://schemas.microsoft.com/office/drawing/2010/main">
+        <mc:Choice Requires="a14">
           <p:sp>
             <p:nvSpPr>
               <p:cNvPr id="32" name="テキスト ボックス 31">
@@ -21881,7 +25580,7 @@
             </p:txBody>
           </p:sp>
         </mc:Choice>
-        <mc:Fallback>
+        <mc:Fallback xmlns="">
           <p:sp>
             <p:nvSpPr>
               <p:cNvPr id="32" name="テキスト ボックス 31">
@@ -21926,8 +25625,8 @@
           </p:sp>
         </mc:Fallback>
       </mc:AlternateContent>
-      <mc:AlternateContent xmlns:mc="http://schemas.openxmlformats.org/markup-compatibility/2006">
-        <mc:Choice xmlns:a14="http://schemas.microsoft.com/office/drawing/2010/main" Requires="a14">
+      <mc:AlternateContent xmlns:mc="http://schemas.openxmlformats.org/markup-compatibility/2006" xmlns:a14="http://schemas.microsoft.com/office/drawing/2010/main">
+        <mc:Choice Requires="a14">
           <p:sp>
             <p:nvSpPr>
               <p:cNvPr id="33" name="テキスト ボックス 32">
@@ -21977,7 +25676,7 @@
             </p:txBody>
           </p:sp>
         </mc:Choice>
-        <mc:Fallback>
+        <mc:Fallback xmlns="">
           <p:sp>
             <p:nvSpPr>
               <p:cNvPr id="33" name="テキスト ボックス 32">
@@ -22022,8 +25721,8 @@
           </p:sp>
         </mc:Fallback>
       </mc:AlternateContent>
-      <mc:AlternateContent xmlns:mc="http://schemas.openxmlformats.org/markup-compatibility/2006">
-        <mc:Choice xmlns:a14="http://schemas.microsoft.com/office/drawing/2010/main" Requires="a14">
+      <mc:AlternateContent xmlns:mc="http://schemas.openxmlformats.org/markup-compatibility/2006" xmlns:a14="http://schemas.microsoft.com/office/drawing/2010/main">
+        <mc:Choice Requires="a14">
           <p:sp>
             <p:nvSpPr>
               <p:cNvPr id="34" name="テキスト ボックス 33">
@@ -22073,7 +25772,7 @@
             </p:txBody>
           </p:sp>
         </mc:Choice>
-        <mc:Fallback>
+        <mc:Fallback xmlns="">
           <p:sp>
             <p:nvSpPr>
               <p:cNvPr id="34" name="テキスト ボックス 33">
@@ -22118,8 +25817,8 @@
           </p:sp>
         </mc:Fallback>
       </mc:AlternateContent>
-      <mc:AlternateContent xmlns:mc="http://schemas.openxmlformats.org/markup-compatibility/2006">
-        <mc:Choice xmlns:a14="http://schemas.microsoft.com/office/drawing/2010/main" Requires="a14">
+      <mc:AlternateContent xmlns:mc="http://schemas.openxmlformats.org/markup-compatibility/2006" xmlns:a14="http://schemas.microsoft.com/office/drawing/2010/main">
+        <mc:Choice Requires="a14">
           <p:sp>
             <p:nvSpPr>
               <p:cNvPr id="35" name="テキスト ボックス 34">
@@ -22169,7 +25868,7 @@
             </p:txBody>
           </p:sp>
         </mc:Choice>
-        <mc:Fallback>
+        <mc:Fallback xmlns="">
           <p:sp>
             <p:nvSpPr>
               <p:cNvPr id="35" name="テキスト ボックス 34">
@@ -22214,8 +25913,8 @@
           </p:sp>
         </mc:Fallback>
       </mc:AlternateContent>
-      <mc:AlternateContent xmlns:mc="http://schemas.openxmlformats.org/markup-compatibility/2006">
-        <mc:Choice xmlns:a14="http://schemas.microsoft.com/office/drawing/2010/main" Requires="a14">
+      <mc:AlternateContent xmlns:mc="http://schemas.openxmlformats.org/markup-compatibility/2006" xmlns:a14="http://schemas.microsoft.com/office/drawing/2010/main">
+        <mc:Choice Requires="a14">
           <p:sp>
             <p:nvSpPr>
               <p:cNvPr id="36" name="テキスト ボックス 35">
@@ -22265,7 +25964,7 @@
             </p:txBody>
           </p:sp>
         </mc:Choice>
-        <mc:Fallback>
+        <mc:Fallback xmlns="">
           <p:sp>
             <p:nvSpPr>
               <p:cNvPr id="36" name="テキスト ボックス 35">
@@ -22310,8 +26009,8 @@
           </p:sp>
         </mc:Fallback>
       </mc:AlternateContent>
-      <mc:AlternateContent xmlns:mc="http://schemas.openxmlformats.org/markup-compatibility/2006">
-        <mc:Choice xmlns:a14="http://schemas.microsoft.com/office/drawing/2010/main" Requires="a14">
+      <mc:AlternateContent xmlns:mc="http://schemas.openxmlformats.org/markup-compatibility/2006" xmlns:a14="http://schemas.microsoft.com/office/drawing/2010/main">
+        <mc:Choice Requires="a14">
           <p:sp>
             <p:nvSpPr>
               <p:cNvPr id="37" name="テキスト ボックス 36">
@@ -22361,7 +26060,7 @@
             </p:txBody>
           </p:sp>
         </mc:Choice>
-        <mc:Fallback>
+        <mc:Fallback xmlns="">
           <p:sp>
             <p:nvSpPr>
               <p:cNvPr id="37" name="テキスト ボックス 36">
@@ -22406,8 +26105,8 @@
           </p:sp>
         </mc:Fallback>
       </mc:AlternateContent>
-      <mc:AlternateContent xmlns:mc="http://schemas.openxmlformats.org/markup-compatibility/2006">
-        <mc:Choice xmlns:a14="http://schemas.microsoft.com/office/drawing/2010/main" Requires="a14">
+      <mc:AlternateContent xmlns:mc="http://schemas.openxmlformats.org/markup-compatibility/2006" xmlns:a14="http://schemas.microsoft.com/office/drawing/2010/main">
+        <mc:Choice Requires="a14">
           <p:sp>
             <p:nvSpPr>
               <p:cNvPr id="38" name="テキスト ボックス 37">
@@ -22457,7 +26156,7 @@
             </p:txBody>
           </p:sp>
         </mc:Choice>
-        <mc:Fallback>
+        <mc:Fallback xmlns="">
           <p:sp>
             <p:nvSpPr>
               <p:cNvPr id="38" name="テキスト ボックス 37">
@@ -22532,8 +26231,8 @@
           <a:chExt cx="0" cy="0"/>
         </a:xfrm>
       </p:grpSpPr>
-      <mc:AlternateContent xmlns:mc="http://schemas.openxmlformats.org/markup-compatibility/2006">
-        <mc:Choice xmlns:a14="http://schemas.microsoft.com/office/drawing/2010/main" Requires="a14">
+      <mc:AlternateContent xmlns:mc="http://schemas.openxmlformats.org/markup-compatibility/2006" xmlns:a14="http://schemas.microsoft.com/office/drawing/2010/main">
+        <mc:Choice Requires="a14">
           <p:sp>
             <p:nvSpPr>
               <p:cNvPr id="2" name="テキスト ボックス 1">
@@ -22583,7 +26282,7 @@
             </p:txBody>
           </p:sp>
         </mc:Choice>
-        <mc:Fallback>
+        <mc:Fallback xmlns="">
           <p:sp>
             <p:nvSpPr>
               <p:cNvPr id="2" name="テキスト ボックス 1">
@@ -22628,8 +26327,8 @@
           </p:sp>
         </mc:Fallback>
       </mc:AlternateContent>
-      <mc:AlternateContent xmlns:mc="http://schemas.openxmlformats.org/markup-compatibility/2006">
-        <mc:Choice xmlns:a14="http://schemas.microsoft.com/office/drawing/2010/main" Requires="a14">
+      <mc:AlternateContent xmlns:mc="http://schemas.openxmlformats.org/markup-compatibility/2006" xmlns:a14="http://schemas.microsoft.com/office/drawing/2010/main">
+        <mc:Choice Requires="a14">
           <p:sp>
             <p:nvSpPr>
               <p:cNvPr id="4" name="テキスト ボックス 3">
@@ -22679,7 +26378,7 @@
             </p:txBody>
           </p:sp>
         </mc:Choice>
-        <mc:Fallback>
+        <mc:Fallback xmlns="">
           <p:sp>
             <p:nvSpPr>
               <p:cNvPr id="4" name="テキスト ボックス 3">
@@ -22724,8 +26423,8 @@
           </p:sp>
         </mc:Fallback>
       </mc:AlternateContent>
-      <mc:AlternateContent xmlns:mc="http://schemas.openxmlformats.org/markup-compatibility/2006">
-        <mc:Choice xmlns:a14="http://schemas.microsoft.com/office/drawing/2010/main" Requires="a14">
+      <mc:AlternateContent xmlns:mc="http://schemas.openxmlformats.org/markup-compatibility/2006" xmlns:a14="http://schemas.microsoft.com/office/drawing/2010/main">
+        <mc:Choice Requires="a14">
           <p:sp>
             <p:nvSpPr>
               <p:cNvPr id="6" name="テキスト ボックス 5">
@@ -22775,7 +26474,7 @@
             </p:txBody>
           </p:sp>
         </mc:Choice>
-        <mc:Fallback>
+        <mc:Fallback xmlns="">
           <p:sp>
             <p:nvSpPr>
               <p:cNvPr id="6" name="テキスト ボックス 5">
@@ -22820,8 +26519,8 @@
           </p:sp>
         </mc:Fallback>
       </mc:AlternateContent>
-      <mc:AlternateContent xmlns:mc="http://schemas.openxmlformats.org/markup-compatibility/2006">
-        <mc:Choice xmlns:a14="http://schemas.microsoft.com/office/drawing/2010/main" Requires="a14">
+      <mc:AlternateContent xmlns:mc="http://schemas.openxmlformats.org/markup-compatibility/2006" xmlns:a14="http://schemas.microsoft.com/office/drawing/2010/main">
+        <mc:Choice Requires="a14">
           <p:sp>
             <p:nvSpPr>
               <p:cNvPr id="8" name="テキスト ボックス 7">
@@ -22871,7 +26570,7 @@
             </p:txBody>
           </p:sp>
         </mc:Choice>
-        <mc:Fallback>
+        <mc:Fallback xmlns="">
           <p:sp>
             <p:nvSpPr>
               <p:cNvPr id="8" name="テキスト ボックス 7">
@@ -22916,8 +26615,8 @@
           </p:sp>
         </mc:Fallback>
       </mc:AlternateContent>
-      <mc:AlternateContent xmlns:mc="http://schemas.openxmlformats.org/markup-compatibility/2006">
-        <mc:Choice xmlns:a14="http://schemas.microsoft.com/office/drawing/2010/main" Requires="a14">
+      <mc:AlternateContent xmlns:mc="http://schemas.openxmlformats.org/markup-compatibility/2006" xmlns:a14="http://schemas.microsoft.com/office/drawing/2010/main">
+        <mc:Choice Requires="a14">
           <p:sp>
             <p:nvSpPr>
               <p:cNvPr id="10" name="テキスト ボックス 9">
@@ -22967,7 +26666,7 @@
             </p:txBody>
           </p:sp>
         </mc:Choice>
-        <mc:Fallback>
+        <mc:Fallback xmlns="">
           <p:sp>
             <p:nvSpPr>
               <p:cNvPr id="10" name="テキスト ボックス 9">
@@ -23012,8 +26711,8 @@
           </p:sp>
         </mc:Fallback>
       </mc:AlternateContent>
-      <mc:AlternateContent xmlns:mc="http://schemas.openxmlformats.org/markup-compatibility/2006">
-        <mc:Choice xmlns:a14="http://schemas.microsoft.com/office/drawing/2010/main" Requires="a14">
+      <mc:AlternateContent xmlns:mc="http://schemas.openxmlformats.org/markup-compatibility/2006" xmlns:a14="http://schemas.microsoft.com/office/drawing/2010/main">
+        <mc:Choice Requires="a14">
           <p:sp>
             <p:nvSpPr>
               <p:cNvPr id="11" name="テキスト ボックス 10">
@@ -23063,7 +26762,7 @@
             </p:txBody>
           </p:sp>
         </mc:Choice>
-        <mc:Fallback>
+        <mc:Fallback xmlns="">
           <p:sp>
             <p:nvSpPr>
               <p:cNvPr id="11" name="テキスト ボックス 10">
@@ -23108,8 +26807,8 @@
           </p:sp>
         </mc:Fallback>
       </mc:AlternateContent>
-      <mc:AlternateContent xmlns:mc="http://schemas.openxmlformats.org/markup-compatibility/2006">
-        <mc:Choice xmlns:a14="http://schemas.microsoft.com/office/drawing/2010/main" Requires="a14">
+      <mc:AlternateContent xmlns:mc="http://schemas.openxmlformats.org/markup-compatibility/2006" xmlns:a14="http://schemas.microsoft.com/office/drawing/2010/main">
+        <mc:Choice Requires="a14">
           <p:sp>
             <p:nvSpPr>
               <p:cNvPr id="12" name="テキスト ボックス 11">
@@ -23159,7 +26858,7 @@
             </p:txBody>
           </p:sp>
         </mc:Choice>
-        <mc:Fallback>
+        <mc:Fallback xmlns="">
           <p:sp>
             <p:nvSpPr>
               <p:cNvPr id="12" name="テキスト ボックス 11">
@@ -23204,8 +26903,8 @@
           </p:sp>
         </mc:Fallback>
       </mc:AlternateContent>
-      <mc:AlternateContent xmlns:mc="http://schemas.openxmlformats.org/markup-compatibility/2006">
-        <mc:Choice xmlns:a14="http://schemas.microsoft.com/office/drawing/2010/main" Requires="a14">
+      <mc:AlternateContent xmlns:mc="http://schemas.openxmlformats.org/markup-compatibility/2006" xmlns:a14="http://schemas.microsoft.com/office/drawing/2010/main">
+        <mc:Choice Requires="a14">
           <p:sp>
             <p:nvSpPr>
               <p:cNvPr id="14" name="テキスト ボックス 13">
@@ -23255,7 +26954,7 @@
             </p:txBody>
           </p:sp>
         </mc:Choice>
-        <mc:Fallback>
+        <mc:Fallback xmlns="">
           <p:sp>
             <p:nvSpPr>
               <p:cNvPr id="14" name="テキスト ボックス 13">
@@ -23300,8 +26999,8 @@
           </p:sp>
         </mc:Fallback>
       </mc:AlternateContent>
-      <mc:AlternateContent xmlns:mc="http://schemas.openxmlformats.org/markup-compatibility/2006">
-        <mc:Choice xmlns:a14="http://schemas.microsoft.com/office/drawing/2010/main" Requires="a14">
+      <mc:AlternateContent xmlns:mc="http://schemas.openxmlformats.org/markup-compatibility/2006" xmlns:a14="http://schemas.microsoft.com/office/drawing/2010/main">
+        <mc:Choice Requires="a14">
           <p:sp>
             <p:nvSpPr>
               <p:cNvPr id="16" name="テキスト ボックス 15">
@@ -23351,7 +27050,7 @@
             </p:txBody>
           </p:sp>
         </mc:Choice>
-        <mc:Fallback>
+        <mc:Fallback xmlns="">
           <p:sp>
             <p:nvSpPr>
               <p:cNvPr id="16" name="テキスト ボックス 15">
@@ -23396,8 +27095,8 @@
           </p:sp>
         </mc:Fallback>
       </mc:AlternateContent>
-      <mc:AlternateContent xmlns:mc="http://schemas.openxmlformats.org/markup-compatibility/2006">
-        <mc:Choice xmlns:a14="http://schemas.microsoft.com/office/drawing/2010/main" Requires="a14">
+      <mc:AlternateContent xmlns:mc="http://schemas.openxmlformats.org/markup-compatibility/2006" xmlns:a14="http://schemas.microsoft.com/office/drawing/2010/main">
+        <mc:Choice Requires="a14">
           <p:sp>
             <p:nvSpPr>
               <p:cNvPr id="19" name="テキスト ボックス 18">
@@ -23447,7 +27146,7 @@
             </p:txBody>
           </p:sp>
         </mc:Choice>
-        <mc:Fallback>
+        <mc:Fallback xmlns="">
           <p:sp>
             <p:nvSpPr>
               <p:cNvPr id="19" name="テキスト ボックス 18">
@@ -23492,8 +27191,8 @@
           </p:sp>
         </mc:Fallback>
       </mc:AlternateContent>
-      <mc:AlternateContent xmlns:mc="http://schemas.openxmlformats.org/markup-compatibility/2006">
-        <mc:Choice xmlns:a14="http://schemas.microsoft.com/office/drawing/2010/main" Requires="a14">
+      <mc:AlternateContent xmlns:mc="http://schemas.openxmlformats.org/markup-compatibility/2006" xmlns:a14="http://schemas.microsoft.com/office/drawing/2010/main">
+        <mc:Choice Requires="a14">
           <p:sp>
             <p:nvSpPr>
               <p:cNvPr id="25" name="テキスト ボックス 24">
@@ -23543,7 +27242,7 @@
             </p:txBody>
           </p:sp>
         </mc:Choice>
-        <mc:Fallback>
+        <mc:Fallback xmlns="">
           <p:sp>
             <p:nvSpPr>
               <p:cNvPr id="25" name="テキスト ボックス 24">
@@ -23588,8 +27287,8 @@
           </p:sp>
         </mc:Fallback>
       </mc:AlternateContent>
-      <mc:AlternateContent xmlns:mc="http://schemas.openxmlformats.org/markup-compatibility/2006">
-        <mc:Choice xmlns:a14="http://schemas.microsoft.com/office/drawing/2010/main" Requires="a14">
+      <mc:AlternateContent xmlns:mc="http://schemas.openxmlformats.org/markup-compatibility/2006" xmlns:a14="http://schemas.microsoft.com/office/drawing/2010/main">
+        <mc:Choice Requires="a14">
           <p:sp>
             <p:nvSpPr>
               <p:cNvPr id="26" name="テキスト ボックス 25">
@@ -23639,7 +27338,7 @@
             </p:txBody>
           </p:sp>
         </mc:Choice>
-        <mc:Fallback>
+        <mc:Fallback xmlns="">
           <p:sp>
             <p:nvSpPr>
               <p:cNvPr id="26" name="テキスト ボックス 25">
@@ -23684,8 +27383,8 @@
           </p:sp>
         </mc:Fallback>
       </mc:AlternateContent>
-      <mc:AlternateContent xmlns:mc="http://schemas.openxmlformats.org/markup-compatibility/2006">
-        <mc:Choice xmlns:a14="http://schemas.microsoft.com/office/drawing/2010/main" Requires="a14">
+      <mc:AlternateContent xmlns:mc="http://schemas.openxmlformats.org/markup-compatibility/2006" xmlns:a14="http://schemas.microsoft.com/office/drawing/2010/main">
+        <mc:Choice Requires="a14">
           <p:sp>
             <p:nvSpPr>
               <p:cNvPr id="27" name="テキスト ボックス 26">
@@ -23735,7 +27434,7 @@
             </p:txBody>
           </p:sp>
         </mc:Choice>
-        <mc:Fallback>
+        <mc:Fallback xmlns="">
           <p:sp>
             <p:nvSpPr>
               <p:cNvPr id="27" name="テキスト ボックス 26">
@@ -23780,8 +27479,8 @@
           </p:sp>
         </mc:Fallback>
       </mc:AlternateContent>
-      <mc:AlternateContent xmlns:mc="http://schemas.openxmlformats.org/markup-compatibility/2006">
-        <mc:Choice xmlns:a14="http://schemas.microsoft.com/office/drawing/2010/main" Requires="a14">
+      <mc:AlternateContent xmlns:mc="http://schemas.openxmlformats.org/markup-compatibility/2006" xmlns:a14="http://schemas.microsoft.com/office/drawing/2010/main">
+        <mc:Choice Requires="a14">
           <p:sp>
             <p:nvSpPr>
               <p:cNvPr id="28" name="テキスト ボックス 27">
@@ -23831,7 +27530,7 @@
             </p:txBody>
           </p:sp>
         </mc:Choice>
-        <mc:Fallback>
+        <mc:Fallback xmlns="">
           <p:sp>
             <p:nvSpPr>
               <p:cNvPr id="28" name="テキスト ボックス 27">
@@ -23876,8 +27575,8 @@
           </p:sp>
         </mc:Fallback>
       </mc:AlternateContent>
-      <mc:AlternateContent xmlns:mc="http://schemas.openxmlformats.org/markup-compatibility/2006">
-        <mc:Choice xmlns:a14="http://schemas.microsoft.com/office/drawing/2010/main" Requires="a14">
+      <mc:AlternateContent xmlns:mc="http://schemas.openxmlformats.org/markup-compatibility/2006" xmlns:a14="http://schemas.microsoft.com/office/drawing/2010/main">
+        <mc:Choice Requires="a14">
           <p:sp>
             <p:nvSpPr>
               <p:cNvPr id="29" name="テキスト ボックス 28">
@@ -23927,7 +27626,7 @@
             </p:txBody>
           </p:sp>
         </mc:Choice>
-        <mc:Fallback>
+        <mc:Fallback xmlns="">
           <p:sp>
             <p:nvSpPr>
               <p:cNvPr id="29" name="テキスト ボックス 28">
@@ -23972,8 +27671,8 @@
           </p:sp>
         </mc:Fallback>
       </mc:AlternateContent>
-      <mc:AlternateContent xmlns:mc="http://schemas.openxmlformats.org/markup-compatibility/2006">
-        <mc:Choice xmlns:a14="http://schemas.microsoft.com/office/drawing/2010/main" Requires="a14">
+      <mc:AlternateContent xmlns:mc="http://schemas.openxmlformats.org/markup-compatibility/2006" xmlns:a14="http://schemas.microsoft.com/office/drawing/2010/main">
+        <mc:Choice Requires="a14">
           <p:sp>
             <p:nvSpPr>
               <p:cNvPr id="3" name="テキスト ボックス 2">
@@ -24039,7 +27738,7 @@
             </p:txBody>
           </p:sp>
         </mc:Choice>
-        <mc:Fallback>
+        <mc:Fallback xmlns="">
           <p:sp>
             <p:nvSpPr>
               <p:cNvPr id="3" name="テキスト ボックス 2">
@@ -24087,8 +27786,8 @@
           </p:sp>
         </mc:Fallback>
       </mc:AlternateContent>
-      <mc:AlternateContent xmlns:mc="http://schemas.openxmlformats.org/markup-compatibility/2006">
-        <mc:Choice xmlns:a14="http://schemas.microsoft.com/office/drawing/2010/main" Requires="a14">
+      <mc:AlternateContent xmlns:mc="http://schemas.openxmlformats.org/markup-compatibility/2006" xmlns:a14="http://schemas.microsoft.com/office/drawing/2010/main">
+        <mc:Choice Requires="a14">
           <p:sp>
             <p:nvSpPr>
               <p:cNvPr id="15" name="テキスト ボックス 14">
@@ -24138,7 +27837,7 @@
             </p:txBody>
           </p:sp>
         </mc:Choice>
-        <mc:Fallback>
+        <mc:Fallback xmlns="">
           <p:sp>
             <p:nvSpPr>
               <p:cNvPr id="15" name="テキスト ボックス 14">
@@ -24183,8 +27882,8 @@
           </p:sp>
         </mc:Fallback>
       </mc:AlternateContent>
-      <mc:AlternateContent xmlns:mc="http://schemas.openxmlformats.org/markup-compatibility/2006">
-        <mc:Choice xmlns:a14="http://schemas.microsoft.com/office/drawing/2010/main" Requires="a14">
+      <mc:AlternateContent xmlns:mc="http://schemas.openxmlformats.org/markup-compatibility/2006" xmlns:a14="http://schemas.microsoft.com/office/drawing/2010/main">
+        <mc:Choice Requires="a14">
           <p:sp>
             <p:nvSpPr>
               <p:cNvPr id="31" name="テキスト ボックス 30">
@@ -24234,7 +27933,7 @@
             </p:txBody>
           </p:sp>
         </mc:Choice>
-        <mc:Fallback>
+        <mc:Fallback xmlns="">
           <p:sp>
             <p:nvSpPr>
               <p:cNvPr id="31" name="テキスト ボックス 30">
@@ -24279,8 +27978,8 @@
           </p:sp>
         </mc:Fallback>
       </mc:AlternateContent>
-      <mc:AlternateContent xmlns:mc="http://schemas.openxmlformats.org/markup-compatibility/2006">
-        <mc:Choice xmlns:a14="http://schemas.microsoft.com/office/drawing/2010/main" Requires="a14">
+      <mc:AlternateContent xmlns:mc="http://schemas.openxmlformats.org/markup-compatibility/2006" xmlns:a14="http://schemas.microsoft.com/office/drawing/2010/main">
+        <mc:Choice Requires="a14">
           <p:sp>
             <p:nvSpPr>
               <p:cNvPr id="32" name="テキスト ボックス 31">
@@ -24330,7 +28029,7 @@
             </p:txBody>
           </p:sp>
         </mc:Choice>
-        <mc:Fallback>
+        <mc:Fallback xmlns="">
           <p:sp>
             <p:nvSpPr>
               <p:cNvPr id="32" name="テキスト ボックス 31">
@@ -24375,8 +28074,8 @@
           </p:sp>
         </mc:Fallback>
       </mc:AlternateContent>
-      <mc:AlternateContent xmlns:mc="http://schemas.openxmlformats.org/markup-compatibility/2006">
-        <mc:Choice xmlns:a14="http://schemas.microsoft.com/office/drawing/2010/main" Requires="a14">
+      <mc:AlternateContent xmlns:mc="http://schemas.openxmlformats.org/markup-compatibility/2006" xmlns:a14="http://schemas.microsoft.com/office/drawing/2010/main">
+        <mc:Choice Requires="a14">
           <p:sp>
             <p:nvSpPr>
               <p:cNvPr id="33" name="テキスト ボックス 32">
@@ -24426,7 +28125,7 @@
             </p:txBody>
           </p:sp>
         </mc:Choice>
-        <mc:Fallback>
+        <mc:Fallback xmlns="">
           <p:sp>
             <p:nvSpPr>
               <p:cNvPr id="33" name="テキスト ボックス 32">
@@ -24471,8 +28170,8 @@
           </p:sp>
         </mc:Fallback>
       </mc:AlternateContent>
-      <mc:AlternateContent xmlns:mc="http://schemas.openxmlformats.org/markup-compatibility/2006">
-        <mc:Choice xmlns:a14="http://schemas.microsoft.com/office/drawing/2010/main" Requires="a14">
+      <mc:AlternateContent xmlns:mc="http://schemas.openxmlformats.org/markup-compatibility/2006" xmlns:a14="http://schemas.microsoft.com/office/drawing/2010/main">
+        <mc:Choice Requires="a14">
           <p:sp>
             <p:nvSpPr>
               <p:cNvPr id="34" name="テキスト ボックス 33">
@@ -24522,7 +28221,7 @@
             </p:txBody>
           </p:sp>
         </mc:Choice>
-        <mc:Fallback>
+        <mc:Fallback xmlns="">
           <p:sp>
             <p:nvSpPr>
               <p:cNvPr id="34" name="テキスト ボックス 33">
@@ -24567,8 +28266,8 @@
           </p:sp>
         </mc:Fallback>
       </mc:AlternateContent>
-      <mc:AlternateContent xmlns:mc="http://schemas.openxmlformats.org/markup-compatibility/2006">
-        <mc:Choice xmlns:a14="http://schemas.microsoft.com/office/drawing/2010/main" Requires="a14">
+      <mc:AlternateContent xmlns:mc="http://schemas.openxmlformats.org/markup-compatibility/2006" xmlns:a14="http://schemas.microsoft.com/office/drawing/2010/main">
+        <mc:Choice Requires="a14">
           <p:sp>
             <p:nvSpPr>
               <p:cNvPr id="35" name="テキスト ボックス 34">
@@ -24618,7 +28317,7 @@
             </p:txBody>
           </p:sp>
         </mc:Choice>
-        <mc:Fallback>
+        <mc:Fallback xmlns="">
           <p:sp>
             <p:nvSpPr>
               <p:cNvPr id="35" name="テキスト ボックス 34">
@@ -24663,8 +28362,8 @@
           </p:sp>
         </mc:Fallback>
       </mc:AlternateContent>
-      <mc:AlternateContent xmlns:mc="http://schemas.openxmlformats.org/markup-compatibility/2006">
-        <mc:Choice xmlns:a14="http://schemas.microsoft.com/office/drawing/2010/main" Requires="a14">
+      <mc:AlternateContent xmlns:mc="http://schemas.openxmlformats.org/markup-compatibility/2006" xmlns:a14="http://schemas.microsoft.com/office/drawing/2010/main">
+        <mc:Choice Requires="a14">
           <p:sp>
             <p:nvSpPr>
               <p:cNvPr id="36" name="テキスト ボックス 35">
@@ -24714,7 +28413,7 @@
             </p:txBody>
           </p:sp>
         </mc:Choice>
-        <mc:Fallback>
+        <mc:Fallback xmlns="">
           <p:sp>
             <p:nvSpPr>
               <p:cNvPr id="36" name="テキスト ボックス 35">
@@ -24759,8 +28458,8 @@
           </p:sp>
         </mc:Fallback>
       </mc:AlternateContent>
-      <mc:AlternateContent xmlns:mc="http://schemas.openxmlformats.org/markup-compatibility/2006">
-        <mc:Choice xmlns:a14="http://schemas.microsoft.com/office/drawing/2010/main" Requires="a14">
+      <mc:AlternateContent xmlns:mc="http://schemas.openxmlformats.org/markup-compatibility/2006" xmlns:a14="http://schemas.microsoft.com/office/drawing/2010/main">
+        <mc:Choice Requires="a14">
           <p:sp>
             <p:nvSpPr>
               <p:cNvPr id="37" name="テキスト ボックス 36">
@@ -24810,7 +28509,7 @@
             </p:txBody>
           </p:sp>
         </mc:Choice>
-        <mc:Fallback>
+        <mc:Fallback xmlns="">
           <p:sp>
             <p:nvSpPr>
               <p:cNvPr id="37" name="テキスト ボックス 36">
@@ -24855,8 +28554,8 @@
           </p:sp>
         </mc:Fallback>
       </mc:AlternateContent>
-      <mc:AlternateContent xmlns:mc="http://schemas.openxmlformats.org/markup-compatibility/2006">
-        <mc:Choice xmlns:a14="http://schemas.microsoft.com/office/drawing/2010/main" Requires="a14">
+      <mc:AlternateContent xmlns:mc="http://schemas.openxmlformats.org/markup-compatibility/2006" xmlns:a14="http://schemas.microsoft.com/office/drawing/2010/main">
+        <mc:Choice Requires="a14">
           <p:sp>
             <p:nvSpPr>
               <p:cNvPr id="38" name="テキスト ボックス 37">
@@ -24906,7 +28605,7 @@
             </p:txBody>
           </p:sp>
         </mc:Choice>
-        <mc:Fallback>
+        <mc:Fallback xmlns="">
           <p:sp>
             <p:nvSpPr>
               <p:cNvPr id="38" name="テキスト ボックス 37">
@@ -27117,8 +30816,8 @@
           </a:fontRef>
         </p:style>
       </p:cxnSp>
-      <mc:AlternateContent xmlns:mc="http://schemas.openxmlformats.org/markup-compatibility/2006">
-        <mc:Choice xmlns:a14="http://schemas.microsoft.com/office/drawing/2010/main" Requires="a14">
+      <mc:AlternateContent xmlns:mc="http://schemas.openxmlformats.org/markup-compatibility/2006" xmlns:a14="http://schemas.microsoft.com/office/drawing/2010/main">
+        <mc:Choice Requires="a14">
           <p:sp>
             <p:nvSpPr>
               <p:cNvPr id="10" name="テキスト ボックス 9">
@@ -27202,7 +30901,7 @@
             </p:txBody>
           </p:sp>
         </mc:Choice>
-        <mc:Fallback>
+        <mc:Fallback xmlns="">
           <p:sp>
             <p:nvSpPr>
               <p:cNvPr id="10" name="テキスト ボックス 9">
@@ -27293,8 +30992,8 @@
           </a:fontRef>
         </p:style>
       </p:cxnSp>
-      <mc:AlternateContent xmlns:mc="http://schemas.openxmlformats.org/markup-compatibility/2006">
-        <mc:Choice xmlns:a14="http://schemas.microsoft.com/office/drawing/2010/main" Requires="a14">
+      <mc:AlternateContent xmlns:mc="http://schemas.openxmlformats.org/markup-compatibility/2006" xmlns:a14="http://schemas.microsoft.com/office/drawing/2010/main">
+        <mc:Choice Requires="a14">
           <p:sp>
             <p:nvSpPr>
               <p:cNvPr id="13" name="テキスト ボックス 12">
@@ -27378,7 +31077,7 @@
             </p:txBody>
           </p:sp>
         </mc:Choice>
-        <mc:Fallback>
+        <mc:Fallback xmlns="">
           <p:sp>
             <p:nvSpPr>
               <p:cNvPr id="13" name="テキスト ボックス 12">
@@ -27470,8 +31169,8 @@
           </a:fontRef>
         </p:style>
       </p:cxnSp>
-      <mc:AlternateContent xmlns:mc="http://schemas.openxmlformats.org/markup-compatibility/2006">
-        <mc:Choice xmlns:a14="http://schemas.microsoft.com/office/drawing/2010/main" Requires="a14">
+      <mc:AlternateContent xmlns:mc="http://schemas.openxmlformats.org/markup-compatibility/2006" xmlns:a14="http://schemas.microsoft.com/office/drawing/2010/main">
+        <mc:Choice Requires="a14">
           <p:sp>
             <p:nvSpPr>
               <p:cNvPr id="15" name="テキスト ボックス 14">
@@ -27555,7 +31254,7 @@
             </p:txBody>
           </p:sp>
         </mc:Choice>
-        <mc:Fallback>
+        <mc:Fallback xmlns="">
           <p:sp>
             <p:nvSpPr>
               <p:cNvPr id="15" name="テキスト ボックス 14">
@@ -27647,8 +31346,8 @@
           </a:fontRef>
         </p:style>
       </p:cxnSp>
-      <mc:AlternateContent xmlns:mc="http://schemas.openxmlformats.org/markup-compatibility/2006">
-        <mc:Choice xmlns:a14="http://schemas.microsoft.com/office/drawing/2010/main" Requires="a14">
+      <mc:AlternateContent xmlns:mc="http://schemas.openxmlformats.org/markup-compatibility/2006" xmlns:a14="http://schemas.microsoft.com/office/drawing/2010/main">
+        <mc:Choice Requires="a14">
           <p:sp>
             <p:nvSpPr>
               <p:cNvPr id="17" name="テキスト ボックス 16">
@@ -27732,7 +31431,7 @@
             </p:txBody>
           </p:sp>
         </mc:Choice>
-        <mc:Fallback>
+        <mc:Fallback xmlns="">
           <p:sp>
             <p:nvSpPr>
               <p:cNvPr id="17" name="テキスト ボックス 16">
@@ -27823,8 +31522,8 @@
           </a:fontRef>
         </p:style>
       </p:cxnSp>
-      <mc:AlternateContent xmlns:mc="http://schemas.openxmlformats.org/markup-compatibility/2006">
-        <mc:Choice xmlns:a14="http://schemas.microsoft.com/office/drawing/2010/main" Requires="a14">
+      <mc:AlternateContent xmlns:mc="http://schemas.openxmlformats.org/markup-compatibility/2006" xmlns:a14="http://schemas.microsoft.com/office/drawing/2010/main">
+        <mc:Choice Requires="a14">
           <p:sp>
             <p:nvSpPr>
               <p:cNvPr id="24" name="テキスト ボックス 23">
@@ -27908,7 +31607,7 @@
             </p:txBody>
           </p:sp>
         </mc:Choice>
-        <mc:Fallback>
+        <mc:Fallback xmlns="">
           <p:sp>
             <p:nvSpPr>
               <p:cNvPr id="24" name="テキスト ボックス 23">
@@ -29051,8 +32750,8 @@
           </a:fontRef>
         </p:style>
       </p:cxnSp>
-      <mc:AlternateContent xmlns:mc="http://schemas.openxmlformats.org/markup-compatibility/2006">
-        <mc:Choice xmlns:a14="http://schemas.microsoft.com/office/drawing/2010/main" Requires="a14">
+      <mc:AlternateContent xmlns:mc="http://schemas.openxmlformats.org/markup-compatibility/2006" xmlns:a14="http://schemas.microsoft.com/office/drawing/2010/main">
+        <mc:Choice Requires="a14">
           <p:sp>
             <p:nvSpPr>
               <p:cNvPr id="7" name="テキスト ボックス 6">
@@ -29136,7 +32835,7 @@
             </p:txBody>
           </p:sp>
         </mc:Choice>
-        <mc:Fallback>
+        <mc:Fallback xmlns="">
           <p:sp>
             <p:nvSpPr>
               <p:cNvPr id="7" name="テキスト ボックス 6">
@@ -29227,8 +32926,8 @@
           </a:fontRef>
         </p:style>
       </p:cxnSp>
-      <mc:AlternateContent xmlns:mc="http://schemas.openxmlformats.org/markup-compatibility/2006">
-        <mc:Choice xmlns:a14="http://schemas.microsoft.com/office/drawing/2010/main" Requires="a14">
+      <mc:AlternateContent xmlns:mc="http://schemas.openxmlformats.org/markup-compatibility/2006" xmlns:a14="http://schemas.microsoft.com/office/drawing/2010/main">
+        <mc:Choice Requires="a14">
           <p:sp>
             <p:nvSpPr>
               <p:cNvPr id="9" name="テキスト ボックス 8">
@@ -29312,7 +33011,7 @@
             </p:txBody>
           </p:sp>
         </mc:Choice>
-        <mc:Fallback>
+        <mc:Fallback xmlns="">
           <p:sp>
             <p:nvSpPr>
               <p:cNvPr id="9" name="テキスト ボックス 8">
@@ -29404,8 +33103,8 @@
           </a:fontRef>
         </p:style>
       </p:cxnSp>
-      <mc:AlternateContent xmlns:mc="http://schemas.openxmlformats.org/markup-compatibility/2006">
-        <mc:Choice xmlns:a14="http://schemas.microsoft.com/office/drawing/2010/main" Requires="a14">
+      <mc:AlternateContent xmlns:mc="http://schemas.openxmlformats.org/markup-compatibility/2006" xmlns:a14="http://schemas.microsoft.com/office/drawing/2010/main">
+        <mc:Choice Requires="a14">
           <p:sp>
             <p:nvSpPr>
               <p:cNvPr id="11" name="テキスト ボックス 10">
@@ -29489,7 +33188,7 @@
             </p:txBody>
           </p:sp>
         </mc:Choice>
-        <mc:Fallback>
+        <mc:Fallback xmlns="">
           <p:sp>
             <p:nvSpPr>
               <p:cNvPr id="11" name="テキスト ボックス 10">
@@ -29581,8 +33280,8 @@
           </a:fontRef>
         </p:style>
       </p:cxnSp>
-      <mc:AlternateContent xmlns:mc="http://schemas.openxmlformats.org/markup-compatibility/2006">
-        <mc:Choice xmlns:a14="http://schemas.microsoft.com/office/drawing/2010/main" Requires="a14">
+      <mc:AlternateContent xmlns:mc="http://schemas.openxmlformats.org/markup-compatibility/2006" xmlns:a14="http://schemas.microsoft.com/office/drawing/2010/main">
+        <mc:Choice Requires="a14">
           <p:sp>
             <p:nvSpPr>
               <p:cNvPr id="13" name="テキスト ボックス 12">
@@ -29666,7 +33365,7 @@
             </p:txBody>
           </p:sp>
         </mc:Choice>
-        <mc:Fallback>
+        <mc:Fallback xmlns="">
           <p:sp>
             <p:nvSpPr>
               <p:cNvPr id="13" name="テキスト ボックス 12">
@@ -29758,8 +33457,8 @@
           </a:fontRef>
         </p:style>
       </p:cxnSp>
-      <mc:AlternateContent xmlns:mc="http://schemas.openxmlformats.org/markup-compatibility/2006">
-        <mc:Choice xmlns:a14="http://schemas.microsoft.com/office/drawing/2010/main" Requires="a14">
+      <mc:AlternateContent xmlns:mc="http://schemas.openxmlformats.org/markup-compatibility/2006" xmlns:a14="http://schemas.microsoft.com/office/drawing/2010/main">
+        <mc:Choice Requires="a14">
           <p:sp>
             <p:nvSpPr>
               <p:cNvPr id="15" name="テキスト ボックス 14">
@@ -29843,7 +33542,7 @@
             </p:txBody>
           </p:sp>
         </mc:Choice>
-        <mc:Fallback>
+        <mc:Fallback xmlns="">
           <p:sp>
             <p:nvSpPr>
               <p:cNvPr id="15" name="テキスト ボックス 14">
@@ -37724,8 +41423,8 @@
           </a:graphicData>
         </a:graphic>
       </p:graphicFrame>
-      <mc:AlternateContent xmlns:mc="http://schemas.openxmlformats.org/markup-compatibility/2006">
-        <mc:Choice xmlns:a14="http://schemas.microsoft.com/office/drawing/2010/main" Requires="a14">
+      <mc:AlternateContent xmlns:mc="http://schemas.openxmlformats.org/markup-compatibility/2006" xmlns:a14="http://schemas.microsoft.com/office/drawing/2010/main">
+        <mc:Choice Requires="a14">
           <p:sp>
             <p:nvSpPr>
               <p:cNvPr id="9" name="テキスト ボックス 8">
@@ -37775,7 +41474,7 @@
             </p:txBody>
           </p:sp>
         </mc:Choice>
-        <mc:Fallback>
+        <mc:Fallback xmlns="">
           <p:sp>
             <p:nvSpPr>
               <p:cNvPr id="9" name="テキスト ボックス 8">
@@ -37820,8 +41519,8 @@
           </p:sp>
         </mc:Fallback>
       </mc:AlternateContent>
-      <mc:AlternateContent xmlns:mc="http://schemas.openxmlformats.org/markup-compatibility/2006">
-        <mc:Choice xmlns:a14="http://schemas.microsoft.com/office/drawing/2010/main" Requires="a14">
+      <mc:AlternateContent xmlns:mc="http://schemas.openxmlformats.org/markup-compatibility/2006" xmlns:a14="http://schemas.microsoft.com/office/drawing/2010/main">
+        <mc:Choice Requires="a14">
           <p:sp>
             <p:nvSpPr>
               <p:cNvPr id="10" name="テキスト ボックス 9">
@@ -37871,7 +41570,7 @@
             </p:txBody>
           </p:sp>
         </mc:Choice>
-        <mc:Fallback>
+        <mc:Fallback xmlns="">
           <p:sp>
             <p:nvSpPr>
               <p:cNvPr id="10" name="テキスト ボックス 9">
@@ -37916,8 +41615,8 @@
           </p:sp>
         </mc:Fallback>
       </mc:AlternateContent>
-      <mc:AlternateContent xmlns:mc="http://schemas.openxmlformats.org/markup-compatibility/2006">
-        <mc:Choice xmlns:a14="http://schemas.microsoft.com/office/drawing/2010/main" Requires="a14">
+      <mc:AlternateContent xmlns:mc="http://schemas.openxmlformats.org/markup-compatibility/2006" xmlns:a14="http://schemas.microsoft.com/office/drawing/2010/main">
+        <mc:Choice Requires="a14">
           <p:sp>
             <p:nvSpPr>
               <p:cNvPr id="11" name="テキスト ボックス 10">
@@ -37967,7 +41666,7 @@
             </p:txBody>
           </p:sp>
         </mc:Choice>
-        <mc:Fallback>
+        <mc:Fallback xmlns="">
           <p:sp>
             <p:nvSpPr>
               <p:cNvPr id="11" name="テキスト ボックス 10">
@@ -38012,8 +41711,8 @@
           </p:sp>
         </mc:Fallback>
       </mc:AlternateContent>
-      <mc:AlternateContent xmlns:mc="http://schemas.openxmlformats.org/markup-compatibility/2006">
-        <mc:Choice xmlns:a14="http://schemas.microsoft.com/office/drawing/2010/main" Requires="a14">
+      <mc:AlternateContent xmlns:mc="http://schemas.openxmlformats.org/markup-compatibility/2006" xmlns:a14="http://schemas.microsoft.com/office/drawing/2010/main">
+        <mc:Choice Requires="a14">
           <p:sp>
             <p:nvSpPr>
               <p:cNvPr id="12" name="テキスト ボックス 11">
@@ -38063,7 +41762,7 @@
             </p:txBody>
           </p:sp>
         </mc:Choice>
-        <mc:Fallback>
+        <mc:Fallback xmlns="">
           <p:sp>
             <p:nvSpPr>
               <p:cNvPr id="12" name="テキスト ボックス 11">
@@ -38108,8 +41807,8 @@
           </p:sp>
         </mc:Fallback>
       </mc:AlternateContent>
-      <mc:AlternateContent xmlns:mc="http://schemas.openxmlformats.org/markup-compatibility/2006">
-        <mc:Choice xmlns:a14="http://schemas.microsoft.com/office/drawing/2010/main" Requires="a14">
+      <mc:AlternateContent xmlns:mc="http://schemas.openxmlformats.org/markup-compatibility/2006" xmlns:a14="http://schemas.microsoft.com/office/drawing/2010/main">
+        <mc:Choice Requires="a14">
           <p:sp>
             <p:nvSpPr>
               <p:cNvPr id="13" name="テキスト ボックス 12">
@@ -38159,7 +41858,7 @@
             </p:txBody>
           </p:sp>
         </mc:Choice>
-        <mc:Fallback>
+        <mc:Fallback xmlns="">
           <p:sp>
             <p:nvSpPr>
               <p:cNvPr id="13" name="テキスト ボックス 12">
@@ -38204,8 +41903,8 @@
           </p:sp>
         </mc:Fallback>
       </mc:AlternateContent>
-      <mc:AlternateContent xmlns:mc="http://schemas.openxmlformats.org/markup-compatibility/2006">
-        <mc:Choice xmlns:a14="http://schemas.microsoft.com/office/drawing/2010/main" Requires="a14">
+      <mc:AlternateContent xmlns:mc="http://schemas.openxmlformats.org/markup-compatibility/2006" xmlns:a14="http://schemas.microsoft.com/office/drawing/2010/main">
+        <mc:Choice Requires="a14">
           <p:sp>
             <p:nvSpPr>
               <p:cNvPr id="14" name="テキスト ボックス 13">
@@ -38255,7 +41954,7 @@
             </p:txBody>
           </p:sp>
         </mc:Choice>
-        <mc:Fallback>
+        <mc:Fallback xmlns="">
           <p:sp>
             <p:nvSpPr>
               <p:cNvPr id="14" name="テキスト ボックス 13">
@@ -38300,8 +41999,8 @@
           </p:sp>
         </mc:Fallback>
       </mc:AlternateContent>
-      <mc:AlternateContent xmlns:mc="http://schemas.openxmlformats.org/markup-compatibility/2006">
-        <mc:Choice xmlns:a14="http://schemas.microsoft.com/office/drawing/2010/main" Requires="a14">
+      <mc:AlternateContent xmlns:mc="http://schemas.openxmlformats.org/markup-compatibility/2006" xmlns:a14="http://schemas.microsoft.com/office/drawing/2010/main">
+        <mc:Choice Requires="a14">
           <p:sp>
             <p:nvSpPr>
               <p:cNvPr id="15" name="テキスト ボックス 14">
@@ -38351,7 +42050,7 @@
             </p:txBody>
           </p:sp>
         </mc:Choice>
-        <mc:Fallback>
+        <mc:Fallback xmlns="">
           <p:sp>
             <p:nvSpPr>
               <p:cNvPr id="15" name="テキスト ボックス 14">
@@ -38396,8 +42095,8 @@
           </p:sp>
         </mc:Fallback>
       </mc:AlternateContent>
-      <mc:AlternateContent xmlns:mc="http://schemas.openxmlformats.org/markup-compatibility/2006">
-        <mc:Choice xmlns:a14="http://schemas.microsoft.com/office/drawing/2010/main" Requires="a14">
+      <mc:AlternateContent xmlns:mc="http://schemas.openxmlformats.org/markup-compatibility/2006" xmlns:a14="http://schemas.microsoft.com/office/drawing/2010/main">
+        <mc:Choice Requires="a14">
           <p:sp>
             <p:nvSpPr>
               <p:cNvPr id="16" name="テキスト ボックス 15">
@@ -38447,7 +42146,7 @@
             </p:txBody>
           </p:sp>
         </mc:Choice>
-        <mc:Fallback>
+        <mc:Fallback xmlns="">
           <p:sp>
             <p:nvSpPr>
               <p:cNvPr id="16" name="テキスト ボックス 15">
@@ -38492,8 +42191,8 @@
           </p:sp>
         </mc:Fallback>
       </mc:AlternateContent>
-      <mc:AlternateContent xmlns:mc="http://schemas.openxmlformats.org/markup-compatibility/2006">
-        <mc:Choice xmlns:a14="http://schemas.microsoft.com/office/drawing/2010/main" Requires="a14">
+      <mc:AlternateContent xmlns:mc="http://schemas.openxmlformats.org/markup-compatibility/2006" xmlns:a14="http://schemas.microsoft.com/office/drawing/2010/main">
+        <mc:Choice Requires="a14">
           <p:sp>
             <p:nvSpPr>
               <p:cNvPr id="17" name="テキスト ボックス 16">
@@ -38543,7 +42242,7 @@
             </p:txBody>
           </p:sp>
         </mc:Choice>
-        <mc:Fallback>
+        <mc:Fallback xmlns="">
           <p:sp>
             <p:nvSpPr>
               <p:cNvPr id="17" name="テキスト ボックス 16">
@@ -38588,8 +42287,8 @@
           </p:sp>
         </mc:Fallback>
       </mc:AlternateContent>
-      <mc:AlternateContent xmlns:mc="http://schemas.openxmlformats.org/markup-compatibility/2006">
-        <mc:Choice xmlns:a14="http://schemas.microsoft.com/office/drawing/2010/main" Requires="a14">
+      <mc:AlternateContent xmlns:mc="http://schemas.openxmlformats.org/markup-compatibility/2006" xmlns:a14="http://schemas.microsoft.com/office/drawing/2010/main">
+        <mc:Choice Requires="a14">
           <p:sp>
             <p:nvSpPr>
               <p:cNvPr id="18" name="テキスト ボックス 17">
@@ -38639,7 +42338,7 @@
             </p:txBody>
           </p:sp>
         </mc:Choice>
-        <mc:Fallback>
+        <mc:Fallback xmlns="">
           <p:sp>
             <p:nvSpPr>
               <p:cNvPr id="18" name="テキスト ボックス 17">
@@ -38684,8 +42383,8 @@
           </p:sp>
         </mc:Fallback>
       </mc:AlternateContent>
-      <mc:AlternateContent xmlns:mc="http://schemas.openxmlformats.org/markup-compatibility/2006">
-        <mc:Choice xmlns:a14="http://schemas.microsoft.com/office/drawing/2010/main" Requires="a14">
+      <mc:AlternateContent xmlns:mc="http://schemas.openxmlformats.org/markup-compatibility/2006" xmlns:a14="http://schemas.microsoft.com/office/drawing/2010/main">
+        <mc:Choice Requires="a14">
           <p:sp>
             <p:nvSpPr>
               <p:cNvPr id="19" name="テキスト ボックス 18">
@@ -38735,7 +42434,7 @@
             </p:txBody>
           </p:sp>
         </mc:Choice>
-        <mc:Fallback>
+        <mc:Fallback xmlns="">
           <p:sp>
             <p:nvSpPr>
               <p:cNvPr id="19" name="テキスト ボックス 18">
@@ -38780,8 +42479,8 @@
           </p:sp>
         </mc:Fallback>
       </mc:AlternateContent>
-      <mc:AlternateContent xmlns:mc="http://schemas.openxmlformats.org/markup-compatibility/2006">
-        <mc:Choice xmlns:a14="http://schemas.microsoft.com/office/drawing/2010/main" Requires="a14">
+      <mc:AlternateContent xmlns:mc="http://schemas.openxmlformats.org/markup-compatibility/2006" xmlns:a14="http://schemas.microsoft.com/office/drawing/2010/main">
+        <mc:Choice Requires="a14">
           <p:sp>
             <p:nvSpPr>
               <p:cNvPr id="20" name="テキスト ボックス 19">
@@ -38831,7 +42530,7 @@
             </p:txBody>
           </p:sp>
         </mc:Choice>
-        <mc:Fallback>
+        <mc:Fallback xmlns="">
           <p:sp>
             <p:nvSpPr>
               <p:cNvPr id="20" name="テキスト ボックス 19">
@@ -38876,8 +42575,8 @@
           </p:sp>
         </mc:Fallback>
       </mc:AlternateContent>
-      <mc:AlternateContent xmlns:mc="http://schemas.openxmlformats.org/markup-compatibility/2006">
-        <mc:Choice xmlns:a14="http://schemas.microsoft.com/office/drawing/2010/main" Requires="a14">
+      <mc:AlternateContent xmlns:mc="http://schemas.openxmlformats.org/markup-compatibility/2006" xmlns:a14="http://schemas.microsoft.com/office/drawing/2010/main">
+        <mc:Choice Requires="a14">
           <p:sp>
             <p:nvSpPr>
               <p:cNvPr id="21" name="テキスト ボックス 20">
@@ -38927,7 +42626,7 @@
             </p:txBody>
           </p:sp>
         </mc:Choice>
-        <mc:Fallback>
+        <mc:Fallback xmlns="">
           <p:sp>
             <p:nvSpPr>
               <p:cNvPr id="21" name="テキスト ボックス 20">
@@ -38972,8 +42671,8 @@
           </p:sp>
         </mc:Fallback>
       </mc:AlternateContent>
-      <mc:AlternateContent xmlns:mc="http://schemas.openxmlformats.org/markup-compatibility/2006">
-        <mc:Choice xmlns:a14="http://schemas.microsoft.com/office/drawing/2010/main" Requires="a14">
+      <mc:AlternateContent xmlns:mc="http://schemas.openxmlformats.org/markup-compatibility/2006" xmlns:a14="http://schemas.microsoft.com/office/drawing/2010/main">
+        <mc:Choice Requires="a14">
           <p:sp>
             <p:nvSpPr>
               <p:cNvPr id="22" name="テキスト ボックス 21">
@@ -39023,7 +42722,7 @@
             </p:txBody>
           </p:sp>
         </mc:Choice>
-        <mc:Fallback>
+        <mc:Fallback xmlns="">
           <p:sp>
             <p:nvSpPr>
               <p:cNvPr id="22" name="テキスト ボックス 21">
@@ -39068,8 +42767,8 @@
           </p:sp>
         </mc:Fallback>
       </mc:AlternateContent>
-      <mc:AlternateContent xmlns:mc="http://schemas.openxmlformats.org/markup-compatibility/2006">
-        <mc:Choice xmlns:a14="http://schemas.microsoft.com/office/drawing/2010/main" Requires="a14">
+      <mc:AlternateContent xmlns:mc="http://schemas.openxmlformats.org/markup-compatibility/2006" xmlns:a14="http://schemas.microsoft.com/office/drawing/2010/main">
+        <mc:Choice Requires="a14">
           <p:sp>
             <p:nvSpPr>
               <p:cNvPr id="23" name="テキスト ボックス 22">
@@ -39119,7 +42818,7 @@
             </p:txBody>
           </p:sp>
         </mc:Choice>
-        <mc:Fallback>
+        <mc:Fallback xmlns="">
           <p:sp>
             <p:nvSpPr>
               <p:cNvPr id="23" name="テキスト ボックス 22">
@@ -39164,8 +42863,8 @@
           </p:sp>
         </mc:Fallback>
       </mc:AlternateContent>
-      <mc:AlternateContent xmlns:mc="http://schemas.openxmlformats.org/markup-compatibility/2006">
-        <mc:Choice xmlns:a14="http://schemas.microsoft.com/office/drawing/2010/main" Requires="a14">
+      <mc:AlternateContent xmlns:mc="http://schemas.openxmlformats.org/markup-compatibility/2006" xmlns:a14="http://schemas.microsoft.com/office/drawing/2010/main">
+        <mc:Choice Requires="a14">
           <p:sp>
             <p:nvSpPr>
               <p:cNvPr id="24" name="テキスト ボックス 23">
@@ -39215,7 +42914,7 @@
             </p:txBody>
           </p:sp>
         </mc:Choice>
-        <mc:Fallback>
+        <mc:Fallback xmlns="">
           <p:sp>
             <p:nvSpPr>
               <p:cNvPr id="24" name="テキスト ボックス 23">
@@ -39260,8 +42959,8 @@
           </p:sp>
         </mc:Fallback>
       </mc:AlternateContent>
-      <mc:AlternateContent xmlns:mc="http://schemas.openxmlformats.org/markup-compatibility/2006">
-        <mc:Choice xmlns:a14="http://schemas.microsoft.com/office/drawing/2010/main" Requires="a14">
+      <mc:AlternateContent xmlns:mc="http://schemas.openxmlformats.org/markup-compatibility/2006" xmlns:a14="http://schemas.microsoft.com/office/drawing/2010/main">
+        <mc:Choice Requires="a14">
           <p:sp>
             <p:nvSpPr>
               <p:cNvPr id="25" name="テキスト ボックス 24">
@@ -39311,7 +43010,7 @@
             </p:txBody>
           </p:sp>
         </mc:Choice>
-        <mc:Fallback>
+        <mc:Fallback xmlns="">
           <p:sp>
             <p:nvSpPr>
               <p:cNvPr id="25" name="テキスト ボックス 24">
@@ -39356,8 +43055,8 @@
           </p:sp>
         </mc:Fallback>
       </mc:AlternateContent>
-      <mc:AlternateContent xmlns:mc="http://schemas.openxmlformats.org/markup-compatibility/2006">
-        <mc:Choice xmlns:a14="http://schemas.microsoft.com/office/drawing/2010/main" Requires="a14">
+      <mc:AlternateContent xmlns:mc="http://schemas.openxmlformats.org/markup-compatibility/2006" xmlns:a14="http://schemas.microsoft.com/office/drawing/2010/main">
+        <mc:Choice Requires="a14">
           <p:sp>
             <p:nvSpPr>
               <p:cNvPr id="26" name="テキスト ボックス 25">
@@ -39407,7 +43106,7 @@
             </p:txBody>
           </p:sp>
         </mc:Choice>
-        <mc:Fallback>
+        <mc:Fallback xmlns="">
           <p:sp>
             <p:nvSpPr>
               <p:cNvPr id="26" name="テキスト ボックス 25">
@@ -39452,8 +43151,8 @@
           </p:sp>
         </mc:Fallback>
       </mc:AlternateContent>
-      <mc:AlternateContent xmlns:mc="http://schemas.openxmlformats.org/markup-compatibility/2006">
-        <mc:Choice xmlns:a14="http://schemas.microsoft.com/office/drawing/2010/main" Requires="a14">
+      <mc:AlternateContent xmlns:mc="http://schemas.openxmlformats.org/markup-compatibility/2006" xmlns:a14="http://schemas.microsoft.com/office/drawing/2010/main">
+        <mc:Choice Requires="a14">
           <p:sp>
             <p:nvSpPr>
               <p:cNvPr id="27" name="テキスト ボックス 26">
@@ -39503,7 +43202,7 @@
             </p:txBody>
           </p:sp>
         </mc:Choice>
-        <mc:Fallback>
+        <mc:Fallback xmlns="">
           <p:sp>
             <p:nvSpPr>
               <p:cNvPr id="27" name="テキスト ボックス 26">
@@ -39548,8 +43247,8 @@
           </p:sp>
         </mc:Fallback>
       </mc:AlternateContent>
-      <mc:AlternateContent xmlns:mc="http://schemas.openxmlformats.org/markup-compatibility/2006">
-        <mc:Choice xmlns:a14="http://schemas.microsoft.com/office/drawing/2010/main" Requires="a14">
+      <mc:AlternateContent xmlns:mc="http://schemas.openxmlformats.org/markup-compatibility/2006" xmlns:a14="http://schemas.microsoft.com/office/drawing/2010/main">
+        <mc:Choice Requires="a14">
           <p:sp>
             <p:nvSpPr>
               <p:cNvPr id="28" name="テキスト ボックス 27">
@@ -39599,7 +43298,7 @@
             </p:txBody>
           </p:sp>
         </mc:Choice>
-        <mc:Fallback>
+        <mc:Fallback xmlns="">
           <p:sp>
             <p:nvSpPr>
               <p:cNvPr id="28" name="テキスト ボックス 27">
@@ -39644,8 +43343,8 @@
           </p:sp>
         </mc:Fallback>
       </mc:AlternateContent>
-      <mc:AlternateContent xmlns:mc="http://schemas.openxmlformats.org/markup-compatibility/2006">
-        <mc:Choice xmlns:a14="http://schemas.microsoft.com/office/drawing/2010/main" Requires="a14">
+      <mc:AlternateContent xmlns:mc="http://schemas.openxmlformats.org/markup-compatibility/2006" xmlns:a14="http://schemas.microsoft.com/office/drawing/2010/main">
+        <mc:Choice Requires="a14">
           <p:sp>
             <p:nvSpPr>
               <p:cNvPr id="29" name="テキスト ボックス 28">
@@ -39695,7 +43394,7 @@
             </p:txBody>
           </p:sp>
         </mc:Choice>
-        <mc:Fallback>
+        <mc:Fallback xmlns="">
           <p:sp>
             <p:nvSpPr>
               <p:cNvPr id="29" name="テキスト ボックス 28">
@@ -39740,8 +43439,8 @@
           </p:sp>
         </mc:Fallback>
       </mc:AlternateContent>
-      <mc:AlternateContent xmlns:mc="http://schemas.openxmlformats.org/markup-compatibility/2006">
-        <mc:Choice xmlns:a14="http://schemas.microsoft.com/office/drawing/2010/main" Requires="a14">
+      <mc:AlternateContent xmlns:mc="http://schemas.openxmlformats.org/markup-compatibility/2006" xmlns:a14="http://schemas.microsoft.com/office/drawing/2010/main">
+        <mc:Choice Requires="a14">
           <p:sp>
             <p:nvSpPr>
               <p:cNvPr id="30" name="テキスト ボックス 29">
@@ -39791,7 +43490,7 @@
             </p:txBody>
           </p:sp>
         </mc:Choice>
-        <mc:Fallback>
+        <mc:Fallback xmlns="">
           <p:sp>
             <p:nvSpPr>
               <p:cNvPr id="30" name="テキスト ボックス 29">

--- a/making/forSVG.pptx
+++ b/making/forSVG.pptx
@@ -17,6 +17,7 @@
     <p:sldId id="266" r:id="rId11"/>
     <p:sldId id="267" r:id="rId12"/>
     <p:sldId id="268" r:id="rId13"/>
+    <p:sldId id="269" r:id="rId14"/>
   </p:sldIdLst>
   <p:sldSz cx="6858000" cy="9906000" type="A4"/>
   <p:notesSz cx="6858000" cy="9144000"/>
@@ -254,7 +255,7 @@
           <a:p>
             <a:fld id="{AF681403-1432-4C62-98CD-8CEF49101E6B}" type="datetimeFigureOut">
               <a:rPr kumimoji="1" lang="ja-JP" altLang="en-US" smtClean="0"/>
-              <a:t>2023/1/24</a:t>
+              <a:t>2023/1/30</a:t>
             </a:fld>
             <a:endParaRPr kumimoji="1" lang="ja-JP" altLang="en-US"/>
           </a:p>
@@ -456,7 +457,7 @@
           <a:p>
             <a:fld id="{AF681403-1432-4C62-98CD-8CEF49101E6B}" type="datetimeFigureOut">
               <a:rPr kumimoji="1" lang="ja-JP" altLang="en-US" smtClean="0"/>
-              <a:t>2023/1/24</a:t>
+              <a:t>2023/1/30</a:t>
             </a:fld>
             <a:endParaRPr kumimoji="1" lang="ja-JP" altLang="en-US"/>
           </a:p>
@@ -668,7 +669,7 @@
           <a:p>
             <a:fld id="{AF681403-1432-4C62-98CD-8CEF49101E6B}" type="datetimeFigureOut">
               <a:rPr kumimoji="1" lang="ja-JP" altLang="en-US" smtClean="0"/>
-              <a:t>2023/1/24</a:t>
+              <a:t>2023/1/30</a:t>
             </a:fld>
             <a:endParaRPr kumimoji="1" lang="ja-JP" altLang="en-US"/>
           </a:p>
@@ -870,7 +871,7 @@
           <a:p>
             <a:fld id="{AF681403-1432-4C62-98CD-8CEF49101E6B}" type="datetimeFigureOut">
               <a:rPr kumimoji="1" lang="ja-JP" altLang="en-US" smtClean="0"/>
-              <a:t>2023/1/24</a:t>
+              <a:t>2023/1/30</a:t>
             </a:fld>
             <a:endParaRPr kumimoji="1" lang="ja-JP" altLang="en-US"/>
           </a:p>
@@ -1114,7 +1115,7 @@
           <a:p>
             <a:fld id="{AF681403-1432-4C62-98CD-8CEF49101E6B}" type="datetimeFigureOut">
               <a:rPr kumimoji="1" lang="ja-JP" altLang="en-US" smtClean="0"/>
-              <a:t>2023/1/24</a:t>
+              <a:t>2023/1/30</a:t>
             </a:fld>
             <a:endParaRPr kumimoji="1" lang="ja-JP" altLang="en-US"/>
           </a:p>
@@ -1410,7 +1411,7 @@
           <a:p>
             <a:fld id="{AF681403-1432-4C62-98CD-8CEF49101E6B}" type="datetimeFigureOut">
               <a:rPr kumimoji="1" lang="ja-JP" altLang="en-US" smtClean="0"/>
-              <a:t>2023/1/24</a:t>
+              <a:t>2023/1/30</a:t>
             </a:fld>
             <a:endParaRPr kumimoji="1" lang="ja-JP" altLang="en-US"/>
           </a:p>
@@ -1841,7 +1842,7 @@
           <a:p>
             <a:fld id="{AF681403-1432-4C62-98CD-8CEF49101E6B}" type="datetimeFigureOut">
               <a:rPr kumimoji="1" lang="ja-JP" altLang="en-US" smtClean="0"/>
-              <a:t>2023/1/24</a:t>
+              <a:t>2023/1/30</a:t>
             </a:fld>
             <a:endParaRPr kumimoji="1" lang="ja-JP" altLang="en-US"/>
           </a:p>
@@ -1959,7 +1960,7 @@
           <a:p>
             <a:fld id="{AF681403-1432-4C62-98CD-8CEF49101E6B}" type="datetimeFigureOut">
               <a:rPr kumimoji="1" lang="ja-JP" altLang="en-US" smtClean="0"/>
-              <a:t>2023/1/24</a:t>
+              <a:t>2023/1/30</a:t>
             </a:fld>
             <a:endParaRPr kumimoji="1" lang="ja-JP" altLang="en-US"/>
           </a:p>
@@ -2054,7 +2055,7 @@
           <a:p>
             <a:fld id="{AF681403-1432-4C62-98CD-8CEF49101E6B}" type="datetimeFigureOut">
               <a:rPr kumimoji="1" lang="ja-JP" altLang="en-US" smtClean="0"/>
-              <a:t>2023/1/24</a:t>
+              <a:t>2023/1/30</a:t>
             </a:fld>
             <a:endParaRPr kumimoji="1" lang="ja-JP" altLang="en-US"/>
           </a:p>
@@ -2363,7 +2364,7 @@
           <a:p>
             <a:fld id="{AF681403-1432-4C62-98CD-8CEF49101E6B}" type="datetimeFigureOut">
               <a:rPr kumimoji="1" lang="ja-JP" altLang="en-US" smtClean="0"/>
-              <a:t>2023/1/24</a:t>
+              <a:t>2023/1/30</a:t>
             </a:fld>
             <a:endParaRPr kumimoji="1" lang="ja-JP" altLang="en-US"/>
           </a:p>
@@ -2620,7 +2621,7 @@
           <a:p>
             <a:fld id="{AF681403-1432-4C62-98CD-8CEF49101E6B}" type="datetimeFigureOut">
               <a:rPr kumimoji="1" lang="ja-JP" altLang="en-US" smtClean="0"/>
-              <a:t>2023/1/24</a:t>
+              <a:t>2023/1/30</a:t>
             </a:fld>
             <a:endParaRPr kumimoji="1" lang="ja-JP" altLang="en-US"/>
           </a:p>
@@ -2865,7 +2866,7 @@
           <a:p>
             <a:fld id="{AF681403-1432-4C62-98CD-8CEF49101E6B}" type="datetimeFigureOut">
               <a:rPr kumimoji="1" lang="ja-JP" altLang="en-US" smtClean="0"/>
-              <a:t>2023/1/24</a:t>
+              <a:t>2023/1/30</a:t>
             </a:fld>
             <a:endParaRPr kumimoji="1" lang="ja-JP" altLang="en-US"/>
           </a:p>
@@ -11933,6 +11934,3297 @@
 </p:sld>
 </file>
 
+<file path=ppt/slides/slide13.xml><?xml version="1.0" encoding="utf-8"?>
+<p:sld xmlns:a="http://schemas.openxmlformats.org/drawingml/2006/main" xmlns:r="http://schemas.openxmlformats.org/officeDocument/2006/relationships" xmlns:p="http://schemas.openxmlformats.org/presentationml/2006/main">
+  <p:cSld>
+    <p:spTree>
+      <p:nvGrpSpPr>
+        <p:cNvPr id="1" name=""/>
+        <p:cNvGrpSpPr/>
+        <p:nvPr/>
+      </p:nvGrpSpPr>
+      <p:grpSpPr>
+        <a:xfrm>
+          <a:off x="0" y="0"/>
+          <a:ext cx="0" cy="0"/>
+          <a:chOff x="0" y="0"/>
+          <a:chExt cx="0" cy="0"/>
+        </a:xfrm>
+      </p:grpSpPr>
+      <p:graphicFrame>
+        <p:nvGraphicFramePr>
+          <p:cNvPr id="4" name="表 3">
+            <a:extLst>
+              <a:ext uri="{FF2B5EF4-FFF2-40B4-BE49-F238E27FC236}">
+                <a16:creationId xmlns:a16="http://schemas.microsoft.com/office/drawing/2014/main" id="{2F863D97-373B-EA00-6751-8615C24BA153}"/>
+              </a:ext>
+            </a:extLst>
+          </p:cNvPr>
+          <p:cNvGraphicFramePr>
+            <a:graphicFrameLocks noGrp="1"/>
+          </p:cNvGraphicFramePr>
+          <p:nvPr>
+            <p:extLst>
+              <p:ext uri="{D42A27DB-BD31-4B8C-83A1-F6EECF244321}">
+                <p14:modId xmlns:p14="http://schemas.microsoft.com/office/powerpoint/2010/main" val="893336946"/>
+              </p:ext>
+            </p:extLst>
+          </p:nvPr>
+        </p:nvGraphicFramePr>
+        <p:xfrm>
+          <a:off x="1168400" y="808567"/>
+          <a:ext cx="4521198" cy="8288863"/>
+        </p:xfrm>
+        <a:graphic>
+          <a:graphicData uri="http://schemas.openxmlformats.org/drawingml/2006/table">
+            <a:tbl>
+              <a:tblPr/>
+              <a:tblGrid>
+                <a:gridCol w="753533">
+                  <a:extLst>
+                    <a:ext uri="{9D8B030D-6E8A-4147-A177-3AD203B41FA5}">
+                      <a16:colId xmlns:a16="http://schemas.microsoft.com/office/drawing/2014/main" val="1776185036"/>
+                    </a:ext>
+                  </a:extLst>
+                </a:gridCol>
+                <a:gridCol w="753533">
+                  <a:extLst>
+                    <a:ext uri="{9D8B030D-6E8A-4147-A177-3AD203B41FA5}">
+                      <a16:colId xmlns:a16="http://schemas.microsoft.com/office/drawing/2014/main" val="2709544573"/>
+                    </a:ext>
+                  </a:extLst>
+                </a:gridCol>
+                <a:gridCol w="753533">
+                  <a:extLst>
+                    <a:ext uri="{9D8B030D-6E8A-4147-A177-3AD203B41FA5}">
+                      <a16:colId xmlns:a16="http://schemas.microsoft.com/office/drawing/2014/main" val="444242182"/>
+                    </a:ext>
+                  </a:extLst>
+                </a:gridCol>
+                <a:gridCol w="753533">
+                  <a:extLst>
+                    <a:ext uri="{9D8B030D-6E8A-4147-A177-3AD203B41FA5}">
+                      <a16:colId xmlns:a16="http://schemas.microsoft.com/office/drawing/2014/main" val="3384362246"/>
+                    </a:ext>
+                  </a:extLst>
+                </a:gridCol>
+                <a:gridCol w="753533">
+                  <a:extLst>
+                    <a:ext uri="{9D8B030D-6E8A-4147-A177-3AD203B41FA5}">
+                      <a16:colId xmlns:a16="http://schemas.microsoft.com/office/drawing/2014/main" val="4147497640"/>
+                    </a:ext>
+                  </a:extLst>
+                </a:gridCol>
+                <a:gridCol w="753533">
+                  <a:extLst>
+                    <a:ext uri="{9D8B030D-6E8A-4147-A177-3AD203B41FA5}">
+                      <a16:colId xmlns:a16="http://schemas.microsoft.com/office/drawing/2014/main" val="2774347172"/>
+                    </a:ext>
+                  </a:extLst>
+                </a:gridCol>
+              </a:tblGrid>
+              <a:tr h="753533">
+                <a:tc>
+                  <a:txBody>
+                    <a:bodyPr/>
+                    <a:lstStyle/>
+                    <a:p>
+                      <a:pPr algn="l" fontAlgn="ctr"/>
+                      <a:endParaRPr lang="ja-JP" altLang="en-US" sz="400" b="0" i="0" u="none" strike="noStrike">
+                        <a:solidFill>
+                          <a:srgbClr val="000000"/>
+                        </a:solidFill>
+                        <a:effectLst/>
+                        <a:latin typeface="游ゴシック" panose="020B0400000000000000" pitchFamily="50" charset="-128"/>
+                        <a:ea typeface="游ゴシック" panose="020B0400000000000000" pitchFamily="50" charset="-128"/>
+                      </a:endParaRPr>
+                    </a:p>
+                  </a:txBody>
+                  <a:tcPr marL="3768" marR="3768" marT="3768" marB="0" anchor="ctr">
+                    <a:lnL>
+                      <a:noFill/>
+                    </a:lnL>
+                    <a:lnR>
+                      <a:noFill/>
+                    </a:lnR>
+                    <a:lnT>
+                      <a:noFill/>
+                    </a:lnT>
+                    <a:lnB>
+                      <a:noFill/>
+                    </a:lnB>
+                  </a:tcPr>
+                </a:tc>
+                <a:tc>
+                  <a:txBody>
+                    <a:bodyPr/>
+                    <a:lstStyle/>
+                    <a:p>
+                      <a:pPr algn="l" fontAlgn="ctr"/>
+                      <a:endParaRPr lang="ja-JP" altLang="en-US" sz="400" b="0" i="0" u="none" strike="noStrike">
+                        <a:solidFill>
+                          <a:srgbClr val="000000"/>
+                        </a:solidFill>
+                        <a:effectLst/>
+                        <a:latin typeface="游ゴシック" panose="020B0400000000000000" pitchFamily="50" charset="-128"/>
+                        <a:ea typeface="游ゴシック" panose="020B0400000000000000" pitchFamily="50" charset="-128"/>
+                      </a:endParaRPr>
+                    </a:p>
+                  </a:txBody>
+                  <a:tcPr marL="3768" marR="3768" marT="3768" marB="0" anchor="ctr">
+                    <a:lnL>
+                      <a:noFill/>
+                    </a:lnL>
+                    <a:lnR>
+                      <a:noFill/>
+                    </a:lnR>
+                    <a:lnT>
+                      <a:noFill/>
+                    </a:lnT>
+                    <a:lnB w="19050" cap="flat" cmpd="sng" algn="ctr">
+                      <a:solidFill>
+                        <a:srgbClr val="00C49A"/>
+                      </a:solidFill>
+                      <a:prstDash val="solid"/>
+                      <a:round/>
+                      <a:headEnd type="none" w="med" len="med"/>
+                      <a:tailEnd type="none" w="med" len="med"/>
+                    </a:lnB>
+                  </a:tcPr>
+                </a:tc>
+                <a:tc>
+                  <a:txBody>
+                    <a:bodyPr/>
+                    <a:lstStyle/>
+                    <a:p>
+                      <a:pPr algn="l" fontAlgn="ctr"/>
+                      <a:endParaRPr lang="ja-JP" altLang="en-US" sz="400" b="0" i="0" u="none" strike="noStrike">
+                        <a:solidFill>
+                          <a:srgbClr val="000000"/>
+                        </a:solidFill>
+                        <a:effectLst/>
+                        <a:latin typeface="游ゴシック" panose="020B0400000000000000" pitchFamily="50" charset="-128"/>
+                        <a:ea typeface="游ゴシック" panose="020B0400000000000000" pitchFamily="50" charset="-128"/>
+                      </a:endParaRPr>
+                    </a:p>
+                  </a:txBody>
+                  <a:tcPr marL="3768" marR="3768" marT="3768" marB="0" anchor="ctr">
+                    <a:lnL>
+                      <a:noFill/>
+                    </a:lnL>
+                    <a:lnR>
+                      <a:noFill/>
+                    </a:lnR>
+                    <a:lnT>
+                      <a:noFill/>
+                    </a:lnT>
+                    <a:lnB w="19050" cap="flat" cmpd="sng" algn="ctr">
+                      <a:solidFill>
+                        <a:srgbClr val="00C49A"/>
+                      </a:solidFill>
+                      <a:prstDash val="solid"/>
+                      <a:round/>
+                      <a:headEnd type="none" w="med" len="med"/>
+                      <a:tailEnd type="none" w="med" len="med"/>
+                    </a:lnB>
+                  </a:tcPr>
+                </a:tc>
+                <a:tc>
+                  <a:txBody>
+                    <a:bodyPr/>
+                    <a:lstStyle/>
+                    <a:p>
+                      <a:pPr algn="l" fontAlgn="ctr"/>
+                      <a:endParaRPr lang="ja-JP" altLang="en-US" sz="400" b="0" i="0" u="none" strike="noStrike">
+                        <a:solidFill>
+                          <a:srgbClr val="000000"/>
+                        </a:solidFill>
+                        <a:effectLst/>
+                        <a:latin typeface="游ゴシック" panose="020B0400000000000000" pitchFamily="50" charset="-128"/>
+                        <a:ea typeface="游ゴシック" panose="020B0400000000000000" pitchFamily="50" charset="-128"/>
+                      </a:endParaRPr>
+                    </a:p>
+                  </a:txBody>
+                  <a:tcPr marL="3768" marR="3768" marT="3768" marB="0" anchor="ctr">
+                    <a:lnL>
+                      <a:noFill/>
+                    </a:lnL>
+                    <a:lnR>
+                      <a:noFill/>
+                    </a:lnR>
+                    <a:lnT>
+                      <a:noFill/>
+                    </a:lnT>
+                    <a:lnB w="19050" cap="flat" cmpd="sng" algn="ctr">
+                      <a:solidFill>
+                        <a:srgbClr val="00C49A"/>
+                      </a:solidFill>
+                      <a:prstDash val="solid"/>
+                      <a:round/>
+                      <a:headEnd type="none" w="med" len="med"/>
+                      <a:tailEnd type="none" w="med" len="med"/>
+                    </a:lnB>
+                  </a:tcPr>
+                </a:tc>
+                <a:tc>
+                  <a:txBody>
+                    <a:bodyPr/>
+                    <a:lstStyle/>
+                    <a:p>
+                      <a:pPr algn="l" fontAlgn="ctr"/>
+                      <a:endParaRPr lang="ja-JP" altLang="en-US" sz="400" b="0" i="0" u="none" strike="noStrike">
+                        <a:solidFill>
+                          <a:srgbClr val="000000"/>
+                        </a:solidFill>
+                        <a:effectLst/>
+                        <a:latin typeface="游ゴシック" panose="020B0400000000000000" pitchFamily="50" charset="-128"/>
+                        <a:ea typeface="游ゴシック" panose="020B0400000000000000" pitchFamily="50" charset="-128"/>
+                      </a:endParaRPr>
+                    </a:p>
+                  </a:txBody>
+                  <a:tcPr marL="3768" marR="3768" marT="3768" marB="0" anchor="ctr">
+                    <a:lnL>
+                      <a:noFill/>
+                    </a:lnL>
+                    <a:lnR>
+                      <a:noFill/>
+                    </a:lnR>
+                    <a:lnT>
+                      <a:noFill/>
+                    </a:lnT>
+                    <a:lnB w="19050" cap="flat" cmpd="sng" algn="ctr">
+                      <a:solidFill>
+                        <a:srgbClr val="00C49A"/>
+                      </a:solidFill>
+                      <a:prstDash val="solid"/>
+                      <a:round/>
+                      <a:headEnd type="none" w="med" len="med"/>
+                      <a:tailEnd type="none" w="med" len="med"/>
+                    </a:lnB>
+                  </a:tcPr>
+                </a:tc>
+                <a:tc>
+                  <a:txBody>
+                    <a:bodyPr/>
+                    <a:lstStyle/>
+                    <a:p>
+                      <a:pPr algn="l" fontAlgn="ctr"/>
+                      <a:endParaRPr lang="ja-JP" altLang="en-US" sz="400" b="0" i="0" u="none" strike="noStrike">
+                        <a:solidFill>
+                          <a:srgbClr val="000000"/>
+                        </a:solidFill>
+                        <a:effectLst/>
+                        <a:latin typeface="游ゴシック" panose="020B0400000000000000" pitchFamily="50" charset="-128"/>
+                        <a:ea typeface="游ゴシック" panose="020B0400000000000000" pitchFamily="50" charset="-128"/>
+                      </a:endParaRPr>
+                    </a:p>
+                  </a:txBody>
+                  <a:tcPr marL="3768" marR="3768" marT="3768" marB="0" anchor="ctr">
+                    <a:lnL>
+                      <a:noFill/>
+                    </a:lnL>
+                    <a:lnR>
+                      <a:noFill/>
+                    </a:lnR>
+                    <a:lnT>
+                      <a:noFill/>
+                    </a:lnT>
+                    <a:lnB>
+                      <a:noFill/>
+                    </a:lnB>
+                  </a:tcPr>
+                </a:tc>
+                <a:extLst>
+                  <a:ext uri="{0D108BD9-81ED-4DB2-BD59-A6C34878D82A}">
+                    <a16:rowId xmlns:a16="http://schemas.microsoft.com/office/drawing/2014/main" val="1381579312"/>
+                  </a:ext>
+                </a:extLst>
+              </a:tr>
+              <a:tr h="753533">
+                <a:tc>
+                  <a:txBody>
+                    <a:bodyPr/>
+                    <a:lstStyle/>
+                    <a:p>
+                      <a:pPr algn="l" fontAlgn="ctr"/>
+                      <a:endParaRPr lang="ja-JP" altLang="en-US" sz="400" b="0" i="0" u="none" strike="noStrike">
+                        <a:solidFill>
+                          <a:srgbClr val="000000"/>
+                        </a:solidFill>
+                        <a:effectLst/>
+                        <a:latin typeface="游ゴシック" panose="020B0400000000000000" pitchFamily="50" charset="-128"/>
+                        <a:ea typeface="游ゴシック" panose="020B0400000000000000" pitchFamily="50" charset="-128"/>
+                      </a:endParaRPr>
+                    </a:p>
+                  </a:txBody>
+                  <a:tcPr marL="3768" marR="3768" marT="3768" marB="0" anchor="ctr">
+                    <a:lnL>
+                      <a:noFill/>
+                    </a:lnL>
+                    <a:lnR w="19050" cap="flat" cmpd="sng" algn="ctr">
+                      <a:solidFill>
+                        <a:srgbClr val="00C49A"/>
+                      </a:solidFill>
+                      <a:prstDash val="solid"/>
+                      <a:round/>
+                      <a:headEnd type="none" w="med" len="med"/>
+                      <a:tailEnd type="none" w="med" len="med"/>
+                    </a:lnR>
+                    <a:lnT>
+                      <a:noFill/>
+                    </a:lnT>
+                    <a:lnB>
+                      <a:noFill/>
+                    </a:lnB>
+                  </a:tcPr>
+                </a:tc>
+                <a:tc>
+                  <a:txBody>
+                    <a:bodyPr/>
+                    <a:lstStyle/>
+                    <a:p>
+                      <a:pPr algn="ctr" fontAlgn="ctr"/>
+                      <a:r>
+                        <a:rPr lang="en-US" altLang="ja-JP" sz="2900" b="0" i="0" u="none" strike="noStrike">
+                          <a:solidFill>
+                            <a:srgbClr val="000000"/>
+                          </a:solidFill>
+                          <a:effectLst/>
+                          <a:latin typeface="游ゴシック" panose="020B0400000000000000" pitchFamily="50" charset="-128"/>
+                          <a:ea typeface="游ゴシック" panose="020B0400000000000000" pitchFamily="50" charset="-128"/>
+                        </a:rPr>
+                        <a:t>2</a:t>
+                      </a:r>
+                    </a:p>
+                  </a:txBody>
+                  <a:tcPr marL="3768" marR="3768" marT="3768" marB="0" anchor="ctr">
+                    <a:lnL w="19050" cap="flat" cmpd="sng" algn="ctr">
+                      <a:solidFill>
+                        <a:srgbClr val="00C49A"/>
+                      </a:solidFill>
+                      <a:prstDash val="solid"/>
+                      <a:round/>
+                      <a:headEnd type="none" w="med" len="med"/>
+                      <a:tailEnd type="none" w="med" len="med"/>
+                    </a:lnL>
+                    <a:lnR w="6350" cap="flat" cmpd="sng" algn="ctr">
+                      <a:solidFill>
+                        <a:srgbClr val="000000"/>
+                      </a:solidFill>
+                      <a:prstDash val="dot"/>
+                      <a:round/>
+                      <a:headEnd type="none" w="med" len="med"/>
+                      <a:tailEnd type="none" w="med" len="med"/>
+                    </a:lnR>
+                    <a:lnT w="19050" cap="flat" cmpd="sng" algn="ctr">
+                      <a:solidFill>
+                        <a:srgbClr val="00C49A"/>
+                      </a:solidFill>
+                      <a:prstDash val="solid"/>
+                      <a:round/>
+                      <a:headEnd type="none" w="med" len="med"/>
+                      <a:tailEnd type="none" w="med" len="med"/>
+                    </a:lnT>
+                    <a:lnB w="6350" cap="flat" cmpd="sng" algn="ctr">
+                      <a:solidFill>
+                        <a:srgbClr val="000000"/>
+                      </a:solidFill>
+                      <a:prstDash val="dot"/>
+                      <a:round/>
+                      <a:headEnd type="none" w="med" len="med"/>
+                      <a:tailEnd type="none" w="med" len="med"/>
+                    </a:lnB>
+                  </a:tcPr>
+                </a:tc>
+                <a:tc>
+                  <a:txBody>
+                    <a:bodyPr/>
+                    <a:lstStyle/>
+                    <a:p>
+                      <a:pPr algn="ctr" fontAlgn="ctr"/>
+                      <a:r>
+                        <a:rPr lang="en-US" altLang="ja-JP" sz="2900" b="0" i="0" u="none" strike="noStrike">
+                          <a:solidFill>
+                            <a:srgbClr val="000000"/>
+                          </a:solidFill>
+                          <a:effectLst/>
+                          <a:latin typeface="游ゴシック" panose="020B0400000000000000" pitchFamily="50" charset="-128"/>
+                          <a:ea typeface="游ゴシック" panose="020B0400000000000000" pitchFamily="50" charset="-128"/>
+                        </a:rPr>
+                        <a:t>2</a:t>
+                      </a:r>
+                    </a:p>
+                  </a:txBody>
+                  <a:tcPr marL="3768" marR="3768" marT="3768" marB="0" anchor="ctr">
+                    <a:lnL w="6350" cap="flat" cmpd="sng" algn="ctr">
+                      <a:solidFill>
+                        <a:srgbClr val="000000"/>
+                      </a:solidFill>
+                      <a:prstDash val="dot"/>
+                      <a:round/>
+                      <a:headEnd type="none" w="med" len="med"/>
+                      <a:tailEnd type="none" w="med" len="med"/>
+                    </a:lnL>
+                    <a:lnR w="6350" cap="flat" cmpd="sng" algn="ctr">
+                      <a:solidFill>
+                        <a:srgbClr val="000000"/>
+                      </a:solidFill>
+                      <a:prstDash val="dot"/>
+                      <a:round/>
+                      <a:headEnd type="none" w="med" len="med"/>
+                      <a:tailEnd type="none" w="med" len="med"/>
+                    </a:lnR>
+                    <a:lnT w="19050" cap="flat" cmpd="sng" algn="ctr">
+                      <a:solidFill>
+                        <a:srgbClr val="00C49A"/>
+                      </a:solidFill>
+                      <a:prstDash val="solid"/>
+                      <a:round/>
+                      <a:headEnd type="none" w="med" len="med"/>
+                      <a:tailEnd type="none" w="med" len="med"/>
+                    </a:lnT>
+                    <a:lnB w="6350" cap="flat" cmpd="sng" algn="ctr">
+                      <a:solidFill>
+                        <a:srgbClr val="000000"/>
+                      </a:solidFill>
+                      <a:prstDash val="dot"/>
+                      <a:round/>
+                      <a:headEnd type="none" w="med" len="med"/>
+                      <a:tailEnd type="none" w="med" len="med"/>
+                    </a:lnB>
+                  </a:tcPr>
+                </a:tc>
+                <a:tc>
+                  <a:txBody>
+                    <a:bodyPr/>
+                    <a:lstStyle/>
+                    <a:p>
+                      <a:pPr algn="ctr" fontAlgn="ctr"/>
+                      <a:r>
+                        <a:rPr lang="en-US" altLang="ja-JP" sz="2900" b="0" i="0" u="none" strike="noStrike">
+                          <a:solidFill>
+                            <a:srgbClr val="000000"/>
+                          </a:solidFill>
+                          <a:effectLst/>
+                          <a:latin typeface="游ゴシック" panose="020B0400000000000000" pitchFamily="50" charset="-128"/>
+                          <a:ea typeface="游ゴシック" panose="020B0400000000000000" pitchFamily="50" charset="-128"/>
+                        </a:rPr>
+                        <a:t>1</a:t>
+                      </a:r>
+                    </a:p>
+                  </a:txBody>
+                  <a:tcPr marL="3768" marR="3768" marT="3768" marB="0" anchor="ctr">
+                    <a:lnL w="6350" cap="flat" cmpd="sng" algn="ctr">
+                      <a:solidFill>
+                        <a:srgbClr val="000000"/>
+                      </a:solidFill>
+                      <a:prstDash val="dot"/>
+                      <a:round/>
+                      <a:headEnd type="none" w="med" len="med"/>
+                      <a:tailEnd type="none" w="med" len="med"/>
+                    </a:lnL>
+                    <a:lnR w="6350" cap="flat" cmpd="sng" algn="ctr">
+                      <a:solidFill>
+                        <a:srgbClr val="000000"/>
+                      </a:solidFill>
+                      <a:prstDash val="dot"/>
+                      <a:round/>
+                      <a:headEnd type="none" w="med" len="med"/>
+                      <a:tailEnd type="none" w="med" len="med"/>
+                    </a:lnR>
+                    <a:lnT w="19050" cap="flat" cmpd="sng" algn="ctr">
+                      <a:solidFill>
+                        <a:srgbClr val="00C49A"/>
+                      </a:solidFill>
+                      <a:prstDash val="solid"/>
+                      <a:round/>
+                      <a:headEnd type="none" w="med" len="med"/>
+                      <a:tailEnd type="none" w="med" len="med"/>
+                    </a:lnT>
+                    <a:lnB w="6350" cap="flat" cmpd="sng" algn="ctr">
+                      <a:solidFill>
+                        <a:srgbClr val="000000"/>
+                      </a:solidFill>
+                      <a:prstDash val="dot"/>
+                      <a:round/>
+                      <a:headEnd type="none" w="med" len="med"/>
+                      <a:tailEnd type="none" w="med" len="med"/>
+                    </a:lnB>
+                  </a:tcPr>
+                </a:tc>
+                <a:tc>
+                  <a:txBody>
+                    <a:bodyPr/>
+                    <a:lstStyle/>
+                    <a:p>
+                      <a:pPr algn="ctr" fontAlgn="ctr"/>
+                      <a:r>
+                        <a:rPr lang="en-US" altLang="ja-JP" sz="2900" b="0" i="0" u="none" strike="noStrike">
+                          <a:solidFill>
+                            <a:srgbClr val="000000"/>
+                          </a:solidFill>
+                          <a:effectLst/>
+                          <a:latin typeface="游ゴシック" panose="020B0400000000000000" pitchFamily="50" charset="-128"/>
+                          <a:ea typeface="游ゴシック" panose="020B0400000000000000" pitchFamily="50" charset="-128"/>
+                        </a:rPr>
+                        <a:t>1</a:t>
+                      </a:r>
+                    </a:p>
+                  </a:txBody>
+                  <a:tcPr marL="3768" marR="3768" marT="3768" marB="0" anchor="ctr">
+                    <a:lnL w="6350" cap="flat" cmpd="sng" algn="ctr">
+                      <a:solidFill>
+                        <a:srgbClr val="000000"/>
+                      </a:solidFill>
+                      <a:prstDash val="dot"/>
+                      <a:round/>
+                      <a:headEnd type="none" w="med" len="med"/>
+                      <a:tailEnd type="none" w="med" len="med"/>
+                    </a:lnL>
+                    <a:lnR w="19050" cap="flat" cmpd="sng" algn="ctr">
+                      <a:solidFill>
+                        <a:srgbClr val="00C49A"/>
+                      </a:solidFill>
+                      <a:prstDash val="solid"/>
+                      <a:round/>
+                      <a:headEnd type="none" w="med" len="med"/>
+                      <a:tailEnd type="none" w="med" len="med"/>
+                    </a:lnR>
+                    <a:lnT w="19050" cap="flat" cmpd="sng" algn="ctr">
+                      <a:solidFill>
+                        <a:srgbClr val="00C49A"/>
+                      </a:solidFill>
+                      <a:prstDash val="solid"/>
+                      <a:round/>
+                      <a:headEnd type="none" w="med" len="med"/>
+                      <a:tailEnd type="none" w="med" len="med"/>
+                    </a:lnT>
+                    <a:lnB w="6350" cap="flat" cmpd="sng" algn="ctr">
+                      <a:solidFill>
+                        <a:srgbClr val="000000"/>
+                      </a:solidFill>
+                      <a:prstDash val="dot"/>
+                      <a:round/>
+                      <a:headEnd type="none" w="med" len="med"/>
+                      <a:tailEnd type="none" w="med" len="med"/>
+                    </a:lnB>
+                  </a:tcPr>
+                </a:tc>
+                <a:tc>
+                  <a:txBody>
+                    <a:bodyPr/>
+                    <a:lstStyle/>
+                    <a:p>
+                      <a:pPr algn="l" fontAlgn="ctr"/>
+                      <a:endParaRPr lang="ja-JP" altLang="en-US" sz="400" b="0" i="0" u="none" strike="noStrike">
+                        <a:solidFill>
+                          <a:srgbClr val="000000"/>
+                        </a:solidFill>
+                        <a:effectLst/>
+                        <a:latin typeface="游ゴシック" panose="020B0400000000000000" pitchFamily="50" charset="-128"/>
+                        <a:ea typeface="游ゴシック" panose="020B0400000000000000" pitchFamily="50" charset="-128"/>
+                      </a:endParaRPr>
+                    </a:p>
+                  </a:txBody>
+                  <a:tcPr marL="3768" marR="3768" marT="3768" marB="0" anchor="ctr">
+                    <a:lnL w="19050" cap="flat" cmpd="sng" algn="ctr">
+                      <a:solidFill>
+                        <a:srgbClr val="00C49A"/>
+                      </a:solidFill>
+                      <a:prstDash val="solid"/>
+                      <a:round/>
+                      <a:headEnd type="none" w="med" len="med"/>
+                      <a:tailEnd type="none" w="med" len="med"/>
+                    </a:lnL>
+                    <a:lnR>
+                      <a:noFill/>
+                    </a:lnR>
+                    <a:lnT>
+                      <a:noFill/>
+                    </a:lnT>
+                    <a:lnB>
+                      <a:noFill/>
+                    </a:lnB>
+                  </a:tcPr>
+                </a:tc>
+                <a:extLst>
+                  <a:ext uri="{0D108BD9-81ED-4DB2-BD59-A6C34878D82A}">
+                    <a16:rowId xmlns:a16="http://schemas.microsoft.com/office/drawing/2014/main" val="209859589"/>
+                  </a:ext>
+                </a:extLst>
+              </a:tr>
+              <a:tr h="753533">
+                <a:tc>
+                  <a:txBody>
+                    <a:bodyPr/>
+                    <a:lstStyle/>
+                    <a:p>
+                      <a:pPr algn="l" fontAlgn="ctr"/>
+                      <a:endParaRPr lang="ja-JP" altLang="en-US" sz="400" b="0" i="0" u="none" strike="noStrike">
+                        <a:solidFill>
+                          <a:srgbClr val="000000"/>
+                        </a:solidFill>
+                        <a:effectLst/>
+                        <a:latin typeface="游ゴシック" panose="020B0400000000000000" pitchFamily="50" charset="-128"/>
+                        <a:ea typeface="游ゴシック" panose="020B0400000000000000" pitchFamily="50" charset="-128"/>
+                      </a:endParaRPr>
+                    </a:p>
+                  </a:txBody>
+                  <a:tcPr marL="3768" marR="3768" marT="3768" marB="0" anchor="ctr">
+                    <a:lnL>
+                      <a:noFill/>
+                    </a:lnL>
+                    <a:lnR w="19050" cap="flat" cmpd="sng" algn="ctr">
+                      <a:solidFill>
+                        <a:srgbClr val="00C49A"/>
+                      </a:solidFill>
+                      <a:prstDash val="solid"/>
+                      <a:round/>
+                      <a:headEnd type="none" w="med" len="med"/>
+                      <a:tailEnd type="none" w="med" len="med"/>
+                    </a:lnR>
+                    <a:lnT>
+                      <a:noFill/>
+                    </a:lnT>
+                    <a:lnB>
+                      <a:noFill/>
+                    </a:lnB>
+                  </a:tcPr>
+                </a:tc>
+                <a:tc>
+                  <a:txBody>
+                    <a:bodyPr/>
+                    <a:lstStyle/>
+                    <a:p>
+                      <a:pPr algn="ctr" fontAlgn="ctr"/>
+                      <a:r>
+                        <a:rPr lang="en-US" altLang="ja-JP" sz="2900" b="0" i="0" u="none" strike="noStrike">
+                          <a:solidFill>
+                            <a:srgbClr val="000000"/>
+                          </a:solidFill>
+                          <a:effectLst/>
+                          <a:latin typeface="游ゴシック" panose="020B0400000000000000" pitchFamily="50" charset="-128"/>
+                          <a:ea typeface="游ゴシック" panose="020B0400000000000000" pitchFamily="50" charset="-128"/>
+                        </a:rPr>
+                        <a:t>2</a:t>
+                      </a:r>
+                    </a:p>
+                  </a:txBody>
+                  <a:tcPr marL="3768" marR="3768" marT="3768" marB="0" anchor="ctr">
+                    <a:lnL w="19050" cap="flat" cmpd="sng" algn="ctr">
+                      <a:solidFill>
+                        <a:srgbClr val="00C49A"/>
+                      </a:solidFill>
+                      <a:prstDash val="solid"/>
+                      <a:round/>
+                      <a:headEnd type="none" w="med" len="med"/>
+                      <a:tailEnd type="none" w="med" len="med"/>
+                    </a:lnL>
+                    <a:lnR w="6350" cap="flat" cmpd="sng" algn="ctr">
+                      <a:solidFill>
+                        <a:srgbClr val="000000"/>
+                      </a:solidFill>
+                      <a:prstDash val="dot"/>
+                      <a:round/>
+                      <a:headEnd type="none" w="med" len="med"/>
+                      <a:tailEnd type="none" w="med" len="med"/>
+                    </a:lnR>
+                    <a:lnT w="6350" cap="flat" cmpd="sng" algn="ctr">
+                      <a:solidFill>
+                        <a:srgbClr val="000000"/>
+                      </a:solidFill>
+                      <a:prstDash val="dot"/>
+                      <a:round/>
+                      <a:headEnd type="none" w="med" len="med"/>
+                      <a:tailEnd type="none" w="med" len="med"/>
+                    </a:lnT>
+                    <a:lnB w="6350" cap="flat" cmpd="sng" algn="ctr">
+                      <a:solidFill>
+                        <a:srgbClr val="000000"/>
+                      </a:solidFill>
+                      <a:prstDash val="dot"/>
+                      <a:round/>
+                      <a:headEnd type="none" w="med" len="med"/>
+                      <a:tailEnd type="none" w="med" len="med"/>
+                    </a:lnB>
+                  </a:tcPr>
+                </a:tc>
+                <a:tc>
+                  <a:txBody>
+                    <a:bodyPr/>
+                    <a:lstStyle/>
+                    <a:p>
+                      <a:pPr algn="ctr" fontAlgn="ctr"/>
+                      <a:r>
+                        <a:rPr lang="en-US" altLang="ja-JP" sz="2900" b="0" i="0" u="none" strike="noStrike">
+                          <a:solidFill>
+                            <a:srgbClr val="000000"/>
+                          </a:solidFill>
+                          <a:effectLst/>
+                          <a:latin typeface="游ゴシック" panose="020B0400000000000000" pitchFamily="50" charset="-128"/>
+                          <a:ea typeface="游ゴシック" panose="020B0400000000000000" pitchFamily="50" charset="-128"/>
+                        </a:rPr>
+                        <a:t>1</a:t>
+                      </a:r>
+                    </a:p>
+                  </a:txBody>
+                  <a:tcPr marL="3768" marR="3768" marT="3768" marB="0" anchor="ctr">
+                    <a:lnL w="6350" cap="flat" cmpd="sng" algn="ctr">
+                      <a:solidFill>
+                        <a:srgbClr val="000000"/>
+                      </a:solidFill>
+                      <a:prstDash val="dot"/>
+                      <a:round/>
+                      <a:headEnd type="none" w="med" len="med"/>
+                      <a:tailEnd type="none" w="med" len="med"/>
+                    </a:lnL>
+                    <a:lnR w="6350" cap="flat" cmpd="sng" algn="ctr">
+                      <a:solidFill>
+                        <a:srgbClr val="000000"/>
+                      </a:solidFill>
+                      <a:prstDash val="dot"/>
+                      <a:round/>
+                      <a:headEnd type="none" w="med" len="med"/>
+                      <a:tailEnd type="none" w="med" len="med"/>
+                    </a:lnR>
+                    <a:lnT w="6350" cap="flat" cmpd="sng" algn="ctr">
+                      <a:solidFill>
+                        <a:srgbClr val="000000"/>
+                      </a:solidFill>
+                      <a:prstDash val="dot"/>
+                      <a:round/>
+                      <a:headEnd type="none" w="med" len="med"/>
+                      <a:tailEnd type="none" w="med" len="med"/>
+                    </a:lnT>
+                    <a:lnB w="6350" cap="flat" cmpd="sng" algn="ctr">
+                      <a:solidFill>
+                        <a:srgbClr val="000000"/>
+                      </a:solidFill>
+                      <a:prstDash val="dot"/>
+                      <a:round/>
+                      <a:headEnd type="none" w="med" len="med"/>
+                      <a:tailEnd type="none" w="med" len="med"/>
+                    </a:lnB>
+                  </a:tcPr>
+                </a:tc>
+                <a:tc>
+                  <a:txBody>
+                    <a:bodyPr/>
+                    <a:lstStyle/>
+                    <a:p>
+                      <a:pPr algn="ctr" fontAlgn="ctr"/>
+                      <a:r>
+                        <a:rPr lang="en-US" altLang="ja-JP" sz="2900" b="0" i="0" u="none" strike="noStrike">
+                          <a:solidFill>
+                            <a:srgbClr val="000000"/>
+                          </a:solidFill>
+                          <a:effectLst/>
+                          <a:latin typeface="游ゴシック" panose="020B0400000000000000" pitchFamily="50" charset="-128"/>
+                          <a:ea typeface="游ゴシック" panose="020B0400000000000000" pitchFamily="50" charset="-128"/>
+                        </a:rPr>
+                        <a:t>2</a:t>
+                      </a:r>
+                    </a:p>
+                  </a:txBody>
+                  <a:tcPr marL="3768" marR="3768" marT="3768" marB="0" anchor="ctr">
+                    <a:lnL w="6350" cap="flat" cmpd="sng" algn="ctr">
+                      <a:solidFill>
+                        <a:srgbClr val="000000"/>
+                      </a:solidFill>
+                      <a:prstDash val="dot"/>
+                      <a:round/>
+                      <a:headEnd type="none" w="med" len="med"/>
+                      <a:tailEnd type="none" w="med" len="med"/>
+                    </a:lnL>
+                    <a:lnR w="6350" cap="flat" cmpd="sng" algn="ctr">
+                      <a:solidFill>
+                        <a:srgbClr val="000000"/>
+                      </a:solidFill>
+                      <a:prstDash val="dot"/>
+                      <a:round/>
+                      <a:headEnd type="none" w="med" len="med"/>
+                      <a:tailEnd type="none" w="med" len="med"/>
+                    </a:lnR>
+                    <a:lnT w="6350" cap="flat" cmpd="sng" algn="ctr">
+                      <a:solidFill>
+                        <a:srgbClr val="000000"/>
+                      </a:solidFill>
+                      <a:prstDash val="dot"/>
+                      <a:round/>
+                      <a:headEnd type="none" w="med" len="med"/>
+                      <a:tailEnd type="none" w="med" len="med"/>
+                    </a:lnT>
+                    <a:lnB w="6350" cap="flat" cmpd="sng" algn="ctr">
+                      <a:solidFill>
+                        <a:srgbClr val="000000"/>
+                      </a:solidFill>
+                      <a:prstDash val="dot"/>
+                      <a:round/>
+                      <a:headEnd type="none" w="med" len="med"/>
+                      <a:tailEnd type="none" w="med" len="med"/>
+                    </a:lnB>
+                  </a:tcPr>
+                </a:tc>
+                <a:tc>
+                  <a:txBody>
+                    <a:bodyPr/>
+                    <a:lstStyle/>
+                    <a:p>
+                      <a:pPr algn="ctr" fontAlgn="ctr"/>
+                      <a:r>
+                        <a:rPr lang="en-US" altLang="ja-JP" sz="2900" b="0" i="0" u="none" strike="noStrike">
+                          <a:solidFill>
+                            <a:srgbClr val="000000"/>
+                          </a:solidFill>
+                          <a:effectLst/>
+                          <a:latin typeface="游ゴシック" panose="020B0400000000000000" pitchFamily="50" charset="-128"/>
+                          <a:ea typeface="游ゴシック" panose="020B0400000000000000" pitchFamily="50" charset="-128"/>
+                        </a:rPr>
+                        <a:t>2</a:t>
+                      </a:r>
+                    </a:p>
+                  </a:txBody>
+                  <a:tcPr marL="3768" marR="3768" marT="3768" marB="0" anchor="ctr">
+                    <a:lnL w="6350" cap="flat" cmpd="sng" algn="ctr">
+                      <a:solidFill>
+                        <a:srgbClr val="000000"/>
+                      </a:solidFill>
+                      <a:prstDash val="dot"/>
+                      <a:round/>
+                      <a:headEnd type="none" w="med" len="med"/>
+                      <a:tailEnd type="none" w="med" len="med"/>
+                    </a:lnL>
+                    <a:lnR w="19050" cap="flat" cmpd="sng" algn="ctr">
+                      <a:solidFill>
+                        <a:srgbClr val="00C49A"/>
+                      </a:solidFill>
+                      <a:prstDash val="solid"/>
+                      <a:round/>
+                      <a:headEnd type="none" w="med" len="med"/>
+                      <a:tailEnd type="none" w="med" len="med"/>
+                    </a:lnR>
+                    <a:lnT w="6350" cap="flat" cmpd="sng" algn="ctr">
+                      <a:solidFill>
+                        <a:srgbClr val="000000"/>
+                      </a:solidFill>
+                      <a:prstDash val="dot"/>
+                      <a:round/>
+                      <a:headEnd type="none" w="med" len="med"/>
+                      <a:tailEnd type="none" w="med" len="med"/>
+                    </a:lnT>
+                    <a:lnB w="6350" cap="flat" cmpd="sng" algn="ctr">
+                      <a:solidFill>
+                        <a:srgbClr val="000000"/>
+                      </a:solidFill>
+                      <a:prstDash val="dot"/>
+                      <a:round/>
+                      <a:headEnd type="none" w="med" len="med"/>
+                      <a:tailEnd type="none" w="med" len="med"/>
+                    </a:lnB>
+                  </a:tcPr>
+                </a:tc>
+                <a:tc>
+                  <a:txBody>
+                    <a:bodyPr/>
+                    <a:lstStyle/>
+                    <a:p>
+                      <a:pPr algn="l" fontAlgn="ctr"/>
+                      <a:endParaRPr lang="ja-JP" altLang="en-US" sz="400" b="0" i="0" u="none" strike="noStrike">
+                        <a:solidFill>
+                          <a:srgbClr val="000000"/>
+                        </a:solidFill>
+                        <a:effectLst/>
+                        <a:latin typeface="游ゴシック" panose="020B0400000000000000" pitchFamily="50" charset="-128"/>
+                        <a:ea typeface="游ゴシック" panose="020B0400000000000000" pitchFamily="50" charset="-128"/>
+                      </a:endParaRPr>
+                    </a:p>
+                  </a:txBody>
+                  <a:tcPr marL="3768" marR="3768" marT="3768" marB="0" anchor="ctr">
+                    <a:lnL w="19050" cap="flat" cmpd="sng" algn="ctr">
+                      <a:solidFill>
+                        <a:srgbClr val="00C49A"/>
+                      </a:solidFill>
+                      <a:prstDash val="solid"/>
+                      <a:round/>
+                      <a:headEnd type="none" w="med" len="med"/>
+                      <a:tailEnd type="none" w="med" len="med"/>
+                    </a:lnL>
+                    <a:lnR>
+                      <a:noFill/>
+                    </a:lnR>
+                    <a:lnT>
+                      <a:noFill/>
+                    </a:lnT>
+                    <a:lnB>
+                      <a:noFill/>
+                    </a:lnB>
+                  </a:tcPr>
+                </a:tc>
+                <a:extLst>
+                  <a:ext uri="{0D108BD9-81ED-4DB2-BD59-A6C34878D82A}">
+                    <a16:rowId xmlns:a16="http://schemas.microsoft.com/office/drawing/2014/main" val="3916810680"/>
+                  </a:ext>
+                </a:extLst>
+              </a:tr>
+              <a:tr h="753533">
+                <a:tc>
+                  <a:txBody>
+                    <a:bodyPr/>
+                    <a:lstStyle/>
+                    <a:p>
+                      <a:pPr algn="l" fontAlgn="ctr"/>
+                      <a:endParaRPr lang="ja-JP" altLang="en-US" sz="400" b="0" i="0" u="none" strike="noStrike">
+                        <a:solidFill>
+                          <a:srgbClr val="000000"/>
+                        </a:solidFill>
+                        <a:effectLst/>
+                        <a:latin typeface="游ゴシック" panose="020B0400000000000000" pitchFamily="50" charset="-128"/>
+                        <a:ea typeface="游ゴシック" panose="020B0400000000000000" pitchFamily="50" charset="-128"/>
+                      </a:endParaRPr>
+                    </a:p>
+                  </a:txBody>
+                  <a:tcPr marL="3768" marR="3768" marT="3768" marB="0" anchor="ctr">
+                    <a:lnL>
+                      <a:noFill/>
+                    </a:lnL>
+                    <a:lnR w="19050" cap="flat" cmpd="sng" algn="ctr">
+                      <a:solidFill>
+                        <a:srgbClr val="00C49A"/>
+                      </a:solidFill>
+                      <a:prstDash val="solid"/>
+                      <a:round/>
+                      <a:headEnd type="none" w="med" len="med"/>
+                      <a:tailEnd type="none" w="med" len="med"/>
+                    </a:lnR>
+                    <a:lnT>
+                      <a:noFill/>
+                    </a:lnT>
+                    <a:lnB>
+                      <a:noFill/>
+                    </a:lnB>
+                  </a:tcPr>
+                </a:tc>
+                <a:tc>
+                  <a:txBody>
+                    <a:bodyPr/>
+                    <a:lstStyle/>
+                    <a:p>
+                      <a:pPr algn="ctr" fontAlgn="ctr"/>
+                      <a:r>
+                        <a:rPr lang="en-US" altLang="ja-JP" sz="2900" b="0" i="0" u="none" strike="noStrike">
+                          <a:solidFill>
+                            <a:srgbClr val="000000"/>
+                          </a:solidFill>
+                          <a:effectLst/>
+                          <a:latin typeface="游ゴシック" panose="020B0400000000000000" pitchFamily="50" charset="-128"/>
+                          <a:ea typeface="游ゴシック" panose="020B0400000000000000" pitchFamily="50" charset="-128"/>
+                        </a:rPr>
+                        <a:t>2</a:t>
+                      </a:r>
+                    </a:p>
+                  </a:txBody>
+                  <a:tcPr marL="3768" marR="3768" marT="3768" marB="0" anchor="ctr">
+                    <a:lnL w="19050" cap="flat" cmpd="sng" algn="ctr">
+                      <a:solidFill>
+                        <a:srgbClr val="00C49A"/>
+                      </a:solidFill>
+                      <a:prstDash val="solid"/>
+                      <a:round/>
+                      <a:headEnd type="none" w="med" len="med"/>
+                      <a:tailEnd type="none" w="med" len="med"/>
+                    </a:lnL>
+                    <a:lnR w="6350" cap="flat" cmpd="sng" algn="ctr">
+                      <a:solidFill>
+                        <a:srgbClr val="000000"/>
+                      </a:solidFill>
+                      <a:prstDash val="dot"/>
+                      <a:round/>
+                      <a:headEnd type="none" w="med" len="med"/>
+                      <a:tailEnd type="none" w="med" len="med"/>
+                    </a:lnR>
+                    <a:lnT w="6350" cap="flat" cmpd="sng" algn="ctr">
+                      <a:solidFill>
+                        <a:srgbClr val="000000"/>
+                      </a:solidFill>
+                      <a:prstDash val="dot"/>
+                      <a:round/>
+                      <a:headEnd type="none" w="med" len="med"/>
+                      <a:tailEnd type="none" w="med" len="med"/>
+                    </a:lnT>
+                    <a:lnB w="6350" cap="flat" cmpd="sng" algn="ctr">
+                      <a:solidFill>
+                        <a:srgbClr val="000000"/>
+                      </a:solidFill>
+                      <a:prstDash val="dot"/>
+                      <a:round/>
+                      <a:headEnd type="none" w="med" len="med"/>
+                      <a:tailEnd type="none" w="med" len="med"/>
+                    </a:lnB>
+                  </a:tcPr>
+                </a:tc>
+                <a:tc>
+                  <a:txBody>
+                    <a:bodyPr/>
+                    <a:lstStyle/>
+                    <a:p>
+                      <a:pPr algn="ctr" fontAlgn="ctr"/>
+                      <a:r>
+                        <a:rPr lang="en-US" altLang="ja-JP" sz="2900" b="0" i="0" u="none" strike="noStrike">
+                          <a:solidFill>
+                            <a:srgbClr val="000000"/>
+                          </a:solidFill>
+                          <a:effectLst/>
+                          <a:latin typeface="游ゴシック" panose="020B0400000000000000" pitchFamily="50" charset="-128"/>
+                          <a:ea typeface="游ゴシック" panose="020B0400000000000000" pitchFamily="50" charset="-128"/>
+                        </a:rPr>
+                        <a:t>1</a:t>
+                      </a:r>
+                    </a:p>
+                  </a:txBody>
+                  <a:tcPr marL="3768" marR="3768" marT="3768" marB="0" anchor="ctr">
+                    <a:lnL w="6350" cap="flat" cmpd="sng" algn="ctr">
+                      <a:solidFill>
+                        <a:srgbClr val="000000"/>
+                      </a:solidFill>
+                      <a:prstDash val="dot"/>
+                      <a:round/>
+                      <a:headEnd type="none" w="med" len="med"/>
+                      <a:tailEnd type="none" w="med" len="med"/>
+                    </a:lnL>
+                    <a:lnR w="6350" cap="flat" cmpd="sng" algn="ctr">
+                      <a:solidFill>
+                        <a:srgbClr val="000000"/>
+                      </a:solidFill>
+                      <a:prstDash val="dot"/>
+                      <a:round/>
+                      <a:headEnd type="none" w="med" len="med"/>
+                      <a:tailEnd type="none" w="med" len="med"/>
+                    </a:lnR>
+                    <a:lnT w="6350" cap="flat" cmpd="sng" algn="ctr">
+                      <a:solidFill>
+                        <a:srgbClr val="000000"/>
+                      </a:solidFill>
+                      <a:prstDash val="dot"/>
+                      <a:round/>
+                      <a:headEnd type="none" w="med" len="med"/>
+                      <a:tailEnd type="none" w="med" len="med"/>
+                    </a:lnT>
+                    <a:lnB w="6350" cap="flat" cmpd="sng" algn="ctr">
+                      <a:solidFill>
+                        <a:srgbClr val="000000"/>
+                      </a:solidFill>
+                      <a:prstDash val="dot"/>
+                      <a:round/>
+                      <a:headEnd type="none" w="med" len="med"/>
+                      <a:tailEnd type="none" w="med" len="med"/>
+                    </a:lnB>
+                  </a:tcPr>
+                </a:tc>
+                <a:tc>
+                  <a:txBody>
+                    <a:bodyPr/>
+                    <a:lstStyle/>
+                    <a:p>
+                      <a:pPr algn="ctr" fontAlgn="ctr"/>
+                      <a:r>
+                        <a:rPr lang="en-US" altLang="ja-JP" sz="2900" b="0" i="0" u="none" strike="noStrike">
+                          <a:solidFill>
+                            <a:srgbClr val="000000"/>
+                          </a:solidFill>
+                          <a:effectLst/>
+                          <a:latin typeface="游ゴシック" panose="020B0400000000000000" pitchFamily="50" charset="-128"/>
+                          <a:ea typeface="游ゴシック" panose="020B0400000000000000" pitchFamily="50" charset="-128"/>
+                        </a:rPr>
+                        <a:t>1</a:t>
+                      </a:r>
+                    </a:p>
+                  </a:txBody>
+                  <a:tcPr marL="3768" marR="3768" marT="3768" marB="0" anchor="ctr">
+                    <a:lnL w="6350" cap="flat" cmpd="sng" algn="ctr">
+                      <a:solidFill>
+                        <a:srgbClr val="000000"/>
+                      </a:solidFill>
+                      <a:prstDash val="dot"/>
+                      <a:round/>
+                      <a:headEnd type="none" w="med" len="med"/>
+                      <a:tailEnd type="none" w="med" len="med"/>
+                    </a:lnL>
+                    <a:lnR w="6350" cap="flat" cmpd="sng" algn="ctr">
+                      <a:solidFill>
+                        <a:srgbClr val="000000"/>
+                      </a:solidFill>
+                      <a:prstDash val="dot"/>
+                      <a:round/>
+                      <a:headEnd type="none" w="med" len="med"/>
+                      <a:tailEnd type="none" w="med" len="med"/>
+                    </a:lnR>
+                    <a:lnT w="6350" cap="flat" cmpd="sng" algn="ctr">
+                      <a:solidFill>
+                        <a:srgbClr val="000000"/>
+                      </a:solidFill>
+                      <a:prstDash val="dot"/>
+                      <a:round/>
+                      <a:headEnd type="none" w="med" len="med"/>
+                      <a:tailEnd type="none" w="med" len="med"/>
+                    </a:lnT>
+                    <a:lnB w="6350" cap="flat" cmpd="sng" algn="ctr">
+                      <a:solidFill>
+                        <a:srgbClr val="000000"/>
+                      </a:solidFill>
+                      <a:prstDash val="dot"/>
+                      <a:round/>
+                      <a:headEnd type="none" w="med" len="med"/>
+                      <a:tailEnd type="none" w="med" len="med"/>
+                    </a:lnB>
+                  </a:tcPr>
+                </a:tc>
+                <a:tc>
+                  <a:txBody>
+                    <a:bodyPr/>
+                    <a:lstStyle/>
+                    <a:p>
+                      <a:pPr algn="ctr" fontAlgn="ctr"/>
+                      <a:r>
+                        <a:rPr lang="en-US" altLang="ja-JP" sz="2900" b="0" i="0" u="none" strike="noStrike">
+                          <a:solidFill>
+                            <a:srgbClr val="000000"/>
+                          </a:solidFill>
+                          <a:effectLst/>
+                          <a:latin typeface="游ゴシック" panose="020B0400000000000000" pitchFamily="50" charset="-128"/>
+                          <a:ea typeface="游ゴシック" panose="020B0400000000000000" pitchFamily="50" charset="-128"/>
+                        </a:rPr>
+                        <a:t>2</a:t>
+                      </a:r>
+                    </a:p>
+                  </a:txBody>
+                  <a:tcPr marL="3768" marR="3768" marT="3768" marB="0" anchor="ctr">
+                    <a:lnL w="6350" cap="flat" cmpd="sng" algn="ctr">
+                      <a:solidFill>
+                        <a:srgbClr val="000000"/>
+                      </a:solidFill>
+                      <a:prstDash val="dot"/>
+                      <a:round/>
+                      <a:headEnd type="none" w="med" len="med"/>
+                      <a:tailEnd type="none" w="med" len="med"/>
+                    </a:lnL>
+                    <a:lnR w="19050" cap="flat" cmpd="sng" algn="ctr">
+                      <a:solidFill>
+                        <a:srgbClr val="00C49A"/>
+                      </a:solidFill>
+                      <a:prstDash val="solid"/>
+                      <a:round/>
+                      <a:headEnd type="none" w="med" len="med"/>
+                      <a:tailEnd type="none" w="med" len="med"/>
+                    </a:lnR>
+                    <a:lnT w="6350" cap="flat" cmpd="sng" algn="ctr">
+                      <a:solidFill>
+                        <a:srgbClr val="000000"/>
+                      </a:solidFill>
+                      <a:prstDash val="dot"/>
+                      <a:round/>
+                      <a:headEnd type="none" w="med" len="med"/>
+                      <a:tailEnd type="none" w="med" len="med"/>
+                    </a:lnT>
+                    <a:lnB w="6350" cap="flat" cmpd="sng" algn="ctr">
+                      <a:solidFill>
+                        <a:srgbClr val="000000"/>
+                      </a:solidFill>
+                      <a:prstDash val="dot"/>
+                      <a:round/>
+                      <a:headEnd type="none" w="med" len="med"/>
+                      <a:tailEnd type="none" w="med" len="med"/>
+                    </a:lnB>
+                  </a:tcPr>
+                </a:tc>
+                <a:tc>
+                  <a:txBody>
+                    <a:bodyPr/>
+                    <a:lstStyle/>
+                    <a:p>
+                      <a:pPr algn="l" fontAlgn="ctr"/>
+                      <a:endParaRPr lang="ja-JP" altLang="en-US" sz="400" b="0" i="0" u="none" strike="noStrike">
+                        <a:solidFill>
+                          <a:srgbClr val="000000"/>
+                        </a:solidFill>
+                        <a:effectLst/>
+                        <a:latin typeface="游ゴシック" panose="020B0400000000000000" pitchFamily="50" charset="-128"/>
+                        <a:ea typeface="游ゴシック" panose="020B0400000000000000" pitchFamily="50" charset="-128"/>
+                      </a:endParaRPr>
+                    </a:p>
+                  </a:txBody>
+                  <a:tcPr marL="3768" marR="3768" marT="3768" marB="0" anchor="ctr">
+                    <a:lnL w="19050" cap="flat" cmpd="sng" algn="ctr">
+                      <a:solidFill>
+                        <a:srgbClr val="00C49A"/>
+                      </a:solidFill>
+                      <a:prstDash val="solid"/>
+                      <a:round/>
+                      <a:headEnd type="none" w="med" len="med"/>
+                      <a:tailEnd type="none" w="med" len="med"/>
+                    </a:lnL>
+                    <a:lnR>
+                      <a:noFill/>
+                    </a:lnR>
+                    <a:lnT>
+                      <a:noFill/>
+                    </a:lnT>
+                    <a:lnB>
+                      <a:noFill/>
+                    </a:lnB>
+                  </a:tcPr>
+                </a:tc>
+                <a:extLst>
+                  <a:ext uri="{0D108BD9-81ED-4DB2-BD59-A6C34878D82A}">
+                    <a16:rowId xmlns:a16="http://schemas.microsoft.com/office/drawing/2014/main" val="49054050"/>
+                  </a:ext>
+                </a:extLst>
+              </a:tr>
+              <a:tr h="753533">
+                <a:tc>
+                  <a:txBody>
+                    <a:bodyPr/>
+                    <a:lstStyle/>
+                    <a:p>
+                      <a:pPr algn="l" fontAlgn="ctr"/>
+                      <a:endParaRPr lang="ja-JP" altLang="en-US" sz="400" b="0" i="0" u="none" strike="noStrike">
+                        <a:solidFill>
+                          <a:srgbClr val="000000"/>
+                        </a:solidFill>
+                        <a:effectLst/>
+                        <a:latin typeface="游ゴシック" panose="020B0400000000000000" pitchFamily="50" charset="-128"/>
+                        <a:ea typeface="游ゴシック" panose="020B0400000000000000" pitchFamily="50" charset="-128"/>
+                      </a:endParaRPr>
+                    </a:p>
+                  </a:txBody>
+                  <a:tcPr marL="3768" marR="3768" marT="3768" marB="0" anchor="ctr">
+                    <a:lnL>
+                      <a:noFill/>
+                    </a:lnL>
+                    <a:lnR w="19050" cap="flat" cmpd="sng" algn="ctr">
+                      <a:solidFill>
+                        <a:srgbClr val="00C49A"/>
+                      </a:solidFill>
+                      <a:prstDash val="solid"/>
+                      <a:round/>
+                      <a:headEnd type="none" w="med" len="med"/>
+                      <a:tailEnd type="none" w="med" len="med"/>
+                    </a:lnR>
+                    <a:lnT>
+                      <a:noFill/>
+                    </a:lnT>
+                    <a:lnB>
+                      <a:noFill/>
+                    </a:lnB>
+                  </a:tcPr>
+                </a:tc>
+                <a:tc>
+                  <a:txBody>
+                    <a:bodyPr/>
+                    <a:lstStyle/>
+                    <a:p>
+                      <a:pPr algn="ctr" fontAlgn="ctr"/>
+                      <a:r>
+                        <a:rPr lang="en-US" altLang="ja-JP" sz="2900" b="0" i="0" u="none" strike="noStrike">
+                          <a:solidFill>
+                            <a:srgbClr val="000000"/>
+                          </a:solidFill>
+                          <a:effectLst/>
+                          <a:latin typeface="游ゴシック" panose="020B0400000000000000" pitchFamily="50" charset="-128"/>
+                          <a:ea typeface="游ゴシック" panose="020B0400000000000000" pitchFamily="50" charset="-128"/>
+                        </a:rPr>
+                        <a:t>1</a:t>
+                      </a:r>
+                    </a:p>
+                  </a:txBody>
+                  <a:tcPr marL="3768" marR="3768" marT="3768" marB="0" anchor="ctr">
+                    <a:lnL w="19050" cap="flat" cmpd="sng" algn="ctr">
+                      <a:solidFill>
+                        <a:srgbClr val="00C49A"/>
+                      </a:solidFill>
+                      <a:prstDash val="solid"/>
+                      <a:round/>
+                      <a:headEnd type="none" w="med" len="med"/>
+                      <a:tailEnd type="none" w="med" len="med"/>
+                    </a:lnL>
+                    <a:lnR w="6350" cap="flat" cmpd="sng" algn="ctr">
+                      <a:solidFill>
+                        <a:srgbClr val="000000"/>
+                      </a:solidFill>
+                      <a:prstDash val="dot"/>
+                      <a:round/>
+                      <a:headEnd type="none" w="med" len="med"/>
+                      <a:tailEnd type="none" w="med" len="med"/>
+                    </a:lnR>
+                    <a:lnT w="6350" cap="flat" cmpd="sng" algn="ctr">
+                      <a:solidFill>
+                        <a:srgbClr val="000000"/>
+                      </a:solidFill>
+                      <a:prstDash val="dot"/>
+                      <a:round/>
+                      <a:headEnd type="none" w="med" len="med"/>
+                      <a:tailEnd type="none" w="med" len="med"/>
+                    </a:lnT>
+                    <a:lnB w="19050" cap="flat" cmpd="sng" algn="ctr">
+                      <a:solidFill>
+                        <a:srgbClr val="00C49A"/>
+                      </a:solidFill>
+                      <a:prstDash val="solid"/>
+                      <a:round/>
+                      <a:headEnd type="none" w="med" len="med"/>
+                      <a:tailEnd type="none" w="med" len="med"/>
+                    </a:lnB>
+                  </a:tcPr>
+                </a:tc>
+                <a:tc>
+                  <a:txBody>
+                    <a:bodyPr/>
+                    <a:lstStyle/>
+                    <a:p>
+                      <a:pPr algn="ctr" fontAlgn="ctr"/>
+                      <a:r>
+                        <a:rPr lang="en-US" altLang="ja-JP" sz="2900" b="0" i="0" u="none" strike="noStrike">
+                          <a:solidFill>
+                            <a:srgbClr val="000000"/>
+                          </a:solidFill>
+                          <a:effectLst/>
+                          <a:latin typeface="游ゴシック" panose="020B0400000000000000" pitchFamily="50" charset="-128"/>
+                          <a:ea typeface="游ゴシック" panose="020B0400000000000000" pitchFamily="50" charset="-128"/>
+                        </a:rPr>
+                        <a:t>1</a:t>
+                      </a:r>
+                    </a:p>
+                  </a:txBody>
+                  <a:tcPr marL="3768" marR="3768" marT="3768" marB="0" anchor="ctr">
+                    <a:lnL w="6350" cap="flat" cmpd="sng" algn="ctr">
+                      <a:solidFill>
+                        <a:srgbClr val="000000"/>
+                      </a:solidFill>
+                      <a:prstDash val="dot"/>
+                      <a:round/>
+                      <a:headEnd type="none" w="med" len="med"/>
+                      <a:tailEnd type="none" w="med" len="med"/>
+                    </a:lnL>
+                    <a:lnR w="6350" cap="flat" cmpd="sng" algn="ctr">
+                      <a:solidFill>
+                        <a:srgbClr val="000000"/>
+                      </a:solidFill>
+                      <a:prstDash val="dot"/>
+                      <a:round/>
+                      <a:headEnd type="none" w="med" len="med"/>
+                      <a:tailEnd type="none" w="med" len="med"/>
+                    </a:lnR>
+                    <a:lnT w="6350" cap="flat" cmpd="sng" algn="ctr">
+                      <a:solidFill>
+                        <a:srgbClr val="000000"/>
+                      </a:solidFill>
+                      <a:prstDash val="dot"/>
+                      <a:round/>
+                      <a:headEnd type="none" w="med" len="med"/>
+                      <a:tailEnd type="none" w="med" len="med"/>
+                    </a:lnT>
+                    <a:lnB w="19050" cap="flat" cmpd="sng" algn="ctr">
+                      <a:solidFill>
+                        <a:srgbClr val="00C49A"/>
+                      </a:solidFill>
+                      <a:prstDash val="solid"/>
+                      <a:round/>
+                      <a:headEnd type="none" w="med" len="med"/>
+                      <a:tailEnd type="none" w="med" len="med"/>
+                    </a:lnB>
+                  </a:tcPr>
+                </a:tc>
+                <a:tc>
+                  <a:txBody>
+                    <a:bodyPr/>
+                    <a:lstStyle/>
+                    <a:p>
+                      <a:pPr algn="ctr" fontAlgn="ctr"/>
+                      <a:r>
+                        <a:rPr lang="en-US" altLang="ja-JP" sz="2900" b="0" i="0" u="none" strike="noStrike">
+                          <a:solidFill>
+                            <a:srgbClr val="000000"/>
+                          </a:solidFill>
+                          <a:effectLst/>
+                          <a:latin typeface="游ゴシック" panose="020B0400000000000000" pitchFamily="50" charset="-128"/>
+                          <a:ea typeface="游ゴシック" panose="020B0400000000000000" pitchFamily="50" charset="-128"/>
+                        </a:rPr>
+                        <a:t>2</a:t>
+                      </a:r>
+                    </a:p>
+                  </a:txBody>
+                  <a:tcPr marL="3768" marR="3768" marT="3768" marB="0" anchor="ctr">
+                    <a:lnL w="6350" cap="flat" cmpd="sng" algn="ctr">
+                      <a:solidFill>
+                        <a:srgbClr val="000000"/>
+                      </a:solidFill>
+                      <a:prstDash val="dot"/>
+                      <a:round/>
+                      <a:headEnd type="none" w="med" len="med"/>
+                      <a:tailEnd type="none" w="med" len="med"/>
+                    </a:lnL>
+                    <a:lnR w="6350" cap="flat" cmpd="sng" algn="ctr">
+                      <a:solidFill>
+                        <a:srgbClr val="000000"/>
+                      </a:solidFill>
+                      <a:prstDash val="dot"/>
+                      <a:round/>
+                      <a:headEnd type="none" w="med" len="med"/>
+                      <a:tailEnd type="none" w="med" len="med"/>
+                    </a:lnR>
+                    <a:lnT w="6350" cap="flat" cmpd="sng" algn="ctr">
+                      <a:solidFill>
+                        <a:srgbClr val="000000"/>
+                      </a:solidFill>
+                      <a:prstDash val="dot"/>
+                      <a:round/>
+                      <a:headEnd type="none" w="med" len="med"/>
+                      <a:tailEnd type="none" w="med" len="med"/>
+                    </a:lnT>
+                    <a:lnB w="19050" cap="flat" cmpd="sng" algn="ctr">
+                      <a:solidFill>
+                        <a:srgbClr val="00C49A"/>
+                      </a:solidFill>
+                      <a:prstDash val="solid"/>
+                      <a:round/>
+                      <a:headEnd type="none" w="med" len="med"/>
+                      <a:tailEnd type="none" w="med" len="med"/>
+                    </a:lnB>
+                  </a:tcPr>
+                </a:tc>
+                <a:tc>
+                  <a:txBody>
+                    <a:bodyPr/>
+                    <a:lstStyle/>
+                    <a:p>
+                      <a:pPr algn="ctr" fontAlgn="ctr"/>
+                      <a:r>
+                        <a:rPr lang="en-US" altLang="ja-JP" sz="2900" b="0" i="0" u="none" strike="noStrike">
+                          <a:solidFill>
+                            <a:srgbClr val="000000"/>
+                          </a:solidFill>
+                          <a:effectLst/>
+                          <a:latin typeface="游ゴシック" panose="020B0400000000000000" pitchFamily="50" charset="-128"/>
+                          <a:ea typeface="游ゴシック" panose="020B0400000000000000" pitchFamily="50" charset="-128"/>
+                        </a:rPr>
+                        <a:t>2</a:t>
+                      </a:r>
+                    </a:p>
+                  </a:txBody>
+                  <a:tcPr marL="3768" marR="3768" marT="3768" marB="0" anchor="ctr">
+                    <a:lnL w="6350" cap="flat" cmpd="sng" algn="ctr">
+                      <a:solidFill>
+                        <a:srgbClr val="000000"/>
+                      </a:solidFill>
+                      <a:prstDash val="dot"/>
+                      <a:round/>
+                      <a:headEnd type="none" w="med" len="med"/>
+                      <a:tailEnd type="none" w="med" len="med"/>
+                    </a:lnL>
+                    <a:lnR w="19050" cap="flat" cmpd="sng" algn="ctr">
+                      <a:solidFill>
+                        <a:srgbClr val="00C49A"/>
+                      </a:solidFill>
+                      <a:prstDash val="solid"/>
+                      <a:round/>
+                      <a:headEnd type="none" w="med" len="med"/>
+                      <a:tailEnd type="none" w="med" len="med"/>
+                    </a:lnR>
+                    <a:lnT w="6350" cap="flat" cmpd="sng" algn="ctr">
+                      <a:solidFill>
+                        <a:srgbClr val="000000"/>
+                      </a:solidFill>
+                      <a:prstDash val="dot"/>
+                      <a:round/>
+                      <a:headEnd type="none" w="med" len="med"/>
+                      <a:tailEnd type="none" w="med" len="med"/>
+                    </a:lnT>
+                    <a:lnB w="19050" cap="flat" cmpd="sng" algn="ctr">
+                      <a:solidFill>
+                        <a:srgbClr val="00C49A"/>
+                      </a:solidFill>
+                      <a:prstDash val="solid"/>
+                      <a:round/>
+                      <a:headEnd type="none" w="med" len="med"/>
+                      <a:tailEnd type="none" w="med" len="med"/>
+                    </a:lnB>
+                  </a:tcPr>
+                </a:tc>
+                <a:tc>
+                  <a:txBody>
+                    <a:bodyPr/>
+                    <a:lstStyle/>
+                    <a:p>
+                      <a:pPr algn="l" fontAlgn="ctr"/>
+                      <a:endParaRPr lang="ja-JP" altLang="en-US" sz="400" b="0" i="0" u="none" strike="noStrike">
+                        <a:solidFill>
+                          <a:srgbClr val="000000"/>
+                        </a:solidFill>
+                        <a:effectLst/>
+                        <a:latin typeface="游ゴシック" panose="020B0400000000000000" pitchFamily="50" charset="-128"/>
+                        <a:ea typeface="游ゴシック" panose="020B0400000000000000" pitchFamily="50" charset="-128"/>
+                      </a:endParaRPr>
+                    </a:p>
+                  </a:txBody>
+                  <a:tcPr marL="3768" marR="3768" marT="3768" marB="0" anchor="ctr">
+                    <a:lnL w="19050" cap="flat" cmpd="sng" algn="ctr">
+                      <a:solidFill>
+                        <a:srgbClr val="00C49A"/>
+                      </a:solidFill>
+                      <a:prstDash val="solid"/>
+                      <a:round/>
+                      <a:headEnd type="none" w="med" len="med"/>
+                      <a:tailEnd type="none" w="med" len="med"/>
+                    </a:lnL>
+                    <a:lnR>
+                      <a:noFill/>
+                    </a:lnR>
+                    <a:lnT>
+                      <a:noFill/>
+                    </a:lnT>
+                    <a:lnB>
+                      <a:noFill/>
+                    </a:lnB>
+                  </a:tcPr>
+                </a:tc>
+                <a:extLst>
+                  <a:ext uri="{0D108BD9-81ED-4DB2-BD59-A6C34878D82A}">
+                    <a16:rowId xmlns:a16="http://schemas.microsoft.com/office/drawing/2014/main" val="3993146642"/>
+                  </a:ext>
+                </a:extLst>
+              </a:tr>
+              <a:tr h="753533">
+                <a:tc>
+                  <a:txBody>
+                    <a:bodyPr/>
+                    <a:lstStyle/>
+                    <a:p>
+                      <a:pPr algn="l" fontAlgn="ctr"/>
+                      <a:endParaRPr lang="ja-JP" altLang="en-US" sz="400" b="0" i="0" u="none" strike="noStrike">
+                        <a:solidFill>
+                          <a:srgbClr val="000000"/>
+                        </a:solidFill>
+                        <a:effectLst/>
+                        <a:latin typeface="游ゴシック" panose="020B0400000000000000" pitchFamily="50" charset="-128"/>
+                        <a:ea typeface="游ゴシック" panose="020B0400000000000000" pitchFamily="50" charset="-128"/>
+                      </a:endParaRPr>
+                    </a:p>
+                  </a:txBody>
+                  <a:tcPr marL="3768" marR="3768" marT="3768" marB="0" anchor="ctr">
+                    <a:lnL>
+                      <a:noFill/>
+                    </a:lnL>
+                    <a:lnR>
+                      <a:noFill/>
+                    </a:lnR>
+                    <a:lnT>
+                      <a:noFill/>
+                    </a:lnT>
+                    <a:lnB>
+                      <a:noFill/>
+                    </a:lnB>
+                  </a:tcPr>
+                </a:tc>
+                <a:tc>
+                  <a:txBody>
+                    <a:bodyPr/>
+                    <a:lstStyle/>
+                    <a:p>
+                      <a:pPr algn="l" fontAlgn="ctr"/>
+                      <a:endParaRPr lang="ja-JP" altLang="en-US" sz="400" b="0" i="0" u="none" strike="noStrike">
+                        <a:solidFill>
+                          <a:srgbClr val="000000"/>
+                        </a:solidFill>
+                        <a:effectLst/>
+                        <a:latin typeface="游ゴシック" panose="020B0400000000000000" pitchFamily="50" charset="-128"/>
+                        <a:ea typeface="游ゴシック" panose="020B0400000000000000" pitchFamily="50" charset="-128"/>
+                      </a:endParaRPr>
+                    </a:p>
+                  </a:txBody>
+                  <a:tcPr marL="3768" marR="3768" marT="3768" marB="0" anchor="ctr">
+                    <a:lnL>
+                      <a:noFill/>
+                    </a:lnL>
+                    <a:lnR>
+                      <a:noFill/>
+                    </a:lnR>
+                    <a:lnT w="19050" cap="flat" cmpd="sng" algn="ctr">
+                      <a:solidFill>
+                        <a:srgbClr val="00C49A"/>
+                      </a:solidFill>
+                      <a:prstDash val="solid"/>
+                      <a:round/>
+                      <a:headEnd type="none" w="med" len="med"/>
+                      <a:tailEnd type="none" w="med" len="med"/>
+                    </a:lnT>
+                    <a:lnB w="19050" cap="flat" cmpd="sng" algn="ctr">
+                      <a:solidFill>
+                        <a:srgbClr val="00C49A"/>
+                      </a:solidFill>
+                      <a:prstDash val="solid"/>
+                      <a:round/>
+                      <a:headEnd type="none" w="med" len="med"/>
+                      <a:tailEnd type="none" w="med" len="med"/>
+                    </a:lnB>
+                  </a:tcPr>
+                </a:tc>
+                <a:tc>
+                  <a:txBody>
+                    <a:bodyPr/>
+                    <a:lstStyle/>
+                    <a:p>
+                      <a:pPr algn="l" fontAlgn="ctr"/>
+                      <a:endParaRPr lang="ja-JP" altLang="en-US" sz="400" b="0" i="0" u="none" strike="noStrike">
+                        <a:solidFill>
+                          <a:srgbClr val="000000"/>
+                        </a:solidFill>
+                        <a:effectLst/>
+                        <a:latin typeface="游ゴシック" panose="020B0400000000000000" pitchFamily="50" charset="-128"/>
+                        <a:ea typeface="游ゴシック" panose="020B0400000000000000" pitchFamily="50" charset="-128"/>
+                      </a:endParaRPr>
+                    </a:p>
+                  </a:txBody>
+                  <a:tcPr marL="3768" marR="3768" marT="3768" marB="0" anchor="ctr">
+                    <a:lnL>
+                      <a:noFill/>
+                    </a:lnL>
+                    <a:lnR>
+                      <a:noFill/>
+                    </a:lnR>
+                    <a:lnT w="19050" cap="flat" cmpd="sng" algn="ctr">
+                      <a:solidFill>
+                        <a:srgbClr val="00C49A"/>
+                      </a:solidFill>
+                      <a:prstDash val="solid"/>
+                      <a:round/>
+                      <a:headEnd type="none" w="med" len="med"/>
+                      <a:tailEnd type="none" w="med" len="med"/>
+                    </a:lnT>
+                    <a:lnB w="19050" cap="flat" cmpd="sng" algn="ctr">
+                      <a:solidFill>
+                        <a:srgbClr val="00C49A"/>
+                      </a:solidFill>
+                      <a:prstDash val="solid"/>
+                      <a:round/>
+                      <a:headEnd type="none" w="med" len="med"/>
+                      <a:tailEnd type="none" w="med" len="med"/>
+                    </a:lnB>
+                  </a:tcPr>
+                </a:tc>
+                <a:tc>
+                  <a:txBody>
+                    <a:bodyPr/>
+                    <a:lstStyle/>
+                    <a:p>
+                      <a:pPr algn="l" fontAlgn="ctr"/>
+                      <a:endParaRPr lang="ja-JP" altLang="en-US" sz="400" b="0" i="0" u="none" strike="noStrike">
+                        <a:solidFill>
+                          <a:srgbClr val="000000"/>
+                        </a:solidFill>
+                        <a:effectLst/>
+                        <a:latin typeface="游ゴシック" panose="020B0400000000000000" pitchFamily="50" charset="-128"/>
+                        <a:ea typeface="游ゴシック" panose="020B0400000000000000" pitchFamily="50" charset="-128"/>
+                      </a:endParaRPr>
+                    </a:p>
+                  </a:txBody>
+                  <a:tcPr marL="3768" marR="3768" marT="3768" marB="0" anchor="ctr">
+                    <a:lnL>
+                      <a:noFill/>
+                    </a:lnL>
+                    <a:lnR>
+                      <a:noFill/>
+                    </a:lnR>
+                    <a:lnT w="19050" cap="flat" cmpd="sng" algn="ctr">
+                      <a:solidFill>
+                        <a:srgbClr val="00C49A"/>
+                      </a:solidFill>
+                      <a:prstDash val="solid"/>
+                      <a:round/>
+                      <a:headEnd type="none" w="med" len="med"/>
+                      <a:tailEnd type="none" w="med" len="med"/>
+                    </a:lnT>
+                    <a:lnB w="19050" cap="flat" cmpd="sng" algn="ctr">
+                      <a:solidFill>
+                        <a:srgbClr val="00C49A"/>
+                      </a:solidFill>
+                      <a:prstDash val="solid"/>
+                      <a:round/>
+                      <a:headEnd type="none" w="med" len="med"/>
+                      <a:tailEnd type="none" w="med" len="med"/>
+                    </a:lnB>
+                  </a:tcPr>
+                </a:tc>
+                <a:tc>
+                  <a:txBody>
+                    <a:bodyPr/>
+                    <a:lstStyle/>
+                    <a:p>
+                      <a:pPr algn="l" fontAlgn="ctr"/>
+                      <a:endParaRPr lang="ja-JP" altLang="en-US" sz="400" b="0" i="0" u="none" strike="noStrike">
+                        <a:solidFill>
+                          <a:srgbClr val="000000"/>
+                        </a:solidFill>
+                        <a:effectLst/>
+                        <a:latin typeface="游ゴシック" panose="020B0400000000000000" pitchFamily="50" charset="-128"/>
+                        <a:ea typeface="游ゴシック" panose="020B0400000000000000" pitchFamily="50" charset="-128"/>
+                      </a:endParaRPr>
+                    </a:p>
+                  </a:txBody>
+                  <a:tcPr marL="3768" marR="3768" marT="3768" marB="0" anchor="ctr">
+                    <a:lnL>
+                      <a:noFill/>
+                    </a:lnL>
+                    <a:lnR>
+                      <a:noFill/>
+                    </a:lnR>
+                    <a:lnT w="19050" cap="flat" cmpd="sng" algn="ctr">
+                      <a:solidFill>
+                        <a:srgbClr val="00C49A"/>
+                      </a:solidFill>
+                      <a:prstDash val="solid"/>
+                      <a:round/>
+                      <a:headEnd type="none" w="med" len="med"/>
+                      <a:tailEnd type="none" w="med" len="med"/>
+                    </a:lnT>
+                    <a:lnB w="19050" cap="flat" cmpd="sng" algn="ctr">
+                      <a:solidFill>
+                        <a:srgbClr val="00C49A"/>
+                      </a:solidFill>
+                      <a:prstDash val="solid"/>
+                      <a:round/>
+                      <a:headEnd type="none" w="med" len="med"/>
+                      <a:tailEnd type="none" w="med" len="med"/>
+                    </a:lnB>
+                  </a:tcPr>
+                </a:tc>
+                <a:tc>
+                  <a:txBody>
+                    <a:bodyPr/>
+                    <a:lstStyle/>
+                    <a:p>
+                      <a:pPr algn="l" fontAlgn="ctr"/>
+                      <a:endParaRPr lang="ja-JP" altLang="en-US" sz="400" b="0" i="0" u="none" strike="noStrike">
+                        <a:solidFill>
+                          <a:srgbClr val="000000"/>
+                        </a:solidFill>
+                        <a:effectLst/>
+                        <a:latin typeface="游ゴシック" panose="020B0400000000000000" pitchFamily="50" charset="-128"/>
+                        <a:ea typeface="游ゴシック" panose="020B0400000000000000" pitchFamily="50" charset="-128"/>
+                      </a:endParaRPr>
+                    </a:p>
+                  </a:txBody>
+                  <a:tcPr marL="3768" marR="3768" marT="3768" marB="0" anchor="ctr">
+                    <a:lnL>
+                      <a:noFill/>
+                    </a:lnL>
+                    <a:lnR>
+                      <a:noFill/>
+                    </a:lnR>
+                    <a:lnT>
+                      <a:noFill/>
+                    </a:lnT>
+                    <a:lnB>
+                      <a:noFill/>
+                    </a:lnB>
+                  </a:tcPr>
+                </a:tc>
+                <a:extLst>
+                  <a:ext uri="{0D108BD9-81ED-4DB2-BD59-A6C34878D82A}">
+                    <a16:rowId xmlns:a16="http://schemas.microsoft.com/office/drawing/2014/main" val="3026797778"/>
+                  </a:ext>
+                </a:extLst>
+              </a:tr>
+              <a:tr h="753533">
+                <a:tc>
+                  <a:txBody>
+                    <a:bodyPr/>
+                    <a:lstStyle/>
+                    <a:p>
+                      <a:pPr algn="l" fontAlgn="ctr"/>
+                      <a:r>
+                        <a:rPr lang="ja-JP" altLang="en-US" sz="400" b="0" i="0" u="none" strike="noStrike">
+                          <a:solidFill>
+                            <a:srgbClr val="000000"/>
+                          </a:solidFill>
+                          <a:effectLst/>
+                          <a:latin typeface="游ゴシック" panose="020B0400000000000000" pitchFamily="50" charset="-128"/>
+                          <a:ea typeface="游ゴシック" panose="020B0400000000000000" pitchFamily="50" charset="-128"/>
+                        </a:rPr>
+                        <a:t>　</a:t>
+                      </a:r>
+                    </a:p>
+                  </a:txBody>
+                  <a:tcPr marL="3768" marR="3768" marT="3768" marB="0" anchor="ctr">
+                    <a:lnL>
+                      <a:noFill/>
+                    </a:lnL>
+                    <a:lnR w="19050" cap="flat" cmpd="sng" algn="ctr">
+                      <a:solidFill>
+                        <a:srgbClr val="ED7D31"/>
+                      </a:solidFill>
+                      <a:prstDash val="solid"/>
+                      <a:round/>
+                      <a:headEnd type="none" w="med" len="med"/>
+                      <a:tailEnd type="none" w="med" len="med"/>
+                    </a:lnR>
+                    <a:lnT>
+                      <a:noFill/>
+                    </a:lnT>
+                    <a:lnB>
+                      <a:noFill/>
+                    </a:lnB>
+                  </a:tcPr>
+                </a:tc>
+                <a:tc>
+                  <a:txBody>
+                    <a:bodyPr/>
+                    <a:lstStyle/>
+                    <a:p>
+                      <a:pPr algn="ctr" fontAlgn="ctr"/>
+                      <a:r>
+                        <a:rPr lang="en-US" altLang="ja-JP" sz="2900" b="0" i="0" u="none" strike="noStrike">
+                          <a:solidFill>
+                            <a:srgbClr val="000000"/>
+                          </a:solidFill>
+                          <a:effectLst/>
+                          <a:latin typeface="游ゴシック" panose="020B0400000000000000" pitchFamily="50" charset="-128"/>
+                          <a:ea typeface="游ゴシック" panose="020B0400000000000000" pitchFamily="50" charset="-128"/>
+                        </a:rPr>
+                        <a:t>2</a:t>
+                      </a:r>
+                    </a:p>
+                  </a:txBody>
+                  <a:tcPr marL="3768" marR="3768" marT="3768" marB="0" anchor="ctr">
+                    <a:lnL w="19050" cap="flat" cmpd="sng" algn="ctr">
+                      <a:solidFill>
+                        <a:srgbClr val="ED7D31"/>
+                      </a:solidFill>
+                      <a:prstDash val="solid"/>
+                      <a:round/>
+                      <a:headEnd type="none" w="med" len="med"/>
+                      <a:tailEnd type="none" w="med" len="med"/>
+                    </a:lnL>
+                    <a:lnR w="19050" cap="flat" cmpd="sng" algn="ctr">
+                      <a:solidFill>
+                        <a:srgbClr val="ED7D31"/>
+                      </a:solidFill>
+                      <a:prstDash val="solid"/>
+                      <a:round/>
+                      <a:headEnd type="none" w="med" len="med"/>
+                      <a:tailEnd type="none" w="med" len="med"/>
+                    </a:lnR>
+                    <a:lnT w="19050" cap="flat" cmpd="sng" algn="ctr">
+                      <a:solidFill>
+                        <a:srgbClr val="00C49A"/>
+                      </a:solidFill>
+                      <a:prstDash val="solid"/>
+                      <a:round/>
+                      <a:headEnd type="none" w="med" len="med"/>
+                      <a:tailEnd type="none" w="med" len="med"/>
+                    </a:lnT>
+                    <a:lnB w="6350" cap="flat" cmpd="sng" algn="ctr">
+                      <a:solidFill>
+                        <a:srgbClr val="000000"/>
+                      </a:solidFill>
+                      <a:prstDash val="dot"/>
+                      <a:round/>
+                      <a:headEnd type="none" w="med" len="med"/>
+                      <a:tailEnd type="none" w="med" len="med"/>
+                    </a:lnB>
+                  </a:tcPr>
+                </a:tc>
+                <a:tc>
+                  <a:txBody>
+                    <a:bodyPr/>
+                    <a:lstStyle/>
+                    <a:p>
+                      <a:pPr algn="ctr" fontAlgn="ctr"/>
+                      <a:r>
+                        <a:rPr lang="en-US" altLang="ja-JP" sz="2900" b="0" i="0" u="none" strike="noStrike">
+                          <a:solidFill>
+                            <a:srgbClr val="000000"/>
+                          </a:solidFill>
+                          <a:effectLst/>
+                          <a:latin typeface="游ゴシック" panose="020B0400000000000000" pitchFamily="50" charset="-128"/>
+                          <a:ea typeface="游ゴシック" panose="020B0400000000000000" pitchFamily="50" charset="-128"/>
+                        </a:rPr>
+                        <a:t>2</a:t>
+                      </a:r>
+                    </a:p>
+                  </a:txBody>
+                  <a:tcPr marL="3768" marR="3768" marT="3768" marB="0" anchor="ctr">
+                    <a:lnL w="19050" cap="flat" cmpd="sng" algn="ctr">
+                      <a:solidFill>
+                        <a:srgbClr val="ED7D31"/>
+                      </a:solidFill>
+                      <a:prstDash val="solid"/>
+                      <a:round/>
+                      <a:headEnd type="none" w="med" len="med"/>
+                      <a:tailEnd type="none" w="med" len="med"/>
+                    </a:lnL>
+                    <a:lnR w="6350" cap="flat" cmpd="sng" algn="ctr">
+                      <a:solidFill>
+                        <a:srgbClr val="000000"/>
+                      </a:solidFill>
+                      <a:prstDash val="dot"/>
+                      <a:round/>
+                      <a:headEnd type="none" w="med" len="med"/>
+                      <a:tailEnd type="none" w="med" len="med"/>
+                    </a:lnR>
+                    <a:lnT w="19050" cap="flat" cmpd="sng" algn="ctr">
+                      <a:solidFill>
+                        <a:srgbClr val="00C49A"/>
+                      </a:solidFill>
+                      <a:prstDash val="solid"/>
+                      <a:round/>
+                      <a:headEnd type="none" w="med" len="med"/>
+                      <a:tailEnd type="none" w="med" len="med"/>
+                    </a:lnT>
+                    <a:lnB w="19050" cap="flat" cmpd="sng" algn="ctr">
+                      <a:solidFill>
+                        <a:srgbClr val="ED7D31"/>
+                      </a:solidFill>
+                      <a:prstDash val="solid"/>
+                      <a:round/>
+                      <a:headEnd type="none" w="med" len="med"/>
+                      <a:tailEnd type="none" w="med" len="med"/>
+                    </a:lnB>
+                  </a:tcPr>
+                </a:tc>
+                <a:tc>
+                  <a:txBody>
+                    <a:bodyPr/>
+                    <a:lstStyle/>
+                    <a:p>
+                      <a:pPr algn="ctr" fontAlgn="ctr"/>
+                      <a:r>
+                        <a:rPr lang="en-US" altLang="ja-JP" sz="2900" b="0" i="0" u="none" strike="noStrike">
+                          <a:solidFill>
+                            <a:srgbClr val="000000"/>
+                          </a:solidFill>
+                          <a:effectLst/>
+                          <a:latin typeface="游ゴシック" panose="020B0400000000000000" pitchFamily="50" charset="-128"/>
+                          <a:ea typeface="游ゴシック" panose="020B0400000000000000" pitchFamily="50" charset="-128"/>
+                        </a:rPr>
+                        <a:t>1</a:t>
+                      </a:r>
+                    </a:p>
+                  </a:txBody>
+                  <a:tcPr marL="3768" marR="3768" marT="3768" marB="0" anchor="ctr">
+                    <a:lnL w="6350" cap="flat" cmpd="sng" algn="ctr">
+                      <a:solidFill>
+                        <a:srgbClr val="000000"/>
+                      </a:solidFill>
+                      <a:prstDash val="dot"/>
+                      <a:round/>
+                      <a:headEnd type="none" w="med" len="med"/>
+                      <a:tailEnd type="none" w="med" len="med"/>
+                    </a:lnL>
+                    <a:lnR w="6350" cap="flat" cmpd="sng" algn="ctr">
+                      <a:solidFill>
+                        <a:srgbClr val="000000"/>
+                      </a:solidFill>
+                      <a:prstDash val="dot"/>
+                      <a:round/>
+                      <a:headEnd type="none" w="med" len="med"/>
+                      <a:tailEnd type="none" w="med" len="med"/>
+                    </a:lnR>
+                    <a:lnT w="19050" cap="flat" cmpd="sng" algn="ctr">
+                      <a:solidFill>
+                        <a:srgbClr val="00C49A"/>
+                      </a:solidFill>
+                      <a:prstDash val="solid"/>
+                      <a:round/>
+                      <a:headEnd type="none" w="med" len="med"/>
+                      <a:tailEnd type="none" w="med" len="med"/>
+                    </a:lnT>
+                    <a:lnB w="19050" cap="flat" cmpd="sng" algn="ctr">
+                      <a:solidFill>
+                        <a:srgbClr val="ED7D31"/>
+                      </a:solidFill>
+                      <a:prstDash val="solid"/>
+                      <a:round/>
+                      <a:headEnd type="none" w="med" len="med"/>
+                      <a:tailEnd type="none" w="med" len="med"/>
+                    </a:lnB>
+                  </a:tcPr>
+                </a:tc>
+                <a:tc>
+                  <a:txBody>
+                    <a:bodyPr/>
+                    <a:lstStyle/>
+                    <a:p>
+                      <a:pPr algn="ctr" fontAlgn="ctr"/>
+                      <a:r>
+                        <a:rPr lang="en-US" altLang="ja-JP" sz="2900" b="0" i="0" u="none" strike="noStrike">
+                          <a:solidFill>
+                            <a:srgbClr val="000000"/>
+                          </a:solidFill>
+                          <a:effectLst/>
+                          <a:latin typeface="游ゴシック" panose="020B0400000000000000" pitchFamily="50" charset="-128"/>
+                          <a:ea typeface="游ゴシック" panose="020B0400000000000000" pitchFamily="50" charset="-128"/>
+                        </a:rPr>
+                        <a:t>1</a:t>
+                      </a:r>
+                    </a:p>
+                  </a:txBody>
+                  <a:tcPr marL="3768" marR="3768" marT="3768" marB="0" anchor="ctr">
+                    <a:lnL w="6350" cap="flat" cmpd="sng" algn="ctr">
+                      <a:solidFill>
+                        <a:srgbClr val="000000"/>
+                      </a:solidFill>
+                      <a:prstDash val="dot"/>
+                      <a:round/>
+                      <a:headEnd type="none" w="med" len="med"/>
+                      <a:tailEnd type="none" w="med" len="med"/>
+                    </a:lnL>
+                    <a:lnR w="19050" cap="flat" cmpd="sng" algn="ctr">
+                      <a:solidFill>
+                        <a:srgbClr val="00C49A"/>
+                      </a:solidFill>
+                      <a:prstDash val="solid"/>
+                      <a:round/>
+                      <a:headEnd type="none" w="med" len="med"/>
+                      <a:tailEnd type="none" w="med" len="med"/>
+                    </a:lnR>
+                    <a:lnT w="19050" cap="flat" cmpd="sng" algn="ctr">
+                      <a:solidFill>
+                        <a:srgbClr val="00C49A"/>
+                      </a:solidFill>
+                      <a:prstDash val="solid"/>
+                      <a:round/>
+                      <a:headEnd type="none" w="med" len="med"/>
+                      <a:tailEnd type="none" w="med" len="med"/>
+                    </a:lnT>
+                    <a:lnB w="19050" cap="flat" cmpd="sng" algn="ctr">
+                      <a:solidFill>
+                        <a:srgbClr val="ED7D31"/>
+                      </a:solidFill>
+                      <a:prstDash val="solid"/>
+                      <a:round/>
+                      <a:headEnd type="none" w="med" len="med"/>
+                      <a:tailEnd type="none" w="med" len="med"/>
+                    </a:lnB>
+                  </a:tcPr>
+                </a:tc>
+                <a:tc>
+                  <a:txBody>
+                    <a:bodyPr/>
+                    <a:lstStyle/>
+                    <a:p>
+                      <a:pPr algn="l" fontAlgn="ctr"/>
+                      <a:endParaRPr lang="ja-JP" altLang="en-US" sz="400" b="0" i="0" u="none" strike="noStrike">
+                        <a:solidFill>
+                          <a:srgbClr val="000000"/>
+                        </a:solidFill>
+                        <a:effectLst/>
+                        <a:latin typeface="游ゴシック" panose="020B0400000000000000" pitchFamily="50" charset="-128"/>
+                        <a:ea typeface="游ゴシック" panose="020B0400000000000000" pitchFamily="50" charset="-128"/>
+                      </a:endParaRPr>
+                    </a:p>
+                  </a:txBody>
+                  <a:tcPr marL="3768" marR="3768" marT="3768" marB="0" anchor="ctr">
+                    <a:lnL w="19050" cap="flat" cmpd="sng" algn="ctr">
+                      <a:solidFill>
+                        <a:srgbClr val="00C49A"/>
+                      </a:solidFill>
+                      <a:prstDash val="solid"/>
+                      <a:round/>
+                      <a:headEnd type="none" w="med" len="med"/>
+                      <a:tailEnd type="none" w="med" len="med"/>
+                    </a:lnL>
+                    <a:lnR>
+                      <a:noFill/>
+                    </a:lnR>
+                    <a:lnT>
+                      <a:noFill/>
+                    </a:lnT>
+                    <a:lnB>
+                      <a:noFill/>
+                    </a:lnB>
+                  </a:tcPr>
+                </a:tc>
+                <a:extLst>
+                  <a:ext uri="{0D108BD9-81ED-4DB2-BD59-A6C34878D82A}">
+                    <a16:rowId xmlns:a16="http://schemas.microsoft.com/office/drawing/2014/main" val="3750264019"/>
+                  </a:ext>
+                </a:extLst>
+              </a:tr>
+              <a:tr h="753533">
+                <a:tc>
+                  <a:txBody>
+                    <a:bodyPr/>
+                    <a:lstStyle/>
+                    <a:p>
+                      <a:pPr algn="l" fontAlgn="ctr"/>
+                      <a:r>
+                        <a:rPr lang="ja-JP" altLang="en-US" sz="400" b="0" i="0" u="none" strike="noStrike">
+                          <a:solidFill>
+                            <a:srgbClr val="000000"/>
+                          </a:solidFill>
+                          <a:effectLst/>
+                          <a:latin typeface="游ゴシック" panose="020B0400000000000000" pitchFamily="50" charset="-128"/>
+                          <a:ea typeface="游ゴシック" panose="020B0400000000000000" pitchFamily="50" charset="-128"/>
+                        </a:rPr>
+                        <a:t>　</a:t>
+                      </a:r>
+                    </a:p>
+                  </a:txBody>
+                  <a:tcPr marL="3768" marR="3768" marT="3768" marB="0" anchor="ctr">
+                    <a:lnL>
+                      <a:noFill/>
+                    </a:lnL>
+                    <a:lnR w="19050" cap="flat" cmpd="sng" algn="ctr">
+                      <a:solidFill>
+                        <a:srgbClr val="ED7D31"/>
+                      </a:solidFill>
+                      <a:prstDash val="solid"/>
+                      <a:round/>
+                      <a:headEnd type="none" w="med" len="med"/>
+                      <a:tailEnd type="none" w="med" len="med"/>
+                    </a:lnR>
+                    <a:lnT>
+                      <a:noFill/>
+                    </a:lnT>
+                    <a:lnB>
+                      <a:noFill/>
+                    </a:lnB>
+                  </a:tcPr>
+                </a:tc>
+                <a:tc>
+                  <a:txBody>
+                    <a:bodyPr/>
+                    <a:lstStyle/>
+                    <a:p>
+                      <a:pPr algn="ctr" fontAlgn="ctr"/>
+                      <a:r>
+                        <a:rPr lang="en-US" altLang="ja-JP" sz="2900" b="0" i="0" u="none" strike="noStrike">
+                          <a:solidFill>
+                            <a:srgbClr val="000000"/>
+                          </a:solidFill>
+                          <a:effectLst/>
+                          <a:latin typeface="游ゴシック" panose="020B0400000000000000" pitchFamily="50" charset="-128"/>
+                          <a:ea typeface="游ゴシック" panose="020B0400000000000000" pitchFamily="50" charset="-128"/>
+                        </a:rPr>
+                        <a:t>2</a:t>
+                      </a:r>
+                    </a:p>
+                  </a:txBody>
+                  <a:tcPr marL="3768" marR="3768" marT="3768" marB="0" anchor="ctr">
+                    <a:lnL w="19050" cap="flat" cmpd="sng" algn="ctr">
+                      <a:solidFill>
+                        <a:srgbClr val="ED7D31"/>
+                      </a:solidFill>
+                      <a:prstDash val="solid"/>
+                      <a:round/>
+                      <a:headEnd type="none" w="med" len="med"/>
+                      <a:tailEnd type="none" w="med" len="med"/>
+                    </a:lnL>
+                    <a:lnR w="6350" cap="flat" cmpd="sng" algn="ctr">
+                      <a:solidFill>
+                        <a:srgbClr val="000000"/>
+                      </a:solidFill>
+                      <a:prstDash val="dot"/>
+                      <a:round/>
+                      <a:headEnd type="none" w="med" len="med"/>
+                      <a:tailEnd type="none" w="med" len="med"/>
+                    </a:lnR>
+                    <a:lnT w="6350" cap="flat" cmpd="sng" algn="ctr">
+                      <a:solidFill>
+                        <a:srgbClr val="000000"/>
+                      </a:solidFill>
+                      <a:prstDash val="dot"/>
+                      <a:round/>
+                      <a:headEnd type="none" w="med" len="med"/>
+                      <a:tailEnd type="none" w="med" len="med"/>
+                    </a:lnT>
+                    <a:lnB w="19050" cap="flat" cmpd="sng" algn="ctr">
+                      <a:solidFill>
+                        <a:srgbClr val="ED7D31"/>
+                      </a:solidFill>
+                      <a:prstDash val="solid"/>
+                      <a:round/>
+                      <a:headEnd type="none" w="med" len="med"/>
+                      <a:tailEnd type="none" w="med" len="med"/>
+                    </a:lnB>
+                  </a:tcPr>
+                </a:tc>
+                <a:tc>
+                  <a:txBody>
+                    <a:bodyPr/>
+                    <a:lstStyle/>
+                    <a:p>
+                      <a:pPr algn="ctr" fontAlgn="ctr"/>
+                      <a:r>
+                        <a:rPr lang="en-US" altLang="ja-JP" sz="2900" b="0" i="0" u="none" strike="noStrike">
+                          <a:solidFill>
+                            <a:srgbClr val="000000"/>
+                          </a:solidFill>
+                          <a:effectLst/>
+                          <a:latin typeface="游ゴシック" panose="020B0400000000000000" pitchFamily="50" charset="-128"/>
+                          <a:ea typeface="游ゴシック" panose="020B0400000000000000" pitchFamily="50" charset="-128"/>
+                        </a:rPr>
+                        <a:t>1</a:t>
+                      </a:r>
+                    </a:p>
+                  </a:txBody>
+                  <a:tcPr marL="3768" marR="3768" marT="3768" marB="0" anchor="ctr">
+                    <a:lnL w="6350" cap="flat" cmpd="sng" algn="ctr">
+                      <a:solidFill>
+                        <a:srgbClr val="000000"/>
+                      </a:solidFill>
+                      <a:prstDash val="dot"/>
+                      <a:round/>
+                      <a:headEnd type="none" w="med" len="med"/>
+                      <a:tailEnd type="none" w="med" len="med"/>
+                    </a:lnL>
+                    <a:lnR w="6350" cap="flat" cmpd="sng" algn="ctr">
+                      <a:solidFill>
+                        <a:srgbClr val="000000"/>
+                      </a:solidFill>
+                      <a:prstDash val="dot"/>
+                      <a:round/>
+                      <a:headEnd type="none" w="med" len="med"/>
+                      <a:tailEnd type="none" w="med" len="med"/>
+                    </a:lnR>
+                    <a:lnT w="19050" cap="flat" cmpd="sng" algn="ctr">
+                      <a:solidFill>
+                        <a:srgbClr val="ED7D31"/>
+                      </a:solidFill>
+                      <a:prstDash val="solid"/>
+                      <a:round/>
+                      <a:headEnd type="none" w="med" len="med"/>
+                      <a:tailEnd type="none" w="med" len="med"/>
+                    </a:lnT>
+                    <a:lnB w="6350" cap="flat" cmpd="sng" algn="ctr">
+                      <a:solidFill>
+                        <a:srgbClr val="000000"/>
+                      </a:solidFill>
+                      <a:prstDash val="dot"/>
+                      <a:round/>
+                      <a:headEnd type="none" w="med" len="med"/>
+                      <a:tailEnd type="none" w="med" len="med"/>
+                    </a:lnB>
+                  </a:tcPr>
+                </a:tc>
+                <a:tc>
+                  <a:txBody>
+                    <a:bodyPr/>
+                    <a:lstStyle/>
+                    <a:p>
+                      <a:pPr algn="ctr" fontAlgn="ctr"/>
+                      <a:r>
+                        <a:rPr lang="en-US" altLang="ja-JP" sz="2900" b="0" i="0" u="none" strike="noStrike">
+                          <a:solidFill>
+                            <a:srgbClr val="000000"/>
+                          </a:solidFill>
+                          <a:effectLst/>
+                          <a:latin typeface="游ゴシック" panose="020B0400000000000000" pitchFamily="50" charset="-128"/>
+                          <a:ea typeface="游ゴシック" panose="020B0400000000000000" pitchFamily="50" charset="-128"/>
+                        </a:rPr>
+                        <a:t>2</a:t>
+                      </a:r>
+                    </a:p>
+                  </a:txBody>
+                  <a:tcPr marL="3768" marR="3768" marT="3768" marB="0" anchor="ctr">
+                    <a:lnL w="6350" cap="flat" cmpd="sng" algn="ctr">
+                      <a:solidFill>
+                        <a:srgbClr val="000000"/>
+                      </a:solidFill>
+                      <a:prstDash val="dot"/>
+                      <a:round/>
+                      <a:headEnd type="none" w="med" len="med"/>
+                      <a:tailEnd type="none" w="med" len="med"/>
+                    </a:lnL>
+                    <a:lnR w="6350" cap="flat" cmpd="sng" algn="ctr">
+                      <a:solidFill>
+                        <a:srgbClr val="000000"/>
+                      </a:solidFill>
+                      <a:prstDash val="dot"/>
+                      <a:round/>
+                      <a:headEnd type="none" w="med" len="med"/>
+                      <a:tailEnd type="none" w="med" len="med"/>
+                    </a:lnR>
+                    <a:lnT w="19050" cap="flat" cmpd="sng" algn="ctr">
+                      <a:solidFill>
+                        <a:srgbClr val="ED7D31"/>
+                      </a:solidFill>
+                      <a:prstDash val="solid"/>
+                      <a:round/>
+                      <a:headEnd type="none" w="med" len="med"/>
+                      <a:tailEnd type="none" w="med" len="med"/>
+                    </a:lnT>
+                    <a:lnB w="19050" cap="flat" cmpd="sng" algn="ctr">
+                      <a:solidFill>
+                        <a:srgbClr val="ED7D31"/>
+                      </a:solidFill>
+                      <a:prstDash val="solid"/>
+                      <a:round/>
+                      <a:headEnd type="none" w="med" len="med"/>
+                      <a:tailEnd type="none" w="med" len="med"/>
+                    </a:lnB>
+                  </a:tcPr>
+                </a:tc>
+                <a:tc>
+                  <a:txBody>
+                    <a:bodyPr/>
+                    <a:lstStyle/>
+                    <a:p>
+                      <a:pPr algn="ctr" fontAlgn="ctr"/>
+                      <a:r>
+                        <a:rPr lang="en-US" altLang="ja-JP" sz="2900" b="0" i="0" u="none" strike="noStrike">
+                          <a:solidFill>
+                            <a:srgbClr val="000000"/>
+                          </a:solidFill>
+                          <a:effectLst/>
+                          <a:latin typeface="游ゴシック" panose="020B0400000000000000" pitchFamily="50" charset="-128"/>
+                          <a:ea typeface="游ゴシック" panose="020B0400000000000000" pitchFamily="50" charset="-128"/>
+                        </a:rPr>
+                        <a:t>2</a:t>
+                      </a:r>
+                    </a:p>
+                  </a:txBody>
+                  <a:tcPr marL="3768" marR="3768" marT="3768" marB="0" anchor="ctr">
+                    <a:lnL w="6350" cap="flat" cmpd="sng" algn="ctr">
+                      <a:solidFill>
+                        <a:srgbClr val="000000"/>
+                      </a:solidFill>
+                      <a:prstDash val="dot"/>
+                      <a:round/>
+                      <a:headEnd type="none" w="med" len="med"/>
+                      <a:tailEnd type="none" w="med" len="med"/>
+                    </a:lnL>
+                    <a:lnR w="19050" cap="flat" cmpd="sng" algn="ctr">
+                      <a:solidFill>
+                        <a:srgbClr val="00C49A"/>
+                      </a:solidFill>
+                      <a:prstDash val="solid"/>
+                      <a:round/>
+                      <a:headEnd type="none" w="med" len="med"/>
+                      <a:tailEnd type="none" w="med" len="med"/>
+                    </a:lnR>
+                    <a:lnT w="19050" cap="flat" cmpd="sng" algn="ctr">
+                      <a:solidFill>
+                        <a:srgbClr val="ED7D31"/>
+                      </a:solidFill>
+                      <a:prstDash val="solid"/>
+                      <a:round/>
+                      <a:headEnd type="none" w="med" len="med"/>
+                      <a:tailEnd type="none" w="med" len="med"/>
+                    </a:lnT>
+                    <a:lnB w="19050" cap="flat" cmpd="sng" algn="ctr">
+                      <a:solidFill>
+                        <a:srgbClr val="ED7D31"/>
+                      </a:solidFill>
+                      <a:prstDash val="solid"/>
+                      <a:round/>
+                      <a:headEnd type="none" w="med" len="med"/>
+                      <a:tailEnd type="none" w="med" len="med"/>
+                    </a:lnB>
+                  </a:tcPr>
+                </a:tc>
+                <a:tc>
+                  <a:txBody>
+                    <a:bodyPr/>
+                    <a:lstStyle/>
+                    <a:p>
+                      <a:pPr algn="l" fontAlgn="ctr"/>
+                      <a:endParaRPr lang="ja-JP" altLang="en-US" sz="400" b="0" i="0" u="none" strike="noStrike">
+                        <a:solidFill>
+                          <a:srgbClr val="000000"/>
+                        </a:solidFill>
+                        <a:effectLst/>
+                        <a:latin typeface="游ゴシック" panose="020B0400000000000000" pitchFamily="50" charset="-128"/>
+                        <a:ea typeface="游ゴシック" panose="020B0400000000000000" pitchFamily="50" charset="-128"/>
+                      </a:endParaRPr>
+                    </a:p>
+                  </a:txBody>
+                  <a:tcPr marL="3768" marR="3768" marT="3768" marB="0" anchor="ctr">
+                    <a:lnL w="19050" cap="flat" cmpd="sng" algn="ctr">
+                      <a:solidFill>
+                        <a:srgbClr val="00C49A"/>
+                      </a:solidFill>
+                      <a:prstDash val="solid"/>
+                      <a:round/>
+                      <a:headEnd type="none" w="med" len="med"/>
+                      <a:tailEnd type="none" w="med" len="med"/>
+                    </a:lnL>
+                    <a:lnR>
+                      <a:noFill/>
+                    </a:lnR>
+                    <a:lnT>
+                      <a:noFill/>
+                    </a:lnT>
+                    <a:lnB>
+                      <a:noFill/>
+                    </a:lnB>
+                  </a:tcPr>
+                </a:tc>
+                <a:extLst>
+                  <a:ext uri="{0D108BD9-81ED-4DB2-BD59-A6C34878D82A}">
+                    <a16:rowId xmlns:a16="http://schemas.microsoft.com/office/drawing/2014/main" val="3830443274"/>
+                  </a:ext>
+                </a:extLst>
+              </a:tr>
+              <a:tr h="753533">
+                <a:tc>
+                  <a:txBody>
+                    <a:bodyPr/>
+                    <a:lstStyle/>
+                    <a:p>
+                      <a:pPr algn="l" fontAlgn="ctr"/>
+                      <a:endParaRPr lang="ja-JP" altLang="en-US" sz="400" b="0" i="0" u="none" strike="noStrike">
+                        <a:solidFill>
+                          <a:srgbClr val="000000"/>
+                        </a:solidFill>
+                        <a:effectLst/>
+                        <a:latin typeface="游ゴシック" panose="020B0400000000000000" pitchFamily="50" charset="-128"/>
+                        <a:ea typeface="游ゴシック" panose="020B0400000000000000" pitchFamily="50" charset="-128"/>
+                      </a:endParaRPr>
+                    </a:p>
+                  </a:txBody>
+                  <a:tcPr marL="3768" marR="3768" marT="3768" marB="0" anchor="ctr">
+                    <a:lnL>
+                      <a:noFill/>
+                    </a:lnL>
+                    <a:lnR w="19050" cap="flat" cmpd="sng" algn="ctr">
+                      <a:solidFill>
+                        <a:srgbClr val="00C49A"/>
+                      </a:solidFill>
+                      <a:prstDash val="solid"/>
+                      <a:round/>
+                      <a:headEnd type="none" w="med" len="med"/>
+                      <a:tailEnd type="none" w="med" len="med"/>
+                    </a:lnR>
+                    <a:lnT>
+                      <a:noFill/>
+                    </a:lnT>
+                    <a:lnB>
+                      <a:noFill/>
+                    </a:lnB>
+                  </a:tcPr>
+                </a:tc>
+                <a:tc>
+                  <a:txBody>
+                    <a:bodyPr/>
+                    <a:lstStyle/>
+                    <a:p>
+                      <a:pPr algn="ctr" fontAlgn="ctr"/>
+                      <a:r>
+                        <a:rPr lang="en-US" altLang="ja-JP" sz="2900" b="0" i="0" u="none" strike="noStrike">
+                          <a:solidFill>
+                            <a:srgbClr val="000000"/>
+                          </a:solidFill>
+                          <a:effectLst/>
+                          <a:latin typeface="游ゴシック" panose="020B0400000000000000" pitchFamily="50" charset="-128"/>
+                          <a:ea typeface="游ゴシック" panose="020B0400000000000000" pitchFamily="50" charset="-128"/>
+                        </a:rPr>
+                        <a:t>2</a:t>
+                      </a:r>
+                    </a:p>
+                  </a:txBody>
+                  <a:tcPr marL="3768" marR="3768" marT="3768" marB="0" anchor="ctr">
+                    <a:lnL w="19050" cap="flat" cmpd="sng" algn="ctr">
+                      <a:solidFill>
+                        <a:srgbClr val="00C49A"/>
+                      </a:solidFill>
+                      <a:prstDash val="solid"/>
+                      <a:round/>
+                      <a:headEnd type="none" w="med" len="med"/>
+                      <a:tailEnd type="none" w="med" len="med"/>
+                    </a:lnL>
+                    <a:lnR w="19050" cap="flat" cmpd="sng" algn="ctr">
+                      <a:solidFill>
+                        <a:srgbClr val="ED7D31"/>
+                      </a:solidFill>
+                      <a:prstDash val="solid"/>
+                      <a:round/>
+                      <a:headEnd type="none" w="med" len="med"/>
+                      <a:tailEnd type="none" w="med" len="med"/>
+                    </a:lnR>
+                    <a:lnT w="19050" cap="flat" cmpd="sng" algn="ctr">
+                      <a:solidFill>
+                        <a:srgbClr val="ED7D31"/>
+                      </a:solidFill>
+                      <a:prstDash val="solid"/>
+                      <a:round/>
+                      <a:headEnd type="none" w="med" len="med"/>
+                      <a:tailEnd type="none" w="med" len="med"/>
+                    </a:lnT>
+                    <a:lnB w="6350" cap="flat" cmpd="sng" algn="ctr">
+                      <a:solidFill>
+                        <a:srgbClr val="000000"/>
+                      </a:solidFill>
+                      <a:prstDash val="dot"/>
+                      <a:round/>
+                      <a:headEnd type="none" w="med" len="med"/>
+                      <a:tailEnd type="none" w="med" len="med"/>
+                    </a:lnB>
+                  </a:tcPr>
+                </a:tc>
+                <a:tc>
+                  <a:txBody>
+                    <a:bodyPr/>
+                    <a:lstStyle/>
+                    <a:p>
+                      <a:pPr algn="ctr" fontAlgn="ctr"/>
+                      <a:r>
+                        <a:rPr lang="en-US" altLang="ja-JP" sz="2900" b="0" i="0" u="none" strike="noStrike">
+                          <a:solidFill>
+                            <a:srgbClr val="000000"/>
+                          </a:solidFill>
+                          <a:effectLst/>
+                          <a:latin typeface="游ゴシック" panose="020B0400000000000000" pitchFamily="50" charset="-128"/>
+                          <a:ea typeface="游ゴシック" panose="020B0400000000000000" pitchFamily="50" charset="-128"/>
+                        </a:rPr>
+                        <a:t>1</a:t>
+                      </a:r>
+                    </a:p>
+                  </a:txBody>
+                  <a:tcPr marL="3768" marR="3768" marT="3768" marB="0" anchor="ctr">
+                    <a:lnL w="19050" cap="flat" cmpd="sng" algn="ctr">
+                      <a:solidFill>
+                        <a:srgbClr val="ED7D31"/>
+                      </a:solidFill>
+                      <a:prstDash val="solid"/>
+                      <a:round/>
+                      <a:headEnd type="none" w="med" len="med"/>
+                      <a:tailEnd type="none" w="med" len="med"/>
+                    </a:lnL>
+                    <a:lnR w="6350" cap="flat" cmpd="sng" algn="ctr">
+                      <a:solidFill>
+                        <a:srgbClr val="000000"/>
+                      </a:solidFill>
+                      <a:prstDash val="dot"/>
+                      <a:round/>
+                      <a:headEnd type="none" w="med" len="med"/>
+                      <a:tailEnd type="none" w="med" len="med"/>
+                    </a:lnR>
+                    <a:lnT w="6350" cap="flat" cmpd="sng" algn="ctr">
+                      <a:solidFill>
+                        <a:srgbClr val="000000"/>
+                      </a:solidFill>
+                      <a:prstDash val="dot"/>
+                      <a:round/>
+                      <a:headEnd type="none" w="med" len="med"/>
+                      <a:tailEnd type="none" w="med" len="med"/>
+                    </a:lnT>
+                    <a:lnB w="6350" cap="flat" cmpd="sng" algn="ctr">
+                      <a:solidFill>
+                        <a:srgbClr val="000000"/>
+                      </a:solidFill>
+                      <a:prstDash val="dot"/>
+                      <a:round/>
+                      <a:headEnd type="none" w="med" len="med"/>
+                      <a:tailEnd type="none" w="med" len="med"/>
+                    </a:lnB>
+                  </a:tcPr>
+                </a:tc>
+                <a:tc>
+                  <a:txBody>
+                    <a:bodyPr/>
+                    <a:lstStyle/>
+                    <a:p>
+                      <a:pPr algn="ctr" fontAlgn="ctr"/>
+                      <a:r>
+                        <a:rPr lang="en-US" altLang="ja-JP" sz="2900" b="0" i="0" u="none" strike="noStrike">
+                          <a:solidFill>
+                            <a:srgbClr val="000000"/>
+                          </a:solidFill>
+                          <a:effectLst/>
+                          <a:latin typeface="游ゴシック" panose="020B0400000000000000" pitchFamily="50" charset="-128"/>
+                          <a:ea typeface="游ゴシック" panose="020B0400000000000000" pitchFamily="50" charset="-128"/>
+                        </a:rPr>
+                        <a:t>1</a:t>
+                      </a:r>
+                    </a:p>
+                  </a:txBody>
+                  <a:tcPr marL="3768" marR="3768" marT="3768" marB="0" anchor="ctr">
+                    <a:lnL w="6350" cap="flat" cmpd="sng" algn="ctr">
+                      <a:solidFill>
+                        <a:srgbClr val="000000"/>
+                      </a:solidFill>
+                      <a:prstDash val="dot"/>
+                      <a:round/>
+                      <a:headEnd type="none" w="med" len="med"/>
+                      <a:tailEnd type="none" w="med" len="med"/>
+                    </a:lnL>
+                    <a:lnR w="6350" cap="flat" cmpd="sng" algn="ctr">
+                      <a:solidFill>
+                        <a:srgbClr val="000000"/>
+                      </a:solidFill>
+                      <a:prstDash val="dot"/>
+                      <a:round/>
+                      <a:headEnd type="none" w="med" len="med"/>
+                      <a:tailEnd type="none" w="med" len="med"/>
+                    </a:lnR>
+                    <a:lnT w="19050" cap="flat" cmpd="sng" algn="ctr">
+                      <a:solidFill>
+                        <a:srgbClr val="ED7D31"/>
+                      </a:solidFill>
+                      <a:prstDash val="solid"/>
+                      <a:round/>
+                      <a:headEnd type="none" w="med" len="med"/>
+                      <a:tailEnd type="none" w="med" len="med"/>
+                    </a:lnT>
+                    <a:lnB w="6350" cap="flat" cmpd="sng" algn="ctr">
+                      <a:solidFill>
+                        <a:srgbClr val="000000"/>
+                      </a:solidFill>
+                      <a:prstDash val="dot"/>
+                      <a:round/>
+                      <a:headEnd type="none" w="med" len="med"/>
+                      <a:tailEnd type="none" w="med" len="med"/>
+                    </a:lnB>
+                  </a:tcPr>
+                </a:tc>
+                <a:tc>
+                  <a:txBody>
+                    <a:bodyPr/>
+                    <a:lstStyle/>
+                    <a:p>
+                      <a:pPr algn="ctr" fontAlgn="ctr"/>
+                      <a:r>
+                        <a:rPr lang="en-US" altLang="ja-JP" sz="2900" b="0" i="0" u="none" strike="noStrike">
+                          <a:solidFill>
+                            <a:srgbClr val="000000"/>
+                          </a:solidFill>
+                          <a:effectLst/>
+                          <a:latin typeface="游ゴシック" panose="020B0400000000000000" pitchFamily="50" charset="-128"/>
+                          <a:ea typeface="游ゴシック" panose="020B0400000000000000" pitchFamily="50" charset="-128"/>
+                        </a:rPr>
+                        <a:t>2</a:t>
+                      </a:r>
+                    </a:p>
+                  </a:txBody>
+                  <a:tcPr marL="3768" marR="3768" marT="3768" marB="0" anchor="ctr">
+                    <a:lnL w="6350" cap="flat" cmpd="sng" algn="ctr">
+                      <a:solidFill>
+                        <a:srgbClr val="000000"/>
+                      </a:solidFill>
+                      <a:prstDash val="dot"/>
+                      <a:round/>
+                      <a:headEnd type="none" w="med" len="med"/>
+                      <a:tailEnd type="none" w="med" len="med"/>
+                    </a:lnL>
+                    <a:lnR w="19050" cap="flat" cmpd="sng" algn="ctr">
+                      <a:solidFill>
+                        <a:srgbClr val="ED7D31"/>
+                      </a:solidFill>
+                      <a:prstDash val="solid"/>
+                      <a:round/>
+                      <a:headEnd type="none" w="med" len="med"/>
+                      <a:tailEnd type="none" w="med" len="med"/>
+                    </a:lnR>
+                    <a:lnT w="19050" cap="flat" cmpd="sng" algn="ctr">
+                      <a:solidFill>
+                        <a:srgbClr val="ED7D31"/>
+                      </a:solidFill>
+                      <a:prstDash val="solid"/>
+                      <a:round/>
+                      <a:headEnd type="none" w="med" len="med"/>
+                      <a:tailEnd type="none" w="med" len="med"/>
+                    </a:lnT>
+                    <a:lnB w="6350" cap="flat" cmpd="sng" algn="ctr">
+                      <a:solidFill>
+                        <a:srgbClr val="000000"/>
+                      </a:solidFill>
+                      <a:prstDash val="dot"/>
+                      <a:round/>
+                      <a:headEnd type="none" w="med" len="med"/>
+                      <a:tailEnd type="none" w="med" len="med"/>
+                    </a:lnB>
+                  </a:tcPr>
+                </a:tc>
+                <a:tc>
+                  <a:txBody>
+                    <a:bodyPr/>
+                    <a:lstStyle/>
+                    <a:p>
+                      <a:pPr algn="l" fontAlgn="ctr"/>
+                      <a:endParaRPr lang="ja-JP" altLang="en-US" sz="400" b="0" i="0" u="none" strike="noStrike">
+                        <a:solidFill>
+                          <a:srgbClr val="000000"/>
+                        </a:solidFill>
+                        <a:effectLst/>
+                        <a:latin typeface="游ゴシック" panose="020B0400000000000000" pitchFamily="50" charset="-128"/>
+                        <a:ea typeface="游ゴシック" panose="020B0400000000000000" pitchFamily="50" charset="-128"/>
+                      </a:endParaRPr>
+                    </a:p>
+                  </a:txBody>
+                  <a:tcPr marL="3768" marR="3768" marT="3768" marB="0" anchor="ctr">
+                    <a:lnL w="19050" cap="flat" cmpd="sng" algn="ctr">
+                      <a:solidFill>
+                        <a:srgbClr val="ED7D31"/>
+                      </a:solidFill>
+                      <a:prstDash val="solid"/>
+                      <a:round/>
+                      <a:headEnd type="none" w="med" len="med"/>
+                      <a:tailEnd type="none" w="med" len="med"/>
+                    </a:lnL>
+                    <a:lnR>
+                      <a:noFill/>
+                    </a:lnR>
+                    <a:lnT>
+                      <a:noFill/>
+                    </a:lnT>
+                    <a:lnB>
+                      <a:noFill/>
+                    </a:lnB>
+                  </a:tcPr>
+                </a:tc>
+                <a:extLst>
+                  <a:ext uri="{0D108BD9-81ED-4DB2-BD59-A6C34878D82A}">
+                    <a16:rowId xmlns:a16="http://schemas.microsoft.com/office/drawing/2014/main" val="2113388741"/>
+                  </a:ext>
+                </a:extLst>
+              </a:tr>
+              <a:tr h="753533">
+                <a:tc>
+                  <a:txBody>
+                    <a:bodyPr/>
+                    <a:lstStyle/>
+                    <a:p>
+                      <a:pPr algn="l" fontAlgn="ctr"/>
+                      <a:endParaRPr lang="ja-JP" altLang="en-US" sz="400" b="0" i="0" u="none" strike="noStrike">
+                        <a:solidFill>
+                          <a:srgbClr val="000000"/>
+                        </a:solidFill>
+                        <a:effectLst/>
+                        <a:latin typeface="游ゴシック" panose="020B0400000000000000" pitchFamily="50" charset="-128"/>
+                        <a:ea typeface="游ゴシック" panose="020B0400000000000000" pitchFamily="50" charset="-128"/>
+                      </a:endParaRPr>
+                    </a:p>
+                  </a:txBody>
+                  <a:tcPr marL="3768" marR="3768" marT="3768" marB="0" anchor="ctr">
+                    <a:lnL>
+                      <a:noFill/>
+                    </a:lnL>
+                    <a:lnR w="19050" cap="flat" cmpd="sng" algn="ctr">
+                      <a:solidFill>
+                        <a:srgbClr val="00C49A"/>
+                      </a:solidFill>
+                      <a:prstDash val="solid"/>
+                      <a:round/>
+                      <a:headEnd type="none" w="med" len="med"/>
+                      <a:tailEnd type="none" w="med" len="med"/>
+                    </a:lnR>
+                    <a:lnT>
+                      <a:noFill/>
+                    </a:lnT>
+                    <a:lnB>
+                      <a:noFill/>
+                    </a:lnB>
+                  </a:tcPr>
+                </a:tc>
+                <a:tc>
+                  <a:txBody>
+                    <a:bodyPr/>
+                    <a:lstStyle/>
+                    <a:p>
+                      <a:pPr algn="ctr" fontAlgn="ctr"/>
+                      <a:r>
+                        <a:rPr lang="en-US" altLang="ja-JP" sz="2900" b="0" i="0" u="none" strike="noStrike">
+                          <a:solidFill>
+                            <a:srgbClr val="000000"/>
+                          </a:solidFill>
+                          <a:effectLst/>
+                          <a:latin typeface="游ゴシック" panose="020B0400000000000000" pitchFamily="50" charset="-128"/>
+                          <a:ea typeface="游ゴシック" panose="020B0400000000000000" pitchFamily="50" charset="-128"/>
+                        </a:rPr>
+                        <a:t>1</a:t>
+                      </a:r>
+                    </a:p>
+                  </a:txBody>
+                  <a:tcPr marL="3768" marR="3768" marT="3768" marB="0" anchor="ctr">
+                    <a:lnL w="19050" cap="flat" cmpd="sng" algn="ctr">
+                      <a:solidFill>
+                        <a:srgbClr val="00C49A"/>
+                      </a:solidFill>
+                      <a:prstDash val="solid"/>
+                      <a:round/>
+                      <a:headEnd type="none" w="med" len="med"/>
+                      <a:tailEnd type="none" w="med" len="med"/>
+                    </a:lnL>
+                    <a:lnR w="6350" cap="flat" cmpd="sng" algn="ctr">
+                      <a:solidFill>
+                        <a:srgbClr val="000000"/>
+                      </a:solidFill>
+                      <a:prstDash val="dot"/>
+                      <a:round/>
+                      <a:headEnd type="none" w="med" len="med"/>
+                      <a:tailEnd type="none" w="med" len="med"/>
+                    </a:lnR>
+                    <a:lnT w="6350" cap="flat" cmpd="sng" algn="ctr">
+                      <a:solidFill>
+                        <a:srgbClr val="000000"/>
+                      </a:solidFill>
+                      <a:prstDash val="dot"/>
+                      <a:round/>
+                      <a:headEnd type="none" w="med" len="med"/>
+                      <a:tailEnd type="none" w="med" len="med"/>
+                    </a:lnT>
+                    <a:lnB w="19050" cap="flat" cmpd="sng" algn="ctr">
+                      <a:solidFill>
+                        <a:srgbClr val="ED7D31"/>
+                      </a:solidFill>
+                      <a:prstDash val="solid"/>
+                      <a:round/>
+                      <a:headEnd type="none" w="med" len="med"/>
+                      <a:tailEnd type="none" w="med" len="med"/>
+                    </a:lnB>
+                  </a:tcPr>
+                </a:tc>
+                <a:tc>
+                  <a:txBody>
+                    <a:bodyPr/>
+                    <a:lstStyle/>
+                    <a:p>
+                      <a:pPr algn="ctr" fontAlgn="ctr"/>
+                      <a:r>
+                        <a:rPr lang="en-US" altLang="ja-JP" sz="2900" b="0" i="0" u="none" strike="noStrike">
+                          <a:solidFill>
+                            <a:srgbClr val="000000"/>
+                          </a:solidFill>
+                          <a:effectLst/>
+                          <a:latin typeface="游ゴシック" panose="020B0400000000000000" pitchFamily="50" charset="-128"/>
+                          <a:ea typeface="游ゴシック" panose="020B0400000000000000" pitchFamily="50" charset="-128"/>
+                        </a:rPr>
+                        <a:t>1</a:t>
+                      </a:r>
+                    </a:p>
+                  </a:txBody>
+                  <a:tcPr marL="3768" marR="3768" marT="3768" marB="0" anchor="ctr">
+                    <a:lnL w="6350" cap="flat" cmpd="sng" algn="ctr">
+                      <a:solidFill>
+                        <a:srgbClr val="000000"/>
+                      </a:solidFill>
+                      <a:prstDash val="dot"/>
+                      <a:round/>
+                      <a:headEnd type="none" w="med" len="med"/>
+                      <a:tailEnd type="none" w="med" len="med"/>
+                    </a:lnL>
+                    <a:lnR w="6350" cap="flat" cmpd="sng" algn="ctr">
+                      <a:solidFill>
+                        <a:srgbClr val="000000"/>
+                      </a:solidFill>
+                      <a:prstDash val="dot"/>
+                      <a:round/>
+                      <a:headEnd type="none" w="med" len="med"/>
+                      <a:tailEnd type="none" w="med" len="med"/>
+                    </a:lnR>
+                    <a:lnT w="6350" cap="flat" cmpd="sng" algn="ctr">
+                      <a:solidFill>
+                        <a:srgbClr val="000000"/>
+                      </a:solidFill>
+                      <a:prstDash val="dot"/>
+                      <a:round/>
+                      <a:headEnd type="none" w="med" len="med"/>
+                      <a:tailEnd type="none" w="med" len="med"/>
+                    </a:lnT>
+                    <a:lnB w="19050" cap="flat" cmpd="sng" algn="ctr">
+                      <a:solidFill>
+                        <a:srgbClr val="ED7D31"/>
+                      </a:solidFill>
+                      <a:prstDash val="solid"/>
+                      <a:round/>
+                      <a:headEnd type="none" w="med" len="med"/>
+                      <a:tailEnd type="none" w="med" len="med"/>
+                    </a:lnB>
+                  </a:tcPr>
+                </a:tc>
+                <a:tc>
+                  <a:txBody>
+                    <a:bodyPr/>
+                    <a:lstStyle/>
+                    <a:p>
+                      <a:pPr algn="ctr" fontAlgn="ctr"/>
+                      <a:r>
+                        <a:rPr lang="en-US" altLang="ja-JP" sz="2900" b="0" i="0" u="none" strike="noStrike">
+                          <a:solidFill>
+                            <a:srgbClr val="000000"/>
+                          </a:solidFill>
+                          <a:effectLst/>
+                          <a:latin typeface="游ゴシック" panose="020B0400000000000000" pitchFamily="50" charset="-128"/>
+                          <a:ea typeface="游ゴシック" panose="020B0400000000000000" pitchFamily="50" charset="-128"/>
+                        </a:rPr>
+                        <a:t>2</a:t>
+                      </a:r>
+                    </a:p>
+                  </a:txBody>
+                  <a:tcPr marL="3768" marR="3768" marT="3768" marB="0" anchor="ctr">
+                    <a:lnL w="6350" cap="flat" cmpd="sng" algn="ctr">
+                      <a:solidFill>
+                        <a:srgbClr val="000000"/>
+                      </a:solidFill>
+                      <a:prstDash val="dot"/>
+                      <a:round/>
+                      <a:headEnd type="none" w="med" len="med"/>
+                      <a:tailEnd type="none" w="med" len="med"/>
+                    </a:lnL>
+                    <a:lnR w="19050" cap="flat" cmpd="sng" algn="ctr">
+                      <a:solidFill>
+                        <a:srgbClr val="ED7D31"/>
+                      </a:solidFill>
+                      <a:prstDash val="solid"/>
+                      <a:round/>
+                      <a:headEnd type="none" w="med" len="med"/>
+                      <a:tailEnd type="none" w="med" len="med"/>
+                    </a:lnR>
+                    <a:lnT w="6350" cap="flat" cmpd="sng" algn="ctr">
+                      <a:solidFill>
+                        <a:srgbClr val="000000"/>
+                      </a:solidFill>
+                      <a:prstDash val="dot"/>
+                      <a:round/>
+                      <a:headEnd type="none" w="med" len="med"/>
+                      <a:tailEnd type="none" w="med" len="med"/>
+                    </a:lnT>
+                    <a:lnB w="19050" cap="flat" cmpd="sng" algn="ctr">
+                      <a:solidFill>
+                        <a:srgbClr val="ED7D31"/>
+                      </a:solidFill>
+                      <a:prstDash val="solid"/>
+                      <a:round/>
+                      <a:headEnd type="none" w="med" len="med"/>
+                      <a:tailEnd type="none" w="med" len="med"/>
+                    </a:lnB>
+                  </a:tcPr>
+                </a:tc>
+                <a:tc>
+                  <a:txBody>
+                    <a:bodyPr/>
+                    <a:lstStyle/>
+                    <a:p>
+                      <a:pPr algn="ctr" fontAlgn="ctr"/>
+                      <a:r>
+                        <a:rPr lang="en-US" altLang="ja-JP" sz="2900" b="0" i="0" u="none" strike="noStrike">
+                          <a:solidFill>
+                            <a:srgbClr val="000000"/>
+                          </a:solidFill>
+                          <a:effectLst/>
+                          <a:latin typeface="游ゴシック" panose="020B0400000000000000" pitchFamily="50" charset="-128"/>
+                          <a:ea typeface="游ゴシック" panose="020B0400000000000000" pitchFamily="50" charset="-128"/>
+                        </a:rPr>
+                        <a:t>2</a:t>
+                      </a:r>
+                    </a:p>
+                  </a:txBody>
+                  <a:tcPr marL="3768" marR="3768" marT="3768" marB="0" anchor="ctr">
+                    <a:lnL w="19050" cap="flat" cmpd="sng" algn="ctr">
+                      <a:solidFill>
+                        <a:srgbClr val="ED7D31"/>
+                      </a:solidFill>
+                      <a:prstDash val="solid"/>
+                      <a:round/>
+                      <a:headEnd type="none" w="med" len="med"/>
+                      <a:tailEnd type="none" w="med" len="med"/>
+                    </a:lnL>
+                    <a:lnR w="19050" cap="flat" cmpd="sng" algn="ctr">
+                      <a:solidFill>
+                        <a:srgbClr val="ED7D31"/>
+                      </a:solidFill>
+                      <a:prstDash val="solid"/>
+                      <a:round/>
+                      <a:headEnd type="none" w="med" len="med"/>
+                      <a:tailEnd type="none" w="med" len="med"/>
+                    </a:lnR>
+                    <a:lnT w="6350" cap="flat" cmpd="sng" algn="ctr">
+                      <a:solidFill>
+                        <a:srgbClr val="000000"/>
+                      </a:solidFill>
+                      <a:prstDash val="dot"/>
+                      <a:round/>
+                      <a:headEnd type="none" w="med" len="med"/>
+                      <a:tailEnd type="none" w="med" len="med"/>
+                    </a:lnT>
+                    <a:lnB w="19050" cap="flat" cmpd="sng" algn="ctr">
+                      <a:solidFill>
+                        <a:srgbClr val="00C49A"/>
+                      </a:solidFill>
+                      <a:prstDash val="solid"/>
+                      <a:round/>
+                      <a:headEnd type="none" w="med" len="med"/>
+                      <a:tailEnd type="none" w="med" len="med"/>
+                    </a:lnB>
+                  </a:tcPr>
+                </a:tc>
+                <a:tc>
+                  <a:txBody>
+                    <a:bodyPr/>
+                    <a:lstStyle/>
+                    <a:p>
+                      <a:pPr algn="l" fontAlgn="ctr"/>
+                      <a:endParaRPr lang="ja-JP" altLang="en-US" sz="400" b="0" i="0" u="none" strike="noStrike">
+                        <a:solidFill>
+                          <a:srgbClr val="000000"/>
+                        </a:solidFill>
+                        <a:effectLst/>
+                        <a:latin typeface="游ゴシック" panose="020B0400000000000000" pitchFamily="50" charset="-128"/>
+                        <a:ea typeface="游ゴシック" panose="020B0400000000000000" pitchFamily="50" charset="-128"/>
+                      </a:endParaRPr>
+                    </a:p>
+                  </a:txBody>
+                  <a:tcPr marL="3768" marR="3768" marT="3768" marB="0" anchor="ctr">
+                    <a:lnL w="19050" cap="flat" cmpd="sng" algn="ctr">
+                      <a:solidFill>
+                        <a:srgbClr val="ED7D31"/>
+                      </a:solidFill>
+                      <a:prstDash val="solid"/>
+                      <a:round/>
+                      <a:headEnd type="none" w="med" len="med"/>
+                      <a:tailEnd type="none" w="med" len="med"/>
+                    </a:lnL>
+                    <a:lnR>
+                      <a:noFill/>
+                    </a:lnR>
+                    <a:lnT>
+                      <a:noFill/>
+                    </a:lnT>
+                    <a:lnB>
+                      <a:noFill/>
+                    </a:lnB>
+                  </a:tcPr>
+                </a:tc>
+                <a:extLst>
+                  <a:ext uri="{0D108BD9-81ED-4DB2-BD59-A6C34878D82A}">
+                    <a16:rowId xmlns:a16="http://schemas.microsoft.com/office/drawing/2014/main" val="1344297235"/>
+                  </a:ext>
+                </a:extLst>
+              </a:tr>
+              <a:tr h="753533">
+                <a:tc>
+                  <a:txBody>
+                    <a:bodyPr/>
+                    <a:lstStyle/>
+                    <a:p>
+                      <a:pPr algn="l" fontAlgn="ctr"/>
+                      <a:endParaRPr lang="ja-JP" altLang="en-US" sz="400" b="0" i="0" u="none" strike="noStrike">
+                        <a:solidFill>
+                          <a:srgbClr val="000000"/>
+                        </a:solidFill>
+                        <a:effectLst/>
+                        <a:latin typeface="游ゴシック" panose="020B0400000000000000" pitchFamily="50" charset="-128"/>
+                        <a:ea typeface="游ゴシック" panose="020B0400000000000000" pitchFamily="50" charset="-128"/>
+                      </a:endParaRPr>
+                    </a:p>
+                  </a:txBody>
+                  <a:tcPr marL="3768" marR="3768" marT="3768" marB="0" anchor="ctr">
+                    <a:lnL>
+                      <a:noFill/>
+                    </a:lnL>
+                    <a:lnR>
+                      <a:noFill/>
+                    </a:lnR>
+                    <a:lnT>
+                      <a:noFill/>
+                    </a:lnT>
+                    <a:lnB>
+                      <a:noFill/>
+                    </a:lnB>
+                  </a:tcPr>
+                </a:tc>
+                <a:tc>
+                  <a:txBody>
+                    <a:bodyPr/>
+                    <a:lstStyle/>
+                    <a:p>
+                      <a:pPr algn="l" fontAlgn="ctr"/>
+                      <a:endParaRPr lang="ja-JP" altLang="en-US" sz="400" b="0" i="0" u="none" strike="noStrike">
+                        <a:solidFill>
+                          <a:srgbClr val="000000"/>
+                        </a:solidFill>
+                        <a:effectLst/>
+                        <a:latin typeface="游ゴシック" panose="020B0400000000000000" pitchFamily="50" charset="-128"/>
+                        <a:ea typeface="游ゴシック" panose="020B0400000000000000" pitchFamily="50" charset="-128"/>
+                      </a:endParaRPr>
+                    </a:p>
+                  </a:txBody>
+                  <a:tcPr marL="3768" marR="3768" marT="3768" marB="0" anchor="ctr">
+                    <a:lnL>
+                      <a:noFill/>
+                    </a:lnL>
+                    <a:lnR>
+                      <a:noFill/>
+                    </a:lnR>
+                    <a:lnT w="19050" cap="flat" cmpd="sng" algn="ctr">
+                      <a:solidFill>
+                        <a:srgbClr val="ED7D31"/>
+                      </a:solidFill>
+                      <a:prstDash val="solid"/>
+                      <a:round/>
+                      <a:headEnd type="none" w="med" len="med"/>
+                      <a:tailEnd type="none" w="med" len="med"/>
+                    </a:lnT>
+                    <a:lnB>
+                      <a:noFill/>
+                    </a:lnB>
+                  </a:tcPr>
+                </a:tc>
+                <a:tc>
+                  <a:txBody>
+                    <a:bodyPr/>
+                    <a:lstStyle/>
+                    <a:p>
+                      <a:pPr algn="l" fontAlgn="ctr"/>
+                      <a:endParaRPr lang="ja-JP" altLang="en-US" sz="400" b="0" i="0" u="none" strike="noStrike">
+                        <a:solidFill>
+                          <a:srgbClr val="000000"/>
+                        </a:solidFill>
+                        <a:effectLst/>
+                        <a:latin typeface="游ゴシック" panose="020B0400000000000000" pitchFamily="50" charset="-128"/>
+                        <a:ea typeface="游ゴシック" panose="020B0400000000000000" pitchFamily="50" charset="-128"/>
+                      </a:endParaRPr>
+                    </a:p>
+                  </a:txBody>
+                  <a:tcPr marL="3768" marR="3768" marT="3768" marB="0" anchor="ctr">
+                    <a:lnL>
+                      <a:noFill/>
+                    </a:lnL>
+                    <a:lnR>
+                      <a:noFill/>
+                    </a:lnR>
+                    <a:lnT w="19050" cap="flat" cmpd="sng" algn="ctr">
+                      <a:solidFill>
+                        <a:srgbClr val="ED7D31"/>
+                      </a:solidFill>
+                      <a:prstDash val="solid"/>
+                      <a:round/>
+                      <a:headEnd type="none" w="med" len="med"/>
+                      <a:tailEnd type="none" w="med" len="med"/>
+                    </a:lnT>
+                    <a:lnB>
+                      <a:noFill/>
+                    </a:lnB>
+                  </a:tcPr>
+                </a:tc>
+                <a:tc>
+                  <a:txBody>
+                    <a:bodyPr/>
+                    <a:lstStyle/>
+                    <a:p>
+                      <a:pPr algn="l" fontAlgn="ctr"/>
+                      <a:endParaRPr lang="ja-JP" altLang="en-US" sz="400" b="0" i="0" u="none" strike="noStrike">
+                        <a:solidFill>
+                          <a:srgbClr val="000000"/>
+                        </a:solidFill>
+                        <a:effectLst/>
+                        <a:latin typeface="游ゴシック" panose="020B0400000000000000" pitchFamily="50" charset="-128"/>
+                        <a:ea typeface="游ゴシック" panose="020B0400000000000000" pitchFamily="50" charset="-128"/>
+                      </a:endParaRPr>
+                    </a:p>
+                  </a:txBody>
+                  <a:tcPr marL="3768" marR="3768" marT="3768" marB="0" anchor="ctr">
+                    <a:lnL>
+                      <a:noFill/>
+                    </a:lnL>
+                    <a:lnR>
+                      <a:noFill/>
+                    </a:lnR>
+                    <a:lnT w="19050" cap="flat" cmpd="sng" algn="ctr">
+                      <a:solidFill>
+                        <a:srgbClr val="ED7D31"/>
+                      </a:solidFill>
+                      <a:prstDash val="solid"/>
+                      <a:round/>
+                      <a:headEnd type="none" w="med" len="med"/>
+                      <a:tailEnd type="none" w="med" len="med"/>
+                    </a:lnT>
+                    <a:lnB>
+                      <a:noFill/>
+                    </a:lnB>
+                  </a:tcPr>
+                </a:tc>
+                <a:tc>
+                  <a:txBody>
+                    <a:bodyPr/>
+                    <a:lstStyle/>
+                    <a:p>
+                      <a:pPr algn="l" fontAlgn="ctr"/>
+                      <a:endParaRPr lang="ja-JP" altLang="en-US" sz="400" b="0" i="0" u="none" strike="noStrike">
+                        <a:solidFill>
+                          <a:srgbClr val="000000"/>
+                        </a:solidFill>
+                        <a:effectLst/>
+                        <a:latin typeface="游ゴシック" panose="020B0400000000000000" pitchFamily="50" charset="-128"/>
+                        <a:ea typeface="游ゴシック" panose="020B0400000000000000" pitchFamily="50" charset="-128"/>
+                      </a:endParaRPr>
+                    </a:p>
+                  </a:txBody>
+                  <a:tcPr marL="3768" marR="3768" marT="3768" marB="0" anchor="ctr">
+                    <a:lnL>
+                      <a:noFill/>
+                    </a:lnL>
+                    <a:lnR>
+                      <a:noFill/>
+                    </a:lnR>
+                    <a:lnT w="19050" cap="flat" cmpd="sng" algn="ctr">
+                      <a:solidFill>
+                        <a:srgbClr val="00C49A"/>
+                      </a:solidFill>
+                      <a:prstDash val="solid"/>
+                      <a:round/>
+                      <a:headEnd type="none" w="med" len="med"/>
+                      <a:tailEnd type="none" w="med" len="med"/>
+                    </a:lnT>
+                    <a:lnB>
+                      <a:noFill/>
+                    </a:lnB>
+                  </a:tcPr>
+                </a:tc>
+                <a:tc>
+                  <a:txBody>
+                    <a:bodyPr/>
+                    <a:lstStyle/>
+                    <a:p>
+                      <a:pPr algn="l" fontAlgn="ctr"/>
+                      <a:endParaRPr lang="ja-JP" altLang="en-US" sz="400" b="0" i="0" u="none" strike="noStrike" dirty="0">
+                        <a:solidFill>
+                          <a:srgbClr val="000000"/>
+                        </a:solidFill>
+                        <a:effectLst/>
+                        <a:latin typeface="游ゴシック" panose="020B0400000000000000" pitchFamily="50" charset="-128"/>
+                        <a:ea typeface="游ゴシック" panose="020B0400000000000000" pitchFamily="50" charset="-128"/>
+                      </a:endParaRPr>
+                    </a:p>
+                  </a:txBody>
+                  <a:tcPr marL="3768" marR="3768" marT="3768" marB="0" anchor="ctr">
+                    <a:lnL>
+                      <a:noFill/>
+                    </a:lnL>
+                    <a:lnR>
+                      <a:noFill/>
+                    </a:lnR>
+                    <a:lnT>
+                      <a:noFill/>
+                    </a:lnT>
+                    <a:lnB>
+                      <a:noFill/>
+                    </a:lnB>
+                  </a:tcPr>
+                </a:tc>
+                <a:extLst>
+                  <a:ext uri="{0D108BD9-81ED-4DB2-BD59-A6C34878D82A}">
+                    <a16:rowId xmlns:a16="http://schemas.microsoft.com/office/drawing/2014/main" val="2691902991"/>
+                  </a:ext>
+                </a:extLst>
+              </a:tr>
+            </a:tbl>
+          </a:graphicData>
+        </a:graphic>
+      </p:graphicFrame>
+    </p:spTree>
+    <p:extLst>
+      <p:ext uri="{BB962C8B-B14F-4D97-AF65-F5344CB8AC3E}">
+        <p14:creationId xmlns:p14="http://schemas.microsoft.com/office/powerpoint/2010/main" val="655850296"/>
+      </p:ext>
+    </p:extLst>
+  </p:cSld>
+  <p:clrMapOvr>
+    <a:masterClrMapping/>
+  </p:clrMapOvr>
+</p:sld>
+</file>
+
 <file path=ppt/slides/slide2.xml><?xml version="1.0" encoding="utf-8"?>
 <p:sld xmlns:a="http://schemas.openxmlformats.org/drawingml/2006/main" xmlns:r="http://schemas.openxmlformats.org/officeDocument/2006/relationships" xmlns:p="http://schemas.openxmlformats.org/presentationml/2006/main">
   <p:cSld>
@@ -14178,7 +17470,7 @@
         </p:nvGraphicFramePr>
         <p:xfrm>
           <a:off x="1500187" y="3024187"/>
-          <a:ext cx="3857624" cy="3857624"/>
+          <a:ext cx="3857623" cy="3857623"/>
         </p:xfrm>
         <a:graphic>
           <a:graphicData uri="http://schemas.openxmlformats.org/drawingml/2006/table">
@@ -20574,7 +23866,7 @@
         </p:nvGraphicFramePr>
         <p:xfrm>
           <a:off x="2205186" y="3729186"/>
-          <a:ext cx="2447629" cy="2447629"/>
+          <a:ext cx="2447628" cy="2447628"/>
         </p:xfrm>
         <a:graphic>
           <a:graphicData uri="http://schemas.openxmlformats.org/drawingml/2006/table">
@@ -22061,7 +25353,7 @@
         </p:nvGraphicFramePr>
         <p:xfrm>
           <a:off x="2205186" y="3729186"/>
-          <a:ext cx="2447629" cy="2447629"/>
+          <a:ext cx="2447628" cy="2447628"/>
         </p:xfrm>
         <a:graphic>
           <a:graphicData uri="http://schemas.openxmlformats.org/drawingml/2006/table">
@@ -29776,7 +33068,7 @@
         </p:nvGraphicFramePr>
         <p:xfrm>
           <a:off x="2205186" y="3729186"/>
-          <a:ext cx="2447629" cy="2447629"/>
+          <a:ext cx="2447628" cy="2447628"/>
         </p:xfrm>
         <a:graphic>
           <a:graphicData uri="http://schemas.openxmlformats.org/drawingml/2006/table">
